--- a/Documentation/Presentation.pptx
+++ b/Documentation/Presentation.pptx
@@ -8,18 +8,19 @@
     <p:sldId id="256" r:id="rId2"/>
     <p:sldId id="257" r:id="rId3"/>
     <p:sldId id="258" r:id="rId4"/>
-    <p:sldId id="259" r:id="rId5"/>
-    <p:sldId id="260" r:id="rId6"/>
-    <p:sldId id="261" r:id="rId7"/>
-    <p:sldId id="262" r:id="rId8"/>
-    <p:sldId id="263" r:id="rId9"/>
-    <p:sldId id="264" r:id="rId10"/>
-    <p:sldId id="265" r:id="rId11"/>
-    <p:sldId id="266" r:id="rId12"/>
-    <p:sldId id="267" r:id="rId13"/>
-    <p:sldId id="268" r:id="rId14"/>
-    <p:sldId id="269" r:id="rId15"/>
-    <p:sldId id="270" r:id="rId16"/>
+    <p:sldId id="271" r:id="rId5"/>
+    <p:sldId id="259" r:id="rId6"/>
+    <p:sldId id="260" r:id="rId7"/>
+    <p:sldId id="261" r:id="rId8"/>
+    <p:sldId id="262" r:id="rId9"/>
+    <p:sldId id="263" r:id="rId10"/>
+    <p:sldId id="264" r:id="rId11"/>
+    <p:sldId id="265" r:id="rId12"/>
+    <p:sldId id="266" r:id="rId13"/>
+    <p:sldId id="267" r:id="rId14"/>
+    <p:sldId id="268" r:id="rId15"/>
+    <p:sldId id="269" r:id="rId16"/>
+    <p:sldId id="270" r:id="rId17"/>
   </p:sldIdLst>
   <p:sldSz cx="12192000" cy="6858000"/>
   <p:notesSz cx="6858000" cy="9144000"/>
@@ -118,7 +119,16 @@
       </a:defRPr>
     </a:lvl9pPr>
   </p:defaultTextStyle>
+  <p:extLst>
+    <p:ext uri="{EFAFB233-063F-42B5-8137-9DF3F51BA10A}">
+      <p15:sldGuideLst xmlns:p15="http://schemas.microsoft.com/office/powerpoint/2012/main"/>
+    </p:ext>
+  </p:extLst>
 </p:presentation>
+</file>
+
+<file path=ppt/revisionInfo.xml><?xml version="1.0" encoding="utf-8"?>
+<p1510:revInfo xmlns:a="http://schemas.openxmlformats.org/drawingml/2006/main" xmlns:r="http://schemas.openxmlformats.org/officeDocument/2006/relationships" xmlns:p1510="http://schemas.microsoft.com/office/powerpoint/2015/10/main"/>
 </file>
 
 <file path=ppt/slideLayouts/slideLayout1.xml><?xml version="1.0" encoding="utf-8"?>
@@ -268,7 +278,7 @@
           <a:p>
             <a:fld id="{EE92B428-2E8E-4888-91F2-EBD4B7AC95A5}" type="datetimeFigureOut">
               <a:rPr lang="nb-NO" smtClean="0"/>
-              <a:t>12.09.2017</a:t>
+              <a:t>13.09.2017</a:t>
             </a:fld>
             <a:endParaRPr lang="nb-NO"/>
           </a:p>
@@ -466,7 +476,7 @@
           <a:p>
             <a:fld id="{EE92B428-2E8E-4888-91F2-EBD4B7AC95A5}" type="datetimeFigureOut">
               <a:rPr lang="nb-NO" smtClean="0"/>
-              <a:t>12.09.2017</a:t>
+              <a:t>13.09.2017</a:t>
             </a:fld>
             <a:endParaRPr lang="nb-NO"/>
           </a:p>
@@ -674,7 +684,7 @@
           <a:p>
             <a:fld id="{EE92B428-2E8E-4888-91F2-EBD4B7AC95A5}" type="datetimeFigureOut">
               <a:rPr lang="nb-NO" smtClean="0"/>
-              <a:t>12.09.2017</a:t>
+              <a:t>13.09.2017</a:t>
             </a:fld>
             <a:endParaRPr lang="nb-NO"/>
           </a:p>
@@ -872,7 +882,7 @@
           <a:p>
             <a:fld id="{EE92B428-2E8E-4888-91F2-EBD4B7AC95A5}" type="datetimeFigureOut">
               <a:rPr lang="nb-NO" smtClean="0"/>
-              <a:t>12.09.2017</a:t>
+              <a:t>13.09.2017</a:t>
             </a:fld>
             <a:endParaRPr lang="nb-NO"/>
           </a:p>
@@ -1147,7 +1157,7 @@
           <a:p>
             <a:fld id="{EE92B428-2E8E-4888-91F2-EBD4B7AC95A5}" type="datetimeFigureOut">
               <a:rPr lang="nb-NO" smtClean="0"/>
-              <a:t>12.09.2017</a:t>
+              <a:t>13.09.2017</a:t>
             </a:fld>
             <a:endParaRPr lang="nb-NO"/>
           </a:p>
@@ -1412,7 +1422,7 @@
           <a:p>
             <a:fld id="{EE92B428-2E8E-4888-91F2-EBD4B7AC95A5}" type="datetimeFigureOut">
               <a:rPr lang="nb-NO" smtClean="0"/>
-              <a:t>12.09.2017</a:t>
+              <a:t>13.09.2017</a:t>
             </a:fld>
             <a:endParaRPr lang="nb-NO"/>
           </a:p>
@@ -1824,7 +1834,7 @@
           <a:p>
             <a:fld id="{EE92B428-2E8E-4888-91F2-EBD4B7AC95A5}" type="datetimeFigureOut">
               <a:rPr lang="nb-NO" smtClean="0"/>
-              <a:t>12.09.2017</a:t>
+              <a:t>13.09.2017</a:t>
             </a:fld>
             <a:endParaRPr lang="nb-NO"/>
           </a:p>
@@ -1965,7 +1975,7 @@
           <a:p>
             <a:fld id="{EE92B428-2E8E-4888-91F2-EBD4B7AC95A5}" type="datetimeFigureOut">
               <a:rPr lang="nb-NO" smtClean="0"/>
-              <a:t>12.09.2017</a:t>
+              <a:t>13.09.2017</a:t>
             </a:fld>
             <a:endParaRPr lang="nb-NO"/>
           </a:p>
@@ -2078,7 +2088,7 @@
           <a:p>
             <a:fld id="{EE92B428-2E8E-4888-91F2-EBD4B7AC95A5}" type="datetimeFigureOut">
               <a:rPr lang="nb-NO" smtClean="0"/>
-              <a:t>12.09.2017</a:t>
+              <a:t>13.09.2017</a:t>
             </a:fld>
             <a:endParaRPr lang="nb-NO"/>
           </a:p>
@@ -2389,7 +2399,7 @@
           <a:p>
             <a:fld id="{EE92B428-2E8E-4888-91F2-EBD4B7AC95A5}" type="datetimeFigureOut">
               <a:rPr lang="nb-NO" smtClean="0"/>
-              <a:t>12.09.2017</a:t>
+              <a:t>13.09.2017</a:t>
             </a:fld>
             <a:endParaRPr lang="nb-NO"/>
           </a:p>
@@ -2677,7 +2687,7 @@
           <a:p>
             <a:fld id="{EE92B428-2E8E-4888-91F2-EBD4B7AC95A5}" type="datetimeFigureOut">
               <a:rPr lang="nb-NO" smtClean="0"/>
-              <a:t>12.09.2017</a:t>
+              <a:t>13.09.2017</a:t>
             </a:fld>
             <a:endParaRPr lang="nb-NO"/>
           </a:p>
@@ -2918,7 +2928,7 @@
           <a:p>
             <a:fld id="{EE92B428-2E8E-4888-91F2-EBD4B7AC95A5}" type="datetimeFigureOut">
               <a:rPr lang="nb-NO" smtClean="0"/>
-              <a:t>12.09.2017</a:t>
+              <a:t>13.09.2017</a:t>
             </a:fld>
             <a:endParaRPr lang="nb-NO"/>
           </a:p>
@@ -3692,6 +3702,2259 @@
             <a:pPr algn="ctr"/>
             <a:r>
               <a:rPr lang="nb-NO" dirty="0"/>
+              <a:t>Releaseplan: Sprint 1</a:t>
+            </a:r>
+          </a:p>
+        </p:txBody>
+      </p:sp>
+      <p:sp>
+        <p:nvSpPr>
+          <p:cNvPr id="3" name="Plassholder for innhold 2">
+            <a:extLst>
+              <a:ext uri="{FF2B5EF4-FFF2-40B4-BE49-F238E27FC236}">
+                <a16:creationId xmlns:a16="http://schemas.microsoft.com/office/drawing/2014/main" id="{CAFFAF17-E482-4DCA-9BA6-82FB3386B736}"/>
+              </a:ext>
+            </a:extLst>
+          </p:cNvPr>
+          <p:cNvSpPr>
+            <a:spLocks noGrp="1"/>
+          </p:cNvSpPr>
+          <p:nvPr>
+            <p:ph idx="1"/>
+          </p:nvPr>
+        </p:nvSpPr>
+        <p:spPr>
+          <a:xfrm>
+            <a:off x="1555119" y="1286886"/>
+            <a:ext cx="7280596" cy="3124593"/>
+          </a:xfrm>
+        </p:spPr>
+        <p:txBody>
+          <a:bodyPr>
+            <a:noAutofit/>
+          </a:bodyPr>
+          <a:lstStyle/>
+          <a:p>
+            <a:pPr>
+              <a:lnSpc>
+                <a:spcPct val="150000"/>
+              </a:lnSpc>
+            </a:pPr>
+            <a:r>
+              <a:rPr lang="nb-NO" dirty="0" err="1"/>
+              <a:t>Login</a:t>
+            </a:r>
+            <a:endParaRPr lang="nb-NO" dirty="0"/>
+          </a:p>
+          <a:p>
+            <a:pPr>
+              <a:lnSpc>
+                <a:spcPct val="150000"/>
+              </a:lnSpc>
+            </a:pPr>
+            <a:r>
+              <a:rPr lang="nb-NO" dirty="0" err="1"/>
+              <a:t>Uautentisert</a:t>
+            </a:r>
+            <a:r>
+              <a:rPr lang="nb-NO" dirty="0"/>
+              <a:t> registrering</a:t>
+            </a:r>
+          </a:p>
+          <a:p>
+            <a:pPr>
+              <a:lnSpc>
+                <a:spcPct val="150000"/>
+              </a:lnSpc>
+            </a:pPr>
+            <a:r>
+              <a:rPr lang="nb-NO" dirty="0"/>
+              <a:t>Booking ansvarlig</a:t>
+            </a:r>
+          </a:p>
+          <a:p>
+            <a:pPr>
+              <a:lnSpc>
+                <a:spcPct val="150000"/>
+              </a:lnSpc>
+            </a:pPr>
+            <a:r>
+              <a:rPr lang="nb-NO" dirty="0"/>
+              <a:t>Lyd- og lystekniker</a:t>
+            </a:r>
+          </a:p>
+        </p:txBody>
+      </p:sp>
+      <p:cxnSp>
+        <p:nvCxnSpPr>
+          <p:cNvPr id="4" name="Rett linje 3">
+            <a:extLst>
+              <a:ext uri="{FF2B5EF4-FFF2-40B4-BE49-F238E27FC236}">
+                <a16:creationId xmlns:a16="http://schemas.microsoft.com/office/drawing/2014/main" id="{287E330E-CFE9-4D10-8B28-19CF892A8C83}"/>
+              </a:ext>
+            </a:extLst>
+          </p:cNvPr>
+          <p:cNvCxnSpPr/>
+          <p:nvPr/>
+        </p:nvCxnSpPr>
+        <p:spPr>
+          <a:xfrm>
+            <a:off x="970326" y="1166069"/>
+            <a:ext cx="10234569" cy="0"/>
+          </a:xfrm>
+          <a:prstGeom prst="line">
+            <a:avLst/>
+          </a:prstGeom>
+          <a:ln>
+            <a:solidFill>
+              <a:schemeClr val="bg2"/>
+            </a:solidFill>
+          </a:ln>
+        </p:spPr>
+        <p:style>
+          <a:lnRef idx="1">
+            <a:schemeClr val="accent1"/>
+          </a:lnRef>
+          <a:fillRef idx="0">
+            <a:schemeClr val="accent1"/>
+          </a:fillRef>
+          <a:effectRef idx="0">
+            <a:schemeClr val="accent1"/>
+          </a:effectRef>
+          <a:fontRef idx="minor">
+            <a:schemeClr val="tx1"/>
+          </a:fontRef>
+        </p:style>
+      </p:cxnSp>
+      <p:graphicFrame>
+        <p:nvGraphicFramePr>
+          <p:cNvPr id="8" name="Tabell 7">
+            <a:extLst>
+              <a:ext uri="{FF2B5EF4-FFF2-40B4-BE49-F238E27FC236}">
+                <a16:creationId xmlns:a16="http://schemas.microsoft.com/office/drawing/2014/main" id="{474B9F2F-F394-449E-B761-7F4940958A71}"/>
+              </a:ext>
+            </a:extLst>
+          </p:cNvPr>
+          <p:cNvGraphicFramePr>
+            <a:graphicFrameLocks noGrp="1"/>
+          </p:cNvGraphicFramePr>
+          <p:nvPr>
+            <p:extLst>
+              <p:ext uri="{D42A27DB-BD31-4B8C-83A1-F6EECF244321}">
+                <p14:modId xmlns:p14="http://schemas.microsoft.com/office/powerpoint/2010/main" val="1913464021"/>
+              </p:ext>
+            </p:extLst>
+          </p:nvPr>
+        </p:nvGraphicFramePr>
+        <p:xfrm>
+          <a:off x="6375720" y="2092552"/>
+          <a:ext cx="4829175" cy="2125980"/>
+        </p:xfrm>
+        <a:graphic>
+          <a:graphicData uri="http://schemas.openxmlformats.org/drawingml/2006/table">
+            <a:tbl>
+              <a:tblPr/>
+              <a:tblGrid>
+                <a:gridCol w="952500">
+                  <a:extLst>
+                    <a:ext uri="{9D8B030D-6E8A-4147-A177-3AD203B41FA5}">
+                      <a16:colId xmlns:a16="http://schemas.microsoft.com/office/drawing/2014/main" val="2868570292"/>
+                    </a:ext>
+                  </a:extLst>
+                </a:gridCol>
+                <a:gridCol w="1971675">
+                  <a:extLst>
+                    <a:ext uri="{9D8B030D-6E8A-4147-A177-3AD203B41FA5}">
+                      <a16:colId xmlns:a16="http://schemas.microsoft.com/office/drawing/2014/main" val="170197798"/>
+                    </a:ext>
+                  </a:extLst>
+                </a:gridCol>
+                <a:gridCol w="952500">
+                  <a:extLst>
+                    <a:ext uri="{9D8B030D-6E8A-4147-A177-3AD203B41FA5}">
+                      <a16:colId xmlns:a16="http://schemas.microsoft.com/office/drawing/2014/main" val="1096283853"/>
+                    </a:ext>
+                  </a:extLst>
+                </a:gridCol>
+                <a:gridCol w="952500">
+                  <a:extLst>
+                    <a:ext uri="{9D8B030D-6E8A-4147-A177-3AD203B41FA5}">
+                      <a16:colId xmlns:a16="http://schemas.microsoft.com/office/drawing/2014/main" val="1676152166"/>
+                    </a:ext>
+                  </a:extLst>
+                </a:gridCol>
+              </a:tblGrid>
+              <a:tr h="200025">
+                <a:tc>
+                  <a:txBody>
+                    <a:bodyPr/>
+                    <a:lstStyle/>
+                    <a:p>
+                      <a:pPr rtl="0" fontAlgn="b"/>
+                      <a:r>
+                        <a:rPr lang="nb-NO" sz="1100" b="1">
+                          <a:effectLst/>
+                          <a:latin typeface="Arial" panose="020B0604020202020204" pitchFamily="34" charset="0"/>
+                        </a:rPr>
+                        <a:t>ID</a:t>
+                      </a:r>
+                    </a:p>
+                  </a:txBody>
+                  <a:tcPr marL="28575" marR="28575" marT="19050" marB="19050" anchor="b">
+                    <a:lnL w="9525" cap="flat" cmpd="sng" algn="ctr">
+                      <a:solidFill>
+                        <a:srgbClr val="000000"/>
+                      </a:solidFill>
+                      <a:prstDash val="solid"/>
+                      <a:round/>
+                      <a:headEnd type="none" w="med" len="med"/>
+                      <a:tailEnd type="none" w="med" len="med"/>
+                    </a:lnL>
+                    <a:lnR w="9525" cap="flat" cmpd="sng" algn="ctr">
+                      <a:solidFill>
+                        <a:srgbClr val="CCCCCC"/>
+                      </a:solidFill>
+                      <a:prstDash val="solid"/>
+                      <a:round/>
+                      <a:headEnd type="none" w="med" len="med"/>
+                      <a:tailEnd type="none" w="med" len="med"/>
+                    </a:lnR>
+                    <a:lnT w="9525" cap="flat" cmpd="sng" algn="ctr">
+                      <a:solidFill>
+                        <a:srgbClr val="000000"/>
+                      </a:solidFill>
+                      <a:prstDash val="solid"/>
+                      <a:round/>
+                      <a:headEnd type="none" w="med" len="med"/>
+                      <a:tailEnd type="none" w="med" len="med"/>
+                    </a:lnT>
+                    <a:lnB w="9525" cap="flat" cmpd="sng" algn="ctr">
+                      <a:solidFill>
+                        <a:srgbClr val="CCCCCC"/>
+                      </a:solidFill>
+                      <a:prstDash val="solid"/>
+                      <a:round/>
+                      <a:headEnd type="none" w="med" len="med"/>
+                      <a:tailEnd type="none" w="med" len="med"/>
+                    </a:lnB>
+                  </a:tcPr>
+                </a:tc>
+                <a:tc>
+                  <a:txBody>
+                    <a:bodyPr/>
+                    <a:lstStyle/>
+                    <a:p>
+                      <a:pPr rtl="0" fontAlgn="b"/>
+                      <a:r>
+                        <a:rPr lang="nb-NO" sz="1100" b="1">
+                          <a:effectLst/>
+                          <a:latin typeface="Arial" panose="020B0604020202020204" pitchFamily="34" charset="0"/>
+                        </a:rPr>
+                        <a:t>Name</a:t>
+                      </a:r>
+                    </a:p>
+                  </a:txBody>
+                  <a:tcPr marL="28575" marR="28575" marT="19050" marB="19050" anchor="b">
+                    <a:lnL w="9525" cap="flat" cmpd="sng" algn="ctr">
+                      <a:solidFill>
+                        <a:srgbClr val="CCCCCC"/>
+                      </a:solidFill>
+                      <a:prstDash val="solid"/>
+                      <a:round/>
+                      <a:headEnd type="none" w="med" len="med"/>
+                      <a:tailEnd type="none" w="med" len="med"/>
+                    </a:lnL>
+                    <a:lnR w="9525" cap="flat" cmpd="sng" algn="ctr">
+                      <a:solidFill>
+                        <a:srgbClr val="CCCCCC"/>
+                      </a:solidFill>
+                      <a:prstDash val="solid"/>
+                      <a:round/>
+                      <a:headEnd type="none" w="med" len="med"/>
+                      <a:tailEnd type="none" w="med" len="med"/>
+                    </a:lnR>
+                    <a:lnT w="9525" cap="flat" cmpd="sng" algn="ctr">
+                      <a:solidFill>
+                        <a:srgbClr val="000000"/>
+                      </a:solidFill>
+                      <a:prstDash val="solid"/>
+                      <a:round/>
+                      <a:headEnd type="none" w="med" len="med"/>
+                      <a:tailEnd type="none" w="med" len="med"/>
+                    </a:lnT>
+                    <a:lnB w="9525" cap="flat" cmpd="sng" algn="ctr">
+                      <a:solidFill>
+                        <a:srgbClr val="CCCCCC"/>
+                      </a:solidFill>
+                      <a:prstDash val="solid"/>
+                      <a:round/>
+                      <a:headEnd type="none" w="med" len="med"/>
+                      <a:tailEnd type="none" w="med" len="med"/>
+                    </a:lnB>
+                  </a:tcPr>
+                </a:tc>
+                <a:tc>
+                  <a:txBody>
+                    <a:bodyPr/>
+                    <a:lstStyle/>
+                    <a:p>
+                      <a:pPr rtl="0" fontAlgn="b"/>
+                      <a:r>
+                        <a:rPr lang="nb-NO" sz="1100" b="1">
+                          <a:effectLst/>
+                          <a:latin typeface="Arial" panose="020B0604020202020204" pitchFamily="34" charset="0"/>
+                        </a:rPr>
+                        <a:t>Prioritering</a:t>
+                      </a:r>
+                    </a:p>
+                  </a:txBody>
+                  <a:tcPr marL="28575" marR="28575" marT="19050" marB="19050" anchor="b">
+                    <a:lnL w="9525" cap="flat" cmpd="sng" algn="ctr">
+                      <a:solidFill>
+                        <a:srgbClr val="CCCCCC"/>
+                      </a:solidFill>
+                      <a:prstDash val="solid"/>
+                      <a:round/>
+                      <a:headEnd type="none" w="med" len="med"/>
+                      <a:tailEnd type="none" w="med" len="med"/>
+                    </a:lnL>
+                    <a:lnR w="9525" cap="flat" cmpd="sng" algn="ctr">
+                      <a:solidFill>
+                        <a:srgbClr val="CCCCCC"/>
+                      </a:solidFill>
+                      <a:prstDash val="solid"/>
+                      <a:round/>
+                      <a:headEnd type="none" w="med" len="med"/>
+                      <a:tailEnd type="none" w="med" len="med"/>
+                    </a:lnR>
+                    <a:lnT w="9525" cap="flat" cmpd="sng" algn="ctr">
+                      <a:solidFill>
+                        <a:srgbClr val="000000"/>
+                      </a:solidFill>
+                      <a:prstDash val="solid"/>
+                      <a:round/>
+                      <a:headEnd type="none" w="med" len="med"/>
+                      <a:tailEnd type="none" w="med" len="med"/>
+                    </a:lnT>
+                    <a:lnB w="9525" cap="flat" cmpd="sng" algn="ctr">
+                      <a:solidFill>
+                        <a:srgbClr val="CCCCCC"/>
+                      </a:solidFill>
+                      <a:prstDash val="solid"/>
+                      <a:round/>
+                      <a:headEnd type="none" w="med" len="med"/>
+                      <a:tailEnd type="none" w="med" len="med"/>
+                    </a:lnB>
+                  </a:tcPr>
+                </a:tc>
+                <a:tc>
+                  <a:txBody>
+                    <a:bodyPr/>
+                    <a:lstStyle/>
+                    <a:p>
+                      <a:pPr rtl="0" fontAlgn="b"/>
+                      <a:r>
+                        <a:rPr lang="nb-NO" sz="1100" b="1">
+                          <a:effectLst/>
+                          <a:latin typeface="Arial" panose="020B0604020202020204" pitchFamily="34" charset="0"/>
+                        </a:rPr>
+                        <a:t>Est</a:t>
+                      </a:r>
+                    </a:p>
+                  </a:txBody>
+                  <a:tcPr marL="28575" marR="28575" marT="19050" marB="19050" anchor="b">
+                    <a:lnL w="9525" cap="flat" cmpd="sng" algn="ctr">
+                      <a:solidFill>
+                        <a:srgbClr val="CCCCCC"/>
+                      </a:solidFill>
+                      <a:prstDash val="solid"/>
+                      <a:round/>
+                      <a:headEnd type="none" w="med" len="med"/>
+                      <a:tailEnd type="none" w="med" len="med"/>
+                    </a:lnL>
+                    <a:lnR w="9525" cap="flat" cmpd="sng" algn="ctr">
+                      <a:solidFill>
+                        <a:srgbClr val="000000"/>
+                      </a:solidFill>
+                      <a:prstDash val="solid"/>
+                      <a:round/>
+                      <a:headEnd type="none" w="med" len="med"/>
+                      <a:tailEnd type="none" w="med" len="med"/>
+                    </a:lnR>
+                    <a:lnT w="9525" cap="flat" cmpd="sng" algn="ctr">
+                      <a:solidFill>
+                        <a:srgbClr val="000000"/>
+                      </a:solidFill>
+                      <a:prstDash val="solid"/>
+                      <a:round/>
+                      <a:headEnd type="none" w="med" len="med"/>
+                      <a:tailEnd type="none" w="med" len="med"/>
+                    </a:lnT>
+                    <a:lnB w="9525" cap="flat" cmpd="sng" algn="ctr">
+                      <a:solidFill>
+                        <a:srgbClr val="CCCCCC"/>
+                      </a:solidFill>
+                      <a:prstDash val="solid"/>
+                      <a:round/>
+                      <a:headEnd type="none" w="med" len="med"/>
+                      <a:tailEnd type="none" w="med" len="med"/>
+                    </a:lnB>
+                  </a:tcPr>
+                </a:tc>
+                <a:extLst>
+                  <a:ext uri="{0D108BD9-81ED-4DB2-BD59-A6C34878D82A}">
+                    <a16:rowId xmlns:a16="http://schemas.microsoft.com/office/drawing/2014/main" val="3018457811"/>
+                  </a:ext>
+                </a:extLst>
+              </a:tr>
+              <a:tr h="200025">
+                <a:tc>
+                  <a:txBody>
+                    <a:bodyPr/>
+                    <a:lstStyle/>
+                    <a:p>
+                      <a:pPr algn="r" rtl="0" fontAlgn="b"/>
+                      <a:r>
+                        <a:rPr lang="nb-NO" sz="1100" b="0">
+                          <a:effectLst/>
+                          <a:latin typeface="Arial" panose="020B0604020202020204" pitchFamily="34" charset="0"/>
+                        </a:rPr>
+                        <a:t>1</a:t>
+                      </a:r>
+                    </a:p>
+                  </a:txBody>
+                  <a:tcPr marL="28575" marR="28575" marT="19050" marB="19050" anchor="b">
+                    <a:lnL w="9525" cap="flat" cmpd="sng" algn="ctr">
+                      <a:solidFill>
+                        <a:srgbClr val="000000"/>
+                      </a:solidFill>
+                      <a:prstDash val="solid"/>
+                      <a:round/>
+                      <a:headEnd type="none" w="med" len="med"/>
+                      <a:tailEnd type="none" w="med" len="med"/>
+                    </a:lnL>
+                    <a:lnR w="9525" cap="flat" cmpd="sng" algn="ctr">
+                      <a:solidFill>
+                        <a:srgbClr val="CCCCCC"/>
+                      </a:solidFill>
+                      <a:prstDash val="solid"/>
+                      <a:round/>
+                      <a:headEnd type="none" w="med" len="med"/>
+                      <a:tailEnd type="none" w="med" len="med"/>
+                    </a:lnR>
+                    <a:lnT w="9525" cap="flat" cmpd="sng" algn="ctr">
+                      <a:solidFill>
+                        <a:srgbClr val="CCCCCC"/>
+                      </a:solidFill>
+                      <a:prstDash val="solid"/>
+                      <a:round/>
+                      <a:headEnd type="none" w="med" len="med"/>
+                      <a:tailEnd type="none" w="med" len="med"/>
+                    </a:lnT>
+                    <a:lnB w="9525" cap="flat" cmpd="sng" algn="ctr">
+                      <a:solidFill>
+                        <a:srgbClr val="CCCCCC"/>
+                      </a:solidFill>
+                      <a:prstDash val="solid"/>
+                      <a:round/>
+                      <a:headEnd type="none" w="med" len="med"/>
+                      <a:tailEnd type="none" w="med" len="med"/>
+                    </a:lnB>
+                  </a:tcPr>
+                </a:tc>
+                <a:tc>
+                  <a:txBody>
+                    <a:bodyPr/>
+                    <a:lstStyle/>
+                    <a:p>
+                      <a:pPr rtl="0" fontAlgn="b"/>
+                      <a:r>
+                        <a:rPr lang="nb-NO" sz="1100" b="0">
+                          <a:effectLst/>
+                          <a:latin typeface="Arial" panose="020B0604020202020204" pitchFamily="34" charset="0"/>
+                        </a:rPr>
+                        <a:t>Registry</a:t>
+                      </a:r>
+                    </a:p>
+                  </a:txBody>
+                  <a:tcPr marL="28575" marR="28575" marT="19050" marB="19050" anchor="b">
+                    <a:lnL w="9525" cap="flat" cmpd="sng" algn="ctr">
+                      <a:solidFill>
+                        <a:srgbClr val="CCCCCC"/>
+                      </a:solidFill>
+                      <a:prstDash val="solid"/>
+                      <a:round/>
+                      <a:headEnd type="none" w="med" len="med"/>
+                      <a:tailEnd type="none" w="med" len="med"/>
+                    </a:lnL>
+                    <a:lnR w="9525" cap="flat" cmpd="sng" algn="ctr">
+                      <a:solidFill>
+                        <a:srgbClr val="CCCCCC"/>
+                      </a:solidFill>
+                      <a:prstDash val="solid"/>
+                      <a:round/>
+                      <a:headEnd type="none" w="med" len="med"/>
+                      <a:tailEnd type="none" w="med" len="med"/>
+                    </a:lnR>
+                    <a:lnT w="9525" cap="flat" cmpd="sng" algn="ctr">
+                      <a:solidFill>
+                        <a:srgbClr val="CCCCCC"/>
+                      </a:solidFill>
+                      <a:prstDash val="solid"/>
+                      <a:round/>
+                      <a:headEnd type="none" w="med" len="med"/>
+                      <a:tailEnd type="none" w="med" len="med"/>
+                    </a:lnT>
+                    <a:lnB w="9525" cap="flat" cmpd="sng" algn="ctr">
+                      <a:solidFill>
+                        <a:srgbClr val="CCCCCC"/>
+                      </a:solidFill>
+                      <a:prstDash val="solid"/>
+                      <a:round/>
+                      <a:headEnd type="none" w="med" len="med"/>
+                      <a:tailEnd type="none" w="med" len="med"/>
+                    </a:lnB>
+                  </a:tcPr>
+                </a:tc>
+                <a:tc>
+                  <a:txBody>
+                    <a:bodyPr/>
+                    <a:lstStyle/>
+                    <a:p>
+                      <a:pPr algn="r" rtl="0" fontAlgn="b"/>
+                      <a:r>
+                        <a:rPr lang="nb-NO" sz="1100" b="0">
+                          <a:effectLst/>
+                          <a:latin typeface="Arial" panose="020B0604020202020204" pitchFamily="34" charset="0"/>
+                        </a:rPr>
+                        <a:t>100</a:t>
+                      </a:r>
+                    </a:p>
+                  </a:txBody>
+                  <a:tcPr marL="28575" marR="28575" marT="19050" marB="19050" anchor="b">
+                    <a:lnL w="9525" cap="flat" cmpd="sng" algn="ctr">
+                      <a:solidFill>
+                        <a:srgbClr val="CCCCCC"/>
+                      </a:solidFill>
+                      <a:prstDash val="solid"/>
+                      <a:round/>
+                      <a:headEnd type="none" w="med" len="med"/>
+                      <a:tailEnd type="none" w="med" len="med"/>
+                    </a:lnL>
+                    <a:lnR w="9525" cap="flat" cmpd="sng" algn="ctr">
+                      <a:solidFill>
+                        <a:srgbClr val="CCCCCC"/>
+                      </a:solidFill>
+                      <a:prstDash val="solid"/>
+                      <a:round/>
+                      <a:headEnd type="none" w="med" len="med"/>
+                      <a:tailEnd type="none" w="med" len="med"/>
+                    </a:lnR>
+                    <a:lnT w="9525" cap="flat" cmpd="sng" algn="ctr">
+                      <a:solidFill>
+                        <a:srgbClr val="CCCCCC"/>
+                      </a:solidFill>
+                      <a:prstDash val="solid"/>
+                      <a:round/>
+                      <a:headEnd type="none" w="med" len="med"/>
+                      <a:tailEnd type="none" w="med" len="med"/>
+                    </a:lnT>
+                    <a:lnB w="9525" cap="flat" cmpd="sng" algn="ctr">
+                      <a:solidFill>
+                        <a:srgbClr val="CCCCCC"/>
+                      </a:solidFill>
+                      <a:prstDash val="solid"/>
+                      <a:round/>
+                      <a:headEnd type="none" w="med" len="med"/>
+                      <a:tailEnd type="none" w="med" len="med"/>
+                    </a:lnB>
+                    <a:solidFill>
+                      <a:srgbClr val="FFFFFF"/>
+                    </a:solidFill>
+                  </a:tcPr>
+                </a:tc>
+                <a:tc>
+                  <a:txBody>
+                    <a:bodyPr/>
+                    <a:lstStyle/>
+                    <a:p>
+                      <a:pPr algn="r" rtl="0" fontAlgn="b"/>
+                      <a:r>
+                        <a:rPr lang="nb-NO" sz="1100" b="0">
+                          <a:effectLst/>
+                          <a:latin typeface="Arial" panose="020B0604020202020204" pitchFamily="34" charset="0"/>
+                        </a:rPr>
+                        <a:t>4</a:t>
+                      </a:r>
+                    </a:p>
+                  </a:txBody>
+                  <a:tcPr marL="28575" marR="28575" marT="19050" marB="19050" anchor="b">
+                    <a:lnL w="9525" cap="flat" cmpd="sng" algn="ctr">
+                      <a:solidFill>
+                        <a:srgbClr val="CCCCCC"/>
+                      </a:solidFill>
+                      <a:prstDash val="solid"/>
+                      <a:round/>
+                      <a:headEnd type="none" w="med" len="med"/>
+                      <a:tailEnd type="none" w="med" len="med"/>
+                    </a:lnL>
+                    <a:lnR w="9525" cap="flat" cmpd="sng" algn="ctr">
+                      <a:solidFill>
+                        <a:srgbClr val="000000"/>
+                      </a:solidFill>
+                      <a:prstDash val="solid"/>
+                      <a:round/>
+                      <a:headEnd type="none" w="med" len="med"/>
+                      <a:tailEnd type="none" w="med" len="med"/>
+                    </a:lnR>
+                    <a:lnT w="9525" cap="flat" cmpd="sng" algn="ctr">
+                      <a:solidFill>
+                        <a:srgbClr val="CCCCCC"/>
+                      </a:solidFill>
+                      <a:prstDash val="solid"/>
+                      <a:round/>
+                      <a:headEnd type="none" w="med" len="med"/>
+                      <a:tailEnd type="none" w="med" len="med"/>
+                    </a:lnT>
+                    <a:lnB w="9525" cap="flat" cmpd="sng" algn="ctr">
+                      <a:solidFill>
+                        <a:srgbClr val="CCCCCC"/>
+                      </a:solidFill>
+                      <a:prstDash val="solid"/>
+                      <a:round/>
+                      <a:headEnd type="none" w="med" len="med"/>
+                      <a:tailEnd type="none" w="med" len="med"/>
+                    </a:lnB>
+                  </a:tcPr>
+                </a:tc>
+                <a:extLst>
+                  <a:ext uri="{0D108BD9-81ED-4DB2-BD59-A6C34878D82A}">
+                    <a16:rowId xmlns:a16="http://schemas.microsoft.com/office/drawing/2014/main" val="1281361339"/>
+                  </a:ext>
+                </a:extLst>
+              </a:tr>
+              <a:tr h="200025">
+                <a:tc>
+                  <a:txBody>
+                    <a:bodyPr/>
+                    <a:lstStyle/>
+                    <a:p>
+                      <a:pPr algn="r" rtl="0" fontAlgn="b"/>
+                      <a:r>
+                        <a:rPr lang="nb-NO" sz="1100" b="0">
+                          <a:effectLst/>
+                          <a:latin typeface="Arial" panose="020B0604020202020204" pitchFamily="34" charset="0"/>
+                        </a:rPr>
+                        <a:t>2</a:t>
+                      </a:r>
+                    </a:p>
+                  </a:txBody>
+                  <a:tcPr marL="28575" marR="28575" marT="19050" marB="19050" anchor="b">
+                    <a:lnL w="9525" cap="flat" cmpd="sng" algn="ctr">
+                      <a:solidFill>
+                        <a:srgbClr val="000000"/>
+                      </a:solidFill>
+                      <a:prstDash val="solid"/>
+                      <a:round/>
+                      <a:headEnd type="none" w="med" len="med"/>
+                      <a:tailEnd type="none" w="med" len="med"/>
+                    </a:lnL>
+                    <a:lnR w="9525" cap="flat" cmpd="sng" algn="ctr">
+                      <a:solidFill>
+                        <a:srgbClr val="CCCCCC"/>
+                      </a:solidFill>
+                      <a:prstDash val="solid"/>
+                      <a:round/>
+                      <a:headEnd type="none" w="med" len="med"/>
+                      <a:tailEnd type="none" w="med" len="med"/>
+                    </a:lnR>
+                    <a:lnT w="9525" cap="flat" cmpd="sng" algn="ctr">
+                      <a:solidFill>
+                        <a:srgbClr val="CCCCCC"/>
+                      </a:solidFill>
+                      <a:prstDash val="solid"/>
+                      <a:round/>
+                      <a:headEnd type="none" w="med" len="med"/>
+                      <a:tailEnd type="none" w="med" len="med"/>
+                    </a:lnT>
+                    <a:lnB w="9525" cap="flat" cmpd="sng" algn="ctr">
+                      <a:solidFill>
+                        <a:srgbClr val="CCCCCC"/>
+                      </a:solidFill>
+                      <a:prstDash val="solid"/>
+                      <a:round/>
+                      <a:headEnd type="none" w="med" len="med"/>
+                      <a:tailEnd type="none" w="med" len="med"/>
+                    </a:lnB>
+                  </a:tcPr>
+                </a:tc>
+                <a:tc>
+                  <a:txBody>
+                    <a:bodyPr/>
+                    <a:lstStyle/>
+                    <a:p>
+                      <a:pPr rtl="0" fontAlgn="b"/>
+                      <a:r>
+                        <a:rPr lang="nb-NO" sz="1100" b="0">
+                          <a:effectLst/>
+                          <a:latin typeface="Arial" panose="020B0604020202020204" pitchFamily="34" charset="0"/>
+                        </a:rPr>
+                        <a:t>Login</a:t>
+                      </a:r>
+                    </a:p>
+                  </a:txBody>
+                  <a:tcPr marL="28575" marR="28575" marT="19050" marB="19050" anchor="b">
+                    <a:lnL w="9525" cap="flat" cmpd="sng" algn="ctr">
+                      <a:solidFill>
+                        <a:srgbClr val="CCCCCC"/>
+                      </a:solidFill>
+                      <a:prstDash val="solid"/>
+                      <a:round/>
+                      <a:headEnd type="none" w="med" len="med"/>
+                      <a:tailEnd type="none" w="med" len="med"/>
+                    </a:lnL>
+                    <a:lnR w="9525" cap="flat" cmpd="sng" algn="ctr">
+                      <a:solidFill>
+                        <a:srgbClr val="CCCCCC"/>
+                      </a:solidFill>
+                      <a:prstDash val="solid"/>
+                      <a:round/>
+                      <a:headEnd type="none" w="med" len="med"/>
+                      <a:tailEnd type="none" w="med" len="med"/>
+                    </a:lnR>
+                    <a:lnT w="9525" cap="flat" cmpd="sng" algn="ctr">
+                      <a:solidFill>
+                        <a:srgbClr val="CCCCCC"/>
+                      </a:solidFill>
+                      <a:prstDash val="solid"/>
+                      <a:round/>
+                      <a:headEnd type="none" w="med" len="med"/>
+                      <a:tailEnd type="none" w="med" len="med"/>
+                    </a:lnT>
+                    <a:lnB w="9525" cap="flat" cmpd="sng" algn="ctr">
+                      <a:solidFill>
+                        <a:srgbClr val="CCCCCC"/>
+                      </a:solidFill>
+                      <a:prstDash val="solid"/>
+                      <a:round/>
+                      <a:headEnd type="none" w="med" len="med"/>
+                      <a:tailEnd type="none" w="med" len="med"/>
+                    </a:lnB>
+                  </a:tcPr>
+                </a:tc>
+                <a:tc>
+                  <a:txBody>
+                    <a:bodyPr/>
+                    <a:lstStyle/>
+                    <a:p>
+                      <a:pPr algn="r" rtl="0" fontAlgn="b"/>
+                      <a:r>
+                        <a:rPr lang="nb-NO" sz="1100" b="0">
+                          <a:effectLst/>
+                          <a:latin typeface="Arial" panose="020B0604020202020204" pitchFamily="34" charset="0"/>
+                        </a:rPr>
+                        <a:t>100</a:t>
+                      </a:r>
+                    </a:p>
+                  </a:txBody>
+                  <a:tcPr marL="28575" marR="28575" marT="19050" marB="19050" anchor="b">
+                    <a:lnL w="9525" cap="flat" cmpd="sng" algn="ctr">
+                      <a:solidFill>
+                        <a:srgbClr val="CCCCCC"/>
+                      </a:solidFill>
+                      <a:prstDash val="solid"/>
+                      <a:round/>
+                      <a:headEnd type="none" w="med" len="med"/>
+                      <a:tailEnd type="none" w="med" len="med"/>
+                    </a:lnL>
+                    <a:lnR w="9525" cap="flat" cmpd="sng" algn="ctr">
+                      <a:solidFill>
+                        <a:srgbClr val="CCCCCC"/>
+                      </a:solidFill>
+                      <a:prstDash val="solid"/>
+                      <a:round/>
+                      <a:headEnd type="none" w="med" len="med"/>
+                      <a:tailEnd type="none" w="med" len="med"/>
+                    </a:lnR>
+                    <a:lnT w="9525" cap="flat" cmpd="sng" algn="ctr">
+                      <a:solidFill>
+                        <a:srgbClr val="CCCCCC"/>
+                      </a:solidFill>
+                      <a:prstDash val="solid"/>
+                      <a:round/>
+                      <a:headEnd type="none" w="med" len="med"/>
+                      <a:tailEnd type="none" w="med" len="med"/>
+                    </a:lnT>
+                    <a:lnB w="9525" cap="flat" cmpd="sng" algn="ctr">
+                      <a:solidFill>
+                        <a:srgbClr val="CCCCCC"/>
+                      </a:solidFill>
+                      <a:prstDash val="solid"/>
+                      <a:round/>
+                      <a:headEnd type="none" w="med" len="med"/>
+                      <a:tailEnd type="none" w="med" len="med"/>
+                    </a:lnB>
+                    <a:solidFill>
+                      <a:srgbClr val="FFFFFF"/>
+                    </a:solidFill>
+                  </a:tcPr>
+                </a:tc>
+                <a:tc>
+                  <a:txBody>
+                    <a:bodyPr/>
+                    <a:lstStyle/>
+                    <a:p>
+                      <a:pPr algn="r" rtl="0" fontAlgn="b"/>
+                      <a:r>
+                        <a:rPr lang="nb-NO" sz="1100" b="0">
+                          <a:effectLst/>
+                          <a:latin typeface="Arial" panose="020B0604020202020204" pitchFamily="34" charset="0"/>
+                        </a:rPr>
+                        <a:t>5</a:t>
+                      </a:r>
+                    </a:p>
+                  </a:txBody>
+                  <a:tcPr marL="28575" marR="28575" marT="19050" marB="19050" anchor="b">
+                    <a:lnL w="9525" cap="flat" cmpd="sng" algn="ctr">
+                      <a:solidFill>
+                        <a:srgbClr val="CCCCCC"/>
+                      </a:solidFill>
+                      <a:prstDash val="solid"/>
+                      <a:round/>
+                      <a:headEnd type="none" w="med" len="med"/>
+                      <a:tailEnd type="none" w="med" len="med"/>
+                    </a:lnL>
+                    <a:lnR w="9525" cap="flat" cmpd="sng" algn="ctr">
+                      <a:solidFill>
+                        <a:srgbClr val="000000"/>
+                      </a:solidFill>
+                      <a:prstDash val="solid"/>
+                      <a:round/>
+                      <a:headEnd type="none" w="med" len="med"/>
+                      <a:tailEnd type="none" w="med" len="med"/>
+                    </a:lnR>
+                    <a:lnT w="9525" cap="flat" cmpd="sng" algn="ctr">
+                      <a:solidFill>
+                        <a:srgbClr val="CCCCCC"/>
+                      </a:solidFill>
+                      <a:prstDash val="solid"/>
+                      <a:round/>
+                      <a:headEnd type="none" w="med" len="med"/>
+                      <a:tailEnd type="none" w="med" len="med"/>
+                    </a:lnT>
+                    <a:lnB w="9525" cap="flat" cmpd="sng" algn="ctr">
+                      <a:solidFill>
+                        <a:srgbClr val="CCCCCC"/>
+                      </a:solidFill>
+                      <a:prstDash val="solid"/>
+                      <a:round/>
+                      <a:headEnd type="none" w="med" len="med"/>
+                      <a:tailEnd type="none" w="med" len="med"/>
+                    </a:lnB>
+                  </a:tcPr>
+                </a:tc>
+                <a:extLst>
+                  <a:ext uri="{0D108BD9-81ED-4DB2-BD59-A6C34878D82A}">
+                    <a16:rowId xmlns:a16="http://schemas.microsoft.com/office/drawing/2014/main" val="303458212"/>
+                  </a:ext>
+                </a:extLst>
+              </a:tr>
+              <a:tr h="200025">
+                <a:tc>
+                  <a:txBody>
+                    <a:bodyPr/>
+                    <a:lstStyle/>
+                    <a:p>
+                      <a:pPr algn="r" rtl="0" fontAlgn="b"/>
+                      <a:r>
+                        <a:rPr lang="nb-NO" sz="1100" b="0">
+                          <a:effectLst/>
+                          <a:latin typeface="Arial" panose="020B0604020202020204" pitchFamily="34" charset="0"/>
+                        </a:rPr>
+                        <a:t>8</a:t>
+                      </a:r>
+                    </a:p>
+                  </a:txBody>
+                  <a:tcPr marL="28575" marR="28575" marT="19050" marB="19050" anchor="b">
+                    <a:lnL w="9525" cap="flat" cmpd="sng" algn="ctr">
+                      <a:solidFill>
+                        <a:srgbClr val="000000"/>
+                      </a:solidFill>
+                      <a:prstDash val="solid"/>
+                      <a:round/>
+                      <a:headEnd type="none" w="med" len="med"/>
+                      <a:tailEnd type="none" w="med" len="med"/>
+                    </a:lnL>
+                    <a:lnR w="9525" cap="flat" cmpd="sng" algn="ctr">
+                      <a:solidFill>
+                        <a:srgbClr val="CCCCCC"/>
+                      </a:solidFill>
+                      <a:prstDash val="solid"/>
+                      <a:round/>
+                      <a:headEnd type="none" w="med" len="med"/>
+                      <a:tailEnd type="none" w="med" len="med"/>
+                    </a:lnR>
+                    <a:lnT w="9525" cap="flat" cmpd="sng" algn="ctr">
+                      <a:solidFill>
+                        <a:srgbClr val="CCCCCC"/>
+                      </a:solidFill>
+                      <a:prstDash val="solid"/>
+                      <a:round/>
+                      <a:headEnd type="none" w="med" len="med"/>
+                      <a:tailEnd type="none" w="med" len="med"/>
+                    </a:lnT>
+                    <a:lnB w="9525" cap="flat" cmpd="sng" algn="ctr">
+                      <a:solidFill>
+                        <a:srgbClr val="CCCCCC"/>
+                      </a:solidFill>
+                      <a:prstDash val="solid"/>
+                      <a:round/>
+                      <a:headEnd type="none" w="med" len="med"/>
+                      <a:tailEnd type="none" w="med" len="med"/>
+                    </a:lnB>
+                  </a:tcPr>
+                </a:tc>
+                <a:tc>
+                  <a:txBody>
+                    <a:bodyPr/>
+                    <a:lstStyle/>
+                    <a:p>
+                      <a:pPr rtl="0" fontAlgn="b"/>
+                      <a:r>
+                        <a:rPr lang="nb-NO" sz="1100" b="0">
+                          <a:effectLst/>
+                          <a:latin typeface="Arial" panose="020B0604020202020204" pitchFamily="34" charset="0"/>
+                        </a:rPr>
+                        <a:t>Booking offer generating</a:t>
+                      </a:r>
+                    </a:p>
+                  </a:txBody>
+                  <a:tcPr marL="28575" marR="28575" marT="19050" marB="19050" anchor="b">
+                    <a:lnL w="9525" cap="flat" cmpd="sng" algn="ctr">
+                      <a:solidFill>
+                        <a:srgbClr val="CCCCCC"/>
+                      </a:solidFill>
+                      <a:prstDash val="solid"/>
+                      <a:round/>
+                      <a:headEnd type="none" w="med" len="med"/>
+                      <a:tailEnd type="none" w="med" len="med"/>
+                    </a:lnL>
+                    <a:lnR w="9525" cap="flat" cmpd="sng" algn="ctr">
+                      <a:solidFill>
+                        <a:srgbClr val="CCCCCC"/>
+                      </a:solidFill>
+                      <a:prstDash val="solid"/>
+                      <a:round/>
+                      <a:headEnd type="none" w="med" len="med"/>
+                      <a:tailEnd type="none" w="med" len="med"/>
+                    </a:lnR>
+                    <a:lnT w="9525" cap="flat" cmpd="sng" algn="ctr">
+                      <a:solidFill>
+                        <a:srgbClr val="CCCCCC"/>
+                      </a:solidFill>
+                      <a:prstDash val="solid"/>
+                      <a:round/>
+                      <a:headEnd type="none" w="med" len="med"/>
+                      <a:tailEnd type="none" w="med" len="med"/>
+                    </a:lnT>
+                    <a:lnB w="9525" cap="flat" cmpd="sng" algn="ctr">
+                      <a:solidFill>
+                        <a:srgbClr val="CCCCCC"/>
+                      </a:solidFill>
+                      <a:prstDash val="solid"/>
+                      <a:round/>
+                      <a:headEnd type="none" w="med" len="med"/>
+                      <a:tailEnd type="none" w="med" len="med"/>
+                    </a:lnB>
+                  </a:tcPr>
+                </a:tc>
+                <a:tc>
+                  <a:txBody>
+                    <a:bodyPr/>
+                    <a:lstStyle/>
+                    <a:p>
+                      <a:pPr algn="r" rtl="0" fontAlgn="b"/>
+                      <a:r>
+                        <a:rPr lang="nb-NO" sz="1100" b="0">
+                          <a:effectLst/>
+                          <a:latin typeface="Arial" panose="020B0604020202020204" pitchFamily="34" charset="0"/>
+                        </a:rPr>
+                        <a:t>100</a:t>
+                      </a:r>
+                    </a:p>
+                  </a:txBody>
+                  <a:tcPr marL="28575" marR="28575" marT="19050" marB="19050" anchor="b">
+                    <a:lnL w="9525" cap="flat" cmpd="sng" algn="ctr">
+                      <a:solidFill>
+                        <a:srgbClr val="CCCCCC"/>
+                      </a:solidFill>
+                      <a:prstDash val="solid"/>
+                      <a:round/>
+                      <a:headEnd type="none" w="med" len="med"/>
+                      <a:tailEnd type="none" w="med" len="med"/>
+                    </a:lnL>
+                    <a:lnR w="9525" cap="flat" cmpd="sng" algn="ctr">
+                      <a:solidFill>
+                        <a:srgbClr val="CCCCCC"/>
+                      </a:solidFill>
+                      <a:prstDash val="solid"/>
+                      <a:round/>
+                      <a:headEnd type="none" w="med" len="med"/>
+                      <a:tailEnd type="none" w="med" len="med"/>
+                    </a:lnR>
+                    <a:lnT w="9525" cap="flat" cmpd="sng" algn="ctr">
+                      <a:solidFill>
+                        <a:srgbClr val="CCCCCC"/>
+                      </a:solidFill>
+                      <a:prstDash val="solid"/>
+                      <a:round/>
+                      <a:headEnd type="none" w="med" len="med"/>
+                      <a:tailEnd type="none" w="med" len="med"/>
+                    </a:lnT>
+                    <a:lnB w="9525" cap="flat" cmpd="sng" algn="ctr">
+                      <a:solidFill>
+                        <a:srgbClr val="CCCCCC"/>
+                      </a:solidFill>
+                      <a:prstDash val="solid"/>
+                      <a:round/>
+                      <a:headEnd type="none" w="med" len="med"/>
+                      <a:tailEnd type="none" w="med" len="med"/>
+                    </a:lnB>
+                    <a:solidFill>
+                      <a:srgbClr val="FFFFFF"/>
+                    </a:solidFill>
+                  </a:tcPr>
+                </a:tc>
+                <a:tc>
+                  <a:txBody>
+                    <a:bodyPr/>
+                    <a:lstStyle/>
+                    <a:p>
+                      <a:pPr algn="r" rtl="0" fontAlgn="b"/>
+                      <a:r>
+                        <a:rPr lang="nb-NO" sz="1100" b="0">
+                          <a:effectLst/>
+                          <a:latin typeface="Arial" panose="020B0604020202020204" pitchFamily="34" charset="0"/>
+                        </a:rPr>
+                        <a:t>8</a:t>
+                      </a:r>
+                    </a:p>
+                  </a:txBody>
+                  <a:tcPr marL="28575" marR="28575" marT="19050" marB="19050" anchor="b">
+                    <a:lnL w="9525" cap="flat" cmpd="sng" algn="ctr">
+                      <a:solidFill>
+                        <a:srgbClr val="CCCCCC"/>
+                      </a:solidFill>
+                      <a:prstDash val="solid"/>
+                      <a:round/>
+                      <a:headEnd type="none" w="med" len="med"/>
+                      <a:tailEnd type="none" w="med" len="med"/>
+                    </a:lnL>
+                    <a:lnR w="9525" cap="flat" cmpd="sng" algn="ctr">
+                      <a:solidFill>
+                        <a:srgbClr val="000000"/>
+                      </a:solidFill>
+                      <a:prstDash val="solid"/>
+                      <a:round/>
+                      <a:headEnd type="none" w="med" len="med"/>
+                      <a:tailEnd type="none" w="med" len="med"/>
+                    </a:lnR>
+                    <a:lnT w="9525" cap="flat" cmpd="sng" algn="ctr">
+                      <a:solidFill>
+                        <a:srgbClr val="CCCCCC"/>
+                      </a:solidFill>
+                      <a:prstDash val="solid"/>
+                      <a:round/>
+                      <a:headEnd type="none" w="med" len="med"/>
+                      <a:tailEnd type="none" w="med" len="med"/>
+                    </a:lnT>
+                    <a:lnB w="9525" cap="flat" cmpd="sng" algn="ctr">
+                      <a:solidFill>
+                        <a:srgbClr val="CCCCCC"/>
+                      </a:solidFill>
+                      <a:prstDash val="solid"/>
+                      <a:round/>
+                      <a:headEnd type="none" w="med" len="med"/>
+                      <a:tailEnd type="none" w="med" len="med"/>
+                    </a:lnB>
+                  </a:tcPr>
+                </a:tc>
+                <a:extLst>
+                  <a:ext uri="{0D108BD9-81ED-4DB2-BD59-A6C34878D82A}">
+                    <a16:rowId xmlns:a16="http://schemas.microsoft.com/office/drawing/2014/main" val="1083347149"/>
+                  </a:ext>
+                </a:extLst>
+              </a:tr>
+              <a:tr h="200025">
+                <a:tc>
+                  <a:txBody>
+                    <a:bodyPr/>
+                    <a:lstStyle/>
+                    <a:p>
+                      <a:pPr algn="r" rtl="0" fontAlgn="b"/>
+                      <a:r>
+                        <a:rPr lang="nb-NO" sz="1100" b="0">
+                          <a:effectLst/>
+                          <a:latin typeface="Arial" panose="020B0604020202020204" pitchFamily="34" charset="0"/>
+                        </a:rPr>
+                        <a:t>17</a:t>
+                      </a:r>
+                    </a:p>
+                  </a:txBody>
+                  <a:tcPr marL="28575" marR="28575" marT="19050" marB="19050" anchor="b">
+                    <a:lnL w="9525" cap="flat" cmpd="sng" algn="ctr">
+                      <a:solidFill>
+                        <a:srgbClr val="000000"/>
+                      </a:solidFill>
+                      <a:prstDash val="solid"/>
+                      <a:round/>
+                      <a:headEnd type="none" w="med" len="med"/>
+                      <a:tailEnd type="none" w="med" len="med"/>
+                    </a:lnL>
+                    <a:lnR w="9525" cap="flat" cmpd="sng" algn="ctr">
+                      <a:solidFill>
+                        <a:srgbClr val="CCCCCC"/>
+                      </a:solidFill>
+                      <a:prstDash val="solid"/>
+                      <a:round/>
+                      <a:headEnd type="none" w="med" len="med"/>
+                      <a:tailEnd type="none" w="med" len="med"/>
+                    </a:lnR>
+                    <a:lnT w="9525" cap="flat" cmpd="sng" algn="ctr">
+                      <a:solidFill>
+                        <a:srgbClr val="CCCCCC"/>
+                      </a:solidFill>
+                      <a:prstDash val="solid"/>
+                      <a:round/>
+                      <a:headEnd type="none" w="med" len="med"/>
+                      <a:tailEnd type="none" w="med" len="med"/>
+                    </a:lnT>
+                    <a:lnB w="9525" cap="flat" cmpd="sng" algn="ctr">
+                      <a:solidFill>
+                        <a:srgbClr val="CCCCCC"/>
+                      </a:solidFill>
+                      <a:prstDash val="solid"/>
+                      <a:round/>
+                      <a:headEnd type="none" w="med" len="med"/>
+                      <a:tailEnd type="none" w="med" len="med"/>
+                    </a:lnB>
+                  </a:tcPr>
+                </a:tc>
+                <a:tc>
+                  <a:txBody>
+                    <a:bodyPr/>
+                    <a:lstStyle/>
+                    <a:p>
+                      <a:pPr rtl="0" fontAlgn="b"/>
+                      <a:r>
+                        <a:rPr lang="nb-NO" sz="1100" b="0">
+                          <a:effectLst/>
+                          <a:latin typeface="Arial" panose="020B0604020202020204" pitchFamily="34" charset="0"/>
+                        </a:rPr>
+                        <a:t>Work schedule</a:t>
+                      </a:r>
+                    </a:p>
+                  </a:txBody>
+                  <a:tcPr marL="28575" marR="28575" marT="19050" marB="19050" anchor="b">
+                    <a:lnL w="9525" cap="flat" cmpd="sng" algn="ctr">
+                      <a:solidFill>
+                        <a:srgbClr val="CCCCCC"/>
+                      </a:solidFill>
+                      <a:prstDash val="solid"/>
+                      <a:round/>
+                      <a:headEnd type="none" w="med" len="med"/>
+                      <a:tailEnd type="none" w="med" len="med"/>
+                    </a:lnL>
+                    <a:lnR w="9525" cap="flat" cmpd="sng" algn="ctr">
+                      <a:solidFill>
+                        <a:srgbClr val="CCCCCC"/>
+                      </a:solidFill>
+                      <a:prstDash val="solid"/>
+                      <a:round/>
+                      <a:headEnd type="none" w="med" len="med"/>
+                      <a:tailEnd type="none" w="med" len="med"/>
+                    </a:lnR>
+                    <a:lnT w="9525" cap="flat" cmpd="sng" algn="ctr">
+                      <a:solidFill>
+                        <a:srgbClr val="CCCCCC"/>
+                      </a:solidFill>
+                      <a:prstDash val="solid"/>
+                      <a:round/>
+                      <a:headEnd type="none" w="med" len="med"/>
+                      <a:tailEnd type="none" w="med" len="med"/>
+                    </a:lnT>
+                    <a:lnB w="9525" cap="flat" cmpd="sng" algn="ctr">
+                      <a:solidFill>
+                        <a:srgbClr val="CCCCCC"/>
+                      </a:solidFill>
+                      <a:prstDash val="solid"/>
+                      <a:round/>
+                      <a:headEnd type="none" w="med" len="med"/>
+                      <a:tailEnd type="none" w="med" len="med"/>
+                    </a:lnB>
+                  </a:tcPr>
+                </a:tc>
+                <a:tc>
+                  <a:txBody>
+                    <a:bodyPr/>
+                    <a:lstStyle/>
+                    <a:p>
+                      <a:pPr algn="r" rtl="0" fontAlgn="b"/>
+                      <a:r>
+                        <a:rPr lang="nb-NO" sz="1100" b="0">
+                          <a:effectLst/>
+                          <a:latin typeface="Arial" panose="020B0604020202020204" pitchFamily="34" charset="0"/>
+                        </a:rPr>
+                        <a:t>80</a:t>
+                      </a:r>
+                    </a:p>
+                  </a:txBody>
+                  <a:tcPr marL="28575" marR="28575" marT="19050" marB="19050" anchor="b">
+                    <a:lnL w="9525" cap="flat" cmpd="sng" algn="ctr">
+                      <a:solidFill>
+                        <a:srgbClr val="CCCCCC"/>
+                      </a:solidFill>
+                      <a:prstDash val="solid"/>
+                      <a:round/>
+                      <a:headEnd type="none" w="med" len="med"/>
+                      <a:tailEnd type="none" w="med" len="med"/>
+                    </a:lnL>
+                    <a:lnR w="9525" cap="flat" cmpd="sng" algn="ctr">
+                      <a:solidFill>
+                        <a:srgbClr val="CCCCCC"/>
+                      </a:solidFill>
+                      <a:prstDash val="solid"/>
+                      <a:round/>
+                      <a:headEnd type="none" w="med" len="med"/>
+                      <a:tailEnd type="none" w="med" len="med"/>
+                    </a:lnR>
+                    <a:lnT w="9525" cap="flat" cmpd="sng" algn="ctr">
+                      <a:solidFill>
+                        <a:srgbClr val="CCCCCC"/>
+                      </a:solidFill>
+                      <a:prstDash val="solid"/>
+                      <a:round/>
+                      <a:headEnd type="none" w="med" len="med"/>
+                      <a:tailEnd type="none" w="med" len="med"/>
+                    </a:lnT>
+                    <a:lnB w="9525" cap="flat" cmpd="sng" algn="ctr">
+                      <a:solidFill>
+                        <a:srgbClr val="CCCCCC"/>
+                      </a:solidFill>
+                      <a:prstDash val="solid"/>
+                      <a:round/>
+                      <a:headEnd type="none" w="med" len="med"/>
+                      <a:tailEnd type="none" w="med" len="med"/>
+                    </a:lnB>
+                  </a:tcPr>
+                </a:tc>
+                <a:tc>
+                  <a:txBody>
+                    <a:bodyPr/>
+                    <a:lstStyle/>
+                    <a:p>
+                      <a:pPr algn="r" rtl="0" fontAlgn="b"/>
+                      <a:r>
+                        <a:rPr lang="nb-NO" sz="1100" b="0">
+                          <a:effectLst/>
+                          <a:latin typeface="Arial" panose="020B0604020202020204" pitchFamily="34" charset="0"/>
+                        </a:rPr>
+                        <a:t>8</a:t>
+                      </a:r>
+                    </a:p>
+                  </a:txBody>
+                  <a:tcPr marL="28575" marR="28575" marT="19050" marB="19050" anchor="b">
+                    <a:lnL w="9525" cap="flat" cmpd="sng" algn="ctr">
+                      <a:solidFill>
+                        <a:srgbClr val="CCCCCC"/>
+                      </a:solidFill>
+                      <a:prstDash val="solid"/>
+                      <a:round/>
+                      <a:headEnd type="none" w="med" len="med"/>
+                      <a:tailEnd type="none" w="med" len="med"/>
+                    </a:lnL>
+                    <a:lnR w="9525" cap="flat" cmpd="sng" algn="ctr">
+                      <a:solidFill>
+                        <a:srgbClr val="000000"/>
+                      </a:solidFill>
+                      <a:prstDash val="solid"/>
+                      <a:round/>
+                      <a:headEnd type="none" w="med" len="med"/>
+                      <a:tailEnd type="none" w="med" len="med"/>
+                    </a:lnR>
+                    <a:lnT w="9525" cap="flat" cmpd="sng" algn="ctr">
+                      <a:solidFill>
+                        <a:srgbClr val="CCCCCC"/>
+                      </a:solidFill>
+                      <a:prstDash val="solid"/>
+                      <a:round/>
+                      <a:headEnd type="none" w="med" len="med"/>
+                      <a:tailEnd type="none" w="med" len="med"/>
+                    </a:lnT>
+                    <a:lnB w="9525" cap="flat" cmpd="sng" algn="ctr">
+                      <a:solidFill>
+                        <a:srgbClr val="CCCCCC"/>
+                      </a:solidFill>
+                      <a:prstDash val="solid"/>
+                      <a:round/>
+                      <a:headEnd type="none" w="med" len="med"/>
+                      <a:tailEnd type="none" w="med" len="med"/>
+                    </a:lnB>
+                  </a:tcPr>
+                </a:tc>
+                <a:extLst>
+                  <a:ext uri="{0D108BD9-81ED-4DB2-BD59-A6C34878D82A}">
+                    <a16:rowId xmlns:a16="http://schemas.microsoft.com/office/drawing/2014/main" val="2842498650"/>
+                  </a:ext>
+                </a:extLst>
+              </a:tr>
+              <a:tr h="200025">
+                <a:tc>
+                  <a:txBody>
+                    <a:bodyPr/>
+                    <a:lstStyle/>
+                    <a:p>
+                      <a:pPr algn="r" rtl="0" fontAlgn="b"/>
+                      <a:r>
+                        <a:rPr lang="nb-NO" sz="1100" b="0">
+                          <a:effectLst/>
+                          <a:latin typeface="Arial" panose="020B0604020202020204" pitchFamily="34" charset="0"/>
+                        </a:rPr>
+                        <a:t>11</a:t>
+                      </a:r>
+                    </a:p>
+                  </a:txBody>
+                  <a:tcPr marL="28575" marR="28575" marT="19050" marB="19050" anchor="b">
+                    <a:lnL w="9525" cap="flat" cmpd="sng" algn="ctr">
+                      <a:solidFill>
+                        <a:srgbClr val="000000"/>
+                      </a:solidFill>
+                      <a:prstDash val="solid"/>
+                      <a:round/>
+                      <a:headEnd type="none" w="med" len="med"/>
+                      <a:tailEnd type="none" w="med" len="med"/>
+                    </a:lnL>
+                    <a:lnR w="9525" cap="flat" cmpd="sng" algn="ctr">
+                      <a:solidFill>
+                        <a:srgbClr val="CCCCCC"/>
+                      </a:solidFill>
+                      <a:prstDash val="solid"/>
+                      <a:round/>
+                      <a:headEnd type="none" w="med" len="med"/>
+                      <a:tailEnd type="none" w="med" len="med"/>
+                    </a:lnR>
+                    <a:lnT w="9525" cap="flat" cmpd="sng" algn="ctr">
+                      <a:solidFill>
+                        <a:srgbClr val="CCCCCC"/>
+                      </a:solidFill>
+                      <a:prstDash val="solid"/>
+                      <a:round/>
+                      <a:headEnd type="none" w="med" len="med"/>
+                      <a:tailEnd type="none" w="med" len="med"/>
+                    </a:lnT>
+                    <a:lnB w="9525" cap="flat" cmpd="sng" algn="ctr">
+                      <a:solidFill>
+                        <a:srgbClr val="CCCCCC"/>
+                      </a:solidFill>
+                      <a:prstDash val="solid"/>
+                      <a:round/>
+                      <a:headEnd type="none" w="med" len="med"/>
+                      <a:tailEnd type="none" w="med" len="med"/>
+                    </a:lnB>
+                  </a:tcPr>
+                </a:tc>
+                <a:tc>
+                  <a:txBody>
+                    <a:bodyPr/>
+                    <a:lstStyle/>
+                    <a:p>
+                      <a:pPr rtl="0" fontAlgn="b"/>
+                      <a:r>
+                        <a:rPr lang="nb-NO" sz="1100" b="0">
+                          <a:effectLst/>
+                          <a:latin typeface="Arial" panose="020B0604020202020204" pitchFamily="34" charset="0"/>
+                        </a:rPr>
+                        <a:t>Band-technical needs overview</a:t>
+                      </a:r>
+                    </a:p>
+                  </a:txBody>
+                  <a:tcPr marL="28575" marR="28575" marT="19050" marB="19050" anchor="b">
+                    <a:lnL w="9525" cap="flat" cmpd="sng" algn="ctr">
+                      <a:solidFill>
+                        <a:srgbClr val="CCCCCC"/>
+                      </a:solidFill>
+                      <a:prstDash val="solid"/>
+                      <a:round/>
+                      <a:headEnd type="none" w="med" len="med"/>
+                      <a:tailEnd type="none" w="med" len="med"/>
+                    </a:lnL>
+                    <a:lnR w="9525" cap="flat" cmpd="sng" algn="ctr">
+                      <a:solidFill>
+                        <a:srgbClr val="CCCCCC"/>
+                      </a:solidFill>
+                      <a:prstDash val="solid"/>
+                      <a:round/>
+                      <a:headEnd type="none" w="med" len="med"/>
+                      <a:tailEnd type="none" w="med" len="med"/>
+                    </a:lnR>
+                    <a:lnT w="9525" cap="flat" cmpd="sng" algn="ctr">
+                      <a:solidFill>
+                        <a:srgbClr val="CCCCCC"/>
+                      </a:solidFill>
+                      <a:prstDash val="solid"/>
+                      <a:round/>
+                      <a:headEnd type="none" w="med" len="med"/>
+                      <a:tailEnd type="none" w="med" len="med"/>
+                    </a:lnT>
+                    <a:lnB w="9525" cap="flat" cmpd="sng" algn="ctr">
+                      <a:solidFill>
+                        <a:srgbClr val="CCCCCC"/>
+                      </a:solidFill>
+                      <a:prstDash val="solid"/>
+                      <a:round/>
+                      <a:headEnd type="none" w="med" len="med"/>
+                      <a:tailEnd type="none" w="med" len="med"/>
+                    </a:lnB>
+                  </a:tcPr>
+                </a:tc>
+                <a:tc>
+                  <a:txBody>
+                    <a:bodyPr/>
+                    <a:lstStyle/>
+                    <a:p>
+                      <a:pPr algn="r" rtl="0" fontAlgn="b"/>
+                      <a:r>
+                        <a:rPr lang="nb-NO" sz="1100" b="0">
+                          <a:effectLst/>
+                          <a:latin typeface="Arial" panose="020B0604020202020204" pitchFamily="34" charset="0"/>
+                        </a:rPr>
+                        <a:t>70</a:t>
+                      </a:r>
+                    </a:p>
+                  </a:txBody>
+                  <a:tcPr marL="28575" marR="28575" marT="19050" marB="19050" anchor="b">
+                    <a:lnL w="9525" cap="flat" cmpd="sng" algn="ctr">
+                      <a:solidFill>
+                        <a:srgbClr val="CCCCCC"/>
+                      </a:solidFill>
+                      <a:prstDash val="solid"/>
+                      <a:round/>
+                      <a:headEnd type="none" w="med" len="med"/>
+                      <a:tailEnd type="none" w="med" len="med"/>
+                    </a:lnL>
+                    <a:lnR w="9525" cap="flat" cmpd="sng" algn="ctr">
+                      <a:solidFill>
+                        <a:srgbClr val="CCCCCC"/>
+                      </a:solidFill>
+                      <a:prstDash val="solid"/>
+                      <a:round/>
+                      <a:headEnd type="none" w="med" len="med"/>
+                      <a:tailEnd type="none" w="med" len="med"/>
+                    </a:lnR>
+                    <a:lnT w="9525" cap="flat" cmpd="sng" algn="ctr">
+                      <a:solidFill>
+                        <a:srgbClr val="CCCCCC"/>
+                      </a:solidFill>
+                      <a:prstDash val="solid"/>
+                      <a:round/>
+                      <a:headEnd type="none" w="med" len="med"/>
+                      <a:tailEnd type="none" w="med" len="med"/>
+                    </a:lnT>
+                    <a:lnB w="9525" cap="flat" cmpd="sng" algn="ctr">
+                      <a:solidFill>
+                        <a:srgbClr val="CCCCCC"/>
+                      </a:solidFill>
+                      <a:prstDash val="solid"/>
+                      <a:round/>
+                      <a:headEnd type="none" w="med" len="med"/>
+                      <a:tailEnd type="none" w="med" len="med"/>
+                    </a:lnB>
+                  </a:tcPr>
+                </a:tc>
+                <a:tc>
+                  <a:txBody>
+                    <a:bodyPr/>
+                    <a:lstStyle/>
+                    <a:p>
+                      <a:pPr algn="r" rtl="0" fontAlgn="b"/>
+                      <a:r>
+                        <a:rPr lang="nb-NO" sz="1100" b="0">
+                          <a:effectLst/>
+                          <a:latin typeface="Arial" panose="020B0604020202020204" pitchFamily="34" charset="0"/>
+                        </a:rPr>
+                        <a:t>6</a:t>
+                      </a:r>
+                    </a:p>
+                  </a:txBody>
+                  <a:tcPr marL="28575" marR="28575" marT="19050" marB="19050" anchor="b">
+                    <a:lnL w="9525" cap="flat" cmpd="sng" algn="ctr">
+                      <a:solidFill>
+                        <a:srgbClr val="CCCCCC"/>
+                      </a:solidFill>
+                      <a:prstDash val="solid"/>
+                      <a:round/>
+                      <a:headEnd type="none" w="med" len="med"/>
+                      <a:tailEnd type="none" w="med" len="med"/>
+                    </a:lnL>
+                    <a:lnR w="9525" cap="flat" cmpd="sng" algn="ctr">
+                      <a:solidFill>
+                        <a:srgbClr val="000000"/>
+                      </a:solidFill>
+                      <a:prstDash val="solid"/>
+                      <a:round/>
+                      <a:headEnd type="none" w="med" len="med"/>
+                      <a:tailEnd type="none" w="med" len="med"/>
+                    </a:lnR>
+                    <a:lnT w="9525" cap="flat" cmpd="sng" algn="ctr">
+                      <a:solidFill>
+                        <a:srgbClr val="CCCCCC"/>
+                      </a:solidFill>
+                      <a:prstDash val="solid"/>
+                      <a:round/>
+                      <a:headEnd type="none" w="med" len="med"/>
+                      <a:tailEnd type="none" w="med" len="med"/>
+                    </a:lnT>
+                    <a:lnB w="9525" cap="flat" cmpd="sng" algn="ctr">
+                      <a:solidFill>
+                        <a:srgbClr val="CCCCCC"/>
+                      </a:solidFill>
+                      <a:prstDash val="solid"/>
+                      <a:round/>
+                      <a:headEnd type="none" w="med" len="med"/>
+                      <a:tailEnd type="none" w="med" len="med"/>
+                    </a:lnB>
+                  </a:tcPr>
+                </a:tc>
+                <a:extLst>
+                  <a:ext uri="{0D108BD9-81ED-4DB2-BD59-A6C34878D82A}">
+                    <a16:rowId xmlns:a16="http://schemas.microsoft.com/office/drawing/2014/main" val="1103082623"/>
+                  </a:ext>
+                </a:extLst>
+              </a:tr>
+              <a:tr h="200025">
+                <a:tc>
+                  <a:txBody>
+                    <a:bodyPr/>
+                    <a:lstStyle/>
+                    <a:p>
+                      <a:pPr algn="r" rtl="0" fontAlgn="b"/>
+                      <a:r>
+                        <a:rPr lang="nb-NO" sz="1100" b="0">
+                          <a:effectLst/>
+                          <a:latin typeface="Arial" panose="020B0604020202020204" pitchFamily="34" charset="0"/>
+                        </a:rPr>
+                        <a:t>9</a:t>
+                      </a:r>
+                    </a:p>
+                  </a:txBody>
+                  <a:tcPr marL="28575" marR="28575" marT="19050" marB="19050" anchor="b">
+                    <a:lnL w="9525" cap="flat" cmpd="sng" algn="ctr">
+                      <a:solidFill>
+                        <a:srgbClr val="000000"/>
+                      </a:solidFill>
+                      <a:prstDash val="solid"/>
+                      <a:round/>
+                      <a:headEnd type="none" w="med" len="med"/>
+                      <a:tailEnd type="none" w="med" len="med"/>
+                    </a:lnL>
+                    <a:lnR w="9525" cap="flat" cmpd="sng" algn="ctr">
+                      <a:solidFill>
+                        <a:srgbClr val="CCCCCC"/>
+                      </a:solidFill>
+                      <a:prstDash val="solid"/>
+                      <a:round/>
+                      <a:headEnd type="none" w="med" len="med"/>
+                      <a:tailEnd type="none" w="med" len="med"/>
+                    </a:lnR>
+                    <a:lnT w="9525" cap="flat" cmpd="sng" algn="ctr">
+                      <a:solidFill>
+                        <a:srgbClr val="CCCCCC"/>
+                      </a:solidFill>
+                      <a:prstDash val="solid"/>
+                      <a:round/>
+                      <a:headEnd type="none" w="med" len="med"/>
+                      <a:tailEnd type="none" w="med" len="med"/>
+                    </a:lnT>
+                    <a:lnB w="9525" cap="flat" cmpd="sng" algn="ctr">
+                      <a:solidFill>
+                        <a:srgbClr val="CCCCCC"/>
+                      </a:solidFill>
+                      <a:prstDash val="solid"/>
+                      <a:round/>
+                      <a:headEnd type="none" w="med" len="med"/>
+                      <a:tailEnd type="none" w="med" len="med"/>
+                    </a:lnB>
+                  </a:tcPr>
+                </a:tc>
+                <a:tc>
+                  <a:txBody>
+                    <a:bodyPr/>
+                    <a:lstStyle/>
+                    <a:p>
+                      <a:pPr rtl="0" fontAlgn="b"/>
+                      <a:r>
+                        <a:rPr lang="nb-NO" sz="1100" b="0">
+                          <a:effectLst/>
+                          <a:latin typeface="Arial" panose="020B0604020202020204" pitchFamily="34" charset="0"/>
+                        </a:rPr>
+                        <a:t>Band search</a:t>
+                      </a:r>
+                    </a:p>
+                  </a:txBody>
+                  <a:tcPr marL="28575" marR="28575" marT="19050" marB="19050" anchor="b">
+                    <a:lnL w="9525" cap="flat" cmpd="sng" algn="ctr">
+                      <a:solidFill>
+                        <a:srgbClr val="CCCCCC"/>
+                      </a:solidFill>
+                      <a:prstDash val="solid"/>
+                      <a:round/>
+                      <a:headEnd type="none" w="med" len="med"/>
+                      <a:tailEnd type="none" w="med" len="med"/>
+                    </a:lnL>
+                    <a:lnR w="9525" cap="flat" cmpd="sng" algn="ctr">
+                      <a:solidFill>
+                        <a:srgbClr val="CCCCCC"/>
+                      </a:solidFill>
+                      <a:prstDash val="solid"/>
+                      <a:round/>
+                      <a:headEnd type="none" w="med" len="med"/>
+                      <a:tailEnd type="none" w="med" len="med"/>
+                    </a:lnR>
+                    <a:lnT w="9525" cap="flat" cmpd="sng" algn="ctr">
+                      <a:solidFill>
+                        <a:srgbClr val="CCCCCC"/>
+                      </a:solidFill>
+                      <a:prstDash val="solid"/>
+                      <a:round/>
+                      <a:headEnd type="none" w="med" len="med"/>
+                      <a:tailEnd type="none" w="med" len="med"/>
+                    </a:lnT>
+                    <a:lnB w="9525" cap="flat" cmpd="sng" algn="ctr">
+                      <a:solidFill>
+                        <a:srgbClr val="CCCCCC"/>
+                      </a:solidFill>
+                      <a:prstDash val="solid"/>
+                      <a:round/>
+                      <a:headEnd type="none" w="med" len="med"/>
+                      <a:tailEnd type="none" w="med" len="med"/>
+                    </a:lnB>
+                  </a:tcPr>
+                </a:tc>
+                <a:tc>
+                  <a:txBody>
+                    <a:bodyPr/>
+                    <a:lstStyle/>
+                    <a:p>
+                      <a:pPr algn="r" rtl="0" fontAlgn="b"/>
+                      <a:r>
+                        <a:rPr lang="nb-NO" sz="1100" b="0">
+                          <a:effectLst/>
+                          <a:latin typeface="Arial" panose="020B0604020202020204" pitchFamily="34" charset="0"/>
+                        </a:rPr>
+                        <a:t>65</a:t>
+                      </a:r>
+                    </a:p>
+                  </a:txBody>
+                  <a:tcPr marL="28575" marR="28575" marT="19050" marB="19050" anchor="b">
+                    <a:lnL w="9525" cap="flat" cmpd="sng" algn="ctr">
+                      <a:solidFill>
+                        <a:srgbClr val="CCCCCC"/>
+                      </a:solidFill>
+                      <a:prstDash val="solid"/>
+                      <a:round/>
+                      <a:headEnd type="none" w="med" len="med"/>
+                      <a:tailEnd type="none" w="med" len="med"/>
+                    </a:lnL>
+                    <a:lnR w="9525" cap="flat" cmpd="sng" algn="ctr">
+                      <a:solidFill>
+                        <a:srgbClr val="CCCCCC"/>
+                      </a:solidFill>
+                      <a:prstDash val="solid"/>
+                      <a:round/>
+                      <a:headEnd type="none" w="med" len="med"/>
+                      <a:tailEnd type="none" w="med" len="med"/>
+                    </a:lnR>
+                    <a:lnT w="9525" cap="flat" cmpd="sng" algn="ctr">
+                      <a:solidFill>
+                        <a:srgbClr val="CCCCCC"/>
+                      </a:solidFill>
+                      <a:prstDash val="solid"/>
+                      <a:round/>
+                      <a:headEnd type="none" w="med" len="med"/>
+                      <a:tailEnd type="none" w="med" len="med"/>
+                    </a:lnT>
+                    <a:lnB w="9525" cap="flat" cmpd="sng" algn="ctr">
+                      <a:solidFill>
+                        <a:srgbClr val="CCCCCC"/>
+                      </a:solidFill>
+                      <a:prstDash val="solid"/>
+                      <a:round/>
+                      <a:headEnd type="none" w="med" len="med"/>
+                      <a:tailEnd type="none" w="med" len="med"/>
+                    </a:lnB>
+                  </a:tcPr>
+                </a:tc>
+                <a:tc>
+                  <a:txBody>
+                    <a:bodyPr/>
+                    <a:lstStyle/>
+                    <a:p>
+                      <a:pPr algn="r" rtl="0" fontAlgn="b"/>
+                      <a:r>
+                        <a:rPr lang="nb-NO" sz="1100" b="0">
+                          <a:effectLst/>
+                          <a:latin typeface="Arial" panose="020B0604020202020204" pitchFamily="34" charset="0"/>
+                        </a:rPr>
+                        <a:t>8</a:t>
+                      </a:r>
+                    </a:p>
+                  </a:txBody>
+                  <a:tcPr marL="28575" marR="28575" marT="19050" marB="19050" anchor="b">
+                    <a:lnL w="9525" cap="flat" cmpd="sng" algn="ctr">
+                      <a:solidFill>
+                        <a:srgbClr val="CCCCCC"/>
+                      </a:solidFill>
+                      <a:prstDash val="solid"/>
+                      <a:round/>
+                      <a:headEnd type="none" w="med" len="med"/>
+                      <a:tailEnd type="none" w="med" len="med"/>
+                    </a:lnL>
+                    <a:lnR w="9525" cap="flat" cmpd="sng" algn="ctr">
+                      <a:solidFill>
+                        <a:srgbClr val="000000"/>
+                      </a:solidFill>
+                      <a:prstDash val="solid"/>
+                      <a:round/>
+                      <a:headEnd type="none" w="med" len="med"/>
+                      <a:tailEnd type="none" w="med" len="med"/>
+                    </a:lnR>
+                    <a:lnT w="9525" cap="flat" cmpd="sng" algn="ctr">
+                      <a:solidFill>
+                        <a:srgbClr val="CCCCCC"/>
+                      </a:solidFill>
+                      <a:prstDash val="solid"/>
+                      <a:round/>
+                      <a:headEnd type="none" w="med" len="med"/>
+                      <a:tailEnd type="none" w="med" len="med"/>
+                    </a:lnT>
+                    <a:lnB w="9525" cap="flat" cmpd="sng" algn="ctr">
+                      <a:solidFill>
+                        <a:srgbClr val="CCCCCC"/>
+                      </a:solidFill>
+                      <a:prstDash val="solid"/>
+                      <a:round/>
+                      <a:headEnd type="none" w="med" len="med"/>
+                      <a:tailEnd type="none" w="med" len="med"/>
+                    </a:lnB>
+                  </a:tcPr>
+                </a:tc>
+                <a:extLst>
+                  <a:ext uri="{0D108BD9-81ED-4DB2-BD59-A6C34878D82A}">
+                    <a16:rowId xmlns:a16="http://schemas.microsoft.com/office/drawing/2014/main" val="2326715992"/>
+                  </a:ext>
+                </a:extLst>
+              </a:tr>
+              <a:tr h="200025">
+                <a:tc>
+                  <a:txBody>
+                    <a:bodyPr/>
+                    <a:lstStyle/>
+                    <a:p>
+                      <a:pPr algn="r" rtl="0" fontAlgn="b"/>
+                      <a:r>
+                        <a:rPr lang="nb-NO" sz="1100" b="0">
+                          <a:effectLst/>
+                          <a:latin typeface="Arial" panose="020B0604020202020204" pitchFamily="34" charset="0"/>
+                        </a:rPr>
+                        <a:t>10</a:t>
+                      </a:r>
+                    </a:p>
+                  </a:txBody>
+                  <a:tcPr marL="28575" marR="28575" marT="19050" marB="19050" anchor="b">
+                    <a:lnL w="9525" cap="flat" cmpd="sng" algn="ctr">
+                      <a:solidFill>
+                        <a:srgbClr val="000000"/>
+                      </a:solidFill>
+                      <a:prstDash val="solid"/>
+                      <a:round/>
+                      <a:headEnd type="none" w="med" len="med"/>
+                      <a:tailEnd type="none" w="med" len="med"/>
+                    </a:lnL>
+                    <a:lnR w="9525" cap="flat" cmpd="sng" algn="ctr">
+                      <a:solidFill>
+                        <a:srgbClr val="CCCCCC"/>
+                      </a:solidFill>
+                      <a:prstDash val="solid"/>
+                      <a:round/>
+                      <a:headEnd type="none" w="med" len="med"/>
+                      <a:tailEnd type="none" w="med" len="med"/>
+                    </a:lnR>
+                    <a:lnT w="9525" cap="flat" cmpd="sng" algn="ctr">
+                      <a:solidFill>
+                        <a:srgbClr val="CCCCCC"/>
+                      </a:solidFill>
+                      <a:prstDash val="solid"/>
+                      <a:round/>
+                      <a:headEnd type="none" w="med" len="med"/>
+                      <a:tailEnd type="none" w="med" len="med"/>
+                    </a:lnT>
+                    <a:lnB w="9525" cap="flat" cmpd="sng" algn="ctr">
+                      <a:solidFill>
+                        <a:srgbClr val="CCCCCC"/>
+                      </a:solidFill>
+                      <a:prstDash val="solid"/>
+                      <a:round/>
+                      <a:headEnd type="none" w="med" len="med"/>
+                      <a:tailEnd type="none" w="med" len="med"/>
+                    </a:lnB>
+                  </a:tcPr>
+                </a:tc>
+                <a:tc>
+                  <a:txBody>
+                    <a:bodyPr/>
+                    <a:lstStyle/>
+                    <a:p>
+                      <a:pPr rtl="0" fontAlgn="b"/>
+                      <a:r>
+                        <a:rPr lang="nb-NO" sz="1100" b="0">
+                          <a:effectLst/>
+                          <a:latin typeface="Arial" panose="020B0604020202020204" pitchFamily="34" charset="0"/>
+                        </a:rPr>
+                        <a:t>Concert-genere overview</a:t>
+                      </a:r>
+                    </a:p>
+                  </a:txBody>
+                  <a:tcPr marL="28575" marR="28575" marT="19050" marB="19050" anchor="b">
+                    <a:lnL w="9525" cap="flat" cmpd="sng" algn="ctr">
+                      <a:solidFill>
+                        <a:srgbClr val="CCCCCC"/>
+                      </a:solidFill>
+                      <a:prstDash val="solid"/>
+                      <a:round/>
+                      <a:headEnd type="none" w="med" len="med"/>
+                      <a:tailEnd type="none" w="med" len="med"/>
+                    </a:lnL>
+                    <a:lnR w="9525" cap="flat" cmpd="sng" algn="ctr">
+                      <a:solidFill>
+                        <a:srgbClr val="CCCCCC"/>
+                      </a:solidFill>
+                      <a:prstDash val="solid"/>
+                      <a:round/>
+                      <a:headEnd type="none" w="med" len="med"/>
+                      <a:tailEnd type="none" w="med" len="med"/>
+                    </a:lnR>
+                    <a:lnT w="9525" cap="flat" cmpd="sng" algn="ctr">
+                      <a:solidFill>
+                        <a:srgbClr val="CCCCCC"/>
+                      </a:solidFill>
+                      <a:prstDash val="solid"/>
+                      <a:round/>
+                      <a:headEnd type="none" w="med" len="med"/>
+                      <a:tailEnd type="none" w="med" len="med"/>
+                    </a:lnT>
+                    <a:lnB w="9525" cap="flat" cmpd="sng" algn="ctr">
+                      <a:solidFill>
+                        <a:srgbClr val="CCCCCC"/>
+                      </a:solidFill>
+                      <a:prstDash val="solid"/>
+                      <a:round/>
+                      <a:headEnd type="none" w="med" len="med"/>
+                      <a:tailEnd type="none" w="med" len="med"/>
+                    </a:lnB>
+                  </a:tcPr>
+                </a:tc>
+                <a:tc>
+                  <a:txBody>
+                    <a:bodyPr/>
+                    <a:lstStyle/>
+                    <a:p>
+                      <a:pPr algn="r" rtl="0" fontAlgn="b"/>
+                      <a:r>
+                        <a:rPr lang="nb-NO" sz="1100" b="0">
+                          <a:effectLst/>
+                          <a:latin typeface="Arial" panose="020B0604020202020204" pitchFamily="34" charset="0"/>
+                        </a:rPr>
+                        <a:t>60</a:t>
+                      </a:r>
+                    </a:p>
+                  </a:txBody>
+                  <a:tcPr marL="28575" marR="28575" marT="19050" marB="19050" anchor="b">
+                    <a:lnL w="9525" cap="flat" cmpd="sng" algn="ctr">
+                      <a:solidFill>
+                        <a:srgbClr val="CCCCCC"/>
+                      </a:solidFill>
+                      <a:prstDash val="solid"/>
+                      <a:round/>
+                      <a:headEnd type="none" w="med" len="med"/>
+                      <a:tailEnd type="none" w="med" len="med"/>
+                    </a:lnL>
+                    <a:lnR w="9525" cap="flat" cmpd="sng" algn="ctr">
+                      <a:solidFill>
+                        <a:srgbClr val="CCCCCC"/>
+                      </a:solidFill>
+                      <a:prstDash val="solid"/>
+                      <a:round/>
+                      <a:headEnd type="none" w="med" len="med"/>
+                      <a:tailEnd type="none" w="med" len="med"/>
+                    </a:lnR>
+                    <a:lnT w="9525" cap="flat" cmpd="sng" algn="ctr">
+                      <a:solidFill>
+                        <a:srgbClr val="CCCCCC"/>
+                      </a:solidFill>
+                      <a:prstDash val="solid"/>
+                      <a:round/>
+                      <a:headEnd type="none" w="med" len="med"/>
+                      <a:tailEnd type="none" w="med" len="med"/>
+                    </a:lnT>
+                    <a:lnB w="9525" cap="flat" cmpd="sng" algn="ctr">
+                      <a:solidFill>
+                        <a:srgbClr val="CCCCCC"/>
+                      </a:solidFill>
+                      <a:prstDash val="solid"/>
+                      <a:round/>
+                      <a:headEnd type="none" w="med" len="med"/>
+                      <a:tailEnd type="none" w="med" len="med"/>
+                    </a:lnB>
+                  </a:tcPr>
+                </a:tc>
+                <a:tc>
+                  <a:txBody>
+                    <a:bodyPr/>
+                    <a:lstStyle/>
+                    <a:p>
+                      <a:pPr algn="r" rtl="0" fontAlgn="b"/>
+                      <a:r>
+                        <a:rPr lang="nb-NO" sz="1100" b="0">
+                          <a:effectLst/>
+                          <a:latin typeface="Arial" panose="020B0604020202020204" pitchFamily="34" charset="0"/>
+                        </a:rPr>
+                        <a:t>6</a:t>
+                      </a:r>
+                    </a:p>
+                  </a:txBody>
+                  <a:tcPr marL="28575" marR="28575" marT="19050" marB="19050" anchor="b">
+                    <a:lnL w="9525" cap="flat" cmpd="sng" algn="ctr">
+                      <a:solidFill>
+                        <a:srgbClr val="CCCCCC"/>
+                      </a:solidFill>
+                      <a:prstDash val="solid"/>
+                      <a:round/>
+                      <a:headEnd type="none" w="med" len="med"/>
+                      <a:tailEnd type="none" w="med" len="med"/>
+                    </a:lnL>
+                    <a:lnR w="9525" cap="flat" cmpd="sng" algn="ctr">
+                      <a:solidFill>
+                        <a:srgbClr val="000000"/>
+                      </a:solidFill>
+                      <a:prstDash val="solid"/>
+                      <a:round/>
+                      <a:headEnd type="none" w="med" len="med"/>
+                      <a:tailEnd type="none" w="med" len="med"/>
+                    </a:lnR>
+                    <a:lnT w="9525" cap="flat" cmpd="sng" algn="ctr">
+                      <a:solidFill>
+                        <a:srgbClr val="CCCCCC"/>
+                      </a:solidFill>
+                      <a:prstDash val="solid"/>
+                      <a:round/>
+                      <a:headEnd type="none" w="med" len="med"/>
+                      <a:tailEnd type="none" w="med" len="med"/>
+                    </a:lnT>
+                    <a:lnB w="9525" cap="flat" cmpd="sng" algn="ctr">
+                      <a:solidFill>
+                        <a:srgbClr val="CCCCCC"/>
+                      </a:solidFill>
+                      <a:prstDash val="solid"/>
+                      <a:round/>
+                      <a:headEnd type="none" w="med" len="med"/>
+                      <a:tailEnd type="none" w="med" len="med"/>
+                    </a:lnB>
+                  </a:tcPr>
+                </a:tc>
+                <a:extLst>
+                  <a:ext uri="{0D108BD9-81ED-4DB2-BD59-A6C34878D82A}">
+                    <a16:rowId xmlns:a16="http://schemas.microsoft.com/office/drawing/2014/main" val="897359163"/>
+                  </a:ext>
+                </a:extLst>
+              </a:tr>
+              <a:tr h="200025">
+                <a:tc>
+                  <a:txBody>
+                    <a:bodyPr/>
+                    <a:lstStyle/>
+                    <a:p>
+                      <a:pPr rtl="0" fontAlgn="b"/>
+                      <a:r>
+                        <a:rPr lang="nb-NO" sz="1100" b="1">
+                          <a:effectLst/>
+                          <a:latin typeface="Arial" panose="020B0604020202020204" pitchFamily="34" charset="0"/>
+                        </a:rPr>
+                        <a:t>Totalt:</a:t>
+                      </a:r>
+                    </a:p>
+                  </a:txBody>
+                  <a:tcPr marL="28575" marR="28575" marT="19050" marB="19050" anchor="b">
+                    <a:lnL w="9525" cap="flat" cmpd="sng" algn="ctr">
+                      <a:solidFill>
+                        <a:srgbClr val="000000"/>
+                      </a:solidFill>
+                      <a:prstDash val="solid"/>
+                      <a:round/>
+                      <a:headEnd type="none" w="med" len="med"/>
+                      <a:tailEnd type="none" w="med" len="med"/>
+                    </a:lnL>
+                    <a:lnR w="9525" cap="flat" cmpd="sng" algn="ctr">
+                      <a:solidFill>
+                        <a:srgbClr val="CCCCCC"/>
+                      </a:solidFill>
+                      <a:prstDash val="solid"/>
+                      <a:round/>
+                      <a:headEnd type="none" w="med" len="med"/>
+                      <a:tailEnd type="none" w="med" len="med"/>
+                    </a:lnR>
+                    <a:lnT w="9525" cap="flat" cmpd="sng" algn="ctr">
+                      <a:solidFill>
+                        <a:srgbClr val="CCCCCC"/>
+                      </a:solidFill>
+                      <a:prstDash val="solid"/>
+                      <a:round/>
+                      <a:headEnd type="none" w="med" len="med"/>
+                      <a:tailEnd type="none" w="med" len="med"/>
+                    </a:lnT>
+                    <a:lnB w="9525" cap="flat" cmpd="sng" algn="ctr">
+                      <a:solidFill>
+                        <a:srgbClr val="000000"/>
+                      </a:solidFill>
+                      <a:prstDash val="solid"/>
+                      <a:round/>
+                      <a:headEnd type="none" w="med" len="med"/>
+                      <a:tailEnd type="none" w="med" len="med"/>
+                    </a:lnB>
+                  </a:tcPr>
+                </a:tc>
+                <a:tc>
+                  <a:txBody>
+                    <a:bodyPr/>
+                    <a:lstStyle/>
+                    <a:p>
+                      <a:pPr rtl="0" fontAlgn="b"/>
+                      <a:endParaRPr lang="nb-NO">
+                        <a:effectLst/>
+                      </a:endParaRPr>
+                    </a:p>
+                  </a:txBody>
+                  <a:tcPr marL="28575" marR="28575" marT="19050" marB="19050" anchor="b">
+                    <a:lnL w="9525" cap="flat" cmpd="sng" algn="ctr">
+                      <a:solidFill>
+                        <a:srgbClr val="CCCCCC"/>
+                      </a:solidFill>
+                      <a:prstDash val="solid"/>
+                      <a:round/>
+                      <a:headEnd type="none" w="med" len="med"/>
+                      <a:tailEnd type="none" w="med" len="med"/>
+                    </a:lnL>
+                    <a:lnR w="9525" cap="flat" cmpd="sng" algn="ctr">
+                      <a:solidFill>
+                        <a:srgbClr val="CCCCCC"/>
+                      </a:solidFill>
+                      <a:prstDash val="solid"/>
+                      <a:round/>
+                      <a:headEnd type="none" w="med" len="med"/>
+                      <a:tailEnd type="none" w="med" len="med"/>
+                    </a:lnR>
+                    <a:lnT w="9525" cap="flat" cmpd="sng" algn="ctr">
+                      <a:solidFill>
+                        <a:srgbClr val="CCCCCC"/>
+                      </a:solidFill>
+                      <a:prstDash val="solid"/>
+                      <a:round/>
+                      <a:headEnd type="none" w="med" len="med"/>
+                      <a:tailEnd type="none" w="med" len="med"/>
+                    </a:lnT>
+                    <a:lnB w="9525" cap="flat" cmpd="sng" algn="ctr">
+                      <a:solidFill>
+                        <a:srgbClr val="000000"/>
+                      </a:solidFill>
+                      <a:prstDash val="solid"/>
+                      <a:round/>
+                      <a:headEnd type="none" w="med" len="med"/>
+                      <a:tailEnd type="none" w="med" len="med"/>
+                    </a:lnB>
+                  </a:tcPr>
+                </a:tc>
+                <a:tc>
+                  <a:txBody>
+                    <a:bodyPr/>
+                    <a:lstStyle/>
+                    <a:p>
+                      <a:pPr rtl="0" fontAlgn="b"/>
+                      <a:endParaRPr lang="nb-NO">
+                        <a:effectLst/>
+                      </a:endParaRPr>
+                    </a:p>
+                  </a:txBody>
+                  <a:tcPr marL="28575" marR="28575" marT="19050" marB="19050" anchor="b">
+                    <a:lnL w="9525" cap="flat" cmpd="sng" algn="ctr">
+                      <a:solidFill>
+                        <a:srgbClr val="CCCCCC"/>
+                      </a:solidFill>
+                      <a:prstDash val="solid"/>
+                      <a:round/>
+                      <a:headEnd type="none" w="med" len="med"/>
+                      <a:tailEnd type="none" w="med" len="med"/>
+                    </a:lnL>
+                    <a:lnR w="9525" cap="flat" cmpd="sng" algn="ctr">
+                      <a:solidFill>
+                        <a:srgbClr val="CCCCCC"/>
+                      </a:solidFill>
+                      <a:prstDash val="solid"/>
+                      <a:round/>
+                      <a:headEnd type="none" w="med" len="med"/>
+                      <a:tailEnd type="none" w="med" len="med"/>
+                    </a:lnR>
+                    <a:lnT w="9525" cap="flat" cmpd="sng" algn="ctr">
+                      <a:solidFill>
+                        <a:srgbClr val="CCCCCC"/>
+                      </a:solidFill>
+                      <a:prstDash val="solid"/>
+                      <a:round/>
+                      <a:headEnd type="none" w="med" len="med"/>
+                      <a:tailEnd type="none" w="med" len="med"/>
+                    </a:lnT>
+                    <a:lnB w="9525" cap="flat" cmpd="sng" algn="ctr">
+                      <a:solidFill>
+                        <a:srgbClr val="000000"/>
+                      </a:solidFill>
+                      <a:prstDash val="solid"/>
+                      <a:round/>
+                      <a:headEnd type="none" w="med" len="med"/>
+                      <a:tailEnd type="none" w="med" len="med"/>
+                    </a:lnB>
+                  </a:tcPr>
+                </a:tc>
+                <a:tc>
+                  <a:txBody>
+                    <a:bodyPr/>
+                    <a:lstStyle/>
+                    <a:p>
+                      <a:pPr algn="r" rtl="0" fontAlgn="b"/>
+                      <a:r>
+                        <a:rPr lang="nb-NO" sz="1100" b="0" dirty="0">
+                          <a:effectLst/>
+                          <a:latin typeface="Arial" panose="020B0604020202020204" pitchFamily="34" charset="0"/>
+                        </a:rPr>
+                        <a:t>45</a:t>
+                      </a:r>
+                    </a:p>
+                  </a:txBody>
+                  <a:tcPr marL="28575" marR="28575" marT="19050" marB="19050" anchor="b">
+                    <a:lnL w="9525" cap="flat" cmpd="sng" algn="ctr">
+                      <a:solidFill>
+                        <a:srgbClr val="CCCCCC"/>
+                      </a:solidFill>
+                      <a:prstDash val="solid"/>
+                      <a:round/>
+                      <a:headEnd type="none" w="med" len="med"/>
+                      <a:tailEnd type="none" w="med" len="med"/>
+                    </a:lnL>
+                    <a:lnR w="9525" cap="flat" cmpd="sng" algn="ctr">
+                      <a:solidFill>
+                        <a:srgbClr val="000000"/>
+                      </a:solidFill>
+                      <a:prstDash val="solid"/>
+                      <a:round/>
+                      <a:headEnd type="none" w="med" len="med"/>
+                      <a:tailEnd type="none" w="med" len="med"/>
+                    </a:lnR>
+                    <a:lnT w="9525" cap="flat" cmpd="sng" algn="ctr">
+                      <a:solidFill>
+                        <a:srgbClr val="CCCCCC"/>
+                      </a:solidFill>
+                      <a:prstDash val="solid"/>
+                      <a:round/>
+                      <a:headEnd type="none" w="med" len="med"/>
+                      <a:tailEnd type="none" w="med" len="med"/>
+                    </a:lnT>
+                    <a:lnB w="9525" cap="flat" cmpd="sng" algn="ctr">
+                      <a:solidFill>
+                        <a:srgbClr val="000000"/>
+                      </a:solidFill>
+                      <a:prstDash val="solid"/>
+                      <a:round/>
+                      <a:headEnd type="none" w="med" len="med"/>
+                      <a:tailEnd type="none" w="med" len="med"/>
+                    </a:lnB>
+                  </a:tcPr>
+                </a:tc>
+                <a:extLst>
+                  <a:ext uri="{0D108BD9-81ED-4DB2-BD59-A6C34878D82A}">
+                    <a16:rowId xmlns:a16="http://schemas.microsoft.com/office/drawing/2014/main" val="3094416502"/>
+                  </a:ext>
+                </a:extLst>
+              </a:tr>
+            </a:tbl>
+          </a:graphicData>
+        </a:graphic>
+      </p:graphicFrame>
+    </p:spTree>
+    <p:extLst>
+      <p:ext uri="{BB962C8B-B14F-4D97-AF65-F5344CB8AC3E}">
+        <p14:creationId xmlns:p14="http://schemas.microsoft.com/office/powerpoint/2010/main" val="4194663501"/>
+      </p:ext>
+    </p:extLst>
+  </p:cSld>
+  <p:clrMapOvr>
+    <a:masterClrMapping/>
+  </p:clrMapOvr>
+</p:sld>
+</file>
+
+<file path=ppt/slides/slide11.xml><?xml version="1.0" encoding="utf-8"?>
+<p:sld xmlns:a="http://schemas.openxmlformats.org/drawingml/2006/main" xmlns:r="http://schemas.openxmlformats.org/officeDocument/2006/relationships" xmlns:p="http://schemas.openxmlformats.org/presentationml/2006/main">
+  <p:cSld>
+    <p:spTree>
+      <p:nvGrpSpPr>
+        <p:cNvPr id="1" name=""/>
+        <p:cNvGrpSpPr/>
+        <p:nvPr/>
+      </p:nvGrpSpPr>
+      <p:grpSpPr>
+        <a:xfrm>
+          <a:off x="0" y="0"/>
+          <a:ext cx="0" cy="0"/>
+          <a:chOff x="0" y="0"/>
+          <a:chExt cx="0" cy="0"/>
+        </a:xfrm>
+      </p:grpSpPr>
+      <p:sp>
+        <p:nvSpPr>
+          <p:cNvPr id="2" name="Tittel 1">
+            <a:extLst>
+              <a:ext uri="{FF2B5EF4-FFF2-40B4-BE49-F238E27FC236}">
+                <a16:creationId xmlns:a16="http://schemas.microsoft.com/office/drawing/2014/main" id="{8B63E6E9-0B18-4E2D-A437-1F7448ECE5B9}"/>
+              </a:ext>
+            </a:extLst>
+          </p:cNvPr>
+          <p:cNvSpPr>
+            <a:spLocks noGrp="1"/>
+          </p:cNvSpPr>
+          <p:nvPr>
+            <p:ph type="title"/>
+          </p:nvPr>
+        </p:nvSpPr>
+        <p:spPr>
+          <a:xfrm>
+            <a:off x="829810" y="25064"/>
+            <a:ext cx="10515600" cy="1325563"/>
+          </a:xfrm>
+        </p:spPr>
+        <p:txBody>
+          <a:bodyPr/>
+          <a:lstStyle/>
+          <a:p>
+            <a:pPr algn="ctr"/>
+            <a:r>
+              <a:rPr lang="nb-NO" dirty="0"/>
               <a:t>Releaseplan: Sprint 2</a:t>
             </a:r>
           </a:p>
@@ -5409,7 +7672,7 @@
 </p:sld>
 </file>
 
-<file path=ppt/slides/slide11.xml><?xml version="1.0" encoding="utf-8"?>
+<file path=ppt/slides/slide12.xml><?xml version="1.0" encoding="utf-8"?>
 <p:sld xmlns:a="http://schemas.openxmlformats.org/drawingml/2006/main" xmlns:r="http://schemas.openxmlformats.org/officeDocument/2006/relationships" xmlns:p="http://schemas.openxmlformats.org/presentationml/2006/main">
   <p:cSld>
     <p:spTree>
@@ -6965,7 +9228,7 @@
 </p:sld>
 </file>
 
-<file path=ppt/slides/slide12.xml><?xml version="1.0" encoding="utf-8"?>
+<file path=ppt/slides/slide13.xml><?xml version="1.0" encoding="utf-8"?>
 <p:sld xmlns:a="http://schemas.openxmlformats.org/drawingml/2006/main" xmlns:r="http://schemas.openxmlformats.org/officeDocument/2006/relationships" xmlns:p="http://schemas.openxmlformats.org/presentationml/2006/main">
   <p:cSld>
     <p:spTree>
@@ -8752,7 +11015,7 @@
 </p:sld>
 </file>
 
-<file path=ppt/slides/slide13.xml><?xml version="1.0" encoding="utf-8"?>
+<file path=ppt/slides/slide14.xml><?xml version="1.0" encoding="utf-8"?>
 <p:sld xmlns:a="http://schemas.openxmlformats.org/drawingml/2006/main" xmlns:r="http://schemas.openxmlformats.org/officeDocument/2006/relationships" xmlns:p="http://schemas.openxmlformats.org/presentationml/2006/main">
   <p:cSld>
     <p:spTree>
@@ -8986,7 +11249,7 @@
 </p:sld>
 </file>
 
-<file path=ppt/slides/slide14.xml><?xml version="1.0" encoding="utf-8"?>
+<file path=ppt/slides/slide15.xml><?xml version="1.0" encoding="utf-8"?>
 <p:sld xmlns:a="http://schemas.openxmlformats.org/drawingml/2006/main" xmlns:r="http://schemas.openxmlformats.org/officeDocument/2006/relationships" xmlns:p="http://schemas.openxmlformats.org/presentationml/2006/main">
   <p:cSld>
     <p:spTree>
@@ -9184,7 +11447,7 @@
 </p:sld>
 </file>
 
-<file path=ppt/slides/slide15.xml><?xml version="1.0" encoding="utf-8"?>
+<file path=ppt/slides/slide16.xml><?xml version="1.0" encoding="utf-8"?>
 <p:sld xmlns:a="http://schemas.openxmlformats.org/drawingml/2006/main" xmlns:r="http://schemas.openxmlformats.org/officeDocument/2006/relationships" xmlns:p="http://schemas.openxmlformats.org/presentationml/2006/main">
   <p:cSld>
     <p:spTree>
@@ -9698,6 +11961,194 @@
           <a:p>
             <a:pPr algn="ctr"/>
             <a:r>
+              <a:rPr lang="nb-NO" dirty="0" err="1"/>
+              <a:t>Scrum</a:t>
+            </a:r>
+            <a:endParaRPr lang="nb-NO" dirty="0"/>
+          </a:p>
+        </p:txBody>
+      </p:sp>
+      <p:sp>
+        <p:nvSpPr>
+          <p:cNvPr id="3" name="Plassholder for innhold 2">
+            <a:extLst>
+              <a:ext uri="{FF2B5EF4-FFF2-40B4-BE49-F238E27FC236}">
+                <a16:creationId xmlns:a16="http://schemas.microsoft.com/office/drawing/2014/main" id="{CAFFAF17-E482-4DCA-9BA6-82FB3386B736}"/>
+              </a:ext>
+            </a:extLst>
+          </p:cNvPr>
+          <p:cNvSpPr>
+            <a:spLocks noGrp="1"/>
+          </p:cNvSpPr>
+          <p:nvPr>
+            <p:ph idx="1"/>
+          </p:nvPr>
+        </p:nvSpPr>
+        <p:spPr>
+          <a:xfrm>
+            <a:off x="5067997" y="2013462"/>
+            <a:ext cx="4520619" cy="3124593"/>
+          </a:xfrm>
+        </p:spPr>
+        <p:txBody>
+          <a:bodyPr/>
+          <a:lstStyle/>
+          <a:p>
+            <a:pPr>
+              <a:lnSpc>
+                <a:spcPct val="150000"/>
+              </a:lnSpc>
+            </a:pPr>
+            <a:r>
+              <a:rPr lang="nb-NO" dirty="0"/>
+              <a:t>Sprint planning</a:t>
+            </a:r>
+          </a:p>
+          <a:p>
+            <a:pPr>
+              <a:lnSpc>
+                <a:spcPct val="150000"/>
+              </a:lnSpc>
+            </a:pPr>
+            <a:r>
+              <a:rPr lang="nb-NO" dirty="0" err="1"/>
+              <a:t>Daily</a:t>
+            </a:r>
+            <a:r>
+              <a:rPr lang="nb-NO" dirty="0"/>
+              <a:t> </a:t>
+            </a:r>
+            <a:r>
+              <a:rPr lang="nb-NO" dirty="0" err="1"/>
+              <a:t>meetings</a:t>
+            </a:r>
+            <a:endParaRPr lang="nb-NO" dirty="0"/>
+          </a:p>
+          <a:p>
+            <a:pPr>
+              <a:lnSpc>
+                <a:spcPct val="150000"/>
+              </a:lnSpc>
+            </a:pPr>
+            <a:r>
+              <a:rPr lang="nb-NO" dirty="0"/>
+              <a:t>Sprint </a:t>
+            </a:r>
+            <a:r>
+              <a:rPr lang="nb-NO" dirty="0" err="1"/>
+              <a:t>retrospective</a:t>
+            </a:r>
+            <a:endParaRPr lang="nb-NO" dirty="0"/>
+          </a:p>
+          <a:p>
+            <a:pPr>
+              <a:lnSpc>
+                <a:spcPct val="150000"/>
+              </a:lnSpc>
+            </a:pPr>
+            <a:endParaRPr lang="nb-NO" dirty="0"/>
+          </a:p>
+        </p:txBody>
+      </p:sp>
+      <p:cxnSp>
+        <p:nvCxnSpPr>
+          <p:cNvPr id="4" name="Rett linje 3">
+            <a:extLst>
+              <a:ext uri="{FF2B5EF4-FFF2-40B4-BE49-F238E27FC236}">
+                <a16:creationId xmlns:a16="http://schemas.microsoft.com/office/drawing/2014/main" id="{287E330E-CFE9-4D10-8B28-19CF892A8C83}"/>
+              </a:ext>
+            </a:extLst>
+          </p:cNvPr>
+          <p:cNvCxnSpPr/>
+          <p:nvPr/>
+        </p:nvCxnSpPr>
+        <p:spPr>
+          <a:xfrm>
+            <a:off x="970326" y="1166069"/>
+            <a:ext cx="10234569" cy="0"/>
+          </a:xfrm>
+          <a:prstGeom prst="line">
+            <a:avLst/>
+          </a:prstGeom>
+          <a:ln>
+            <a:solidFill>
+              <a:schemeClr val="bg2"/>
+            </a:solidFill>
+          </a:ln>
+        </p:spPr>
+        <p:style>
+          <a:lnRef idx="1">
+            <a:schemeClr val="accent1"/>
+          </a:lnRef>
+          <a:fillRef idx="0">
+            <a:schemeClr val="accent1"/>
+          </a:fillRef>
+          <a:effectRef idx="0">
+            <a:schemeClr val="accent1"/>
+          </a:effectRef>
+          <a:fontRef idx="minor">
+            <a:schemeClr val="tx1"/>
+          </a:fontRef>
+        </p:style>
+      </p:cxnSp>
+    </p:spTree>
+    <p:extLst>
+      <p:ext uri="{BB962C8B-B14F-4D97-AF65-F5344CB8AC3E}">
+        <p14:creationId xmlns:p14="http://schemas.microsoft.com/office/powerpoint/2010/main" val="4274010188"/>
+      </p:ext>
+    </p:extLst>
+  </p:cSld>
+  <p:clrMapOvr>
+    <a:masterClrMapping/>
+  </p:clrMapOvr>
+</p:sld>
+</file>
+
+<file path=ppt/slides/slide5.xml><?xml version="1.0" encoding="utf-8"?>
+<p:sld xmlns:a="http://schemas.openxmlformats.org/drawingml/2006/main" xmlns:r="http://schemas.openxmlformats.org/officeDocument/2006/relationships" xmlns:p="http://schemas.openxmlformats.org/presentationml/2006/main">
+  <p:cSld>
+    <p:spTree>
+      <p:nvGrpSpPr>
+        <p:cNvPr id="1" name=""/>
+        <p:cNvGrpSpPr/>
+        <p:nvPr/>
+      </p:nvGrpSpPr>
+      <p:grpSpPr>
+        <a:xfrm>
+          <a:off x="0" y="0"/>
+          <a:ext cx="0" cy="0"/>
+          <a:chOff x="0" y="0"/>
+          <a:chExt cx="0" cy="0"/>
+        </a:xfrm>
+      </p:grpSpPr>
+      <p:sp>
+        <p:nvSpPr>
+          <p:cNvPr id="2" name="Tittel 1">
+            <a:extLst>
+              <a:ext uri="{FF2B5EF4-FFF2-40B4-BE49-F238E27FC236}">
+                <a16:creationId xmlns:a16="http://schemas.microsoft.com/office/drawing/2014/main" id="{8B63E6E9-0B18-4E2D-A437-1F7448ECE5B9}"/>
+              </a:ext>
+            </a:extLst>
+          </p:cNvPr>
+          <p:cNvSpPr>
+            <a:spLocks noGrp="1"/>
+          </p:cNvSpPr>
+          <p:nvPr>
+            <p:ph type="title"/>
+          </p:nvPr>
+        </p:nvSpPr>
+        <p:spPr>
+          <a:xfrm>
+            <a:off x="829810" y="25064"/>
+            <a:ext cx="10515600" cy="1325563"/>
+          </a:xfrm>
+        </p:spPr>
+        <p:txBody>
+          <a:bodyPr/>
+          <a:lstStyle/>
+          <a:p>
+            <a:pPr algn="ctr"/>
+            <a:r>
               <a:rPr lang="nb-NO" dirty="0"/>
               <a:t>Møter og Arbeidsøkter</a:t>
             </a:r>
@@ -9788,7 +12239,7 @@
 </p:sld>
 </file>
 
-<file path=ppt/slides/slide5.xml><?xml version="1.0" encoding="utf-8"?>
+<file path=ppt/slides/slide6.xml><?xml version="1.0" encoding="utf-8"?>
 <p:sld xmlns:a="http://schemas.openxmlformats.org/drawingml/2006/main" xmlns:r="http://schemas.openxmlformats.org/officeDocument/2006/relationships" xmlns:p="http://schemas.openxmlformats.org/presentationml/2006/main">
   <p:cSld>
     <p:spTree>
@@ -9950,7 +12401,7 @@
 </p:sld>
 </file>
 
-<file path=ppt/slides/slide6.xml><?xml version="1.0" encoding="utf-8"?>
+<file path=ppt/slides/slide7.xml><?xml version="1.0" encoding="utf-8"?>
 <p:sld xmlns:a="http://schemas.openxmlformats.org/drawingml/2006/main" xmlns:r="http://schemas.openxmlformats.org/officeDocument/2006/relationships" xmlns:p="http://schemas.openxmlformats.org/presentationml/2006/main">
   <p:cSld>
     <p:spTree>
@@ -10147,7 +12598,7 @@
 </p:sld>
 </file>
 
-<file path=ppt/slides/slide7.xml><?xml version="1.0" encoding="utf-8"?>
+<file path=ppt/slides/slide8.xml><?xml version="1.0" encoding="utf-8"?>
 <p:sld xmlns:a="http://schemas.openxmlformats.org/drawingml/2006/main" xmlns:r="http://schemas.openxmlformats.org/officeDocument/2006/relationships" xmlns:p="http://schemas.openxmlformats.org/presentationml/2006/main">
   <p:cSld>
     <p:spTree>
@@ -10319,7 +12770,7 @@
 </p:sld>
 </file>
 
-<file path=ppt/slides/slide8.xml><?xml version="1.0" encoding="utf-8"?>
+<file path=ppt/slides/slide9.xml><?xml version="1.0" encoding="utf-8"?>
 <p:sld xmlns:a="http://schemas.openxmlformats.org/drawingml/2006/main" xmlns:r="http://schemas.openxmlformats.org/officeDocument/2006/relationships" xmlns:p="http://schemas.openxmlformats.org/presentationml/2006/main">
   <p:cSld>
     <p:spTree>
@@ -10488,2259 +12939,6 @@
     <p:extLst>
       <p:ext uri="{BB962C8B-B14F-4D97-AF65-F5344CB8AC3E}">
         <p14:creationId xmlns:p14="http://schemas.microsoft.com/office/powerpoint/2010/main" val="219931016"/>
-      </p:ext>
-    </p:extLst>
-  </p:cSld>
-  <p:clrMapOvr>
-    <a:masterClrMapping/>
-  </p:clrMapOvr>
-</p:sld>
-</file>
-
-<file path=ppt/slides/slide9.xml><?xml version="1.0" encoding="utf-8"?>
-<p:sld xmlns:a="http://schemas.openxmlformats.org/drawingml/2006/main" xmlns:r="http://schemas.openxmlformats.org/officeDocument/2006/relationships" xmlns:p="http://schemas.openxmlformats.org/presentationml/2006/main">
-  <p:cSld>
-    <p:spTree>
-      <p:nvGrpSpPr>
-        <p:cNvPr id="1" name=""/>
-        <p:cNvGrpSpPr/>
-        <p:nvPr/>
-      </p:nvGrpSpPr>
-      <p:grpSpPr>
-        <a:xfrm>
-          <a:off x="0" y="0"/>
-          <a:ext cx="0" cy="0"/>
-          <a:chOff x="0" y="0"/>
-          <a:chExt cx="0" cy="0"/>
-        </a:xfrm>
-      </p:grpSpPr>
-      <p:sp>
-        <p:nvSpPr>
-          <p:cNvPr id="2" name="Tittel 1">
-            <a:extLst>
-              <a:ext uri="{FF2B5EF4-FFF2-40B4-BE49-F238E27FC236}">
-                <a16:creationId xmlns:a16="http://schemas.microsoft.com/office/drawing/2014/main" id="{8B63E6E9-0B18-4E2D-A437-1F7448ECE5B9}"/>
-              </a:ext>
-            </a:extLst>
-          </p:cNvPr>
-          <p:cNvSpPr>
-            <a:spLocks noGrp="1"/>
-          </p:cNvSpPr>
-          <p:nvPr>
-            <p:ph type="title"/>
-          </p:nvPr>
-        </p:nvSpPr>
-        <p:spPr>
-          <a:xfrm>
-            <a:off x="829810" y="25064"/>
-            <a:ext cx="10515600" cy="1325563"/>
-          </a:xfrm>
-        </p:spPr>
-        <p:txBody>
-          <a:bodyPr/>
-          <a:lstStyle/>
-          <a:p>
-            <a:pPr algn="ctr"/>
-            <a:r>
-              <a:rPr lang="nb-NO" dirty="0"/>
-              <a:t>Releaseplan: Sprint 1</a:t>
-            </a:r>
-          </a:p>
-        </p:txBody>
-      </p:sp>
-      <p:sp>
-        <p:nvSpPr>
-          <p:cNvPr id="3" name="Plassholder for innhold 2">
-            <a:extLst>
-              <a:ext uri="{FF2B5EF4-FFF2-40B4-BE49-F238E27FC236}">
-                <a16:creationId xmlns:a16="http://schemas.microsoft.com/office/drawing/2014/main" id="{CAFFAF17-E482-4DCA-9BA6-82FB3386B736}"/>
-              </a:ext>
-            </a:extLst>
-          </p:cNvPr>
-          <p:cNvSpPr>
-            <a:spLocks noGrp="1"/>
-          </p:cNvSpPr>
-          <p:nvPr>
-            <p:ph idx="1"/>
-          </p:nvPr>
-        </p:nvSpPr>
-        <p:spPr>
-          <a:xfrm>
-            <a:off x="1555119" y="1286886"/>
-            <a:ext cx="7280596" cy="3124593"/>
-          </a:xfrm>
-        </p:spPr>
-        <p:txBody>
-          <a:bodyPr>
-            <a:noAutofit/>
-          </a:bodyPr>
-          <a:lstStyle/>
-          <a:p>
-            <a:pPr>
-              <a:lnSpc>
-                <a:spcPct val="150000"/>
-              </a:lnSpc>
-            </a:pPr>
-            <a:r>
-              <a:rPr lang="nb-NO" dirty="0" err="1"/>
-              <a:t>Login</a:t>
-            </a:r>
-            <a:endParaRPr lang="nb-NO" dirty="0"/>
-          </a:p>
-          <a:p>
-            <a:pPr>
-              <a:lnSpc>
-                <a:spcPct val="150000"/>
-              </a:lnSpc>
-            </a:pPr>
-            <a:r>
-              <a:rPr lang="nb-NO" dirty="0" err="1"/>
-              <a:t>Uautentisert</a:t>
-            </a:r>
-            <a:r>
-              <a:rPr lang="nb-NO" dirty="0"/>
-              <a:t> registrering</a:t>
-            </a:r>
-          </a:p>
-          <a:p>
-            <a:pPr>
-              <a:lnSpc>
-                <a:spcPct val="150000"/>
-              </a:lnSpc>
-            </a:pPr>
-            <a:r>
-              <a:rPr lang="nb-NO" dirty="0"/>
-              <a:t>Booking ansvarlig</a:t>
-            </a:r>
-          </a:p>
-          <a:p>
-            <a:pPr>
-              <a:lnSpc>
-                <a:spcPct val="150000"/>
-              </a:lnSpc>
-            </a:pPr>
-            <a:r>
-              <a:rPr lang="nb-NO" dirty="0"/>
-              <a:t>Lyd- og lystekniker</a:t>
-            </a:r>
-          </a:p>
-        </p:txBody>
-      </p:sp>
-      <p:cxnSp>
-        <p:nvCxnSpPr>
-          <p:cNvPr id="4" name="Rett linje 3">
-            <a:extLst>
-              <a:ext uri="{FF2B5EF4-FFF2-40B4-BE49-F238E27FC236}">
-                <a16:creationId xmlns:a16="http://schemas.microsoft.com/office/drawing/2014/main" id="{287E330E-CFE9-4D10-8B28-19CF892A8C83}"/>
-              </a:ext>
-            </a:extLst>
-          </p:cNvPr>
-          <p:cNvCxnSpPr/>
-          <p:nvPr/>
-        </p:nvCxnSpPr>
-        <p:spPr>
-          <a:xfrm>
-            <a:off x="970326" y="1166069"/>
-            <a:ext cx="10234569" cy="0"/>
-          </a:xfrm>
-          <a:prstGeom prst="line">
-            <a:avLst/>
-          </a:prstGeom>
-          <a:ln>
-            <a:solidFill>
-              <a:schemeClr val="bg2"/>
-            </a:solidFill>
-          </a:ln>
-        </p:spPr>
-        <p:style>
-          <a:lnRef idx="1">
-            <a:schemeClr val="accent1"/>
-          </a:lnRef>
-          <a:fillRef idx="0">
-            <a:schemeClr val="accent1"/>
-          </a:fillRef>
-          <a:effectRef idx="0">
-            <a:schemeClr val="accent1"/>
-          </a:effectRef>
-          <a:fontRef idx="minor">
-            <a:schemeClr val="tx1"/>
-          </a:fontRef>
-        </p:style>
-      </p:cxnSp>
-      <p:graphicFrame>
-        <p:nvGraphicFramePr>
-          <p:cNvPr id="8" name="Tabell 7">
-            <a:extLst>
-              <a:ext uri="{FF2B5EF4-FFF2-40B4-BE49-F238E27FC236}">
-                <a16:creationId xmlns:a16="http://schemas.microsoft.com/office/drawing/2014/main" id="{474B9F2F-F394-449E-B761-7F4940958A71}"/>
-              </a:ext>
-            </a:extLst>
-          </p:cNvPr>
-          <p:cNvGraphicFramePr>
-            <a:graphicFrameLocks noGrp="1"/>
-          </p:cNvGraphicFramePr>
-          <p:nvPr>
-            <p:extLst>
-              <p:ext uri="{D42A27DB-BD31-4B8C-83A1-F6EECF244321}">
-                <p14:modId xmlns:p14="http://schemas.microsoft.com/office/powerpoint/2010/main" val="1913464021"/>
-              </p:ext>
-            </p:extLst>
-          </p:nvPr>
-        </p:nvGraphicFramePr>
-        <p:xfrm>
-          <a:off x="6375720" y="2092552"/>
-          <a:ext cx="4829175" cy="2125980"/>
-        </p:xfrm>
-        <a:graphic>
-          <a:graphicData uri="http://schemas.openxmlformats.org/drawingml/2006/table">
-            <a:tbl>
-              <a:tblPr/>
-              <a:tblGrid>
-                <a:gridCol w="952500">
-                  <a:extLst>
-                    <a:ext uri="{9D8B030D-6E8A-4147-A177-3AD203B41FA5}">
-                      <a16:colId xmlns:a16="http://schemas.microsoft.com/office/drawing/2014/main" val="2868570292"/>
-                    </a:ext>
-                  </a:extLst>
-                </a:gridCol>
-                <a:gridCol w="1971675">
-                  <a:extLst>
-                    <a:ext uri="{9D8B030D-6E8A-4147-A177-3AD203B41FA5}">
-                      <a16:colId xmlns:a16="http://schemas.microsoft.com/office/drawing/2014/main" val="170197798"/>
-                    </a:ext>
-                  </a:extLst>
-                </a:gridCol>
-                <a:gridCol w="952500">
-                  <a:extLst>
-                    <a:ext uri="{9D8B030D-6E8A-4147-A177-3AD203B41FA5}">
-                      <a16:colId xmlns:a16="http://schemas.microsoft.com/office/drawing/2014/main" val="1096283853"/>
-                    </a:ext>
-                  </a:extLst>
-                </a:gridCol>
-                <a:gridCol w="952500">
-                  <a:extLst>
-                    <a:ext uri="{9D8B030D-6E8A-4147-A177-3AD203B41FA5}">
-                      <a16:colId xmlns:a16="http://schemas.microsoft.com/office/drawing/2014/main" val="1676152166"/>
-                    </a:ext>
-                  </a:extLst>
-                </a:gridCol>
-              </a:tblGrid>
-              <a:tr h="200025">
-                <a:tc>
-                  <a:txBody>
-                    <a:bodyPr/>
-                    <a:lstStyle/>
-                    <a:p>
-                      <a:pPr rtl="0" fontAlgn="b"/>
-                      <a:r>
-                        <a:rPr lang="nb-NO" sz="1100" b="1">
-                          <a:effectLst/>
-                          <a:latin typeface="Arial" panose="020B0604020202020204" pitchFamily="34" charset="0"/>
-                        </a:rPr>
-                        <a:t>ID</a:t>
-                      </a:r>
-                    </a:p>
-                  </a:txBody>
-                  <a:tcPr marL="28575" marR="28575" marT="19050" marB="19050" anchor="b">
-                    <a:lnL w="9525" cap="flat" cmpd="sng" algn="ctr">
-                      <a:solidFill>
-                        <a:srgbClr val="000000"/>
-                      </a:solidFill>
-                      <a:prstDash val="solid"/>
-                      <a:round/>
-                      <a:headEnd type="none" w="med" len="med"/>
-                      <a:tailEnd type="none" w="med" len="med"/>
-                    </a:lnL>
-                    <a:lnR w="9525" cap="flat" cmpd="sng" algn="ctr">
-                      <a:solidFill>
-                        <a:srgbClr val="CCCCCC"/>
-                      </a:solidFill>
-                      <a:prstDash val="solid"/>
-                      <a:round/>
-                      <a:headEnd type="none" w="med" len="med"/>
-                      <a:tailEnd type="none" w="med" len="med"/>
-                    </a:lnR>
-                    <a:lnT w="9525" cap="flat" cmpd="sng" algn="ctr">
-                      <a:solidFill>
-                        <a:srgbClr val="000000"/>
-                      </a:solidFill>
-                      <a:prstDash val="solid"/>
-                      <a:round/>
-                      <a:headEnd type="none" w="med" len="med"/>
-                      <a:tailEnd type="none" w="med" len="med"/>
-                    </a:lnT>
-                    <a:lnB w="9525" cap="flat" cmpd="sng" algn="ctr">
-                      <a:solidFill>
-                        <a:srgbClr val="CCCCCC"/>
-                      </a:solidFill>
-                      <a:prstDash val="solid"/>
-                      <a:round/>
-                      <a:headEnd type="none" w="med" len="med"/>
-                      <a:tailEnd type="none" w="med" len="med"/>
-                    </a:lnB>
-                  </a:tcPr>
-                </a:tc>
-                <a:tc>
-                  <a:txBody>
-                    <a:bodyPr/>
-                    <a:lstStyle/>
-                    <a:p>
-                      <a:pPr rtl="0" fontAlgn="b"/>
-                      <a:r>
-                        <a:rPr lang="nb-NO" sz="1100" b="1">
-                          <a:effectLst/>
-                          <a:latin typeface="Arial" panose="020B0604020202020204" pitchFamily="34" charset="0"/>
-                        </a:rPr>
-                        <a:t>Name</a:t>
-                      </a:r>
-                    </a:p>
-                  </a:txBody>
-                  <a:tcPr marL="28575" marR="28575" marT="19050" marB="19050" anchor="b">
-                    <a:lnL w="9525" cap="flat" cmpd="sng" algn="ctr">
-                      <a:solidFill>
-                        <a:srgbClr val="CCCCCC"/>
-                      </a:solidFill>
-                      <a:prstDash val="solid"/>
-                      <a:round/>
-                      <a:headEnd type="none" w="med" len="med"/>
-                      <a:tailEnd type="none" w="med" len="med"/>
-                    </a:lnL>
-                    <a:lnR w="9525" cap="flat" cmpd="sng" algn="ctr">
-                      <a:solidFill>
-                        <a:srgbClr val="CCCCCC"/>
-                      </a:solidFill>
-                      <a:prstDash val="solid"/>
-                      <a:round/>
-                      <a:headEnd type="none" w="med" len="med"/>
-                      <a:tailEnd type="none" w="med" len="med"/>
-                    </a:lnR>
-                    <a:lnT w="9525" cap="flat" cmpd="sng" algn="ctr">
-                      <a:solidFill>
-                        <a:srgbClr val="000000"/>
-                      </a:solidFill>
-                      <a:prstDash val="solid"/>
-                      <a:round/>
-                      <a:headEnd type="none" w="med" len="med"/>
-                      <a:tailEnd type="none" w="med" len="med"/>
-                    </a:lnT>
-                    <a:lnB w="9525" cap="flat" cmpd="sng" algn="ctr">
-                      <a:solidFill>
-                        <a:srgbClr val="CCCCCC"/>
-                      </a:solidFill>
-                      <a:prstDash val="solid"/>
-                      <a:round/>
-                      <a:headEnd type="none" w="med" len="med"/>
-                      <a:tailEnd type="none" w="med" len="med"/>
-                    </a:lnB>
-                  </a:tcPr>
-                </a:tc>
-                <a:tc>
-                  <a:txBody>
-                    <a:bodyPr/>
-                    <a:lstStyle/>
-                    <a:p>
-                      <a:pPr rtl="0" fontAlgn="b"/>
-                      <a:r>
-                        <a:rPr lang="nb-NO" sz="1100" b="1">
-                          <a:effectLst/>
-                          <a:latin typeface="Arial" panose="020B0604020202020204" pitchFamily="34" charset="0"/>
-                        </a:rPr>
-                        <a:t>Prioritering</a:t>
-                      </a:r>
-                    </a:p>
-                  </a:txBody>
-                  <a:tcPr marL="28575" marR="28575" marT="19050" marB="19050" anchor="b">
-                    <a:lnL w="9525" cap="flat" cmpd="sng" algn="ctr">
-                      <a:solidFill>
-                        <a:srgbClr val="CCCCCC"/>
-                      </a:solidFill>
-                      <a:prstDash val="solid"/>
-                      <a:round/>
-                      <a:headEnd type="none" w="med" len="med"/>
-                      <a:tailEnd type="none" w="med" len="med"/>
-                    </a:lnL>
-                    <a:lnR w="9525" cap="flat" cmpd="sng" algn="ctr">
-                      <a:solidFill>
-                        <a:srgbClr val="CCCCCC"/>
-                      </a:solidFill>
-                      <a:prstDash val="solid"/>
-                      <a:round/>
-                      <a:headEnd type="none" w="med" len="med"/>
-                      <a:tailEnd type="none" w="med" len="med"/>
-                    </a:lnR>
-                    <a:lnT w="9525" cap="flat" cmpd="sng" algn="ctr">
-                      <a:solidFill>
-                        <a:srgbClr val="000000"/>
-                      </a:solidFill>
-                      <a:prstDash val="solid"/>
-                      <a:round/>
-                      <a:headEnd type="none" w="med" len="med"/>
-                      <a:tailEnd type="none" w="med" len="med"/>
-                    </a:lnT>
-                    <a:lnB w="9525" cap="flat" cmpd="sng" algn="ctr">
-                      <a:solidFill>
-                        <a:srgbClr val="CCCCCC"/>
-                      </a:solidFill>
-                      <a:prstDash val="solid"/>
-                      <a:round/>
-                      <a:headEnd type="none" w="med" len="med"/>
-                      <a:tailEnd type="none" w="med" len="med"/>
-                    </a:lnB>
-                  </a:tcPr>
-                </a:tc>
-                <a:tc>
-                  <a:txBody>
-                    <a:bodyPr/>
-                    <a:lstStyle/>
-                    <a:p>
-                      <a:pPr rtl="0" fontAlgn="b"/>
-                      <a:r>
-                        <a:rPr lang="nb-NO" sz="1100" b="1">
-                          <a:effectLst/>
-                          <a:latin typeface="Arial" panose="020B0604020202020204" pitchFamily="34" charset="0"/>
-                        </a:rPr>
-                        <a:t>Est</a:t>
-                      </a:r>
-                    </a:p>
-                  </a:txBody>
-                  <a:tcPr marL="28575" marR="28575" marT="19050" marB="19050" anchor="b">
-                    <a:lnL w="9525" cap="flat" cmpd="sng" algn="ctr">
-                      <a:solidFill>
-                        <a:srgbClr val="CCCCCC"/>
-                      </a:solidFill>
-                      <a:prstDash val="solid"/>
-                      <a:round/>
-                      <a:headEnd type="none" w="med" len="med"/>
-                      <a:tailEnd type="none" w="med" len="med"/>
-                    </a:lnL>
-                    <a:lnR w="9525" cap="flat" cmpd="sng" algn="ctr">
-                      <a:solidFill>
-                        <a:srgbClr val="000000"/>
-                      </a:solidFill>
-                      <a:prstDash val="solid"/>
-                      <a:round/>
-                      <a:headEnd type="none" w="med" len="med"/>
-                      <a:tailEnd type="none" w="med" len="med"/>
-                    </a:lnR>
-                    <a:lnT w="9525" cap="flat" cmpd="sng" algn="ctr">
-                      <a:solidFill>
-                        <a:srgbClr val="000000"/>
-                      </a:solidFill>
-                      <a:prstDash val="solid"/>
-                      <a:round/>
-                      <a:headEnd type="none" w="med" len="med"/>
-                      <a:tailEnd type="none" w="med" len="med"/>
-                    </a:lnT>
-                    <a:lnB w="9525" cap="flat" cmpd="sng" algn="ctr">
-                      <a:solidFill>
-                        <a:srgbClr val="CCCCCC"/>
-                      </a:solidFill>
-                      <a:prstDash val="solid"/>
-                      <a:round/>
-                      <a:headEnd type="none" w="med" len="med"/>
-                      <a:tailEnd type="none" w="med" len="med"/>
-                    </a:lnB>
-                  </a:tcPr>
-                </a:tc>
-                <a:extLst>
-                  <a:ext uri="{0D108BD9-81ED-4DB2-BD59-A6C34878D82A}">
-                    <a16:rowId xmlns:a16="http://schemas.microsoft.com/office/drawing/2014/main" val="3018457811"/>
-                  </a:ext>
-                </a:extLst>
-              </a:tr>
-              <a:tr h="200025">
-                <a:tc>
-                  <a:txBody>
-                    <a:bodyPr/>
-                    <a:lstStyle/>
-                    <a:p>
-                      <a:pPr algn="r" rtl="0" fontAlgn="b"/>
-                      <a:r>
-                        <a:rPr lang="nb-NO" sz="1100" b="0">
-                          <a:effectLst/>
-                          <a:latin typeface="Arial" panose="020B0604020202020204" pitchFamily="34" charset="0"/>
-                        </a:rPr>
-                        <a:t>1</a:t>
-                      </a:r>
-                    </a:p>
-                  </a:txBody>
-                  <a:tcPr marL="28575" marR="28575" marT="19050" marB="19050" anchor="b">
-                    <a:lnL w="9525" cap="flat" cmpd="sng" algn="ctr">
-                      <a:solidFill>
-                        <a:srgbClr val="000000"/>
-                      </a:solidFill>
-                      <a:prstDash val="solid"/>
-                      <a:round/>
-                      <a:headEnd type="none" w="med" len="med"/>
-                      <a:tailEnd type="none" w="med" len="med"/>
-                    </a:lnL>
-                    <a:lnR w="9525" cap="flat" cmpd="sng" algn="ctr">
-                      <a:solidFill>
-                        <a:srgbClr val="CCCCCC"/>
-                      </a:solidFill>
-                      <a:prstDash val="solid"/>
-                      <a:round/>
-                      <a:headEnd type="none" w="med" len="med"/>
-                      <a:tailEnd type="none" w="med" len="med"/>
-                    </a:lnR>
-                    <a:lnT w="9525" cap="flat" cmpd="sng" algn="ctr">
-                      <a:solidFill>
-                        <a:srgbClr val="CCCCCC"/>
-                      </a:solidFill>
-                      <a:prstDash val="solid"/>
-                      <a:round/>
-                      <a:headEnd type="none" w="med" len="med"/>
-                      <a:tailEnd type="none" w="med" len="med"/>
-                    </a:lnT>
-                    <a:lnB w="9525" cap="flat" cmpd="sng" algn="ctr">
-                      <a:solidFill>
-                        <a:srgbClr val="CCCCCC"/>
-                      </a:solidFill>
-                      <a:prstDash val="solid"/>
-                      <a:round/>
-                      <a:headEnd type="none" w="med" len="med"/>
-                      <a:tailEnd type="none" w="med" len="med"/>
-                    </a:lnB>
-                  </a:tcPr>
-                </a:tc>
-                <a:tc>
-                  <a:txBody>
-                    <a:bodyPr/>
-                    <a:lstStyle/>
-                    <a:p>
-                      <a:pPr rtl="0" fontAlgn="b"/>
-                      <a:r>
-                        <a:rPr lang="nb-NO" sz="1100" b="0">
-                          <a:effectLst/>
-                          <a:latin typeface="Arial" panose="020B0604020202020204" pitchFamily="34" charset="0"/>
-                        </a:rPr>
-                        <a:t>Registry</a:t>
-                      </a:r>
-                    </a:p>
-                  </a:txBody>
-                  <a:tcPr marL="28575" marR="28575" marT="19050" marB="19050" anchor="b">
-                    <a:lnL w="9525" cap="flat" cmpd="sng" algn="ctr">
-                      <a:solidFill>
-                        <a:srgbClr val="CCCCCC"/>
-                      </a:solidFill>
-                      <a:prstDash val="solid"/>
-                      <a:round/>
-                      <a:headEnd type="none" w="med" len="med"/>
-                      <a:tailEnd type="none" w="med" len="med"/>
-                    </a:lnL>
-                    <a:lnR w="9525" cap="flat" cmpd="sng" algn="ctr">
-                      <a:solidFill>
-                        <a:srgbClr val="CCCCCC"/>
-                      </a:solidFill>
-                      <a:prstDash val="solid"/>
-                      <a:round/>
-                      <a:headEnd type="none" w="med" len="med"/>
-                      <a:tailEnd type="none" w="med" len="med"/>
-                    </a:lnR>
-                    <a:lnT w="9525" cap="flat" cmpd="sng" algn="ctr">
-                      <a:solidFill>
-                        <a:srgbClr val="CCCCCC"/>
-                      </a:solidFill>
-                      <a:prstDash val="solid"/>
-                      <a:round/>
-                      <a:headEnd type="none" w="med" len="med"/>
-                      <a:tailEnd type="none" w="med" len="med"/>
-                    </a:lnT>
-                    <a:lnB w="9525" cap="flat" cmpd="sng" algn="ctr">
-                      <a:solidFill>
-                        <a:srgbClr val="CCCCCC"/>
-                      </a:solidFill>
-                      <a:prstDash val="solid"/>
-                      <a:round/>
-                      <a:headEnd type="none" w="med" len="med"/>
-                      <a:tailEnd type="none" w="med" len="med"/>
-                    </a:lnB>
-                  </a:tcPr>
-                </a:tc>
-                <a:tc>
-                  <a:txBody>
-                    <a:bodyPr/>
-                    <a:lstStyle/>
-                    <a:p>
-                      <a:pPr algn="r" rtl="0" fontAlgn="b"/>
-                      <a:r>
-                        <a:rPr lang="nb-NO" sz="1100" b="0">
-                          <a:effectLst/>
-                          <a:latin typeface="Arial" panose="020B0604020202020204" pitchFamily="34" charset="0"/>
-                        </a:rPr>
-                        <a:t>100</a:t>
-                      </a:r>
-                    </a:p>
-                  </a:txBody>
-                  <a:tcPr marL="28575" marR="28575" marT="19050" marB="19050" anchor="b">
-                    <a:lnL w="9525" cap="flat" cmpd="sng" algn="ctr">
-                      <a:solidFill>
-                        <a:srgbClr val="CCCCCC"/>
-                      </a:solidFill>
-                      <a:prstDash val="solid"/>
-                      <a:round/>
-                      <a:headEnd type="none" w="med" len="med"/>
-                      <a:tailEnd type="none" w="med" len="med"/>
-                    </a:lnL>
-                    <a:lnR w="9525" cap="flat" cmpd="sng" algn="ctr">
-                      <a:solidFill>
-                        <a:srgbClr val="CCCCCC"/>
-                      </a:solidFill>
-                      <a:prstDash val="solid"/>
-                      <a:round/>
-                      <a:headEnd type="none" w="med" len="med"/>
-                      <a:tailEnd type="none" w="med" len="med"/>
-                    </a:lnR>
-                    <a:lnT w="9525" cap="flat" cmpd="sng" algn="ctr">
-                      <a:solidFill>
-                        <a:srgbClr val="CCCCCC"/>
-                      </a:solidFill>
-                      <a:prstDash val="solid"/>
-                      <a:round/>
-                      <a:headEnd type="none" w="med" len="med"/>
-                      <a:tailEnd type="none" w="med" len="med"/>
-                    </a:lnT>
-                    <a:lnB w="9525" cap="flat" cmpd="sng" algn="ctr">
-                      <a:solidFill>
-                        <a:srgbClr val="CCCCCC"/>
-                      </a:solidFill>
-                      <a:prstDash val="solid"/>
-                      <a:round/>
-                      <a:headEnd type="none" w="med" len="med"/>
-                      <a:tailEnd type="none" w="med" len="med"/>
-                    </a:lnB>
-                    <a:solidFill>
-                      <a:srgbClr val="FFFFFF"/>
-                    </a:solidFill>
-                  </a:tcPr>
-                </a:tc>
-                <a:tc>
-                  <a:txBody>
-                    <a:bodyPr/>
-                    <a:lstStyle/>
-                    <a:p>
-                      <a:pPr algn="r" rtl="0" fontAlgn="b"/>
-                      <a:r>
-                        <a:rPr lang="nb-NO" sz="1100" b="0">
-                          <a:effectLst/>
-                          <a:latin typeface="Arial" panose="020B0604020202020204" pitchFamily="34" charset="0"/>
-                        </a:rPr>
-                        <a:t>4</a:t>
-                      </a:r>
-                    </a:p>
-                  </a:txBody>
-                  <a:tcPr marL="28575" marR="28575" marT="19050" marB="19050" anchor="b">
-                    <a:lnL w="9525" cap="flat" cmpd="sng" algn="ctr">
-                      <a:solidFill>
-                        <a:srgbClr val="CCCCCC"/>
-                      </a:solidFill>
-                      <a:prstDash val="solid"/>
-                      <a:round/>
-                      <a:headEnd type="none" w="med" len="med"/>
-                      <a:tailEnd type="none" w="med" len="med"/>
-                    </a:lnL>
-                    <a:lnR w="9525" cap="flat" cmpd="sng" algn="ctr">
-                      <a:solidFill>
-                        <a:srgbClr val="000000"/>
-                      </a:solidFill>
-                      <a:prstDash val="solid"/>
-                      <a:round/>
-                      <a:headEnd type="none" w="med" len="med"/>
-                      <a:tailEnd type="none" w="med" len="med"/>
-                    </a:lnR>
-                    <a:lnT w="9525" cap="flat" cmpd="sng" algn="ctr">
-                      <a:solidFill>
-                        <a:srgbClr val="CCCCCC"/>
-                      </a:solidFill>
-                      <a:prstDash val="solid"/>
-                      <a:round/>
-                      <a:headEnd type="none" w="med" len="med"/>
-                      <a:tailEnd type="none" w="med" len="med"/>
-                    </a:lnT>
-                    <a:lnB w="9525" cap="flat" cmpd="sng" algn="ctr">
-                      <a:solidFill>
-                        <a:srgbClr val="CCCCCC"/>
-                      </a:solidFill>
-                      <a:prstDash val="solid"/>
-                      <a:round/>
-                      <a:headEnd type="none" w="med" len="med"/>
-                      <a:tailEnd type="none" w="med" len="med"/>
-                    </a:lnB>
-                  </a:tcPr>
-                </a:tc>
-                <a:extLst>
-                  <a:ext uri="{0D108BD9-81ED-4DB2-BD59-A6C34878D82A}">
-                    <a16:rowId xmlns:a16="http://schemas.microsoft.com/office/drawing/2014/main" val="1281361339"/>
-                  </a:ext>
-                </a:extLst>
-              </a:tr>
-              <a:tr h="200025">
-                <a:tc>
-                  <a:txBody>
-                    <a:bodyPr/>
-                    <a:lstStyle/>
-                    <a:p>
-                      <a:pPr algn="r" rtl="0" fontAlgn="b"/>
-                      <a:r>
-                        <a:rPr lang="nb-NO" sz="1100" b="0">
-                          <a:effectLst/>
-                          <a:latin typeface="Arial" panose="020B0604020202020204" pitchFamily="34" charset="0"/>
-                        </a:rPr>
-                        <a:t>2</a:t>
-                      </a:r>
-                    </a:p>
-                  </a:txBody>
-                  <a:tcPr marL="28575" marR="28575" marT="19050" marB="19050" anchor="b">
-                    <a:lnL w="9525" cap="flat" cmpd="sng" algn="ctr">
-                      <a:solidFill>
-                        <a:srgbClr val="000000"/>
-                      </a:solidFill>
-                      <a:prstDash val="solid"/>
-                      <a:round/>
-                      <a:headEnd type="none" w="med" len="med"/>
-                      <a:tailEnd type="none" w="med" len="med"/>
-                    </a:lnL>
-                    <a:lnR w="9525" cap="flat" cmpd="sng" algn="ctr">
-                      <a:solidFill>
-                        <a:srgbClr val="CCCCCC"/>
-                      </a:solidFill>
-                      <a:prstDash val="solid"/>
-                      <a:round/>
-                      <a:headEnd type="none" w="med" len="med"/>
-                      <a:tailEnd type="none" w="med" len="med"/>
-                    </a:lnR>
-                    <a:lnT w="9525" cap="flat" cmpd="sng" algn="ctr">
-                      <a:solidFill>
-                        <a:srgbClr val="CCCCCC"/>
-                      </a:solidFill>
-                      <a:prstDash val="solid"/>
-                      <a:round/>
-                      <a:headEnd type="none" w="med" len="med"/>
-                      <a:tailEnd type="none" w="med" len="med"/>
-                    </a:lnT>
-                    <a:lnB w="9525" cap="flat" cmpd="sng" algn="ctr">
-                      <a:solidFill>
-                        <a:srgbClr val="CCCCCC"/>
-                      </a:solidFill>
-                      <a:prstDash val="solid"/>
-                      <a:round/>
-                      <a:headEnd type="none" w="med" len="med"/>
-                      <a:tailEnd type="none" w="med" len="med"/>
-                    </a:lnB>
-                  </a:tcPr>
-                </a:tc>
-                <a:tc>
-                  <a:txBody>
-                    <a:bodyPr/>
-                    <a:lstStyle/>
-                    <a:p>
-                      <a:pPr rtl="0" fontAlgn="b"/>
-                      <a:r>
-                        <a:rPr lang="nb-NO" sz="1100" b="0">
-                          <a:effectLst/>
-                          <a:latin typeface="Arial" panose="020B0604020202020204" pitchFamily="34" charset="0"/>
-                        </a:rPr>
-                        <a:t>Login</a:t>
-                      </a:r>
-                    </a:p>
-                  </a:txBody>
-                  <a:tcPr marL="28575" marR="28575" marT="19050" marB="19050" anchor="b">
-                    <a:lnL w="9525" cap="flat" cmpd="sng" algn="ctr">
-                      <a:solidFill>
-                        <a:srgbClr val="CCCCCC"/>
-                      </a:solidFill>
-                      <a:prstDash val="solid"/>
-                      <a:round/>
-                      <a:headEnd type="none" w="med" len="med"/>
-                      <a:tailEnd type="none" w="med" len="med"/>
-                    </a:lnL>
-                    <a:lnR w="9525" cap="flat" cmpd="sng" algn="ctr">
-                      <a:solidFill>
-                        <a:srgbClr val="CCCCCC"/>
-                      </a:solidFill>
-                      <a:prstDash val="solid"/>
-                      <a:round/>
-                      <a:headEnd type="none" w="med" len="med"/>
-                      <a:tailEnd type="none" w="med" len="med"/>
-                    </a:lnR>
-                    <a:lnT w="9525" cap="flat" cmpd="sng" algn="ctr">
-                      <a:solidFill>
-                        <a:srgbClr val="CCCCCC"/>
-                      </a:solidFill>
-                      <a:prstDash val="solid"/>
-                      <a:round/>
-                      <a:headEnd type="none" w="med" len="med"/>
-                      <a:tailEnd type="none" w="med" len="med"/>
-                    </a:lnT>
-                    <a:lnB w="9525" cap="flat" cmpd="sng" algn="ctr">
-                      <a:solidFill>
-                        <a:srgbClr val="CCCCCC"/>
-                      </a:solidFill>
-                      <a:prstDash val="solid"/>
-                      <a:round/>
-                      <a:headEnd type="none" w="med" len="med"/>
-                      <a:tailEnd type="none" w="med" len="med"/>
-                    </a:lnB>
-                  </a:tcPr>
-                </a:tc>
-                <a:tc>
-                  <a:txBody>
-                    <a:bodyPr/>
-                    <a:lstStyle/>
-                    <a:p>
-                      <a:pPr algn="r" rtl="0" fontAlgn="b"/>
-                      <a:r>
-                        <a:rPr lang="nb-NO" sz="1100" b="0">
-                          <a:effectLst/>
-                          <a:latin typeface="Arial" panose="020B0604020202020204" pitchFamily="34" charset="0"/>
-                        </a:rPr>
-                        <a:t>100</a:t>
-                      </a:r>
-                    </a:p>
-                  </a:txBody>
-                  <a:tcPr marL="28575" marR="28575" marT="19050" marB="19050" anchor="b">
-                    <a:lnL w="9525" cap="flat" cmpd="sng" algn="ctr">
-                      <a:solidFill>
-                        <a:srgbClr val="CCCCCC"/>
-                      </a:solidFill>
-                      <a:prstDash val="solid"/>
-                      <a:round/>
-                      <a:headEnd type="none" w="med" len="med"/>
-                      <a:tailEnd type="none" w="med" len="med"/>
-                    </a:lnL>
-                    <a:lnR w="9525" cap="flat" cmpd="sng" algn="ctr">
-                      <a:solidFill>
-                        <a:srgbClr val="CCCCCC"/>
-                      </a:solidFill>
-                      <a:prstDash val="solid"/>
-                      <a:round/>
-                      <a:headEnd type="none" w="med" len="med"/>
-                      <a:tailEnd type="none" w="med" len="med"/>
-                    </a:lnR>
-                    <a:lnT w="9525" cap="flat" cmpd="sng" algn="ctr">
-                      <a:solidFill>
-                        <a:srgbClr val="CCCCCC"/>
-                      </a:solidFill>
-                      <a:prstDash val="solid"/>
-                      <a:round/>
-                      <a:headEnd type="none" w="med" len="med"/>
-                      <a:tailEnd type="none" w="med" len="med"/>
-                    </a:lnT>
-                    <a:lnB w="9525" cap="flat" cmpd="sng" algn="ctr">
-                      <a:solidFill>
-                        <a:srgbClr val="CCCCCC"/>
-                      </a:solidFill>
-                      <a:prstDash val="solid"/>
-                      <a:round/>
-                      <a:headEnd type="none" w="med" len="med"/>
-                      <a:tailEnd type="none" w="med" len="med"/>
-                    </a:lnB>
-                    <a:solidFill>
-                      <a:srgbClr val="FFFFFF"/>
-                    </a:solidFill>
-                  </a:tcPr>
-                </a:tc>
-                <a:tc>
-                  <a:txBody>
-                    <a:bodyPr/>
-                    <a:lstStyle/>
-                    <a:p>
-                      <a:pPr algn="r" rtl="0" fontAlgn="b"/>
-                      <a:r>
-                        <a:rPr lang="nb-NO" sz="1100" b="0">
-                          <a:effectLst/>
-                          <a:latin typeface="Arial" panose="020B0604020202020204" pitchFamily="34" charset="0"/>
-                        </a:rPr>
-                        <a:t>5</a:t>
-                      </a:r>
-                    </a:p>
-                  </a:txBody>
-                  <a:tcPr marL="28575" marR="28575" marT="19050" marB="19050" anchor="b">
-                    <a:lnL w="9525" cap="flat" cmpd="sng" algn="ctr">
-                      <a:solidFill>
-                        <a:srgbClr val="CCCCCC"/>
-                      </a:solidFill>
-                      <a:prstDash val="solid"/>
-                      <a:round/>
-                      <a:headEnd type="none" w="med" len="med"/>
-                      <a:tailEnd type="none" w="med" len="med"/>
-                    </a:lnL>
-                    <a:lnR w="9525" cap="flat" cmpd="sng" algn="ctr">
-                      <a:solidFill>
-                        <a:srgbClr val="000000"/>
-                      </a:solidFill>
-                      <a:prstDash val="solid"/>
-                      <a:round/>
-                      <a:headEnd type="none" w="med" len="med"/>
-                      <a:tailEnd type="none" w="med" len="med"/>
-                    </a:lnR>
-                    <a:lnT w="9525" cap="flat" cmpd="sng" algn="ctr">
-                      <a:solidFill>
-                        <a:srgbClr val="CCCCCC"/>
-                      </a:solidFill>
-                      <a:prstDash val="solid"/>
-                      <a:round/>
-                      <a:headEnd type="none" w="med" len="med"/>
-                      <a:tailEnd type="none" w="med" len="med"/>
-                    </a:lnT>
-                    <a:lnB w="9525" cap="flat" cmpd="sng" algn="ctr">
-                      <a:solidFill>
-                        <a:srgbClr val="CCCCCC"/>
-                      </a:solidFill>
-                      <a:prstDash val="solid"/>
-                      <a:round/>
-                      <a:headEnd type="none" w="med" len="med"/>
-                      <a:tailEnd type="none" w="med" len="med"/>
-                    </a:lnB>
-                  </a:tcPr>
-                </a:tc>
-                <a:extLst>
-                  <a:ext uri="{0D108BD9-81ED-4DB2-BD59-A6C34878D82A}">
-                    <a16:rowId xmlns:a16="http://schemas.microsoft.com/office/drawing/2014/main" val="303458212"/>
-                  </a:ext>
-                </a:extLst>
-              </a:tr>
-              <a:tr h="200025">
-                <a:tc>
-                  <a:txBody>
-                    <a:bodyPr/>
-                    <a:lstStyle/>
-                    <a:p>
-                      <a:pPr algn="r" rtl="0" fontAlgn="b"/>
-                      <a:r>
-                        <a:rPr lang="nb-NO" sz="1100" b="0">
-                          <a:effectLst/>
-                          <a:latin typeface="Arial" panose="020B0604020202020204" pitchFamily="34" charset="0"/>
-                        </a:rPr>
-                        <a:t>8</a:t>
-                      </a:r>
-                    </a:p>
-                  </a:txBody>
-                  <a:tcPr marL="28575" marR="28575" marT="19050" marB="19050" anchor="b">
-                    <a:lnL w="9525" cap="flat" cmpd="sng" algn="ctr">
-                      <a:solidFill>
-                        <a:srgbClr val="000000"/>
-                      </a:solidFill>
-                      <a:prstDash val="solid"/>
-                      <a:round/>
-                      <a:headEnd type="none" w="med" len="med"/>
-                      <a:tailEnd type="none" w="med" len="med"/>
-                    </a:lnL>
-                    <a:lnR w="9525" cap="flat" cmpd="sng" algn="ctr">
-                      <a:solidFill>
-                        <a:srgbClr val="CCCCCC"/>
-                      </a:solidFill>
-                      <a:prstDash val="solid"/>
-                      <a:round/>
-                      <a:headEnd type="none" w="med" len="med"/>
-                      <a:tailEnd type="none" w="med" len="med"/>
-                    </a:lnR>
-                    <a:lnT w="9525" cap="flat" cmpd="sng" algn="ctr">
-                      <a:solidFill>
-                        <a:srgbClr val="CCCCCC"/>
-                      </a:solidFill>
-                      <a:prstDash val="solid"/>
-                      <a:round/>
-                      <a:headEnd type="none" w="med" len="med"/>
-                      <a:tailEnd type="none" w="med" len="med"/>
-                    </a:lnT>
-                    <a:lnB w="9525" cap="flat" cmpd="sng" algn="ctr">
-                      <a:solidFill>
-                        <a:srgbClr val="CCCCCC"/>
-                      </a:solidFill>
-                      <a:prstDash val="solid"/>
-                      <a:round/>
-                      <a:headEnd type="none" w="med" len="med"/>
-                      <a:tailEnd type="none" w="med" len="med"/>
-                    </a:lnB>
-                  </a:tcPr>
-                </a:tc>
-                <a:tc>
-                  <a:txBody>
-                    <a:bodyPr/>
-                    <a:lstStyle/>
-                    <a:p>
-                      <a:pPr rtl="0" fontAlgn="b"/>
-                      <a:r>
-                        <a:rPr lang="nb-NO" sz="1100" b="0">
-                          <a:effectLst/>
-                          <a:latin typeface="Arial" panose="020B0604020202020204" pitchFamily="34" charset="0"/>
-                        </a:rPr>
-                        <a:t>Booking offer generating</a:t>
-                      </a:r>
-                    </a:p>
-                  </a:txBody>
-                  <a:tcPr marL="28575" marR="28575" marT="19050" marB="19050" anchor="b">
-                    <a:lnL w="9525" cap="flat" cmpd="sng" algn="ctr">
-                      <a:solidFill>
-                        <a:srgbClr val="CCCCCC"/>
-                      </a:solidFill>
-                      <a:prstDash val="solid"/>
-                      <a:round/>
-                      <a:headEnd type="none" w="med" len="med"/>
-                      <a:tailEnd type="none" w="med" len="med"/>
-                    </a:lnL>
-                    <a:lnR w="9525" cap="flat" cmpd="sng" algn="ctr">
-                      <a:solidFill>
-                        <a:srgbClr val="CCCCCC"/>
-                      </a:solidFill>
-                      <a:prstDash val="solid"/>
-                      <a:round/>
-                      <a:headEnd type="none" w="med" len="med"/>
-                      <a:tailEnd type="none" w="med" len="med"/>
-                    </a:lnR>
-                    <a:lnT w="9525" cap="flat" cmpd="sng" algn="ctr">
-                      <a:solidFill>
-                        <a:srgbClr val="CCCCCC"/>
-                      </a:solidFill>
-                      <a:prstDash val="solid"/>
-                      <a:round/>
-                      <a:headEnd type="none" w="med" len="med"/>
-                      <a:tailEnd type="none" w="med" len="med"/>
-                    </a:lnT>
-                    <a:lnB w="9525" cap="flat" cmpd="sng" algn="ctr">
-                      <a:solidFill>
-                        <a:srgbClr val="CCCCCC"/>
-                      </a:solidFill>
-                      <a:prstDash val="solid"/>
-                      <a:round/>
-                      <a:headEnd type="none" w="med" len="med"/>
-                      <a:tailEnd type="none" w="med" len="med"/>
-                    </a:lnB>
-                  </a:tcPr>
-                </a:tc>
-                <a:tc>
-                  <a:txBody>
-                    <a:bodyPr/>
-                    <a:lstStyle/>
-                    <a:p>
-                      <a:pPr algn="r" rtl="0" fontAlgn="b"/>
-                      <a:r>
-                        <a:rPr lang="nb-NO" sz="1100" b="0">
-                          <a:effectLst/>
-                          <a:latin typeface="Arial" panose="020B0604020202020204" pitchFamily="34" charset="0"/>
-                        </a:rPr>
-                        <a:t>100</a:t>
-                      </a:r>
-                    </a:p>
-                  </a:txBody>
-                  <a:tcPr marL="28575" marR="28575" marT="19050" marB="19050" anchor="b">
-                    <a:lnL w="9525" cap="flat" cmpd="sng" algn="ctr">
-                      <a:solidFill>
-                        <a:srgbClr val="CCCCCC"/>
-                      </a:solidFill>
-                      <a:prstDash val="solid"/>
-                      <a:round/>
-                      <a:headEnd type="none" w="med" len="med"/>
-                      <a:tailEnd type="none" w="med" len="med"/>
-                    </a:lnL>
-                    <a:lnR w="9525" cap="flat" cmpd="sng" algn="ctr">
-                      <a:solidFill>
-                        <a:srgbClr val="CCCCCC"/>
-                      </a:solidFill>
-                      <a:prstDash val="solid"/>
-                      <a:round/>
-                      <a:headEnd type="none" w="med" len="med"/>
-                      <a:tailEnd type="none" w="med" len="med"/>
-                    </a:lnR>
-                    <a:lnT w="9525" cap="flat" cmpd="sng" algn="ctr">
-                      <a:solidFill>
-                        <a:srgbClr val="CCCCCC"/>
-                      </a:solidFill>
-                      <a:prstDash val="solid"/>
-                      <a:round/>
-                      <a:headEnd type="none" w="med" len="med"/>
-                      <a:tailEnd type="none" w="med" len="med"/>
-                    </a:lnT>
-                    <a:lnB w="9525" cap="flat" cmpd="sng" algn="ctr">
-                      <a:solidFill>
-                        <a:srgbClr val="CCCCCC"/>
-                      </a:solidFill>
-                      <a:prstDash val="solid"/>
-                      <a:round/>
-                      <a:headEnd type="none" w="med" len="med"/>
-                      <a:tailEnd type="none" w="med" len="med"/>
-                    </a:lnB>
-                    <a:solidFill>
-                      <a:srgbClr val="FFFFFF"/>
-                    </a:solidFill>
-                  </a:tcPr>
-                </a:tc>
-                <a:tc>
-                  <a:txBody>
-                    <a:bodyPr/>
-                    <a:lstStyle/>
-                    <a:p>
-                      <a:pPr algn="r" rtl="0" fontAlgn="b"/>
-                      <a:r>
-                        <a:rPr lang="nb-NO" sz="1100" b="0">
-                          <a:effectLst/>
-                          <a:latin typeface="Arial" panose="020B0604020202020204" pitchFamily="34" charset="0"/>
-                        </a:rPr>
-                        <a:t>8</a:t>
-                      </a:r>
-                    </a:p>
-                  </a:txBody>
-                  <a:tcPr marL="28575" marR="28575" marT="19050" marB="19050" anchor="b">
-                    <a:lnL w="9525" cap="flat" cmpd="sng" algn="ctr">
-                      <a:solidFill>
-                        <a:srgbClr val="CCCCCC"/>
-                      </a:solidFill>
-                      <a:prstDash val="solid"/>
-                      <a:round/>
-                      <a:headEnd type="none" w="med" len="med"/>
-                      <a:tailEnd type="none" w="med" len="med"/>
-                    </a:lnL>
-                    <a:lnR w="9525" cap="flat" cmpd="sng" algn="ctr">
-                      <a:solidFill>
-                        <a:srgbClr val="000000"/>
-                      </a:solidFill>
-                      <a:prstDash val="solid"/>
-                      <a:round/>
-                      <a:headEnd type="none" w="med" len="med"/>
-                      <a:tailEnd type="none" w="med" len="med"/>
-                    </a:lnR>
-                    <a:lnT w="9525" cap="flat" cmpd="sng" algn="ctr">
-                      <a:solidFill>
-                        <a:srgbClr val="CCCCCC"/>
-                      </a:solidFill>
-                      <a:prstDash val="solid"/>
-                      <a:round/>
-                      <a:headEnd type="none" w="med" len="med"/>
-                      <a:tailEnd type="none" w="med" len="med"/>
-                    </a:lnT>
-                    <a:lnB w="9525" cap="flat" cmpd="sng" algn="ctr">
-                      <a:solidFill>
-                        <a:srgbClr val="CCCCCC"/>
-                      </a:solidFill>
-                      <a:prstDash val="solid"/>
-                      <a:round/>
-                      <a:headEnd type="none" w="med" len="med"/>
-                      <a:tailEnd type="none" w="med" len="med"/>
-                    </a:lnB>
-                  </a:tcPr>
-                </a:tc>
-                <a:extLst>
-                  <a:ext uri="{0D108BD9-81ED-4DB2-BD59-A6C34878D82A}">
-                    <a16:rowId xmlns:a16="http://schemas.microsoft.com/office/drawing/2014/main" val="1083347149"/>
-                  </a:ext>
-                </a:extLst>
-              </a:tr>
-              <a:tr h="200025">
-                <a:tc>
-                  <a:txBody>
-                    <a:bodyPr/>
-                    <a:lstStyle/>
-                    <a:p>
-                      <a:pPr algn="r" rtl="0" fontAlgn="b"/>
-                      <a:r>
-                        <a:rPr lang="nb-NO" sz="1100" b="0">
-                          <a:effectLst/>
-                          <a:latin typeface="Arial" panose="020B0604020202020204" pitchFamily="34" charset="0"/>
-                        </a:rPr>
-                        <a:t>17</a:t>
-                      </a:r>
-                    </a:p>
-                  </a:txBody>
-                  <a:tcPr marL="28575" marR="28575" marT="19050" marB="19050" anchor="b">
-                    <a:lnL w="9525" cap="flat" cmpd="sng" algn="ctr">
-                      <a:solidFill>
-                        <a:srgbClr val="000000"/>
-                      </a:solidFill>
-                      <a:prstDash val="solid"/>
-                      <a:round/>
-                      <a:headEnd type="none" w="med" len="med"/>
-                      <a:tailEnd type="none" w="med" len="med"/>
-                    </a:lnL>
-                    <a:lnR w="9525" cap="flat" cmpd="sng" algn="ctr">
-                      <a:solidFill>
-                        <a:srgbClr val="CCCCCC"/>
-                      </a:solidFill>
-                      <a:prstDash val="solid"/>
-                      <a:round/>
-                      <a:headEnd type="none" w="med" len="med"/>
-                      <a:tailEnd type="none" w="med" len="med"/>
-                    </a:lnR>
-                    <a:lnT w="9525" cap="flat" cmpd="sng" algn="ctr">
-                      <a:solidFill>
-                        <a:srgbClr val="CCCCCC"/>
-                      </a:solidFill>
-                      <a:prstDash val="solid"/>
-                      <a:round/>
-                      <a:headEnd type="none" w="med" len="med"/>
-                      <a:tailEnd type="none" w="med" len="med"/>
-                    </a:lnT>
-                    <a:lnB w="9525" cap="flat" cmpd="sng" algn="ctr">
-                      <a:solidFill>
-                        <a:srgbClr val="CCCCCC"/>
-                      </a:solidFill>
-                      <a:prstDash val="solid"/>
-                      <a:round/>
-                      <a:headEnd type="none" w="med" len="med"/>
-                      <a:tailEnd type="none" w="med" len="med"/>
-                    </a:lnB>
-                  </a:tcPr>
-                </a:tc>
-                <a:tc>
-                  <a:txBody>
-                    <a:bodyPr/>
-                    <a:lstStyle/>
-                    <a:p>
-                      <a:pPr rtl="0" fontAlgn="b"/>
-                      <a:r>
-                        <a:rPr lang="nb-NO" sz="1100" b="0">
-                          <a:effectLst/>
-                          <a:latin typeface="Arial" panose="020B0604020202020204" pitchFamily="34" charset="0"/>
-                        </a:rPr>
-                        <a:t>Work schedule</a:t>
-                      </a:r>
-                    </a:p>
-                  </a:txBody>
-                  <a:tcPr marL="28575" marR="28575" marT="19050" marB="19050" anchor="b">
-                    <a:lnL w="9525" cap="flat" cmpd="sng" algn="ctr">
-                      <a:solidFill>
-                        <a:srgbClr val="CCCCCC"/>
-                      </a:solidFill>
-                      <a:prstDash val="solid"/>
-                      <a:round/>
-                      <a:headEnd type="none" w="med" len="med"/>
-                      <a:tailEnd type="none" w="med" len="med"/>
-                    </a:lnL>
-                    <a:lnR w="9525" cap="flat" cmpd="sng" algn="ctr">
-                      <a:solidFill>
-                        <a:srgbClr val="CCCCCC"/>
-                      </a:solidFill>
-                      <a:prstDash val="solid"/>
-                      <a:round/>
-                      <a:headEnd type="none" w="med" len="med"/>
-                      <a:tailEnd type="none" w="med" len="med"/>
-                    </a:lnR>
-                    <a:lnT w="9525" cap="flat" cmpd="sng" algn="ctr">
-                      <a:solidFill>
-                        <a:srgbClr val="CCCCCC"/>
-                      </a:solidFill>
-                      <a:prstDash val="solid"/>
-                      <a:round/>
-                      <a:headEnd type="none" w="med" len="med"/>
-                      <a:tailEnd type="none" w="med" len="med"/>
-                    </a:lnT>
-                    <a:lnB w="9525" cap="flat" cmpd="sng" algn="ctr">
-                      <a:solidFill>
-                        <a:srgbClr val="CCCCCC"/>
-                      </a:solidFill>
-                      <a:prstDash val="solid"/>
-                      <a:round/>
-                      <a:headEnd type="none" w="med" len="med"/>
-                      <a:tailEnd type="none" w="med" len="med"/>
-                    </a:lnB>
-                  </a:tcPr>
-                </a:tc>
-                <a:tc>
-                  <a:txBody>
-                    <a:bodyPr/>
-                    <a:lstStyle/>
-                    <a:p>
-                      <a:pPr algn="r" rtl="0" fontAlgn="b"/>
-                      <a:r>
-                        <a:rPr lang="nb-NO" sz="1100" b="0">
-                          <a:effectLst/>
-                          <a:latin typeface="Arial" panose="020B0604020202020204" pitchFamily="34" charset="0"/>
-                        </a:rPr>
-                        <a:t>80</a:t>
-                      </a:r>
-                    </a:p>
-                  </a:txBody>
-                  <a:tcPr marL="28575" marR="28575" marT="19050" marB="19050" anchor="b">
-                    <a:lnL w="9525" cap="flat" cmpd="sng" algn="ctr">
-                      <a:solidFill>
-                        <a:srgbClr val="CCCCCC"/>
-                      </a:solidFill>
-                      <a:prstDash val="solid"/>
-                      <a:round/>
-                      <a:headEnd type="none" w="med" len="med"/>
-                      <a:tailEnd type="none" w="med" len="med"/>
-                    </a:lnL>
-                    <a:lnR w="9525" cap="flat" cmpd="sng" algn="ctr">
-                      <a:solidFill>
-                        <a:srgbClr val="CCCCCC"/>
-                      </a:solidFill>
-                      <a:prstDash val="solid"/>
-                      <a:round/>
-                      <a:headEnd type="none" w="med" len="med"/>
-                      <a:tailEnd type="none" w="med" len="med"/>
-                    </a:lnR>
-                    <a:lnT w="9525" cap="flat" cmpd="sng" algn="ctr">
-                      <a:solidFill>
-                        <a:srgbClr val="CCCCCC"/>
-                      </a:solidFill>
-                      <a:prstDash val="solid"/>
-                      <a:round/>
-                      <a:headEnd type="none" w="med" len="med"/>
-                      <a:tailEnd type="none" w="med" len="med"/>
-                    </a:lnT>
-                    <a:lnB w="9525" cap="flat" cmpd="sng" algn="ctr">
-                      <a:solidFill>
-                        <a:srgbClr val="CCCCCC"/>
-                      </a:solidFill>
-                      <a:prstDash val="solid"/>
-                      <a:round/>
-                      <a:headEnd type="none" w="med" len="med"/>
-                      <a:tailEnd type="none" w="med" len="med"/>
-                    </a:lnB>
-                  </a:tcPr>
-                </a:tc>
-                <a:tc>
-                  <a:txBody>
-                    <a:bodyPr/>
-                    <a:lstStyle/>
-                    <a:p>
-                      <a:pPr algn="r" rtl="0" fontAlgn="b"/>
-                      <a:r>
-                        <a:rPr lang="nb-NO" sz="1100" b="0">
-                          <a:effectLst/>
-                          <a:latin typeface="Arial" panose="020B0604020202020204" pitchFamily="34" charset="0"/>
-                        </a:rPr>
-                        <a:t>8</a:t>
-                      </a:r>
-                    </a:p>
-                  </a:txBody>
-                  <a:tcPr marL="28575" marR="28575" marT="19050" marB="19050" anchor="b">
-                    <a:lnL w="9525" cap="flat" cmpd="sng" algn="ctr">
-                      <a:solidFill>
-                        <a:srgbClr val="CCCCCC"/>
-                      </a:solidFill>
-                      <a:prstDash val="solid"/>
-                      <a:round/>
-                      <a:headEnd type="none" w="med" len="med"/>
-                      <a:tailEnd type="none" w="med" len="med"/>
-                    </a:lnL>
-                    <a:lnR w="9525" cap="flat" cmpd="sng" algn="ctr">
-                      <a:solidFill>
-                        <a:srgbClr val="000000"/>
-                      </a:solidFill>
-                      <a:prstDash val="solid"/>
-                      <a:round/>
-                      <a:headEnd type="none" w="med" len="med"/>
-                      <a:tailEnd type="none" w="med" len="med"/>
-                    </a:lnR>
-                    <a:lnT w="9525" cap="flat" cmpd="sng" algn="ctr">
-                      <a:solidFill>
-                        <a:srgbClr val="CCCCCC"/>
-                      </a:solidFill>
-                      <a:prstDash val="solid"/>
-                      <a:round/>
-                      <a:headEnd type="none" w="med" len="med"/>
-                      <a:tailEnd type="none" w="med" len="med"/>
-                    </a:lnT>
-                    <a:lnB w="9525" cap="flat" cmpd="sng" algn="ctr">
-                      <a:solidFill>
-                        <a:srgbClr val="CCCCCC"/>
-                      </a:solidFill>
-                      <a:prstDash val="solid"/>
-                      <a:round/>
-                      <a:headEnd type="none" w="med" len="med"/>
-                      <a:tailEnd type="none" w="med" len="med"/>
-                    </a:lnB>
-                  </a:tcPr>
-                </a:tc>
-                <a:extLst>
-                  <a:ext uri="{0D108BD9-81ED-4DB2-BD59-A6C34878D82A}">
-                    <a16:rowId xmlns:a16="http://schemas.microsoft.com/office/drawing/2014/main" val="2842498650"/>
-                  </a:ext>
-                </a:extLst>
-              </a:tr>
-              <a:tr h="200025">
-                <a:tc>
-                  <a:txBody>
-                    <a:bodyPr/>
-                    <a:lstStyle/>
-                    <a:p>
-                      <a:pPr algn="r" rtl="0" fontAlgn="b"/>
-                      <a:r>
-                        <a:rPr lang="nb-NO" sz="1100" b="0">
-                          <a:effectLst/>
-                          <a:latin typeface="Arial" panose="020B0604020202020204" pitchFamily="34" charset="0"/>
-                        </a:rPr>
-                        <a:t>11</a:t>
-                      </a:r>
-                    </a:p>
-                  </a:txBody>
-                  <a:tcPr marL="28575" marR="28575" marT="19050" marB="19050" anchor="b">
-                    <a:lnL w="9525" cap="flat" cmpd="sng" algn="ctr">
-                      <a:solidFill>
-                        <a:srgbClr val="000000"/>
-                      </a:solidFill>
-                      <a:prstDash val="solid"/>
-                      <a:round/>
-                      <a:headEnd type="none" w="med" len="med"/>
-                      <a:tailEnd type="none" w="med" len="med"/>
-                    </a:lnL>
-                    <a:lnR w="9525" cap="flat" cmpd="sng" algn="ctr">
-                      <a:solidFill>
-                        <a:srgbClr val="CCCCCC"/>
-                      </a:solidFill>
-                      <a:prstDash val="solid"/>
-                      <a:round/>
-                      <a:headEnd type="none" w="med" len="med"/>
-                      <a:tailEnd type="none" w="med" len="med"/>
-                    </a:lnR>
-                    <a:lnT w="9525" cap="flat" cmpd="sng" algn="ctr">
-                      <a:solidFill>
-                        <a:srgbClr val="CCCCCC"/>
-                      </a:solidFill>
-                      <a:prstDash val="solid"/>
-                      <a:round/>
-                      <a:headEnd type="none" w="med" len="med"/>
-                      <a:tailEnd type="none" w="med" len="med"/>
-                    </a:lnT>
-                    <a:lnB w="9525" cap="flat" cmpd="sng" algn="ctr">
-                      <a:solidFill>
-                        <a:srgbClr val="CCCCCC"/>
-                      </a:solidFill>
-                      <a:prstDash val="solid"/>
-                      <a:round/>
-                      <a:headEnd type="none" w="med" len="med"/>
-                      <a:tailEnd type="none" w="med" len="med"/>
-                    </a:lnB>
-                  </a:tcPr>
-                </a:tc>
-                <a:tc>
-                  <a:txBody>
-                    <a:bodyPr/>
-                    <a:lstStyle/>
-                    <a:p>
-                      <a:pPr rtl="0" fontAlgn="b"/>
-                      <a:r>
-                        <a:rPr lang="nb-NO" sz="1100" b="0">
-                          <a:effectLst/>
-                          <a:latin typeface="Arial" panose="020B0604020202020204" pitchFamily="34" charset="0"/>
-                        </a:rPr>
-                        <a:t>Band-technical needs overview</a:t>
-                      </a:r>
-                    </a:p>
-                  </a:txBody>
-                  <a:tcPr marL="28575" marR="28575" marT="19050" marB="19050" anchor="b">
-                    <a:lnL w="9525" cap="flat" cmpd="sng" algn="ctr">
-                      <a:solidFill>
-                        <a:srgbClr val="CCCCCC"/>
-                      </a:solidFill>
-                      <a:prstDash val="solid"/>
-                      <a:round/>
-                      <a:headEnd type="none" w="med" len="med"/>
-                      <a:tailEnd type="none" w="med" len="med"/>
-                    </a:lnL>
-                    <a:lnR w="9525" cap="flat" cmpd="sng" algn="ctr">
-                      <a:solidFill>
-                        <a:srgbClr val="CCCCCC"/>
-                      </a:solidFill>
-                      <a:prstDash val="solid"/>
-                      <a:round/>
-                      <a:headEnd type="none" w="med" len="med"/>
-                      <a:tailEnd type="none" w="med" len="med"/>
-                    </a:lnR>
-                    <a:lnT w="9525" cap="flat" cmpd="sng" algn="ctr">
-                      <a:solidFill>
-                        <a:srgbClr val="CCCCCC"/>
-                      </a:solidFill>
-                      <a:prstDash val="solid"/>
-                      <a:round/>
-                      <a:headEnd type="none" w="med" len="med"/>
-                      <a:tailEnd type="none" w="med" len="med"/>
-                    </a:lnT>
-                    <a:lnB w="9525" cap="flat" cmpd="sng" algn="ctr">
-                      <a:solidFill>
-                        <a:srgbClr val="CCCCCC"/>
-                      </a:solidFill>
-                      <a:prstDash val="solid"/>
-                      <a:round/>
-                      <a:headEnd type="none" w="med" len="med"/>
-                      <a:tailEnd type="none" w="med" len="med"/>
-                    </a:lnB>
-                  </a:tcPr>
-                </a:tc>
-                <a:tc>
-                  <a:txBody>
-                    <a:bodyPr/>
-                    <a:lstStyle/>
-                    <a:p>
-                      <a:pPr algn="r" rtl="0" fontAlgn="b"/>
-                      <a:r>
-                        <a:rPr lang="nb-NO" sz="1100" b="0">
-                          <a:effectLst/>
-                          <a:latin typeface="Arial" panose="020B0604020202020204" pitchFamily="34" charset="0"/>
-                        </a:rPr>
-                        <a:t>70</a:t>
-                      </a:r>
-                    </a:p>
-                  </a:txBody>
-                  <a:tcPr marL="28575" marR="28575" marT="19050" marB="19050" anchor="b">
-                    <a:lnL w="9525" cap="flat" cmpd="sng" algn="ctr">
-                      <a:solidFill>
-                        <a:srgbClr val="CCCCCC"/>
-                      </a:solidFill>
-                      <a:prstDash val="solid"/>
-                      <a:round/>
-                      <a:headEnd type="none" w="med" len="med"/>
-                      <a:tailEnd type="none" w="med" len="med"/>
-                    </a:lnL>
-                    <a:lnR w="9525" cap="flat" cmpd="sng" algn="ctr">
-                      <a:solidFill>
-                        <a:srgbClr val="CCCCCC"/>
-                      </a:solidFill>
-                      <a:prstDash val="solid"/>
-                      <a:round/>
-                      <a:headEnd type="none" w="med" len="med"/>
-                      <a:tailEnd type="none" w="med" len="med"/>
-                    </a:lnR>
-                    <a:lnT w="9525" cap="flat" cmpd="sng" algn="ctr">
-                      <a:solidFill>
-                        <a:srgbClr val="CCCCCC"/>
-                      </a:solidFill>
-                      <a:prstDash val="solid"/>
-                      <a:round/>
-                      <a:headEnd type="none" w="med" len="med"/>
-                      <a:tailEnd type="none" w="med" len="med"/>
-                    </a:lnT>
-                    <a:lnB w="9525" cap="flat" cmpd="sng" algn="ctr">
-                      <a:solidFill>
-                        <a:srgbClr val="CCCCCC"/>
-                      </a:solidFill>
-                      <a:prstDash val="solid"/>
-                      <a:round/>
-                      <a:headEnd type="none" w="med" len="med"/>
-                      <a:tailEnd type="none" w="med" len="med"/>
-                    </a:lnB>
-                  </a:tcPr>
-                </a:tc>
-                <a:tc>
-                  <a:txBody>
-                    <a:bodyPr/>
-                    <a:lstStyle/>
-                    <a:p>
-                      <a:pPr algn="r" rtl="0" fontAlgn="b"/>
-                      <a:r>
-                        <a:rPr lang="nb-NO" sz="1100" b="0">
-                          <a:effectLst/>
-                          <a:latin typeface="Arial" panose="020B0604020202020204" pitchFamily="34" charset="0"/>
-                        </a:rPr>
-                        <a:t>6</a:t>
-                      </a:r>
-                    </a:p>
-                  </a:txBody>
-                  <a:tcPr marL="28575" marR="28575" marT="19050" marB="19050" anchor="b">
-                    <a:lnL w="9525" cap="flat" cmpd="sng" algn="ctr">
-                      <a:solidFill>
-                        <a:srgbClr val="CCCCCC"/>
-                      </a:solidFill>
-                      <a:prstDash val="solid"/>
-                      <a:round/>
-                      <a:headEnd type="none" w="med" len="med"/>
-                      <a:tailEnd type="none" w="med" len="med"/>
-                    </a:lnL>
-                    <a:lnR w="9525" cap="flat" cmpd="sng" algn="ctr">
-                      <a:solidFill>
-                        <a:srgbClr val="000000"/>
-                      </a:solidFill>
-                      <a:prstDash val="solid"/>
-                      <a:round/>
-                      <a:headEnd type="none" w="med" len="med"/>
-                      <a:tailEnd type="none" w="med" len="med"/>
-                    </a:lnR>
-                    <a:lnT w="9525" cap="flat" cmpd="sng" algn="ctr">
-                      <a:solidFill>
-                        <a:srgbClr val="CCCCCC"/>
-                      </a:solidFill>
-                      <a:prstDash val="solid"/>
-                      <a:round/>
-                      <a:headEnd type="none" w="med" len="med"/>
-                      <a:tailEnd type="none" w="med" len="med"/>
-                    </a:lnT>
-                    <a:lnB w="9525" cap="flat" cmpd="sng" algn="ctr">
-                      <a:solidFill>
-                        <a:srgbClr val="CCCCCC"/>
-                      </a:solidFill>
-                      <a:prstDash val="solid"/>
-                      <a:round/>
-                      <a:headEnd type="none" w="med" len="med"/>
-                      <a:tailEnd type="none" w="med" len="med"/>
-                    </a:lnB>
-                  </a:tcPr>
-                </a:tc>
-                <a:extLst>
-                  <a:ext uri="{0D108BD9-81ED-4DB2-BD59-A6C34878D82A}">
-                    <a16:rowId xmlns:a16="http://schemas.microsoft.com/office/drawing/2014/main" val="1103082623"/>
-                  </a:ext>
-                </a:extLst>
-              </a:tr>
-              <a:tr h="200025">
-                <a:tc>
-                  <a:txBody>
-                    <a:bodyPr/>
-                    <a:lstStyle/>
-                    <a:p>
-                      <a:pPr algn="r" rtl="0" fontAlgn="b"/>
-                      <a:r>
-                        <a:rPr lang="nb-NO" sz="1100" b="0">
-                          <a:effectLst/>
-                          <a:latin typeface="Arial" panose="020B0604020202020204" pitchFamily="34" charset="0"/>
-                        </a:rPr>
-                        <a:t>9</a:t>
-                      </a:r>
-                    </a:p>
-                  </a:txBody>
-                  <a:tcPr marL="28575" marR="28575" marT="19050" marB="19050" anchor="b">
-                    <a:lnL w="9525" cap="flat" cmpd="sng" algn="ctr">
-                      <a:solidFill>
-                        <a:srgbClr val="000000"/>
-                      </a:solidFill>
-                      <a:prstDash val="solid"/>
-                      <a:round/>
-                      <a:headEnd type="none" w="med" len="med"/>
-                      <a:tailEnd type="none" w="med" len="med"/>
-                    </a:lnL>
-                    <a:lnR w="9525" cap="flat" cmpd="sng" algn="ctr">
-                      <a:solidFill>
-                        <a:srgbClr val="CCCCCC"/>
-                      </a:solidFill>
-                      <a:prstDash val="solid"/>
-                      <a:round/>
-                      <a:headEnd type="none" w="med" len="med"/>
-                      <a:tailEnd type="none" w="med" len="med"/>
-                    </a:lnR>
-                    <a:lnT w="9525" cap="flat" cmpd="sng" algn="ctr">
-                      <a:solidFill>
-                        <a:srgbClr val="CCCCCC"/>
-                      </a:solidFill>
-                      <a:prstDash val="solid"/>
-                      <a:round/>
-                      <a:headEnd type="none" w="med" len="med"/>
-                      <a:tailEnd type="none" w="med" len="med"/>
-                    </a:lnT>
-                    <a:lnB w="9525" cap="flat" cmpd="sng" algn="ctr">
-                      <a:solidFill>
-                        <a:srgbClr val="CCCCCC"/>
-                      </a:solidFill>
-                      <a:prstDash val="solid"/>
-                      <a:round/>
-                      <a:headEnd type="none" w="med" len="med"/>
-                      <a:tailEnd type="none" w="med" len="med"/>
-                    </a:lnB>
-                  </a:tcPr>
-                </a:tc>
-                <a:tc>
-                  <a:txBody>
-                    <a:bodyPr/>
-                    <a:lstStyle/>
-                    <a:p>
-                      <a:pPr rtl="0" fontAlgn="b"/>
-                      <a:r>
-                        <a:rPr lang="nb-NO" sz="1100" b="0">
-                          <a:effectLst/>
-                          <a:latin typeface="Arial" panose="020B0604020202020204" pitchFamily="34" charset="0"/>
-                        </a:rPr>
-                        <a:t>Band search</a:t>
-                      </a:r>
-                    </a:p>
-                  </a:txBody>
-                  <a:tcPr marL="28575" marR="28575" marT="19050" marB="19050" anchor="b">
-                    <a:lnL w="9525" cap="flat" cmpd="sng" algn="ctr">
-                      <a:solidFill>
-                        <a:srgbClr val="CCCCCC"/>
-                      </a:solidFill>
-                      <a:prstDash val="solid"/>
-                      <a:round/>
-                      <a:headEnd type="none" w="med" len="med"/>
-                      <a:tailEnd type="none" w="med" len="med"/>
-                    </a:lnL>
-                    <a:lnR w="9525" cap="flat" cmpd="sng" algn="ctr">
-                      <a:solidFill>
-                        <a:srgbClr val="CCCCCC"/>
-                      </a:solidFill>
-                      <a:prstDash val="solid"/>
-                      <a:round/>
-                      <a:headEnd type="none" w="med" len="med"/>
-                      <a:tailEnd type="none" w="med" len="med"/>
-                    </a:lnR>
-                    <a:lnT w="9525" cap="flat" cmpd="sng" algn="ctr">
-                      <a:solidFill>
-                        <a:srgbClr val="CCCCCC"/>
-                      </a:solidFill>
-                      <a:prstDash val="solid"/>
-                      <a:round/>
-                      <a:headEnd type="none" w="med" len="med"/>
-                      <a:tailEnd type="none" w="med" len="med"/>
-                    </a:lnT>
-                    <a:lnB w="9525" cap="flat" cmpd="sng" algn="ctr">
-                      <a:solidFill>
-                        <a:srgbClr val="CCCCCC"/>
-                      </a:solidFill>
-                      <a:prstDash val="solid"/>
-                      <a:round/>
-                      <a:headEnd type="none" w="med" len="med"/>
-                      <a:tailEnd type="none" w="med" len="med"/>
-                    </a:lnB>
-                  </a:tcPr>
-                </a:tc>
-                <a:tc>
-                  <a:txBody>
-                    <a:bodyPr/>
-                    <a:lstStyle/>
-                    <a:p>
-                      <a:pPr algn="r" rtl="0" fontAlgn="b"/>
-                      <a:r>
-                        <a:rPr lang="nb-NO" sz="1100" b="0">
-                          <a:effectLst/>
-                          <a:latin typeface="Arial" panose="020B0604020202020204" pitchFamily="34" charset="0"/>
-                        </a:rPr>
-                        <a:t>65</a:t>
-                      </a:r>
-                    </a:p>
-                  </a:txBody>
-                  <a:tcPr marL="28575" marR="28575" marT="19050" marB="19050" anchor="b">
-                    <a:lnL w="9525" cap="flat" cmpd="sng" algn="ctr">
-                      <a:solidFill>
-                        <a:srgbClr val="CCCCCC"/>
-                      </a:solidFill>
-                      <a:prstDash val="solid"/>
-                      <a:round/>
-                      <a:headEnd type="none" w="med" len="med"/>
-                      <a:tailEnd type="none" w="med" len="med"/>
-                    </a:lnL>
-                    <a:lnR w="9525" cap="flat" cmpd="sng" algn="ctr">
-                      <a:solidFill>
-                        <a:srgbClr val="CCCCCC"/>
-                      </a:solidFill>
-                      <a:prstDash val="solid"/>
-                      <a:round/>
-                      <a:headEnd type="none" w="med" len="med"/>
-                      <a:tailEnd type="none" w="med" len="med"/>
-                    </a:lnR>
-                    <a:lnT w="9525" cap="flat" cmpd="sng" algn="ctr">
-                      <a:solidFill>
-                        <a:srgbClr val="CCCCCC"/>
-                      </a:solidFill>
-                      <a:prstDash val="solid"/>
-                      <a:round/>
-                      <a:headEnd type="none" w="med" len="med"/>
-                      <a:tailEnd type="none" w="med" len="med"/>
-                    </a:lnT>
-                    <a:lnB w="9525" cap="flat" cmpd="sng" algn="ctr">
-                      <a:solidFill>
-                        <a:srgbClr val="CCCCCC"/>
-                      </a:solidFill>
-                      <a:prstDash val="solid"/>
-                      <a:round/>
-                      <a:headEnd type="none" w="med" len="med"/>
-                      <a:tailEnd type="none" w="med" len="med"/>
-                    </a:lnB>
-                  </a:tcPr>
-                </a:tc>
-                <a:tc>
-                  <a:txBody>
-                    <a:bodyPr/>
-                    <a:lstStyle/>
-                    <a:p>
-                      <a:pPr algn="r" rtl="0" fontAlgn="b"/>
-                      <a:r>
-                        <a:rPr lang="nb-NO" sz="1100" b="0">
-                          <a:effectLst/>
-                          <a:latin typeface="Arial" panose="020B0604020202020204" pitchFamily="34" charset="0"/>
-                        </a:rPr>
-                        <a:t>8</a:t>
-                      </a:r>
-                    </a:p>
-                  </a:txBody>
-                  <a:tcPr marL="28575" marR="28575" marT="19050" marB="19050" anchor="b">
-                    <a:lnL w="9525" cap="flat" cmpd="sng" algn="ctr">
-                      <a:solidFill>
-                        <a:srgbClr val="CCCCCC"/>
-                      </a:solidFill>
-                      <a:prstDash val="solid"/>
-                      <a:round/>
-                      <a:headEnd type="none" w="med" len="med"/>
-                      <a:tailEnd type="none" w="med" len="med"/>
-                    </a:lnL>
-                    <a:lnR w="9525" cap="flat" cmpd="sng" algn="ctr">
-                      <a:solidFill>
-                        <a:srgbClr val="000000"/>
-                      </a:solidFill>
-                      <a:prstDash val="solid"/>
-                      <a:round/>
-                      <a:headEnd type="none" w="med" len="med"/>
-                      <a:tailEnd type="none" w="med" len="med"/>
-                    </a:lnR>
-                    <a:lnT w="9525" cap="flat" cmpd="sng" algn="ctr">
-                      <a:solidFill>
-                        <a:srgbClr val="CCCCCC"/>
-                      </a:solidFill>
-                      <a:prstDash val="solid"/>
-                      <a:round/>
-                      <a:headEnd type="none" w="med" len="med"/>
-                      <a:tailEnd type="none" w="med" len="med"/>
-                    </a:lnT>
-                    <a:lnB w="9525" cap="flat" cmpd="sng" algn="ctr">
-                      <a:solidFill>
-                        <a:srgbClr val="CCCCCC"/>
-                      </a:solidFill>
-                      <a:prstDash val="solid"/>
-                      <a:round/>
-                      <a:headEnd type="none" w="med" len="med"/>
-                      <a:tailEnd type="none" w="med" len="med"/>
-                    </a:lnB>
-                  </a:tcPr>
-                </a:tc>
-                <a:extLst>
-                  <a:ext uri="{0D108BD9-81ED-4DB2-BD59-A6C34878D82A}">
-                    <a16:rowId xmlns:a16="http://schemas.microsoft.com/office/drawing/2014/main" val="2326715992"/>
-                  </a:ext>
-                </a:extLst>
-              </a:tr>
-              <a:tr h="200025">
-                <a:tc>
-                  <a:txBody>
-                    <a:bodyPr/>
-                    <a:lstStyle/>
-                    <a:p>
-                      <a:pPr algn="r" rtl="0" fontAlgn="b"/>
-                      <a:r>
-                        <a:rPr lang="nb-NO" sz="1100" b="0">
-                          <a:effectLst/>
-                          <a:latin typeface="Arial" panose="020B0604020202020204" pitchFamily="34" charset="0"/>
-                        </a:rPr>
-                        <a:t>10</a:t>
-                      </a:r>
-                    </a:p>
-                  </a:txBody>
-                  <a:tcPr marL="28575" marR="28575" marT="19050" marB="19050" anchor="b">
-                    <a:lnL w="9525" cap="flat" cmpd="sng" algn="ctr">
-                      <a:solidFill>
-                        <a:srgbClr val="000000"/>
-                      </a:solidFill>
-                      <a:prstDash val="solid"/>
-                      <a:round/>
-                      <a:headEnd type="none" w="med" len="med"/>
-                      <a:tailEnd type="none" w="med" len="med"/>
-                    </a:lnL>
-                    <a:lnR w="9525" cap="flat" cmpd="sng" algn="ctr">
-                      <a:solidFill>
-                        <a:srgbClr val="CCCCCC"/>
-                      </a:solidFill>
-                      <a:prstDash val="solid"/>
-                      <a:round/>
-                      <a:headEnd type="none" w="med" len="med"/>
-                      <a:tailEnd type="none" w="med" len="med"/>
-                    </a:lnR>
-                    <a:lnT w="9525" cap="flat" cmpd="sng" algn="ctr">
-                      <a:solidFill>
-                        <a:srgbClr val="CCCCCC"/>
-                      </a:solidFill>
-                      <a:prstDash val="solid"/>
-                      <a:round/>
-                      <a:headEnd type="none" w="med" len="med"/>
-                      <a:tailEnd type="none" w="med" len="med"/>
-                    </a:lnT>
-                    <a:lnB w="9525" cap="flat" cmpd="sng" algn="ctr">
-                      <a:solidFill>
-                        <a:srgbClr val="CCCCCC"/>
-                      </a:solidFill>
-                      <a:prstDash val="solid"/>
-                      <a:round/>
-                      <a:headEnd type="none" w="med" len="med"/>
-                      <a:tailEnd type="none" w="med" len="med"/>
-                    </a:lnB>
-                  </a:tcPr>
-                </a:tc>
-                <a:tc>
-                  <a:txBody>
-                    <a:bodyPr/>
-                    <a:lstStyle/>
-                    <a:p>
-                      <a:pPr rtl="0" fontAlgn="b"/>
-                      <a:r>
-                        <a:rPr lang="nb-NO" sz="1100" b="0">
-                          <a:effectLst/>
-                          <a:latin typeface="Arial" panose="020B0604020202020204" pitchFamily="34" charset="0"/>
-                        </a:rPr>
-                        <a:t>Concert-genere overview</a:t>
-                      </a:r>
-                    </a:p>
-                  </a:txBody>
-                  <a:tcPr marL="28575" marR="28575" marT="19050" marB="19050" anchor="b">
-                    <a:lnL w="9525" cap="flat" cmpd="sng" algn="ctr">
-                      <a:solidFill>
-                        <a:srgbClr val="CCCCCC"/>
-                      </a:solidFill>
-                      <a:prstDash val="solid"/>
-                      <a:round/>
-                      <a:headEnd type="none" w="med" len="med"/>
-                      <a:tailEnd type="none" w="med" len="med"/>
-                    </a:lnL>
-                    <a:lnR w="9525" cap="flat" cmpd="sng" algn="ctr">
-                      <a:solidFill>
-                        <a:srgbClr val="CCCCCC"/>
-                      </a:solidFill>
-                      <a:prstDash val="solid"/>
-                      <a:round/>
-                      <a:headEnd type="none" w="med" len="med"/>
-                      <a:tailEnd type="none" w="med" len="med"/>
-                    </a:lnR>
-                    <a:lnT w="9525" cap="flat" cmpd="sng" algn="ctr">
-                      <a:solidFill>
-                        <a:srgbClr val="CCCCCC"/>
-                      </a:solidFill>
-                      <a:prstDash val="solid"/>
-                      <a:round/>
-                      <a:headEnd type="none" w="med" len="med"/>
-                      <a:tailEnd type="none" w="med" len="med"/>
-                    </a:lnT>
-                    <a:lnB w="9525" cap="flat" cmpd="sng" algn="ctr">
-                      <a:solidFill>
-                        <a:srgbClr val="CCCCCC"/>
-                      </a:solidFill>
-                      <a:prstDash val="solid"/>
-                      <a:round/>
-                      <a:headEnd type="none" w="med" len="med"/>
-                      <a:tailEnd type="none" w="med" len="med"/>
-                    </a:lnB>
-                  </a:tcPr>
-                </a:tc>
-                <a:tc>
-                  <a:txBody>
-                    <a:bodyPr/>
-                    <a:lstStyle/>
-                    <a:p>
-                      <a:pPr algn="r" rtl="0" fontAlgn="b"/>
-                      <a:r>
-                        <a:rPr lang="nb-NO" sz="1100" b="0">
-                          <a:effectLst/>
-                          <a:latin typeface="Arial" panose="020B0604020202020204" pitchFamily="34" charset="0"/>
-                        </a:rPr>
-                        <a:t>60</a:t>
-                      </a:r>
-                    </a:p>
-                  </a:txBody>
-                  <a:tcPr marL="28575" marR="28575" marT="19050" marB="19050" anchor="b">
-                    <a:lnL w="9525" cap="flat" cmpd="sng" algn="ctr">
-                      <a:solidFill>
-                        <a:srgbClr val="CCCCCC"/>
-                      </a:solidFill>
-                      <a:prstDash val="solid"/>
-                      <a:round/>
-                      <a:headEnd type="none" w="med" len="med"/>
-                      <a:tailEnd type="none" w="med" len="med"/>
-                    </a:lnL>
-                    <a:lnR w="9525" cap="flat" cmpd="sng" algn="ctr">
-                      <a:solidFill>
-                        <a:srgbClr val="CCCCCC"/>
-                      </a:solidFill>
-                      <a:prstDash val="solid"/>
-                      <a:round/>
-                      <a:headEnd type="none" w="med" len="med"/>
-                      <a:tailEnd type="none" w="med" len="med"/>
-                    </a:lnR>
-                    <a:lnT w="9525" cap="flat" cmpd="sng" algn="ctr">
-                      <a:solidFill>
-                        <a:srgbClr val="CCCCCC"/>
-                      </a:solidFill>
-                      <a:prstDash val="solid"/>
-                      <a:round/>
-                      <a:headEnd type="none" w="med" len="med"/>
-                      <a:tailEnd type="none" w="med" len="med"/>
-                    </a:lnT>
-                    <a:lnB w="9525" cap="flat" cmpd="sng" algn="ctr">
-                      <a:solidFill>
-                        <a:srgbClr val="CCCCCC"/>
-                      </a:solidFill>
-                      <a:prstDash val="solid"/>
-                      <a:round/>
-                      <a:headEnd type="none" w="med" len="med"/>
-                      <a:tailEnd type="none" w="med" len="med"/>
-                    </a:lnB>
-                  </a:tcPr>
-                </a:tc>
-                <a:tc>
-                  <a:txBody>
-                    <a:bodyPr/>
-                    <a:lstStyle/>
-                    <a:p>
-                      <a:pPr algn="r" rtl="0" fontAlgn="b"/>
-                      <a:r>
-                        <a:rPr lang="nb-NO" sz="1100" b="0">
-                          <a:effectLst/>
-                          <a:latin typeface="Arial" panose="020B0604020202020204" pitchFamily="34" charset="0"/>
-                        </a:rPr>
-                        <a:t>6</a:t>
-                      </a:r>
-                    </a:p>
-                  </a:txBody>
-                  <a:tcPr marL="28575" marR="28575" marT="19050" marB="19050" anchor="b">
-                    <a:lnL w="9525" cap="flat" cmpd="sng" algn="ctr">
-                      <a:solidFill>
-                        <a:srgbClr val="CCCCCC"/>
-                      </a:solidFill>
-                      <a:prstDash val="solid"/>
-                      <a:round/>
-                      <a:headEnd type="none" w="med" len="med"/>
-                      <a:tailEnd type="none" w="med" len="med"/>
-                    </a:lnL>
-                    <a:lnR w="9525" cap="flat" cmpd="sng" algn="ctr">
-                      <a:solidFill>
-                        <a:srgbClr val="000000"/>
-                      </a:solidFill>
-                      <a:prstDash val="solid"/>
-                      <a:round/>
-                      <a:headEnd type="none" w="med" len="med"/>
-                      <a:tailEnd type="none" w="med" len="med"/>
-                    </a:lnR>
-                    <a:lnT w="9525" cap="flat" cmpd="sng" algn="ctr">
-                      <a:solidFill>
-                        <a:srgbClr val="CCCCCC"/>
-                      </a:solidFill>
-                      <a:prstDash val="solid"/>
-                      <a:round/>
-                      <a:headEnd type="none" w="med" len="med"/>
-                      <a:tailEnd type="none" w="med" len="med"/>
-                    </a:lnT>
-                    <a:lnB w="9525" cap="flat" cmpd="sng" algn="ctr">
-                      <a:solidFill>
-                        <a:srgbClr val="CCCCCC"/>
-                      </a:solidFill>
-                      <a:prstDash val="solid"/>
-                      <a:round/>
-                      <a:headEnd type="none" w="med" len="med"/>
-                      <a:tailEnd type="none" w="med" len="med"/>
-                    </a:lnB>
-                  </a:tcPr>
-                </a:tc>
-                <a:extLst>
-                  <a:ext uri="{0D108BD9-81ED-4DB2-BD59-A6C34878D82A}">
-                    <a16:rowId xmlns:a16="http://schemas.microsoft.com/office/drawing/2014/main" val="897359163"/>
-                  </a:ext>
-                </a:extLst>
-              </a:tr>
-              <a:tr h="200025">
-                <a:tc>
-                  <a:txBody>
-                    <a:bodyPr/>
-                    <a:lstStyle/>
-                    <a:p>
-                      <a:pPr rtl="0" fontAlgn="b"/>
-                      <a:r>
-                        <a:rPr lang="nb-NO" sz="1100" b="1">
-                          <a:effectLst/>
-                          <a:latin typeface="Arial" panose="020B0604020202020204" pitchFamily="34" charset="0"/>
-                        </a:rPr>
-                        <a:t>Totalt:</a:t>
-                      </a:r>
-                    </a:p>
-                  </a:txBody>
-                  <a:tcPr marL="28575" marR="28575" marT="19050" marB="19050" anchor="b">
-                    <a:lnL w="9525" cap="flat" cmpd="sng" algn="ctr">
-                      <a:solidFill>
-                        <a:srgbClr val="000000"/>
-                      </a:solidFill>
-                      <a:prstDash val="solid"/>
-                      <a:round/>
-                      <a:headEnd type="none" w="med" len="med"/>
-                      <a:tailEnd type="none" w="med" len="med"/>
-                    </a:lnL>
-                    <a:lnR w="9525" cap="flat" cmpd="sng" algn="ctr">
-                      <a:solidFill>
-                        <a:srgbClr val="CCCCCC"/>
-                      </a:solidFill>
-                      <a:prstDash val="solid"/>
-                      <a:round/>
-                      <a:headEnd type="none" w="med" len="med"/>
-                      <a:tailEnd type="none" w="med" len="med"/>
-                    </a:lnR>
-                    <a:lnT w="9525" cap="flat" cmpd="sng" algn="ctr">
-                      <a:solidFill>
-                        <a:srgbClr val="CCCCCC"/>
-                      </a:solidFill>
-                      <a:prstDash val="solid"/>
-                      <a:round/>
-                      <a:headEnd type="none" w="med" len="med"/>
-                      <a:tailEnd type="none" w="med" len="med"/>
-                    </a:lnT>
-                    <a:lnB w="9525" cap="flat" cmpd="sng" algn="ctr">
-                      <a:solidFill>
-                        <a:srgbClr val="000000"/>
-                      </a:solidFill>
-                      <a:prstDash val="solid"/>
-                      <a:round/>
-                      <a:headEnd type="none" w="med" len="med"/>
-                      <a:tailEnd type="none" w="med" len="med"/>
-                    </a:lnB>
-                  </a:tcPr>
-                </a:tc>
-                <a:tc>
-                  <a:txBody>
-                    <a:bodyPr/>
-                    <a:lstStyle/>
-                    <a:p>
-                      <a:pPr rtl="0" fontAlgn="b"/>
-                      <a:endParaRPr lang="nb-NO">
-                        <a:effectLst/>
-                      </a:endParaRPr>
-                    </a:p>
-                  </a:txBody>
-                  <a:tcPr marL="28575" marR="28575" marT="19050" marB="19050" anchor="b">
-                    <a:lnL w="9525" cap="flat" cmpd="sng" algn="ctr">
-                      <a:solidFill>
-                        <a:srgbClr val="CCCCCC"/>
-                      </a:solidFill>
-                      <a:prstDash val="solid"/>
-                      <a:round/>
-                      <a:headEnd type="none" w="med" len="med"/>
-                      <a:tailEnd type="none" w="med" len="med"/>
-                    </a:lnL>
-                    <a:lnR w="9525" cap="flat" cmpd="sng" algn="ctr">
-                      <a:solidFill>
-                        <a:srgbClr val="CCCCCC"/>
-                      </a:solidFill>
-                      <a:prstDash val="solid"/>
-                      <a:round/>
-                      <a:headEnd type="none" w="med" len="med"/>
-                      <a:tailEnd type="none" w="med" len="med"/>
-                    </a:lnR>
-                    <a:lnT w="9525" cap="flat" cmpd="sng" algn="ctr">
-                      <a:solidFill>
-                        <a:srgbClr val="CCCCCC"/>
-                      </a:solidFill>
-                      <a:prstDash val="solid"/>
-                      <a:round/>
-                      <a:headEnd type="none" w="med" len="med"/>
-                      <a:tailEnd type="none" w="med" len="med"/>
-                    </a:lnT>
-                    <a:lnB w="9525" cap="flat" cmpd="sng" algn="ctr">
-                      <a:solidFill>
-                        <a:srgbClr val="000000"/>
-                      </a:solidFill>
-                      <a:prstDash val="solid"/>
-                      <a:round/>
-                      <a:headEnd type="none" w="med" len="med"/>
-                      <a:tailEnd type="none" w="med" len="med"/>
-                    </a:lnB>
-                  </a:tcPr>
-                </a:tc>
-                <a:tc>
-                  <a:txBody>
-                    <a:bodyPr/>
-                    <a:lstStyle/>
-                    <a:p>
-                      <a:pPr rtl="0" fontAlgn="b"/>
-                      <a:endParaRPr lang="nb-NO">
-                        <a:effectLst/>
-                      </a:endParaRPr>
-                    </a:p>
-                  </a:txBody>
-                  <a:tcPr marL="28575" marR="28575" marT="19050" marB="19050" anchor="b">
-                    <a:lnL w="9525" cap="flat" cmpd="sng" algn="ctr">
-                      <a:solidFill>
-                        <a:srgbClr val="CCCCCC"/>
-                      </a:solidFill>
-                      <a:prstDash val="solid"/>
-                      <a:round/>
-                      <a:headEnd type="none" w="med" len="med"/>
-                      <a:tailEnd type="none" w="med" len="med"/>
-                    </a:lnL>
-                    <a:lnR w="9525" cap="flat" cmpd="sng" algn="ctr">
-                      <a:solidFill>
-                        <a:srgbClr val="CCCCCC"/>
-                      </a:solidFill>
-                      <a:prstDash val="solid"/>
-                      <a:round/>
-                      <a:headEnd type="none" w="med" len="med"/>
-                      <a:tailEnd type="none" w="med" len="med"/>
-                    </a:lnR>
-                    <a:lnT w="9525" cap="flat" cmpd="sng" algn="ctr">
-                      <a:solidFill>
-                        <a:srgbClr val="CCCCCC"/>
-                      </a:solidFill>
-                      <a:prstDash val="solid"/>
-                      <a:round/>
-                      <a:headEnd type="none" w="med" len="med"/>
-                      <a:tailEnd type="none" w="med" len="med"/>
-                    </a:lnT>
-                    <a:lnB w="9525" cap="flat" cmpd="sng" algn="ctr">
-                      <a:solidFill>
-                        <a:srgbClr val="000000"/>
-                      </a:solidFill>
-                      <a:prstDash val="solid"/>
-                      <a:round/>
-                      <a:headEnd type="none" w="med" len="med"/>
-                      <a:tailEnd type="none" w="med" len="med"/>
-                    </a:lnB>
-                  </a:tcPr>
-                </a:tc>
-                <a:tc>
-                  <a:txBody>
-                    <a:bodyPr/>
-                    <a:lstStyle/>
-                    <a:p>
-                      <a:pPr algn="r" rtl="0" fontAlgn="b"/>
-                      <a:r>
-                        <a:rPr lang="nb-NO" sz="1100" b="0" dirty="0">
-                          <a:effectLst/>
-                          <a:latin typeface="Arial" panose="020B0604020202020204" pitchFamily="34" charset="0"/>
-                        </a:rPr>
-                        <a:t>45</a:t>
-                      </a:r>
-                    </a:p>
-                  </a:txBody>
-                  <a:tcPr marL="28575" marR="28575" marT="19050" marB="19050" anchor="b">
-                    <a:lnL w="9525" cap="flat" cmpd="sng" algn="ctr">
-                      <a:solidFill>
-                        <a:srgbClr val="CCCCCC"/>
-                      </a:solidFill>
-                      <a:prstDash val="solid"/>
-                      <a:round/>
-                      <a:headEnd type="none" w="med" len="med"/>
-                      <a:tailEnd type="none" w="med" len="med"/>
-                    </a:lnL>
-                    <a:lnR w="9525" cap="flat" cmpd="sng" algn="ctr">
-                      <a:solidFill>
-                        <a:srgbClr val="000000"/>
-                      </a:solidFill>
-                      <a:prstDash val="solid"/>
-                      <a:round/>
-                      <a:headEnd type="none" w="med" len="med"/>
-                      <a:tailEnd type="none" w="med" len="med"/>
-                    </a:lnR>
-                    <a:lnT w="9525" cap="flat" cmpd="sng" algn="ctr">
-                      <a:solidFill>
-                        <a:srgbClr val="CCCCCC"/>
-                      </a:solidFill>
-                      <a:prstDash val="solid"/>
-                      <a:round/>
-                      <a:headEnd type="none" w="med" len="med"/>
-                      <a:tailEnd type="none" w="med" len="med"/>
-                    </a:lnT>
-                    <a:lnB w="9525" cap="flat" cmpd="sng" algn="ctr">
-                      <a:solidFill>
-                        <a:srgbClr val="000000"/>
-                      </a:solidFill>
-                      <a:prstDash val="solid"/>
-                      <a:round/>
-                      <a:headEnd type="none" w="med" len="med"/>
-                      <a:tailEnd type="none" w="med" len="med"/>
-                    </a:lnB>
-                  </a:tcPr>
-                </a:tc>
-                <a:extLst>
-                  <a:ext uri="{0D108BD9-81ED-4DB2-BD59-A6C34878D82A}">
-                    <a16:rowId xmlns:a16="http://schemas.microsoft.com/office/drawing/2014/main" val="3094416502"/>
-                  </a:ext>
-                </a:extLst>
-              </a:tr>
-            </a:tbl>
-          </a:graphicData>
-        </a:graphic>
-      </p:graphicFrame>
-    </p:spTree>
-    <p:extLst>
-      <p:ext uri="{BB962C8B-B14F-4D97-AF65-F5344CB8AC3E}">
-        <p14:creationId xmlns:p14="http://schemas.microsoft.com/office/powerpoint/2010/main" val="4194663501"/>
       </p:ext>
     </p:extLst>
   </p:cSld>

--- a/Documentation/Presentation.pptx
+++ b/Documentation/Presentation.pptx
@@ -4,6 +4,9 @@
   <p:sldMasterIdLst>
     <p:sldMasterId id="2147483648" r:id="rId1"/>
   </p:sldMasterIdLst>
+  <p:notesMasterIdLst>
+    <p:notesMasterId r:id="rId19"/>
+  </p:notesMasterIdLst>
   <p:sldIdLst>
     <p:sldId id="256" r:id="rId2"/>
     <p:sldId id="257" r:id="rId3"/>
@@ -19,8 +22,9 @@
     <p:sldId id="266" r:id="rId13"/>
     <p:sldId id="267" r:id="rId14"/>
     <p:sldId id="268" r:id="rId15"/>
-    <p:sldId id="269" r:id="rId16"/>
-    <p:sldId id="270" r:id="rId17"/>
+    <p:sldId id="272" r:id="rId16"/>
+    <p:sldId id="269" r:id="rId17"/>
+    <p:sldId id="270" r:id="rId18"/>
   </p:sldIdLst>
   <p:sldSz cx="12192000" cy="6858000"/>
   <p:notesSz cx="6858000" cy="9144000"/>
@@ -131,6 +135,356 @@
 <p1510:revInfo xmlns:a="http://schemas.openxmlformats.org/drawingml/2006/main" xmlns:r="http://schemas.openxmlformats.org/officeDocument/2006/relationships" xmlns:p1510="http://schemas.microsoft.com/office/powerpoint/2015/10/main"/>
 </file>
 
+<file path=ppt/notesMasters/notesMaster1.xml><?xml version="1.0" encoding="utf-8"?>
+<p:notesMaster xmlns:a="http://schemas.openxmlformats.org/drawingml/2006/main" xmlns:r="http://schemas.openxmlformats.org/officeDocument/2006/relationships" xmlns:p="http://schemas.openxmlformats.org/presentationml/2006/main">
+  <p:cSld>
+    <p:bg>
+      <p:bgRef idx="1001">
+        <a:schemeClr val="bg1"/>
+      </p:bgRef>
+    </p:bg>
+    <p:spTree>
+      <p:nvGrpSpPr>
+        <p:cNvPr id="1" name=""/>
+        <p:cNvGrpSpPr/>
+        <p:nvPr/>
+      </p:nvGrpSpPr>
+      <p:grpSpPr>
+        <a:xfrm>
+          <a:off x="0" y="0"/>
+          <a:ext cx="0" cy="0"/>
+          <a:chOff x="0" y="0"/>
+          <a:chExt cx="0" cy="0"/>
+        </a:xfrm>
+      </p:grpSpPr>
+      <p:sp>
+        <p:nvSpPr>
+          <p:cNvPr id="2" name="Plassholder for topptekst 1"/>
+          <p:cNvSpPr>
+            <a:spLocks noGrp="1"/>
+          </p:cNvSpPr>
+          <p:nvPr>
+            <p:ph type="hdr" sz="quarter"/>
+          </p:nvPr>
+        </p:nvSpPr>
+        <p:spPr>
+          <a:xfrm>
+            <a:off x="0" y="0"/>
+            <a:ext cx="2971800" cy="458788"/>
+          </a:xfrm>
+          <a:prstGeom prst="rect">
+            <a:avLst/>
+          </a:prstGeom>
+        </p:spPr>
+        <p:txBody>
+          <a:bodyPr vert="horz" lIns="91440" tIns="45720" rIns="91440" bIns="45720" rtlCol="0"/>
+          <a:lstStyle>
+            <a:lvl1pPr algn="l">
+              <a:defRPr sz="1200"/>
+            </a:lvl1pPr>
+          </a:lstStyle>
+          <a:p>
+            <a:endParaRPr lang="nb-NO"/>
+          </a:p>
+        </p:txBody>
+      </p:sp>
+      <p:sp>
+        <p:nvSpPr>
+          <p:cNvPr id="3" name="Plassholder for dato 2"/>
+          <p:cNvSpPr>
+            <a:spLocks noGrp="1"/>
+          </p:cNvSpPr>
+          <p:nvPr>
+            <p:ph type="dt" idx="1"/>
+          </p:nvPr>
+        </p:nvSpPr>
+        <p:spPr>
+          <a:xfrm>
+            <a:off x="3884613" y="0"/>
+            <a:ext cx="2971800" cy="458788"/>
+          </a:xfrm>
+          <a:prstGeom prst="rect">
+            <a:avLst/>
+          </a:prstGeom>
+        </p:spPr>
+        <p:txBody>
+          <a:bodyPr vert="horz" lIns="91440" tIns="45720" rIns="91440" bIns="45720" rtlCol="0"/>
+          <a:lstStyle>
+            <a:lvl1pPr algn="r">
+              <a:defRPr sz="1200"/>
+            </a:lvl1pPr>
+          </a:lstStyle>
+          <a:p>
+            <a:fld id="{04A86478-5479-FE4E-BB09-7028D6F0565C}" type="datetimeFigureOut">
+              <a:rPr lang="nb-NO" smtClean="0"/>
+              <a:t>13.09.2017</a:t>
+            </a:fld>
+            <a:endParaRPr lang="nb-NO"/>
+          </a:p>
+        </p:txBody>
+      </p:sp>
+      <p:sp>
+        <p:nvSpPr>
+          <p:cNvPr id="4" name="Plassholder for lysbilde 3"/>
+          <p:cNvSpPr>
+            <a:spLocks noGrp="1" noRot="1" noChangeAspect="1"/>
+          </p:cNvSpPr>
+          <p:nvPr>
+            <p:ph type="sldImg" idx="2"/>
+          </p:nvPr>
+        </p:nvSpPr>
+        <p:spPr>
+          <a:xfrm>
+            <a:off x="685800" y="1143000"/>
+            <a:ext cx="5486400" cy="3086100"/>
+          </a:xfrm>
+          <a:prstGeom prst="rect">
+            <a:avLst/>
+          </a:prstGeom>
+          <a:noFill/>
+          <a:ln w="12700">
+            <a:solidFill>
+              <a:prstClr val="black"/>
+            </a:solidFill>
+          </a:ln>
+        </p:spPr>
+        <p:txBody>
+          <a:bodyPr vert="horz" lIns="91440" tIns="45720" rIns="91440" bIns="45720" rtlCol="0" anchor="ctr"/>
+          <a:lstStyle/>
+          <a:p>
+            <a:endParaRPr lang="nb-NO"/>
+          </a:p>
+        </p:txBody>
+      </p:sp>
+      <p:sp>
+        <p:nvSpPr>
+          <p:cNvPr id="5" name="Plassholder for notater 4"/>
+          <p:cNvSpPr>
+            <a:spLocks noGrp="1"/>
+          </p:cNvSpPr>
+          <p:nvPr>
+            <p:ph type="body" sz="quarter" idx="3"/>
+          </p:nvPr>
+        </p:nvSpPr>
+        <p:spPr>
+          <a:xfrm>
+            <a:off x="685800" y="4400550"/>
+            <a:ext cx="5486400" cy="3600450"/>
+          </a:xfrm>
+          <a:prstGeom prst="rect">
+            <a:avLst/>
+          </a:prstGeom>
+        </p:spPr>
+        <p:txBody>
+          <a:bodyPr vert="horz" lIns="91440" tIns="45720" rIns="91440" bIns="45720" rtlCol="0"/>
+          <a:lstStyle/>
+          <a:p>
+            <a:pPr lvl="0"/>
+            <a:r>
+              <a:rPr lang="nb-NO" smtClean="0"/>
+              <a:t>Klikk for å redigere tekststiler i malen</a:t>
+            </a:r>
+          </a:p>
+          <a:p>
+            <a:pPr lvl="1"/>
+            <a:r>
+              <a:rPr lang="nb-NO" smtClean="0"/>
+              <a:t>Andre nivå</a:t>
+            </a:r>
+          </a:p>
+          <a:p>
+            <a:pPr lvl="2"/>
+            <a:r>
+              <a:rPr lang="nb-NO" smtClean="0"/>
+              <a:t>Tredje nivå</a:t>
+            </a:r>
+          </a:p>
+          <a:p>
+            <a:pPr lvl="3"/>
+            <a:r>
+              <a:rPr lang="nb-NO" smtClean="0"/>
+              <a:t>Fjerde nivå</a:t>
+            </a:r>
+          </a:p>
+          <a:p>
+            <a:pPr lvl="4"/>
+            <a:r>
+              <a:rPr lang="nb-NO" smtClean="0"/>
+              <a:t>Femte nivå</a:t>
+            </a:r>
+            <a:endParaRPr lang="nb-NO"/>
+          </a:p>
+        </p:txBody>
+      </p:sp>
+      <p:sp>
+        <p:nvSpPr>
+          <p:cNvPr id="6" name="Plassholder for bunntekst 5"/>
+          <p:cNvSpPr>
+            <a:spLocks noGrp="1"/>
+          </p:cNvSpPr>
+          <p:nvPr>
+            <p:ph type="ftr" sz="quarter" idx="4"/>
+          </p:nvPr>
+        </p:nvSpPr>
+        <p:spPr>
+          <a:xfrm>
+            <a:off x="0" y="8685213"/>
+            <a:ext cx="2971800" cy="458787"/>
+          </a:xfrm>
+          <a:prstGeom prst="rect">
+            <a:avLst/>
+          </a:prstGeom>
+        </p:spPr>
+        <p:txBody>
+          <a:bodyPr vert="horz" lIns="91440" tIns="45720" rIns="91440" bIns="45720" rtlCol="0" anchor="b"/>
+          <a:lstStyle>
+            <a:lvl1pPr algn="l">
+              <a:defRPr sz="1200"/>
+            </a:lvl1pPr>
+          </a:lstStyle>
+          <a:p>
+            <a:endParaRPr lang="nb-NO"/>
+          </a:p>
+        </p:txBody>
+      </p:sp>
+      <p:sp>
+        <p:nvSpPr>
+          <p:cNvPr id="7" name="Plassholder for lysbildenummer 6"/>
+          <p:cNvSpPr>
+            <a:spLocks noGrp="1"/>
+          </p:cNvSpPr>
+          <p:nvPr>
+            <p:ph type="sldNum" sz="quarter" idx="5"/>
+          </p:nvPr>
+        </p:nvSpPr>
+        <p:spPr>
+          <a:xfrm>
+            <a:off x="3884613" y="8685213"/>
+            <a:ext cx="2971800" cy="458787"/>
+          </a:xfrm>
+          <a:prstGeom prst="rect">
+            <a:avLst/>
+          </a:prstGeom>
+        </p:spPr>
+        <p:txBody>
+          <a:bodyPr vert="horz" lIns="91440" tIns="45720" rIns="91440" bIns="45720" rtlCol="0" anchor="b"/>
+          <a:lstStyle>
+            <a:lvl1pPr algn="r">
+              <a:defRPr sz="1200"/>
+            </a:lvl1pPr>
+          </a:lstStyle>
+          <a:p>
+            <a:fld id="{6F576233-AD5E-0E4F-8D2D-4B7C55027FA4}" type="slidenum">
+              <a:rPr lang="nb-NO" smtClean="0"/>
+              <a:t>‹#›</a:t>
+            </a:fld>
+            <a:endParaRPr lang="nb-NO"/>
+          </a:p>
+        </p:txBody>
+      </p:sp>
+    </p:spTree>
+    <p:extLst>
+      <p:ext uri="{BB962C8B-B14F-4D97-AF65-F5344CB8AC3E}">
+        <p14:creationId xmlns:p14="http://schemas.microsoft.com/office/powerpoint/2010/main" val="1157972638"/>
+      </p:ext>
+    </p:extLst>
+  </p:cSld>
+  <p:clrMap bg1="lt1" tx1="dk1" bg2="lt2" tx2="dk2" accent1="accent1" accent2="accent2" accent3="accent3" accent4="accent4" accent5="accent5" accent6="accent6" hlink="hlink" folHlink="folHlink"/>
+  <p:notesStyle>
+    <a:lvl1pPr marL="0" algn="l" defTabSz="914400" rtl="0" eaLnBrk="1" latinLnBrk="0" hangingPunct="1">
+      <a:defRPr sz="1200" kern="1200">
+        <a:solidFill>
+          <a:schemeClr val="tx1"/>
+        </a:solidFill>
+        <a:latin typeface="+mn-lt"/>
+        <a:ea typeface="+mn-ea"/>
+        <a:cs typeface="+mn-cs"/>
+      </a:defRPr>
+    </a:lvl1pPr>
+    <a:lvl2pPr marL="457200" algn="l" defTabSz="914400" rtl="0" eaLnBrk="1" latinLnBrk="0" hangingPunct="1">
+      <a:defRPr sz="1200" kern="1200">
+        <a:solidFill>
+          <a:schemeClr val="tx1"/>
+        </a:solidFill>
+        <a:latin typeface="+mn-lt"/>
+        <a:ea typeface="+mn-ea"/>
+        <a:cs typeface="+mn-cs"/>
+      </a:defRPr>
+    </a:lvl2pPr>
+    <a:lvl3pPr marL="914400" algn="l" defTabSz="914400" rtl="0" eaLnBrk="1" latinLnBrk="0" hangingPunct="1">
+      <a:defRPr sz="1200" kern="1200">
+        <a:solidFill>
+          <a:schemeClr val="tx1"/>
+        </a:solidFill>
+        <a:latin typeface="+mn-lt"/>
+        <a:ea typeface="+mn-ea"/>
+        <a:cs typeface="+mn-cs"/>
+      </a:defRPr>
+    </a:lvl3pPr>
+    <a:lvl4pPr marL="1371600" algn="l" defTabSz="914400" rtl="0" eaLnBrk="1" latinLnBrk="0" hangingPunct="1">
+      <a:defRPr sz="1200" kern="1200">
+        <a:solidFill>
+          <a:schemeClr val="tx1"/>
+        </a:solidFill>
+        <a:latin typeface="+mn-lt"/>
+        <a:ea typeface="+mn-ea"/>
+        <a:cs typeface="+mn-cs"/>
+      </a:defRPr>
+    </a:lvl4pPr>
+    <a:lvl5pPr marL="1828800" algn="l" defTabSz="914400" rtl="0" eaLnBrk="1" latinLnBrk="0" hangingPunct="1">
+      <a:defRPr sz="1200" kern="1200">
+        <a:solidFill>
+          <a:schemeClr val="tx1"/>
+        </a:solidFill>
+        <a:latin typeface="+mn-lt"/>
+        <a:ea typeface="+mn-ea"/>
+        <a:cs typeface="+mn-cs"/>
+      </a:defRPr>
+    </a:lvl5pPr>
+    <a:lvl6pPr marL="2286000" algn="l" defTabSz="914400" rtl="0" eaLnBrk="1" latinLnBrk="0" hangingPunct="1">
+      <a:defRPr sz="1200" kern="1200">
+        <a:solidFill>
+          <a:schemeClr val="tx1"/>
+        </a:solidFill>
+        <a:latin typeface="+mn-lt"/>
+        <a:ea typeface="+mn-ea"/>
+        <a:cs typeface="+mn-cs"/>
+      </a:defRPr>
+    </a:lvl6pPr>
+    <a:lvl7pPr marL="2743200" algn="l" defTabSz="914400" rtl="0" eaLnBrk="1" latinLnBrk="0" hangingPunct="1">
+      <a:defRPr sz="1200" kern="1200">
+        <a:solidFill>
+          <a:schemeClr val="tx1"/>
+        </a:solidFill>
+        <a:latin typeface="+mn-lt"/>
+        <a:ea typeface="+mn-ea"/>
+        <a:cs typeface="+mn-cs"/>
+      </a:defRPr>
+    </a:lvl7pPr>
+    <a:lvl8pPr marL="3200400" algn="l" defTabSz="914400" rtl="0" eaLnBrk="1" latinLnBrk="0" hangingPunct="1">
+      <a:defRPr sz="1200" kern="1200">
+        <a:solidFill>
+          <a:schemeClr val="tx1"/>
+        </a:solidFill>
+        <a:latin typeface="+mn-lt"/>
+        <a:ea typeface="+mn-ea"/>
+        <a:cs typeface="+mn-cs"/>
+      </a:defRPr>
+    </a:lvl8pPr>
+    <a:lvl9pPr marL="3657600" algn="l" defTabSz="914400" rtl="0" eaLnBrk="1" latinLnBrk="0" hangingPunct="1">
+      <a:defRPr sz="1200" kern="1200">
+        <a:solidFill>
+          <a:schemeClr val="tx1"/>
+        </a:solidFill>
+        <a:latin typeface="+mn-lt"/>
+        <a:ea typeface="+mn-ea"/>
+        <a:cs typeface="+mn-cs"/>
+      </a:defRPr>
+    </a:lvl9pPr>
+  </p:notesStyle>
+</p:notesMaster>
+</file>
+
 <file path=ppt/slideLayouts/slideLayout1.xml><?xml version="1.0" encoding="utf-8"?>
 <p:sldLayout xmlns:a="http://schemas.openxmlformats.org/drawingml/2006/main" xmlns:r="http://schemas.openxmlformats.org/officeDocument/2006/relationships" xmlns:p="http://schemas.openxmlformats.org/presentationml/2006/main" type="title" preserve="1">
   <p:cSld name="Tittellysbilde">
@@ -153,7 +507,7 @@
           <p:cNvPr id="2" name="Tittel 1">
             <a:extLst>
               <a:ext uri="{FF2B5EF4-FFF2-40B4-BE49-F238E27FC236}">
-                <a16:creationId xmlns:a16="http://schemas.microsoft.com/office/drawing/2014/main" id="{65E04E43-D822-4E3A-9D1A-4FD6079D6F2A}"/>
+                <a16:creationId xmlns:a16="http://schemas.microsoft.com/office/drawing/2014/main" xmlns="" id="{65E04E43-D822-4E3A-9D1A-4FD6079D6F2A}"/>
               </a:ext>
             </a:extLst>
           </p:cNvPr>
@@ -190,7 +544,7 @@
           <p:cNvPr id="3" name="Undertittel 2">
             <a:extLst>
               <a:ext uri="{FF2B5EF4-FFF2-40B4-BE49-F238E27FC236}">
-                <a16:creationId xmlns:a16="http://schemas.microsoft.com/office/drawing/2014/main" id="{184A6A46-6467-42BE-AE47-96795C8CC97D}"/>
+                <a16:creationId xmlns:a16="http://schemas.microsoft.com/office/drawing/2014/main" xmlns="" id="{184A6A46-6467-42BE-AE47-96795C8CC97D}"/>
               </a:ext>
             </a:extLst>
           </p:cNvPr>
@@ -260,7 +614,7 @@
           <p:cNvPr id="4" name="Plassholder for dato 3">
             <a:extLst>
               <a:ext uri="{FF2B5EF4-FFF2-40B4-BE49-F238E27FC236}">
-                <a16:creationId xmlns:a16="http://schemas.microsoft.com/office/drawing/2014/main" id="{98F5850B-53C5-44D6-BAEC-2C353F1DEAED}"/>
+                <a16:creationId xmlns:a16="http://schemas.microsoft.com/office/drawing/2014/main" xmlns="" id="{98F5850B-53C5-44D6-BAEC-2C353F1DEAED}"/>
               </a:ext>
             </a:extLst>
           </p:cNvPr>
@@ -289,7 +643,7 @@
           <p:cNvPr id="5" name="Plassholder for bunntekst 4">
             <a:extLst>
               <a:ext uri="{FF2B5EF4-FFF2-40B4-BE49-F238E27FC236}">
-                <a16:creationId xmlns:a16="http://schemas.microsoft.com/office/drawing/2014/main" id="{EDB1FD40-8F8A-4DEE-A34C-38D7669A259B}"/>
+                <a16:creationId xmlns:a16="http://schemas.microsoft.com/office/drawing/2014/main" xmlns="" id="{EDB1FD40-8F8A-4DEE-A34C-38D7669A259B}"/>
               </a:ext>
             </a:extLst>
           </p:cNvPr>
@@ -314,7 +668,7 @@
           <p:cNvPr id="6" name="Plassholder for lysbildenummer 5">
             <a:extLst>
               <a:ext uri="{FF2B5EF4-FFF2-40B4-BE49-F238E27FC236}">
-                <a16:creationId xmlns:a16="http://schemas.microsoft.com/office/drawing/2014/main" id="{FCEE15FF-5E32-48A6-BF5F-D84C544A139C}"/>
+                <a16:creationId xmlns:a16="http://schemas.microsoft.com/office/drawing/2014/main" xmlns="" id="{FCEE15FF-5E32-48A6-BF5F-D84C544A139C}"/>
               </a:ext>
             </a:extLst>
           </p:cNvPr>
@@ -373,7 +727,7 @@
           <p:cNvPr id="2" name="Tittel 1">
             <a:extLst>
               <a:ext uri="{FF2B5EF4-FFF2-40B4-BE49-F238E27FC236}">
-                <a16:creationId xmlns:a16="http://schemas.microsoft.com/office/drawing/2014/main" id="{5B076658-91A1-48BB-A6B2-C6E43B63BFF8}"/>
+                <a16:creationId xmlns:a16="http://schemas.microsoft.com/office/drawing/2014/main" xmlns="" id="{5B076658-91A1-48BB-A6B2-C6E43B63BFF8}"/>
               </a:ext>
             </a:extLst>
           </p:cNvPr>
@@ -401,7 +755,7 @@
           <p:cNvPr id="3" name="Plassholder for loddrett tekst 2">
             <a:extLst>
               <a:ext uri="{FF2B5EF4-FFF2-40B4-BE49-F238E27FC236}">
-                <a16:creationId xmlns:a16="http://schemas.microsoft.com/office/drawing/2014/main" id="{379FABFA-013A-435A-BF11-1ECCBBA4B7C1}"/>
+                <a16:creationId xmlns:a16="http://schemas.microsoft.com/office/drawing/2014/main" xmlns="" id="{379FABFA-013A-435A-BF11-1ECCBBA4B7C1}"/>
               </a:ext>
             </a:extLst>
           </p:cNvPr>
@@ -458,7 +812,7 @@
           <p:cNvPr id="4" name="Plassholder for dato 3">
             <a:extLst>
               <a:ext uri="{FF2B5EF4-FFF2-40B4-BE49-F238E27FC236}">
-                <a16:creationId xmlns:a16="http://schemas.microsoft.com/office/drawing/2014/main" id="{DDC0F512-3C78-4D87-BEC7-04AE693E969B}"/>
+                <a16:creationId xmlns:a16="http://schemas.microsoft.com/office/drawing/2014/main" xmlns="" id="{DDC0F512-3C78-4D87-BEC7-04AE693E969B}"/>
               </a:ext>
             </a:extLst>
           </p:cNvPr>
@@ -487,7 +841,7 @@
           <p:cNvPr id="5" name="Plassholder for bunntekst 4">
             <a:extLst>
               <a:ext uri="{FF2B5EF4-FFF2-40B4-BE49-F238E27FC236}">
-                <a16:creationId xmlns:a16="http://schemas.microsoft.com/office/drawing/2014/main" id="{3EFD7E47-73AC-43A3-9E3F-659D82192BE4}"/>
+                <a16:creationId xmlns:a16="http://schemas.microsoft.com/office/drawing/2014/main" xmlns="" id="{3EFD7E47-73AC-43A3-9E3F-659D82192BE4}"/>
               </a:ext>
             </a:extLst>
           </p:cNvPr>
@@ -512,7 +866,7 @@
           <p:cNvPr id="6" name="Plassholder for lysbildenummer 5">
             <a:extLst>
               <a:ext uri="{FF2B5EF4-FFF2-40B4-BE49-F238E27FC236}">
-                <a16:creationId xmlns:a16="http://schemas.microsoft.com/office/drawing/2014/main" id="{52DDD6B5-AC29-44F1-9D31-63AA68FF93E6}"/>
+                <a16:creationId xmlns:a16="http://schemas.microsoft.com/office/drawing/2014/main" xmlns="" id="{52DDD6B5-AC29-44F1-9D31-63AA68FF93E6}"/>
               </a:ext>
             </a:extLst>
           </p:cNvPr>
@@ -571,7 +925,7 @@
           <p:cNvPr id="2" name="Loddrett tittel 1">
             <a:extLst>
               <a:ext uri="{FF2B5EF4-FFF2-40B4-BE49-F238E27FC236}">
-                <a16:creationId xmlns:a16="http://schemas.microsoft.com/office/drawing/2014/main" id="{8A968E19-0FDC-434A-8BEF-45B4B79458E0}"/>
+                <a16:creationId xmlns:a16="http://schemas.microsoft.com/office/drawing/2014/main" xmlns="" id="{8A968E19-0FDC-434A-8BEF-45B4B79458E0}"/>
               </a:ext>
             </a:extLst>
           </p:cNvPr>
@@ -604,7 +958,7 @@
           <p:cNvPr id="3" name="Plassholder for loddrett tekst 2">
             <a:extLst>
               <a:ext uri="{FF2B5EF4-FFF2-40B4-BE49-F238E27FC236}">
-                <a16:creationId xmlns:a16="http://schemas.microsoft.com/office/drawing/2014/main" id="{7906DB0A-C275-4E2A-AB62-E57F70BCFBE6}"/>
+                <a16:creationId xmlns:a16="http://schemas.microsoft.com/office/drawing/2014/main" xmlns="" id="{7906DB0A-C275-4E2A-AB62-E57F70BCFBE6}"/>
               </a:ext>
             </a:extLst>
           </p:cNvPr>
@@ -666,7 +1020,7 @@
           <p:cNvPr id="4" name="Plassholder for dato 3">
             <a:extLst>
               <a:ext uri="{FF2B5EF4-FFF2-40B4-BE49-F238E27FC236}">
-                <a16:creationId xmlns:a16="http://schemas.microsoft.com/office/drawing/2014/main" id="{11EB7088-B521-4090-AB97-F9CFBB9B8C77}"/>
+                <a16:creationId xmlns:a16="http://schemas.microsoft.com/office/drawing/2014/main" xmlns="" id="{11EB7088-B521-4090-AB97-F9CFBB9B8C77}"/>
               </a:ext>
             </a:extLst>
           </p:cNvPr>
@@ -695,7 +1049,7 @@
           <p:cNvPr id="5" name="Plassholder for bunntekst 4">
             <a:extLst>
               <a:ext uri="{FF2B5EF4-FFF2-40B4-BE49-F238E27FC236}">
-                <a16:creationId xmlns:a16="http://schemas.microsoft.com/office/drawing/2014/main" id="{EB00F072-362F-4ECF-A8CA-E73A1AF7955B}"/>
+                <a16:creationId xmlns:a16="http://schemas.microsoft.com/office/drawing/2014/main" xmlns="" id="{EB00F072-362F-4ECF-A8CA-E73A1AF7955B}"/>
               </a:ext>
             </a:extLst>
           </p:cNvPr>
@@ -720,7 +1074,7 @@
           <p:cNvPr id="6" name="Plassholder for lysbildenummer 5">
             <a:extLst>
               <a:ext uri="{FF2B5EF4-FFF2-40B4-BE49-F238E27FC236}">
-                <a16:creationId xmlns:a16="http://schemas.microsoft.com/office/drawing/2014/main" id="{44A4F988-D691-4C8E-8E6E-8ADD8D2A7A3F}"/>
+                <a16:creationId xmlns:a16="http://schemas.microsoft.com/office/drawing/2014/main" xmlns="" id="{44A4F988-D691-4C8E-8E6E-8ADD8D2A7A3F}"/>
               </a:ext>
             </a:extLst>
           </p:cNvPr>
@@ -779,7 +1133,7 @@
           <p:cNvPr id="2" name="Tittel 1">
             <a:extLst>
               <a:ext uri="{FF2B5EF4-FFF2-40B4-BE49-F238E27FC236}">
-                <a16:creationId xmlns:a16="http://schemas.microsoft.com/office/drawing/2014/main" id="{AECB0DD9-1124-4881-BC03-7AAEDD5F38F4}"/>
+                <a16:creationId xmlns:a16="http://schemas.microsoft.com/office/drawing/2014/main" xmlns="" id="{AECB0DD9-1124-4881-BC03-7AAEDD5F38F4}"/>
               </a:ext>
             </a:extLst>
           </p:cNvPr>
@@ -807,7 +1161,7 @@
           <p:cNvPr id="3" name="Plassholder for innhold 2">
             <a:extLst>
               <a:ext uri="{FF2B5EF4-FFF2-40B4-BE49-F238E27FC236}">
-                <a16:creationId xmlns:a16="http://schemas.microsoft.com/office/drawing/2014/main" id="{E791F7D3-3FB4-4B05-9FC2-F440DA59438D}"/>
+                <a16:creationId xmlns:a16="http://schemas.microsoft.com/office/drawing/2014/main" xmlns="" id="{E791F7D3-3FB4-4B05-9FC2-F440DA59438D}"/>
               </a:ext>
             </a:extLst>
           </p:cNvPr>
@@ -864,7 +1218,7 @@
           <p:cNvPr id="4" name="Plassholder for dato 3">
             <a:extLst>
               <a:ext uri="{FF2B5EF4-FFF2-40B4-BE49-F238E27FC236}">
-                <a16:creationId xmlns:a16="http://schemas.microsoft.com/office/drawing/2014/main" id="{01C71C5D-8225-48DC-8384-2DDD706CE633}"/>
+                <a16:creationId xmlns:a16="http://schemas.microsoft.com/office/drawing/2014/main" xmlns="" id="{01C71C5D-8225-48DC-8384-2DDD706CE633}"/>
               </a:ext>
             </a:extLst>
           </p:cNvPr>
@@ -893,7 +1247,7 @@
           <p:cNvPr id="5" name="Plassholder for bunntekst 4">
             <a:extLst>
               <a:ext uri="{FF2B5EF4-FFF2-40B4-BE49-F238E27FC236}">
-                <a16:creationId xmlns:a16="http://schemas.microsoft.com/office/drawing/2014/main" id="{BE3CA221-97A9-4040-8DB6-C265EB1E6004}"/>
+                <a16:creationId xmlns:a16="http://schemas.microsoft.com/office/drawing/2014/main" xmlns="" id="{BE3CA221-97A9-4040-8DB6-C265EB1E6004}"/>
               </a:ext>
             </a:extLst>
           </p:cNvPr>
@@ -918,7 +1272,7 @@
           <p:cNvPr id="6" name="Plassholder for lysbildenummer 5">
             <a:extLst>
               <a:ext uri="{FF2B5EF4-FFF2-40B4-BE49-F238E27FC236}">
-                <a16:creationId xmlns:a16="http://schemas.microsoft.com/office/drawing/2014/main" id="{12CEEA93-0C9A-406D-8D64-483911B2878A}"/>
+                <a16:creationId xmlns:a16="http://schemas.microsoft.com/office/drawing/2014/main" xmlns="" id="{12CEEA93-0C9A-406D-8D64-483911B2878A}"/>
               </a:ext>
             </a:extLst>
           </p:cNvPr>
@@ -977,7 +1331,7 @@
           <p:cNvPr id="2" name="Tittel 1">
             <a:extLst>
               <a:ext uri="{FF2B5EF4-FFF2-40B4-BE49-F238E27FC236}">
-                <a16:creationId xmlns:a16="http://schemas.microsoft.com/office/drawing/2014/main" id="{C5AABAF2-15E9-442E-9841-F7A68D563AA7}"/>
+                <a16:creationId xmlns:a16="http://schemas.microsoft.com/office/drawing/2014/main" xmlns="" id="{C5AABAF2-15E9-442E-9841-F7A68D563AA7}"/>
               </a:ext>
             </a:extLst>
           </p:cNvPr>
@@ -1014,7 +1368,7 @@
           <p:cNvPr id="3" name="Plassholder for tekst 2">
             <a:extLst>
               <a:ext uri="{FF2B5EF4-FFF2-40B4-BE49-F238E27FC236}">
-                <a16:creationId xmlns:a16="http://schemas.microsoft.com/office/drawing/2014/main" id="{B1A149C8-9CDD-4D7D-A3B4-AC3B973BC7D9}"/>
+                <a16:creationId xmlns:a16="http://schemas.microsoft.com/office/drawing/2014/main" xmlns="" id="{B1A149C8-9CDD-4D7D-A3B4-AC3B973BC7D9}"/>
               </a:ext>
             </a:extLst>
           </p:cNvPr>
@@ -1139,7 +1493,7 @@
           <p:cNvPr id="4" name="Plassholder for dato 3">
             <a:extLst>
               <a:ext uri="{FF2B5EF4-FFF2-40B4-BE49-F238E27FC236}">
-                <a16:creationId xmlns:a16="http://schemas.microsoft.com/office/drawing/2014/main" id="{DCA5E3A1-DB88-4A0D-AB8F-B32100321C83}"/>
+                <a16:creationId xmlns:a16="http://schemas.microsoft.com/office/drawing/2014/main" xmlns="" id="{DCA5E3A1-DB88-4A0D-AB8F-B32100321C83}"/>
               </a:ext>
             </a:extLst>
           </p:cNvPr>
@@ -1168,7 +1522,7 @@
           <p:cNvPr id="5" name="Plassholder for bunntekst 4">
             <a:extLst>
               <a:ext uri="{FF2B5EF4-FFF2-40B4-BE49-F238E27FC236}">
-                <a16:creationId xmlns:a16="http://schemas.microsoft.com/office/drawing/2014/main" id="{725609FD-BAB5-44C2-8050-875E42AA5479}"/>
+                <a16:creationId xmlns:a16="http://schemas.microsoft.com/office/drawing/2014/main" xmlns="" id="{725609FD-BAB5-44C2-8050-875E42AA5479}"/>
               </a:ext>
             </a:extLst>
           </p:cNvPr>
@@ -1193,7 +1547,7 @@
           <p:cNvPr id="6" name="Plassholder for lysbildenummer 5">
             <a:extLst>
               <a:ext uri="{FF2B5EF4-FFF2-40B4-BE49-F238E27FC236}">
-                <a16:creationId xmlns:a16="http://schemas.microsoft.com/office/drawing/2014/main" id="{53A04E4F-CBF0-4CD5-9000-A6DBA8629FCB}"/>
+                <a16:creationId xmlns:a16="http://schemas.microsoft.com/office/drawing/2014/main" xmlns="" id="{53A04E4F-CBF0-4CD5-9000-A6DBA8629FCB}"/>
               </a:ext>
             </a:extLst>
           </p:cNvPr>
@@ -1252,7 +1606,7 @@
           <p:cNvPr id="2" name="Tittel 1">
             <a:extLst>
               <a:ext uri="{FF2B5EF4-FFF2-40B4-BE49-F238E27FC236}">
-                <a16:creationId xmlns:a16="http://schemas.microsoft.com/office/drawing/2014/main" id="{08400F7F-799F-4FC1-8B0B-9FA147E7027E}"/>
+                <a16:creationId xmlns:a16="http://schemas.microsoft.com/office/drawing/2014/main" xmlns="" id="{08400F7F-799F-4FC1-8B0B-9FA147E7027E}"/>
               </a:ext>
             </a:extLst>
           </p:cNvPr>
@@ -1280,7 +1634,7 @@
           <p:cNvPr id="3" name="Plassholder for innhold 2">
             <a:extLst>
               <a:ext uri="{FF2B5EF4-FFF2-40B4-BE49-F238E27FC236}">
-                <a16:creationId xmlns:a16="http://schemas.microsoft.com/office/drawing/2014/main" id="{7FF14E93-84E3-43F4-97C6-9E254A6449D5}"/>
+                <a16:creationId xmlns:a16="http://schemas.microsoft.com/office/drawing/2014/main" xmlns="" id="{7FF14E93-84E3-43F4-97C6-9E254A6449D5}"/>
               </a:ext>
             </a:extLst>
           </p:cNvPr>
@@ -1342,7 +1696,7 @@
           <p:cNvPr id="4" name="Plassholder for innhold 3">
             <a:extLst>
               <a:ext uri="{FF2B5EF4-FFF2-40B4-BE49-F238E27FC236}">
-                <a16:creationId xmlns:a16="http://schemas.microsoft.com/office/drawing/2014/main" id="{0CFF957E-81E7-4F72-9C32-83F0084868A4}"/>
+                <a16:creationId xmlns:a16="http://schemas.microsoft.com/office/drawing/2014/main" xmlns="" id="{0CFF957E-81E7-4F72-9C32-83F0084868A4}"/>
               </a:ext>
             </a:extLst>
           </p:cNvPr>
@@ -1404,7 +1758,7 @@
           <p:cNvPr id="5" name="Plassholder for dato 4">
             <a:extLst>
               <a:ext uri="{FF2B5EF4-FFF2-40B4-BE49-F238E27FC236}">
-                <a16:creationId xmlns:a16="http://schemas.microsoft.com/office/drawing/2014/main" id="{FED6DC1F-DFA7-4DC1-BE0F-26F6C1145A7A}"/>
+                <a16:creationId xmlns:a16="http://schemas.microsoft.com/office/drawing/2014/main" xmlns="" id="{FED6DC1F-DFA7-4DC1-BE0F-26F6C1145A7A}"/>
               </a:ext>
             </a:extLst>
           </p:cNvPr>
@@ -1433,7 +1787,7 @@
           <p:cNvPr id="6" name="Plassholder for bunntekst 5">
             <a:extLst>
               <a:ext uri="{FF2B5EF4-FFF2-40B4-BE49-F238E27FC236}">
-                <a16:creationId xmlns:a16="http://schemas.microsoft.com/office/drawing/2014/main" id="{BBB7C5EB-9381-4AB2-8580-A4CE4E83678A}"/>
+                <a16:creationId xmlns:a16="http://schemas.microsoft.com/office/drawing/2014/main" xmlns="" id="{BBB7C5EB-9381-4AB2-8580-A4CE4E83678A}"/>
               </a:ext>
             </a:extLst>
           </p:cNvPr>
@@ -1458,7 +1812,7 @@
           <p:cNvPr id="7" name="Plassholder for lysbildenummer 6">
             <a:extLst>
               <a:ext uri="{FF2B5EF4-FFF2-40B4-BE49-F238E27FC236}">
-                <a16:creationId xmlns:a16="http://schemas.microsoft.com/office/drawing/2014/main" id="{4D109D2E-5888-47FA-B791-F5195AEFC005}"/>
+                <a16:creationId xmlns:a16="http://schemas.microsoft.com/office/drawing/2014/main" xmlns="" id="{4D109D2E-5888-47FA-B791-F5195AEFC005}"/>
               </a:ext>
             </a:extLst>
           </p:cNvPr>
@@ -1517,7 +1871,7 @@
           <p:cNvPr id="2" name="Tittel 1">
             <a:extLst>
               <a:ext uri="{FF2B5EF4-FFF2-40B4-BE49-F238E27FC236}">
-                <a16:creationId xmlns:a16="http://schemas.microsoft.com/office/drawing/2014/main" id="{30884925-14FC-4133-9489-CF075FAB25DB}"/>
+                <a16:creationId xmlns:a16="http://schemas.microsoft.com/office/drawing/2014/main" xmlns="" id="{30884925-14FC-4133-9489-CF075FAB25DB}"/>
               </a:ext>
             </a:extLst>
           </p:cNvPr>
@@ -1550,7 +1904,7 @@
           <p:cNvPr id="3" name="Plassholder for tekst 2">
             <a:extLst>
               <a:ext uri="{FF2B5EF4-FFF2-40B4-BE49-F238E27FC236}">
-                <a16:creationId xmlns:a16="http://schemas.microsoft.com/office/drawing/2014/main" id="{43DFF4B9-C8B9-4B2E-82D3-49BD48AAE24E}"/>
+                <a16:creationId xmlns:a16="http://schemas.microsoft.com/office/drawing/2014/main" xmlns="" id="{43DFF4B9-C8B9-4B2E-82D3-49BD48AAE24E}"/>
               </a:ext>
             </a:extLst>
           </p:cNvPr>
@@ -1621,7 +1975,7 @@
           <p:cNvPr id="4" name="Plassholder for innhold 3">
             <a:extLst>
               <a:ext uri="{FF2B5EF4-FFF2-40B4-BE49-F238E27FC236}">
-                <a16:creationId xmlns:a16="http://schemas.microsoft.com/office/drawing/2014/main" id="{8CC25459-8956-4CD4-9249-836511EC9EBF}"/>
+                <a16:creationId xmlns:a16="http://schemas.microsoft.com/office/drawing/2014/main" xmlns="" id="{8CC25459-8956-4CD4-9249-836511EC9EBF}"/>
               </a:ext>
             </a:extLst>
           </p:cNvPr>
@@ -1683,7 +2037,7 @@
           <p:cNvPr id="5" name="Plassholder for tekst 4">
             <a:extLst>
               <a:ext uri="{FF2B5EF4-FFF2-40B4-BE49-F238E27FC236}">
-                <a16:creationId xmlns:a16="http://schemas.microsoft.com/office/drawing/2014/main" id="{675C3DE0-8FF0-4CB4-A8F1-9305FAB61E3D}"/>
+                <a16:creationId xmlns:a16="http://schemas.microsoft.com/office/drawing/2014/main" xmlns="" id="{675C3DE0-8FF0-4CB4-A8F1-9305FAB61E3D}"/>
               </a:ext>
             </a:extLst>
           </p:cNvPr>
@@ -1754,7 +2108,7 @@
           <p:cNvPr id="6" name="Plassholder for innhold 5">
             <a:extLst>
               <a:ext uri="{FF2B5EF4-FFF2-40B4-BE49-F238E27FC236}">
-                <a16:creationId xmlns:a16="http://schemas.microsoft.com/office/drawing/2014/main" id="{A3398535-AE8D-4F5A-B8D1-71B67FA60F40}"/>
+                <a16:creationId xmlns:a16="http://schemas.microsoft.com/office/drawing/2014/main" xmlns="" id="{A3398535-AE8D-4F5A-B8D1-71B67FA60F40}"/>
               </a:ext>
             </a:extLst>
           </p:cNvPr>
@@ -1816,7 +2170,7 @@
           <p:cNvPr id="7" name="Plassholder for dato 6">
             <a:extLst>
               <a:ext uri="{FF2B5EF4-FFF2-40B4-BE49-F238E27FC236}">
-                <a16:creationId xmlns:a16="http://schemas.microsoft.com/office/drawing/2014/main" id="{40235E6B-3B7B-4FBD-861D-434EED10DB35}"/>
+                <a16:creationId xmlns:a16="http://schemas.microsoft.com/office/drawing/2014/main" xmlns="" id="{40235E6B-3B7B-4FBD-861D-434EED10DB35}"/>
               </a:ext>
             </a:extLst>
           </p:cNvPr>
@@ -1845,7 +2199,7 @@
           <p:cNvPr id="8" name="Plassholder for bunntekst 7">
             <a:extLst>
               <a:ext uri="{FF2B5EF4-FFF2-40B4-BE49-F238E27FC236}">
-                <a16:creationId xmlns:a16="http://schemas.microsoft.com/office/drawing/2014/main" id="{EED94F52-9593-4A57-B89D-06E39C570B19}"/>
+                <a16:creationId xmlns:a16="http://schemas.microsoft.com/office/drawing/2014/main" xmlns="" id="{EED94F52-9593-4A57-B89D-06E39C570B19}"/>
               </a:ext>
             </a:extLst>
           </p:cNvPr>
@@ -1870,7 +2224,7 @@
           <p:cNvPr id="9" name="Plassholder for lysbildenummer 8">
             <a:extLst>
               <a:ext uri="{FF2B5EF4-FFF2-40B4-BE49-F238E27FC236}">
-                <a16:creationId xmlns:a16="http://schemas.microsoft.com/office/drawing/2014/main" id="{4822C7E3-D460-432F-A352-3061108B6E0B}"/>
+                <a16:creationId xmlns:a16="http://schemas.microsoft.com/office/drawing/2014/main" xmlns="" id="{4822C7E3-D460-432F-A352-3061108B6E0B}"/>
               </a:ext>
             </a:extLst>
           </p:cNvPr>
@@ -1929,7 +2283,7 @@
           <p:cNvPr id="2" name="Tittel 1">
             <a:extLst>
               <a:ext uri="{FF2B5EF4-FFF2-40B4-BE49-F238E27FC236}">
-                <a16:creationId xmlns:a16="http://schemas.microsoft.com/office/drawing/2014/main" id="{54809704-7025-4D3B-B282-CC03300F0662}"/>
+                <a16:creationId xmlns:a16="http://schemas.microsoft.com/office/drawing/2014/main" xmlns="" id="{54809704-7025-4D3B-B282-CC03300F0662}"/>
               </a:ext>
             </a:extLst>
           </p:cNvPr>
@@ -1957,7 +2311,7 @@
           <p:cNvPr id="3" name="Plassholder for dato 2">
             <a:extLst>
               <a:ext uri="{FF2B5EF4-FFF2-40B4-BE49-F238E27FC236}">
-                <a16:creationId xmlns:a16="http://schemas.microsoft.com/office/drawing/2014/main" id="{606AC31F-059A-44C1-BDE9-B7DD293B8318}"/>
+                <a16:creationId xmlns:a16="http://schemas.microsoft.com/office/drawing/2014/main" xmlns="" id="{606AC31F-059A-44C1-BDE9-B7DD293B8318}"/>
               </a:ext>
             </a:extLst>
           </p:cNvPr>
@@ -1986,7 +2340,7 @@
           <p:cNvPr id="4" name="Plassholder for bunntekst 3">
             <a:extLst>
               <a:ext uri="{FF2B5EF4-FFF2-40B4-BE49-F238E27FC236}">
-                <a16:creationId xmlns:a16="http://schemas.microsoft.com/office/drawing/2014/main" id="{8A5113B9-D811-4FCC-BE2B-8F2B535FE7D8}"/>
+                <a16:creationId xmlns:a16="http://schemas.microsoft.com/office/drawing/2014/main" xmlns="" id="{8A5113B9-D811-4FCC-BE2B-8F2B535FE7D8}"/>
               </a:ext>
             </a:extLst>
           </p:cNvPr>
@@ -2011,7 +2365,7 @@
           <p:cNvPr id="5" name="Plassholder for lysbildenummer 4">
             <a:extLst>
               <a:ext uri="{FF2B5EF4-FFF2-40B4-BE49-F238E27FC236}">
-                <a16:creationId xmlns:a16="http://schemas.microsoft.com/office/drawing/2014/main" id="{1218B215-7DE6-4646-AA0E-559F5F635E92}"/>
+                <a16:creationId xmlns:a16="http://schemas.microsoft.com/office/drawing/2014/main" xmlns="" id="{1218B215-7DE6-4646-AA0E-559F5F635E92}"/>
               </a:ext>
             </a:extLst>
           </p:cNvPr>
@@ -2070,7 +2424,7 @@
           <p:cNvPr id="2" name="Plassholder for dato 1">
             <a:extLst>
               <a:ext uri="{FF2B5EF4-FFF2-40B4-BE49-F238E27FC236}">
-                <a16:creationId xmlns:a16="http://schemas.microsoft.com/office/drawing/2014/main" id="{C826884C-2A6A-4067-B2C7-D8D9BEFCBC22}"/>
+                <a16:creationId xmlns:a16="http://schemas.microsoft.com/office/drawing/2014/main" xmlns="" id="{C826884C-2A6A-4067-B2C7-D8D9BEFCBC22}"/>
               </a:ext>
             </a:extLst>
           </p:cNvPr>
@@ -2099,7 +2453,7 @@
           <p:cNvPr id="3" name="Plassholder for bunntekst 2">
             <a:extLst>
               <a:ext uri="{FF2B5EF4-FFF2-40B4-BE49-F238E27FC236}">
-                <a16:creationId xmlns:a16="http://schemas.microsoft.com/office/drawing/2014/main" id="{4B7EDB32-97CC-4770-B181-6A2617459148}"/>
+                <a16:creationId xmlns:a16="http://schemas.microsoft.com/office/drawing/2014/main" xmlns="" id="{4B7EDB32-97CC-4770-B181-6A2617459148}"/>
               </a:ext>
             </a:extLst>
           </p:cNvPr>
@@ -2124,7 +2478,7 @@
           <p:cNvPr id="4" name="Plassholder for lysbildenummer 3">
             <a:extLst>
               <a:ext uri="{FF2B5EF4-FFF2-40B4-BE49-F238E27FC236}">
-                <a16:creationId xmlns:a16="http://schemas.microsoft.com/office/drawing/2014/main" id="{35FE13D9-172E-4106-ABB0-31864583B579}"/>
+                <a16:creationId xmlns:a16="http://schemas.microsoft.com/office/drawing/2014/main" xmlns="" id="{35FE13D9-172E-4106-ABB0-31864583B579}"/>
               </a:ext>
             </a:extLst>
           </p:cNvPr>
@@ -2183,7 +2537,7 @@
           <p:cNvPr id="2" name="Tittel 1">
             <a:extLst>
               <a:ext uri="{FF2B5EF4-FFF2-40B4-BE49-F238E27FC236}">
-                <a16:creationId xmlns:a16="http://schemas.microsoft.com/office/drawing/2014/main" id="{C8B4D1BF-7380-4DF6-8116-B855F97BA748}"/>
+                <a16:creationId xmlns:a16="http://schemas.microsoft.com/office/drawing/2014/main" xmlns="" id="{C8B4D1BF-7380-4DF6-8116-B855F97BA748}"/>
               </a:ext>
             </a:extLst>
           </p:cNvPr>
@@ -2220,7 +2574,7 @@
           <p:cNvPr id="3" name="Plassholder for innhold 2">
             <a:extLst>
               <a:ext uri="{FF2B5EF4-FFF2-40B4-BE49-F238E27FC236}">
-                <a16:creationId xmlns:a16="http://schemas.microsoft.com/office/drawing/2014/main" id="{2990CA2A-3C34-4214-9405-79538D77158F}"/>
+                <a16:creationId xmlns:a16="http://schemas.microsoft.com/office/drawing/2014/main" xmlns="" id="{2990CA2A-3C34-4214-9405-79538D77158F}"/>
               </a:ext>
             </a:extLst>
           </p:cNvPr>
@@ -2310,7 +2664,7 @@
           <p:cNvPr id="4" name="Plassholder for tekst 3">
             <a:extLst>
               <a:ext uri="{FF2B5EF4-FFF2-40B4-BE49-F238E27FC236}">
-                <a16:creationId xmlns:a16="http://schemas.microsoft.com/office/drawing/2014/main" id="{9C790582-3D1C-4F7C-B7E6-04EE577F78BE}"/>
+                <a16:creationId xmlns:a16="http://schemas.microsoft.com/office/drawing/2014/main" xmlns="" id="{9C790582-3D1C-4F7C-B7E6-04EE577F78BE}"/>
               </a:ext>
             </a:extLst>
           </p:cNvPr>
@@ -2381,7 +2735,7 @@
           <p:cNvPr id="5" name="Plassholder for dato 4">
             <a:extLst>
               <a:ext uri="{FF2B5EF4-FFF2-40B4-BE49-F238E27FC236}">
-                <a16:creationId xmlns:a16="http://schemas.microsoft.com/office/drawing/2014/main" id="{18DC3ABE-760C-4A17-80A1-E12F499FB5E2}"/>
+                <a16:creationId xmlns:a16="http://schemas.microsoft.com/office/drawing/2014/main" xmlns="" id="{18DC3ABE-760C-4A17-80A1-E12F499FB5E2}"/>
               </a:ext>
             </a:extLst>
           </p:cNvPr>
@@ -2410,7 +2764,7 @@
           <p:cNvPr id="6" name="Plassholder for bunntekst 5">
             <a:extLst>
               <a:ext uri="{FF2B5EF4-FFF2-40B4-BE49-F238E27FC236}">
-                <a16:creationId xmlns:a16="http://schemas.microsoft.com/office/drawing/2014/main" id="{B658A9F7-322A-4881-9F74-C90AEB54EC38}"/>
+                <a16:creationId xmlns:a16="http://schemas.microsoft.com/office/drawing/2014/main" xmlns="" id="{B658A9F7-322A-4881-9F74-C90AEB54EC38}"/>
               </a:ext>
             </a:extLst>
           </p:cNvPr>
@@ -2435,7 +2789,7 @@
           <p:cNvPr id="7" name="Plassholder for lysbildenummer 6">
             <a:extLst>
               <a:ext uri="{FF2B5EF4-FFF2-40B4-BE49-F238E27FC236}">
-                <a16:creationId xmlns:a16="http://schemas.microsoft.com/office/drawing/2014/main" id="{37CFAD20-5B63-47A6-9CE6-11F4EC4D0FFA}"/>
+                <a16:creationId xmlns:a16="http://schemas.microsoft.com/office/drawing/2014/main" xmlns="" id="{37CFAD20-5B63-47A6-9CE6-11F4EC4D0FFA}"/>
               </a:ext>
             </a:extLst>
           </p:cNvPr>
@@ -2494,7 +2848,7 @@
           <p:cNvPr id="2" name="Tittel 1">
             <a:extLst>
               <a:ext uri="{FF2B5EF4-FFF2-40B4-BE49-F238E27FC236}">
-                <a16:creationId xmlns:a16="http://schemas.microsoft.com/office/drawing/2014/main" id="{986F46FA-2318-4BA1-91BC-DDB109F9D72B}"/>
+                <a16:creationId xmlns:a16="http://schemas.microsoft.com/office/drawing/2014/main" xmlns="" id="{986F46FA-2318-4BA1-91BC-DDB109F9D72B}"/>
               </a:ext>
             </a:extLst>
           </p:cNvPr>
@@ -2531,7 +2885,7 @@
           <p:cNvPr id="3" name="Plassholder for bilde 2">
             <a:extLst>
               <a:ext uri="{FF2B5EF4-FFF2-40B4-BE49-F238E27FC236}">
-                <a16:creationId xmlns:a16="http://schemas.microsoft.com/office/drawing/2014/main" id="{F6FEC709-6DBD-46C7-80DC-A2D683D4C693}"/>
+                <a16:creationId xmlns:a16="http://schemas.microsoft.com/office/drawing/2014/main" xmlns="" id="{F6FEC709-6DBD-46C7-80DC-A2D683D4C693}"/>
               </a:ext>
             </a:extLst>
           </p:cNvPr>
@@ -2598,7 +2952,7 @@
           <p:cNvPr id="4" name="Plassholder for tekst 3">
             <a:extLst>
               <a:ext uri="{FF2B5EF4-FFF2-40B4-BE49-F238E27FC236}">
-                <a16:creationId xmlns:a16="http://schemas.microsoft.com/office/drawing/2014/main" id="{1F103062-7E21-4AEB-A42A-BD89079C4CF1}"/>
+                <a16:creationId xmlns:a16="http://schemas.microsoft.com/office/drawing/2014/main" xmlns="" id="{1F103062-7E21-4AEB-A42A-BD89079C4CF1}"/>
               </a:ext>
             </a:extLst>
           </p:cNvPr>
@@ -2669,7 +3023,7 @@
           <p:cNvPr id="5" name="Plassholder for dato 4">
             <a:extLst>
               <a:ext uri="{FF2B5EF4-FFF2-40B4-BE49-F238E27FC236}">
-                <a16:creationId xmlns:a16="http://schemas.microsoft.com/office/drawing/2014/main" id="{A7C8BEBD-4051-4FB8-9CD5-3003B836B7F0}"/>
+                <a16:creationId xmlns:a16="http://schemas.microsoft.com/office/drawing/2014/main" xmlns="" id="{A7C8BEBD-4051-4FB8-9CD5-3003B836B7F0}"/>
               </a:ext>
             </a:extLst>
           </p:cNvPr>
@@ -2698,7 +3052,7 @@
           <p:cNvPr id="6" name="Plassholder for bunntekst 5">
             <a:extLst>
               <a:ext uri="{FF2B5EF4-FFF2-40B4-BE49-F238E27FC236}">
-                <a16:creationId xmlns:a16="http://schemas.microsoft.com/office/drawing/2014/main" id="{4489FC30-A787-4EE8-A276-F0AC4FB27447}"/>
+                <a16:creationId xmlns:a16="http://schemas.microsoft.com/office/drawing/2014/main" xmlns="" id="{4489FC30-A787-4EE8-A276-F0AC4FB27447}"/>
               </a:ext>
             </a:extLst>
           </p:cNvPr>
@@ -2723,7 +3077,7 @@
           <p:cNvPr id="7" name="Plassholder for lysbildenummer 6">
             <a:extLst>
               <a:ext uri="{FF2B5EF4-FFF2-40B4-BE49-F238E27FC236}">
-                <a16:creationId xmlns:a16="http://schemas.microsoft.com/office/drawing/2014/main" id="{462EBE77-235D-4B13-A041-2A4EDD7CDC23}"/>
+                <a16:creationId xmlns:a16="http://schemas.microsoft.com/office/drawing/2014/main" xmlns="" id="{462EBE77-235D-4B13-A041-2A4EDD7CDC23}"/>
               </a:ext>
             </a:extLst>
           </p:cNvPr>
@@ -2787,7 +3141,7 @@
           <p:cNvPr id="2" name="Plassholder for tittel 1">
             <a:extLst>
               <a:ext uri="{FF2B5EF4-FFF2-40B4-BE49-F238E27FC236}">
-                <a16:creationId xmlns:a16="http://schemas.microsoft.com/office/drawing/2014/main" id="{7B6CFAE4-A2F0-4164-B138-2E04D708A941}"/>
+                <a16:creationId xmlns:a16="http://schemas.microsoft.com/office/drawing/2014/main" xmlns="" id="{7B6CFAE4-A2F0-4164-B138-2E04D708A941}"/>
               </a:ext>
             </a:extLst>
           </p:cNvPr>
@@ -2825,7 +3179,7 @@
           <p:cNvPr id="3" name="Plassholder for tekst 2">
             <a:extLst>
               <a:ext uri="{FF2B5EF4-FFF2-40B4-BE49-F238E27FC236}">
-                <a16:creationId xmlns:a16="http://schemas.microsoft.com/office/drawing/2014/main" id="{64167EDA-CB53-4A3D-80EC-76A3157EDA98}"/>
+                <a16:creationId xmlns:a16="http://schemas.microsoft.com/office/drawing/2014/main" xmlns="" id="{64167EDA-CB53-4A3D-80EC-76A3157EDA98}"/>
               </a:ext>
             </a:extLst>
           </p:cNvPr>
@@ -2892,7 +3246,7 @@
           <p:cNvPr id="4" name="Plassholder for dato 3">
             <a:extLst>
               <a:ext uri="{FF2B5EF4-FFF2-40B4-BE49-F238E27FC236}">
-                <a16:creationId xmlns:a16="http://schemas.microsoft.com/office/drawing/2014/main" id="{4B90A986-2A8E-4250-855F-51BAD39E7846}"/>
+                <a16:creationId xmlns:a16="http://schemas.microsoft.com/office/drawing/2014/main" xmlns="" id="{4B90A986-2A8E-4250-855F-51BAD39E7846}"/>
               </a:ext>
             </a:extLst>
           </p:cNvPr>
@@ -2939,7 +3293,7 @@
           <p:cNvPr id="5" name="Plassholder for bunntekst 4">
             <a:extLst>
               <a:ext uri="{FF2B5EF4-FFF2-40B4-BE49-F238E27FC236}">
-                <a16:creationId xmlns:a16="http://schemas.microsoft.com/office/drawing/2014/main" id="{C3048C5B-BA14-469B-A5F9-68E079F6DD76}"/>
+                <a16:creationId xmlns:a16="http://schemas.microsoft.com/office/drawing/2014/main" xmlns="" id="{C3048C5B-BA14-469B-A5F9-68E079F6DD76}"/>
               </a:ext>
             </a:extLst>
           </p:cNvPr>
@@ -2982,7 +3336,7 @@
           <p:cNvPr id="6" name="Plassholder for lysbildenummer 5">
             <a:extLst>
               <a:ext uri="{FF2B5EF4-FFF2-40B4-BE49-F238E27FC236}">
-                <a16:creationId xmlns:a16="http://schemas.microsoft.com/office/drawing/2014/main" id="{5516BC5D-337D-40EC-A680-50147B19ABE8}"/>
+                <a16:creationId xmlns:a16="http://schemas.microsoft.com/office/drawing/2014/main" xmlns="" id="{5516BC5D-337D-40EC-A680-50147B19ABE8}"/>
               </a:ext>
             </a:extLst>
           </p:cNvPr>
@@ -3350,7 +3704,7 @@
           <p:cNvPr id="2" name="Tittel 1">
             <a:extLst>
               <a:ext uri="{FF2B5EF4-FFF2-40B4-BE49-F238E27FC236}">
-                <a16:creationId xmlns:a16="http://schemas.microsoft.com/office/drawing/2014/main" id="{3342DE24-9BFA-415C-90F5-0925CFBDFC54}"/>
+                <a16:creationId xmlns:a16="http://schemas.microsoft.com/office/drawing/2014/main" xmlns="" id="{3342DE24-9BFA-415C-90F5-0925CFBDFC54}"/>
               </a:ext>
             </a:extLst>
           </p:cNvPr>
@@ -3385,7 +3739,7 @@
           <p:cNvPr id="3" name="Undertittel 2">
             <a:extLst>
               <a:ext uri="{FF2B5EF4-FFF2-40B4-BE49-F238E27FC236}">
-                <a16:creationId xmlns:a16="http://schemas.microsoft.com/office/drawing/2014/main" id="{B52A3D79-0E0A-4693-B97B-F3F273C2E089}"/>
+                <a16:creationId xmlns:a16="http://schemas.microsoft.com/office/drawing/2014/main" xmlns="" id="{B52A3D79-0E0A-4693-B97B-F3F273C2E089}"/>
               </a:ext>
             </a:extLst>
           </p:cNvPr>
@@ -3426,7 +3780,7 @@
           <p:cNvPr id="4" name="TekstSylinder 3">
             <a:extLst>
               <a:ext uri="{FF2B5EF4-FFF2-40B4-BE49-F238E27FC236}">
-                <a16:creationId xmlns:a16="http://schemas.microsoft.com/office/drawing/2014/main" id="{5B2A14BD-7FD1-42C8-A596-07B927E5EC84}"/>
+                <a16:creationId xmlns:a16="http://schemas.microsoft.com/office/drawing/2014/main" xmlns="" id="{5B2A14BD-7FD1-42C8-A596-07B927E5EC84}"/>
               </a:ext>
             </a:extLst>
           </p:cNvPr>
@@ -3467,7 +3821,7 @@
           <p:cNvPr id="6" name="Rett linje 5">
             <a:extLst>
               <a:ext uri="{FF2B5EF4-FFF2-40B4-BE49-F238E27FC236}">
-                <a16:creationId xmlns:a16="http://schemas.microsoft.com/office/drawing/2014/main" id="{0B2F6945-0782-412F-8470-F97516946AFD}"/>
+                <a16:creationId xmlns:a16="http://schemas.microsoft.com/office/drawing/2014/main" xmlns="" id="{0B2F6945-0782-412F-8470-F97516946AFD}"/>
               </a:ext>
             </a:extLst>
           </p:cNvPr>
@@ -3508,7 +3862,7 @@
           <p:cNvPr id="7" name="TekstSylinder 6">
             <a:extLst>
               <a:ext uri="{FF2B5EF4-FFF2-40B4-BE49-F238E27FC236}">
-                <a16:creationId xmlns:a16="http://schemas.microsoft.com/office/drawing/2014/main" id="{2AFA65E3-1DCF-40B2-AA51-A24689092CE4}"/>
+                <a16:creationId xmlns:a16="http://schemas.microsoft.com/office/drawing/2014/main" xmlns="" id="{2AFA65E3-1DCF-40B2-AA51-A24689092CE4}"/>
               </a:ext>
             </a:extLst>
           </p:cNvPr>
@@ -3577,7 +3931,7 @@
           <p:cNvPr id="8" name="TekstSylinder 7">
             <a:extLst>
               <a:ext uri="{FF2B5EF4-FFF2-40B4-BE49-F238E27FC236}">
-                <a16:creationId xmlns:a16="http://schemas.microsoft.com/office/drawing/2014/main" id="{CB3821C0-F6A2-4967-A399-C2406CF771A7}"/>
+                <a16:creationId xmlns:a16="http://schemas.microsoft.com/office/drawing/2014/main" xmlns="" id="{CB3821C0-F6A2-4967-A399-C2406CF771A7}"/>
               </a:ext>
             </a:extLst>
           </p:cNvPr>
@@ -3678,7 +4032,7 @@
           <p:cNvPr id="2" name="Tittel 1">
             <a:extLst>
               <a:ext uri="{FF2B5EF4-FFF2-40B4-BE49-F238E27FC236}">
-                <a16:creationId xmlns:a16="http://schemas.microsoft.com/office/drawing/2014/main" id="{8B63E6E9-0B18-4E2D-A437-1F7448ECE5B9}"/>
+                <a16:creationId xmlns:a16="http://schemas.microsoft.com/office/drawing/2014/main" xmlns="" id="{8B63E6E9-0B18-4E2D-A437-1F7448ECE5B9}"/>
               </a:ext>
             </a:extLst>
           </p:cNvPr>
@@ -3712,7 +4066,7 @@
           <p:cNvPr id="3" name="Plassholder for innhold 2">
             <a:extLst>
               <a:ext uri="{FF2B5EF4-FFF2-40B4-BE49-F238E27FC236}">
-                <a16:creationId xmlns:a16="http://schemas.microsoft.com/office/drawing/2014/main" id="{CAFFAF17-E482-4DCA-9BA6-82FB3386B736}"/>
+                <a16:creationId xmlns:a16="http://schemas.microsoft.com/office/drawing/2014/main" xmlns="" id="{CAFFAF17-E482-4DCA-9BA6-82FB3386B736}"/>
               </a:ext>
             </a:extLst>
           </p:cNvPr>
@@ -3790,7 +4144,7 @@
           <p:cNvPr id="4" name="Rett linje 3">
             <a:extLst>
               <a:ext uri="{FF2B5EF4-FFF2-40B4-BE49-F238E27FC236}">
-                <a16:creationId xmlns:a16="http://schemas.microsoft.com/office/drawing/2014/main" id="{287E330E-CFE9-4D10-8B28-19CF892A8C83}"/>
+                <a16:creationId xmlns:a16="http://schemas.microsoft.com/office/drawing/2014/main" xmlns="" id="{287E330E-CFE9-4D10-8B28-19CF892A8C83}"/>
               </a:ext>
             </a:extLst>
           </p:cNvPr>
@@ -3831,7 +4185,7 @@
           <p:cNvPr id="8" name="Tabell 7">
             <a:extLst>
               <a:ext uri="{FF2B5EF4-FFF2-40B4-BE49-F238E27FC236}">
-                <a16:creationId xmlns:a16="http://schemas.microsoft.com/office/drawing/2014/main" id="{474B9F2F-F394-449E-B761-7F4940958A71}"/>
+                <a16:creationId xmlns:a16="http://schemas.microsoft.com/office/drawing/2014/main" xmlns="" id="{474B9F2F-F394-449E-B761-7F4940958A71}"/>
               </a:ext>
             </a:extLst>
           </p:cNvPr>
@@ -3858,28 +4212,28 @@
                 <a:gridCol w="952500">
                   <a:extLst>
                     <a:ext uri="{9D8B030D-6E8A-4147-A177-3AD203B41FA5}">
-                      <a16:colId xmlns:a16="http://schemas.microsoft.com/office/drawing/2014/main" val="2868570292"/>
+                      <a16:colId xmlns:a16="http://schemas.microsoft.com/office/drawing/2014/main" xmlns="" val="2868570292"/>
                     </a:ext>
                   </a:extLst>
                 </a:gridCol>
                 <a:gridCol w="1971675">
                   <a:extLst>
                     <a:ext uri="{9D8B030D-6E8A-4147-A177-3AD203B41FA5}">
-                      <a16:colId xmlns:a16="http://schemas.microsoft.com/office/drawing/2014/main" val="170197798"/>
+                      <a16:colId xmlns:a16="http://schemas.microsoft.com/office/drawing/2014/main" xmlns="" val="170197798"/>
                     </a:ext>
                   </a:extLst>
                 </a:gridCol>
                 <a:gridCol w="952500">
                   <a:extLst>
                     <a:ext uri="{9D8B030D-6E8A-4147-A177-3AD203B41FA5}">
-                      <a16:colId xmlns:a16="http://schemas.microsoft.com/office/drawing/2014/main" val="1096283853"/>
+                      <a16:colId xmlns:a16="http://schemas.microsoft.com/office/drawing/2014/main" xmlns="" val="1096283853"/>
                     </a:ext>
                   </a:extLst>
                 </a:gridCol>
                 <a:gridCol w="952500">
                   <a:extLst>
                     <a:ext uri="{9D8B030D-6E8A-4147-A177-3AD203B41FA5}">
-                      <a16:colId xmlns:a16="http://schemas.microsoft.com/office/drawing/2014/main" val="1676152166"/>
+                      <a16:colId xmlns:a16="http://schemas.microsoft.com/office/drawing/2014/main" xmlns="" val="1676152166"/>
                     </a:ext>
                   </a:extLst>
                 </a:gridCol>
@@ -4103,7 +4457,7 @@
                 </a:tc>
                 <a:extLst>
                   <a:ext uri="{0D108BD9-81ED-4DB2-BD59-A6C34878D82A}">
-                    <a16:rowId xmlns:a16="http://schemas.microsoft.com/office/drawing/2014/main" val="3018457811"/>
+                    <a16:rowId xmlns:a16="http://schemas.microsoft.com/office/drawing/2014/main" xmlns="" val="3018457811"/>
                   </a:ext>
                 </a:extLst>
               </a:tr>
@@ -4329,7 +4683,7 @@
                 </a:tc>
                 <a:extLst>
                   <a:ext uri="{0D108BD9-81ED-4DB2-BD59-A6C34878D82A}">
-                    <a16:rowId xmlns:a16="http://schemas.microsoft.com/office/drawing/2014/main" val="1281361339"/>
+                    <a16:rowId xmlns:a16="http://schemas.microsoft.com/office/drawing/2014/main" xmlns="" val="1281361339"/>
                   </a:ext>
                 </a:extLst>
               </a:tr>
@@ -4555,7 +4909,7 @@
                 </a:tc>
                 <a:extLst>
                   <a:ext uri="{0D108BD9-81ED-4DB2-BD59-A6C34878D82A}">
-                    <a16:rowId xmlns:a16="http://schemas.microsoft.com/office/drawing/2014/main" val="303458212"/>
+                    <a16:rowId xmlns:a16="http://schemas.microsoft.com/office/drawing/2014/main" xmlns="" val="303458212"/>
                   </a:ext>
                 </a:extLst>
               </a:tr>
@@ -4781,7 +5135,7 @@
                 </a:tc>
                 <a:extLst>
                   <a:ext uri="{0D108BD9-81ED-4DB2-BD59-A6C34878D82A}">
-                    <a16:rowId xmlns:a16="http://schemas.microsoft.com/office/drawing/2014/main" val="1083347149"/>
+                    <a16:rowId xmlns:a16="http://schemas.microsoft.com/office/drawing/2014/main" xmlns="" val="1083347149"/>
                   </a:ext>
                 </a:extLst>
               </a:tr>
@@ -5004,7 +5358,7 @@
                 </a:tc>
                 <a:extLst>
                   <a:ext uri="{0D108BD9-81ED-4DB2-BD59-A6C34878D82A}">
-                    <a16:rowId xmlns:a16="http://schemas.microsoft.com/office/drawing/2014/main" val="2842498650"/>
+                    <a16:rowId xmlns:a16="http://schemas.microsoft.com/office/drawing/2014/main" xmlns="" val="2842498650"/>
                   </a:ext>
                 </a:extLst>
               </a:tr>
@@ -5227,7 +5581,7 @@
                 </a:tc>
                 <a:extLst>
                   <a:ext uri="{0D108BD9-81ED-4DB2-BD59-A6C34878D82A}">
-                    <a16:rowId xmlns:a16="http://schemas.microsoft.com/office/drawing/2014/main" val="1103082623"/>
+                    <a16:rowId xmlns:a16="http://schemas.microsoft.com/office/drawing/2014/main" xmlns="" val="1103082623"/>
                   </a:ext>
                 </a:extLst>
               </a:tr>
@@ -5450,7 +5804,7 @@
                 </a:tc>
                 <a:extLst>
                   <a:ext uri="{0D108BD9-81ED-4DB2-BD59-A6C34878D82A}">
-                    <a16:rowId xmlns:a16="http://schemas.microsoft.com/office/drawing/2014/main" val="2326715992"/>
+                    <a16:rowId xmlns:a16="http://schemas.microsoft.com/office/drawing/2014/main" xmlns="" val="2326715992"/>
                   </a:ext>
                 </a:extLst>
               </a:tr>
@@ -5673,7 +6027,7 @@
                 </a:tc>
                 <a:extLst>
                   <a:ext uri="{0D108BD9-81ED-4DB2-BD59-A6C34878D82A}">
-                    <a16:rowId xmlns:a16="http://schemas.microsoft.com/office/drawing/2014/main" val="897359163"/>
+                    <a16:rowId xmlns:a16="http://schemas.microsoft.com/office/drawing/2014/main" xmlns="" val="897359163"/>
                   </a:ext>
                 </a:extLst>
               </a:tr>
@@ -5888,7 +6242,7 @@
                 </a:tc>
                 <a:extLst>
                   <a:ext uri="{0D108BD9-81ED-4DB2-BD59-A6C34878D82A}">
-                    <a16:rowId xmlns:a16="http://schemas.microsoft.com/office/drawing/2014/main" val="3094416502"/>
+                    <a16:rowId xmlns:a16="http://schemas.microsoft.com/office/drawing/2014/main" xmlns="" val="3094416502"/>
                   </a:ext>
                 </a:extLst>
               </a:tr>
@@ -5931,7 +6285,7 @@
           <p:cNvPr id="2" name="Tittel 1">
             <a:extLst>
               <a:ext uri="{FF2B5EF4-FFF2-40B4-BE49-F238E27FC236}">
-                <a16:creationId xmlns:a16="http://schemas.microsoft.com/office/drawing/2014/main" id="{8B63E6E9-0B18-4E2D-A437-1F7448ECE5B9}"/>
+                <a16:creationId xmlns:a16="http://schemas.microsoft.com/office/drawing/2014/main" xmlns="" id="{8B63E6E9-0B18-4E2D-A437-1F7448ECE5B9}"/>
               </a:ext>
             </a:extLst>
           </p:cNvPr>
@@ -5965,7 +6319,7 @@
           <p:cNvPr id="3" name="Plassholder for innhold 2">
             <a:extLst>
               <a:ext uri="{FF2B5EF4-FFF2-40B4-BE49-F238E27FC236}">
-                <a16:creationId xmlns:a16="http://schemas.microsoft.com/office/drawing/2014/main" id="{CAFFAF17-E482-4DCA-9BA6-82FB3386B736}"/>
+                <a16:creationId xmlns:a16="http://schemas.microsoft.com/office/drawing/2014/main" xmlns="" id="{CAFFAF17-E482-4DCA-9BA6-82FB3386B736}"/>
               </a:ext>
             </a:extLst>
           </p:cNvPr>
@@ -6005,7 +6359,7 @@
           <p:cNvPr id="4" name="Rett linje 3">
             <a:extLst>
               <a:ext uri="{FF2B5EF4-FFF2-40B4-BE49-F238E27FC236}">
-                <a16:creationId xmlns:a16="http://schemas.microsoft.com/office/drawing/2014/main" id="{287E330E-CFE9-4D10-8B28-19CF892A8C83}"/>
+                <a16:creationId xmlns:a16="http://schemas.microsoft.com/office/drawing/2014/main" xmlns="" id="{287E330E-CFE9-4D10-8B28-19CF892A8C83}"/>
               </a:ext>
             </a:extLst>
           </p:cNvPr>
@@ -6046,7 +6400,7 @@
           <p:cNvPr id="6" name="Tabell 5">
             <a:extLst>
               <a:ext uri="{FF2B5EF4-FFF2-40B4-BE49-F238E27FC236}">
-                <a16:creationId xmlns:a16="http://schemas.microsoft.com/office/drawing/2014/main" id="{FCA0F356-1E46-400B-8887-0E0AAED1CB00}"/>
+                <a16:creationId xmlns:a16="http://schemas.microsoft.com/office/drawing/2014/main" xmlns="" id="{FCA0F356-1E46-400B-8887-0E0AAED1CB00}"/>
               </a:ext>
             </a:extLst>
           </p:cNvPr>
@@ -6073,28 +6427,28 @@
                 <a:gridCol w="952500">
                   <a:extLst>
                     <a:ext uri="{9D8B030D-6E8A-4147-A177-3AD203B41FA5}">
-                      <a16:colId xmlns:a16="http://schemas.microsoft.com/office/drawing/2014/main" val="2278551448"/>
+                      <a16:colId xmlns:a16="http://schemas.microsoft.com/office/drawing/2014/main" xmlns="" val="2278551448"/>
                     </a:ext>
                   </a:extLst>
                 </a:gridCol>
                 <a:gridCol w="1971675">
                   <a:extLst>
                     <a:ext uri="{9D8B030D-6E8A-4147-A177-3AD203B41FA5}">
-                      <a16:colId xmlns:a16="http://schemas.microsoft.com/office/drawing/2014/main" val="3348160202"/>
+                      <a16:colId xmlns:a16="http://schemas.microsoft.com/office/drawing/2014/main" xmlns="" val="3348160202"/>
                     </a:ext>
                   </a:extLst>
                 </a:gridCol>
                 <a:gridCol w="952500">
                   <a:extLst>
                     <a:ext uri="{9D8B030D-6E8A-4147-A177-3AD203B41FA5}">
-                      <a16:colId xmlns:a16="http://schemas.microsoft.com/office/drawing/2014/main" val="2833487220"/>
+                      <a16:colId xmlns:a16="http://schemas.microsoft.com/office/drawing/2014/main" xmlns="" val="2833487220"/>
                     </a:ext>
                   </a:extLst>
                 </a:gridCol>
                 <a:gridCol w="952500">
                   <a:extLst>
                     <a:ext uri="{9D8B030D-6E8A-4147-A177-3AD203B41FA5}">
-                      <a16:colId xmlns:a16="http://schemas.microsoft.com/office/drawing/2014/main" val="2411898287"/>
+                      <a16:colId xmlns:a16="http://schemas.microsoft.com/office/drawing/2014/main" xmlns="" val="2411898287"/>
                     </a:ext>
                   </a:extLst>
                 </a:gridCol>
@@ -6318,7 +6672,7 @@
                 </a:tc>
                 <a:extLst>
                   <a:ext uri="{0D108BD9-81ED-4DB2-BD59-A6C34878D82A}">
-                    <a16:rowId xmlns:a16="http://schemas.microsoft.com/office/drawing/2014/main" val="2694945206"/>
+                    <a16:rowId xmlns:a16="http://schemas.microsoft.com/office/drawing/2014/main" xmlns="" val="2694945206"/>
                   </a:ext>
                 </a:extLst>
               </a:tr>
@@ -6544,7 +6898,7 @@
                 </a:tc>
                 <a:extLst>
                   <a:ext uri="{0D108BD9-81ED-4DB2-BD59-A6C34878D82A}">
-                    <a16:rowId xmlns:a16="http://schemas.microsoft.com/office/drawing/2014/main" val="374755202"/>
+                    <a16:rowId xmlns:a16="http://schemas.microsoft.com/office/drawing/2014/main" xmlns="" val="374755202"/>
                   </a:ext>
                 </a:extLst>
               </a:tr>
@@ -6767,7 +7121,7 @@
                 </a:tc>
                 <a:extLst>
                   <a:ext uri="{0D108BD9-81ED-4DB2-BD59-A6C34878D82A}">
-                    <a16:rowId xmlns:a16="http://schemas.microsoft.com/office/drawing/2014/main" val="3053262217"/>
+                    <a16:rowId xmlns:a16="http://schemas.microsoft.com/office/drawing/2014/main" xmlns="" val="3053262217"/>
                   </a:ext>
                 </a:extLst>
               </a:tr>
@@ -6990,7 +7344,7 @@
                 </a:tc>
                 <a:extLst>
                   <a:ext uri="{0D108BD9-81ED-4DB2-BD59-A6C34878D82A}">
-                    <a16:rowId xmlns:a16="http://schemas.microsoft.com/office/drawing/2014/main" val="3225059687"/>
+                    <a16:rowId xmlns:a16="http://schemas.microsoft.com/office/drawing/2014/main" xmlns="" val="3225059687"/>
                   </a:ext>
                 </a:extLst>
               </a:tr>
@@ -7213,7 +7567,7 @@
                 </a:tc>
                 <a:extLst>
                   <a:ext uri="{0D108BD9-81ED-4DB2-BD59-A6C34878D82A}">
-                    <a16:rowId xmlns:a16="http://schemas.microsoft.com/office/drawing/2014/main" val="1980769087"/>
+                    <a16:rowId xmlns:a16="http://schemas.microsoft.com/office/drawing/2014/main" xmlns="" val="1980769087"/>
                   </a:ext>
                 </a:extLst>
               </a:tr>
@@ -7436,7 +7790,7 @@
                 </a:tc>
                 <a:extLst>
                   <a:ext uri="{0D108BD9-81ED-4DB2-BD59-A6C34878D82A}">
-                    <a16:rowId xmlns:a16="http://schemas.microsoft.com/office/drawing/2014/main" val="1009844658"/>
+                    <a16:rowId xmlns:a16="http://schemas.microsoft.com/office/drawing/2014/main" xmlns="" val="1009844658"/>
                   </a:ext>
                 </a:extLst>
               </a:tr>
@@ -7651,7 +8005,7 @@
                 </a:tc>
                 <a:extLst>
                   <a:ext uri="{0D108BD9-81ED-4DB2-BD59-A6C34878D82A}">
-                    <a16:rowId xmlns:a16="http://schemas.microsoft.com/office/drawing/2014/main" val="1376546797"/>
+                    <a16:rowId xmlns:a16="http://schemas.microsoft.com/office/drawing/2014/main" xmlns="" val="1376546797"/>
                   </a:ext>
                 </a:extLst>
               </a:tr>
@@ -7694,7 +8048,7 @@
           <p:cNvPr id="2" name="Tittel 1">
             <a:extLst>
               <a:ext uri="{FF2B5EF4-FFF2-40B4-BE49-F238E27FC236}">
-                <a16:creationId xmlns:a16="http://schemas.microsoft.com/office/drawing/2014/main" id="{8B63E6E9-0B18-4E2D-A437-1F7448ECE5B9}"/>
+                <a16:creationId xmlns:a16="http://schemas.microsoft.com/office/drawing/2014/main" xmlns="" id="{8B63E6E9-0B18-4E2D-A437-1F7448ECE5B9}"/>
               </a:ext>
             </a:extLst>
           </p:cNvPr>
@@ -7728,7 +8082,7 @@
           <p:cNvPr id="3" name="Plassholder for innhold 2">
             <a:extLst>
               <a:ext uri="{FF2B5EF4-FFF2-40B4-BE49-F238E27FC236}">
-                <a16:creationId xmlns:a16="http://schemas.microsoft.com/office/drawing/2014/main" id="{CAFFAF17-E482-4DCA-9BA6-82FB3386B736}"/>
+                <a16:creationId xmlns:a16="http://schemas.microsoft.com/office/drawing/2014/main" xmlns="" id="{CAFFAF17-E482-4DCA-9BA6-82FB3386B736}"/>
               </a:ext>
             </a:extLst>
           </p:cNvPr>
@@ -7787,7 +8141,7 @@
           <p:cNvPr id="4" name="Rett linje 3">
             <a:extLst>
               <a:ext uri="{FF2B5EF4-FFF2-40B4-BE49-F238E27FC236}">
-                <a16:creationId xmlns:a16="http://schemas.microsoft.com/office/drawing/2014/main" id="{287E330E-CFE9-4D10-8B28-19CF892A8C83}"/>
+                <a16:creationId xmlns:a16="http://schemas.microsoft.com/office/drawing/2014/main" xmlns="" id="{287E330E-CFE9-4D10-8B28-19CF892A8C83}"/>
               </a:ext>
             </a:extLst>
           </p:cNvPr>
@@ -7828,7 +8182,7 @@
           <p:cNvPr id="6" name="Tabell 5">
             <a:extLst>
               <a:ext uri="{FF2B5EF4-FFF2-40B4-BE49-F238E27FC236}">
-                <a16:creationId xmlns:a16="http://schemas.microsoft.com/office/drawing/2014/main" id="{A9E0F5EB-B430-45A6-B70B-CC39BB1461E5}"/>
+                <a16:creationId xmlns:a16="http://schemas.microsoft.com/office/drawing/2014/main" xmlns="" id="{A9E0F5EB-B430-45A6-B70B-CC39BB1461E5}"/>
               </a:ext>
             </a:extLst>
           </p:cNvPr>
@@ -7855,28 +8209,28 @@
                 <a:gridCol w="952500">
                   <a:extLst>
                     <a:ext uri="{9D8B030D-6E8A-4147-A177-3AD203B41FA5}">
-                      <a16:colId xmlns:a16="http://schemas.microsoft.com/office/drawing/2014/main" val="2338442054"/>
+                      <a16:colId xmlns:a16="http://schemas.microsoft.com/office/drawing/2014/main" xmlns="" val="2338442054"/>
                     </a:ext>
                   </a:extLst>
                 </a:gridCol>
                 <a:gridCol w="1971675">
                   <a:extLst>
                     <a:ext uri="{9D8B030D-6E8A-4147-A177-3AD203B41FA5}">
-                      <a16:colId xmlns:a16="http://schemas.microsoft.com/office/drawing/2014/main" val="790729723"/>
+                      <a16:colId xmlns:a16="http://schemas.microsoft.com/office/drawing/2014/main" xmlns="" val="790729723"/>
                     </a:ext>
                   </a:extLst>
                 </a:gridCol>
                 <a:gridCol w="952500">
                   <a:extLst>
                     <a:ext uri="{9D8B030D-6E8A-4147-A177-3AD203B41FA5}">
-                      <a16:colId xmlns:a16="http://schemas.microsoft.com/office/drawing/2014/main" val="1918720503"/>
+                      <a16:colId xmlns:a16="http://schemas.microsoft.com/office/drawing/2014/main" xmlns="" val="1918720503"/>
                     </a:ext>
                   </a:extLst>
                 </a:gridCol>
                 <a:gridCol w="952500">
                   <a:extLst>
                     <a:ext uri="{9D8B030D-6E8A-4147-A177-3AD203B41FA5}">
-                      <a16:colId xmlns:a16="http://schemas.microsoft.com/office/drawing/2014/main" val="322517161"/>
+                      <a16:colId xmlns:a16="http://schemas.microsoft.com/office/drawing/2014/main" xmlns="" val="322517161"/>
                     </a:ext>
                   </a:extLst>
                 </a:gridCol>
@@ -8100,7 +8454,7 @@
                 </a:tc>
                 <a:extLst>
                   <a:ext uri="{0D108BD9-81ED-4DB2-BD59-A6C34878D82A}">
-                    <a16:rowId xmlns:a16="http://schemas.microsoft.com/office/drawing/2014/main" val="2614197844"/>
+                    <a16:rowId xmlns:a16="http://schemas.microsoft.com/office/drawing/2014/main" xmlns="" val="2614197844"/>
                   </a:ext>
                 </a:extLst>
               </a:tr>
@@ -8323,7 +8677,7 @@
                 </a:tc>
                 <a:extLst>
                   <a:ext uri="{0D108BD9-81ED-4DB2-BD59-A6C34878D82A}">
-                    <a16:rowId xmlns:a16="http://schemas.microsoft.com/office/drawing/2014/main" val="983838592"/>
+                    <a16:rowId xmlns:a16="http://schemas.microsoft.com/office/drawing/2014/main" xmlns="" val="983838592"/>
                   </a:ext>
                 </a:extLst>
               </a:tr>
@@ -8546,7 +8900,7 @@
                 </a:tc>
                 <a:extLst>
                   <a:ext uri="{0D108BD9-81ED-4DB2-BD59-A6C34878D82A}">
-                    <a16:rowId xmlns:a16="http://schemas.microsoft.com/office/drawing/2014/main" val="3253911212"/>
+                    <a16:rowId xmlns:a16="http://schemas.microsoft.com/office/drawing/2014/main" xmlns="" val="3253911212"/>
                   </a:ext>
                 </a:extLst>
               </a:tr>
@@ -8769,7 +9123,7 @@
                 </a:tc>
                 <a:extLst>
                   <a:ext uri="{0D108BD9-81ED-4DB2-BD59-A6C34878D82A}">
-                    <a16:rowId xmlns:a16="http://schemas.microsoft.com/office/drawing/2014/main" val="2007757984"/>
+                    <a16:rowId xmlns:a16="http://schemas.microsoft.com/office/drawing/2014/main" xmlns="" val="2007757984"/>
                   </a:ext>
                 </a:extLst>
               </a:tr>
@@ -8992,7 +9346,7 @@
                 </a:tc>
                 <a:extLst>
                   <a:ext uri="{0D108BD9-81ED-4DB2-BD59-A6C34878D82A}">
-                    <a16:rowId xmlns:a16="http://schemas.microsoft.com/office/drawing/2014/main" val="3867600205"/>
+                    <a16:rowId xmlns:a16="http://schemas.microsoft.com/office/drawing/2014/main" xmlns="" val="3867600205"/>
                   </a:ext>
                 </a:extLst>
               </a:tr>
@@ -9207,7 +9561,7 @@
                 </a:tc>
                 <a:extLst>
                   <a:ext uri="{0D108BD9-81ED-4DB2-BD59-A6C34878D82A}">
-                    <a16:rowId xmlns:a16="http://schemas.microsoft.com/office/drawing/2014/main" val="446721787"/>
+                    <a16:rowId xmlns:a16="http://schemas.microsoft.com/office/drawing/2014/main" xmlns="" val="446721787"/>
                   </a:ext>
                 </a:extLst>
               </a:tr>
@@ -9250,7 +9604,7 @@
           <p:cNvPr id="2" name="Tittel 1">
             <a:extLst>
               <a:ext uri="{FF2B5EF4-FFF2-40B4-BE49-F238E27FC236}">
-                <a16:creationId xmlns:a16="http://schemas.microsoft.com/office/drawing/2014/main" id="{8B63E6E9-0B18-4E2D-A437-1F7448ECE5B9}"/>
+                <a16:creationId xmlns:a16="http://schemas.microsoft.com/office/drawing/2014/main" xmlns="" id="{8B63E6E9-0B18-4E2D-A437-1F7448ECE5B9}"/>
               </a:ext>
             </a:extLst>
           </p:cNvPr>
@@ -9284,7 +9638,7 @@
           <p:cNvPr id="3" name="Plassholder for innhold 2">
             <a:extLst>
               <a:ext uri="{FF2B5EF4-FFF2-40B4-BE49-F238E27FC236}">
-                <a16:creationId xmlns:a16="http://schemas.microsoft.com/office/drawing/2014/main" id="{CAFFAF17-E482-4DCA-9BA6-82FB3386B736}"/>
+                <a16:creationId xmlns:a16="http://schemas.microsoft.com/office/drawing/2014/main" xmlns="" id="{CAFFAF17-E482-4DCA-9BA6-82FB3386B736}"/>
               </a:ext>
             </a:extLst>
           </p:cNvPr>
@@ -9351,7 +9705,7 @@
           <p:cNvPr id="4" name="Rett linje 3">
             <a:extLst>
               <a:ext uri="{FF2B5EF4-FFF2-40B4-BE49-F238E27FC236}">
-                <a16:creationId xmlns:a16="http://schemas.microsoft.com/office/drawing/2014/main" id="{287E330E-CFE9-4D10-8B28-19CF892A8C83}"/>
+                <a16:creationId xmlns:a16="http://schemas.microsoft.com/office/drawing/2014/main" xmlns="" id="{287E330E-CFE9-4D10-8B28-19CF892A8C83}"/>
               </a:ext>
             </a:extLst>
           </p:cNvPr>
@@ -9392,7 +9746,7 @@
           <p:cNvPr id="6" name="Tabell 5">
             <a:extLst>
               <a:ext uri="{FF2B5EF4-FFF2-40B4-BE49-F238E27FC236}">
-                <a16:creationId xmlns:a16="http://schemas.microsoft.com/office/drawing/2014/main" id="{605788A2-798A-4BE8-9AA5-EC1A1731A368}"/>
+                <a16:creationId xmlns:a16="http://schemas.microsoft.com/office/drawing/2014/main" xmlns="" id="{605788A2-798A-4BE8-9AA5-EC1A1731A368}"/>
               </a:ext>
             </a:extLst>
           </p:cNvPr>
@@ -9419,28 +9773,28 @@
                 <a:gridCol w="952500">
                   <a:extLst>
                     <a:ext uri="{9D8B030D-6E8A-4147-A177-3AD203B41FA5}">
-                      <a16:colId xmlns:a16="http://schemas.microsoft.com/office/drawing/2014/main" val="1440381944"/>
+                      <a16:colId xmlns:a16="http://schemas.microsoft.com/office/drawing/2014/main" xmlns="" val="1440381944"/>
                     </a:ext>
                   </a:extLst>
                 </a:gridCol>
                 <a:gridCol w="1971675">
                   <a:extLst>
                     <a:ext uri="{9D8B030D-6E8A-4147-A177-3AD203B41FA5}">
-                      <a16:colId xmlns:a16="http://schemas.microsoft.com/office/drawing/2014/main" val="3650635909"/>
+                      <a16:colId xmlns:a16="http://schemas.microsoft.com/office/drawing/2014/main" xmlns="" val="3650635909"/>
                     </a:ext>
                   </a:extLst>
                 </a:gridCol>
                 <a:gridCol w="952500">
                   <a:extLst>
                     <a:ext uri="{9D8B030D-6E8A-4147-A177-3AD203B41FA5}">
-                      <a16:colId xmlns:a16="http://schemas.microsoft.com/office/drawing/2014/main" val="3111880008"/>
+                      <a16:colId xmlns:a16="http://schemas.microsoft.com/office/drawing/2014/main" xmlns="" val="3111880008"/>
                     </a:ext>
                   </a:extLst>
                 </a:gridCol>
                 <a:gridCol w="952500">
                   <a:extLst>
                     <a:ext uri="{9D8B030D-6E8A-4147-A177-3AD203B41FA5}">
-                      <a16:colId xmlns:a16="http://schemas.microsoft.com/office/drawing/2014/main" val="3443992274"/>
+                      <a16:colId xmlns:a16="http://schemas.microsoft.com/office/drawing/2014/main" xmlns="" val="3443992274"/>
                     </a:ext>
                   </a:extLst>
                 </a:gridCol>
@@ -9664,7 +10018,7 @@
                 </a:tc>
                 <a:extLst>
                   <a:ext uri="{0D108BD9-81ED-4DB2-BD59-A6C34878D82A}">
-                    <a16:rowId xmlns:a16="http://schemas.microsoft.com/office/drawing/2014/main" val="2967043804"/>
+                    <a16:rowId xmlns:a16="http://schemas.microsoft.com/office/drawing/2014/main" xmlns="" val="2967043804"/>
                   </a:ext>
                 </a:extLst>
               </a:tr>
@@ -9887,7 +10241,7 @@
                 </a:tc>
                 <a:extLst>
                   <a:ext uri="{0D108BD9-81ED-4DB2-BD59-A6C34878D82A}">
-                    <a16:rowId xmlns:a16="http://schemas.microsoft.com/office/drawing/2014/main" val="3766021577"/>
+                    <a16:rowId xmlns:a16="http://schemas.microsoft.com/office/drawing/2014/main" xmlns="" val="3766021577"/>
                   </a:ext>
                 </a:extLst>
               </a:tr>
@@ -10110,7 +10464,7 @@
                 </a:tc>
                 <a:extLst>
                   <a:ext uri="{0D108BD9-81ED-4DB2-BD59-A6C34878D82A}">
-                    <a16:rowId xmlns:a16="http://schemas.microsoft.com/office/drawing/2014/main" val="1399951700"/>
+                    <a16:rowId xmlns:a16="http://schemas.microsoft.com/office/drawing/2014/main" xmlns="" val="1399951700"/>
                   </a:ext>
                 </a:extLst>
               </a:tr>
@@ -10333,7 +10687,7 @@
                 </a:tc>
                 <a:extLst>
                   <a:ext uri="{0D108BD9-81ED-4DB2-BD59-A6C34878D82A}">
-                    <a16:rowId xmlns:a16="http://schemas.microsoft.com/office/drawing/2014/main" val="4062247041"/>
+                    <a16:rowId xmlns:a16="http://schemas.microsoft.com/office/drawing/2014/main" xmlns="" val="4062247041"/>
                   </a:ext>
                 </a:extLst>
               </a:tr>
@@ -10556,7 +10910,7 @@
                 </a:tc>
                 <a:extLst>
                   <a:ext uri="{0D108BD9-81ED-4DB2-BD59-A6C34878D82A}">
-                    <a16:rowId xmlns:a16="http://schemas.microsoft.com/office/drawing/2014/main" val="256636957"/>
+                    <a16:rowId xmlns:a16="http://schemas.microsoft.com/office/drawing/2014/main" xmlns="" val="256636957"/>
                   </a:ext>
                 </a:extLst>
               </a:tr>
@@ -10779,7 +11133,7 @@
                 </a:tc>
                 <a:extLst>
                   <a:ext uri="{0D108BD9-81ED-4DB2-BD59-A6C34878D82A}">
-                    <a16:rowId xmlns:a16="http://schemas.microsoft.com/office/drawing/2014/main" val="1777264386"/>
+                    <a16:rowId xmlns:a16="http://schemas.microsoft.com/office/drawing/2014/main" xmlns="" val="1777264386"/>
                   </a:ext>
                 </a:extLst>
               </a:tr>
@@ -10994,7 +11348,7 @@
                 </a:tc>
                 <a:extLst>
                   <a:ext uri="{0D108BD9-81ED-4DB2-BD59-A6C34878D82A}">
-                    <a16:rowId xmlns:a16="http://schemas.microsoft.com/office/drawing/2014/main" val="2339621088"/>
+                    <a16:rowId xmlns:a16="http://schemas.microsoft.com/office/drawing/2014/main" xmlns="" val="2339621088"/>
                   </a:ext>
                 </a:extLst>
               </a:tr>
@@ -11037,7 +11391,7 @@
           <p:cNvPr id="2" name="Tittel 1">
             <a:extLst>
               <a:ext uri="{FF2B5EF4-FFF2-40B4-BE49-F238E27FC236}">
-                <a16:creationId xmlns:a16="http://schemas.microsoft.com/office/drawing/2014/main" id="{8B63E6E9-0B18-4E2D-A437-1F7448ECE5B9}"/>
+                <a16:creationId xmlns:a16="http://schemas.microsoft.com/office/drawing/2014/main" xmlns="" id="{8B63E6E9-0B18-4E2D-A437-1F7448ECE5B9}"/>
               </a:ext>
             </a:extLst>
           </p:cNvPr>
@@ -11071,7 +11425,7 @@
           <p:cNvPr id="4" name="Rett linje 3">
             <a:extLst>
               <a:ext uri="{FF2B5EF4-FFF2-40B4-BE49-F238E27FC236}">
-                <a16:creationId xmlns:a16="http://schemas.microsoft.com/office/drawing/2014/main" id="{287E330E-CFE9-4D10-8B28-19CF892A8C83}"/>
+                <a16:creationId xmlns:a16="http://schemas.microsoft.com/office/drawing/2014/main" xmlns="" id="{287E330E-CFE9-4D10-8B28-19CF892A8C83}"/>
               </a:ext>
             </a:extLst>
           </p:cNvPr>
@@ -11112,7 +11466,7 @@
           <p:cNvPr id="8" name="Plassholder for innhold 7">
             <a:extLst>
               <a:ext uri="{FF2B5EF4-FFF2-40B4-BE49-F238E27FC236}">
-                <a16:creationId xmlns:a16="http://schemas.microsoft.com/office/drawing/2014/main" id="{23087E6D-69E1-4034-AE94-2D8426330AA6}"/>
+                <a16:creationId xmlns:a16="http://schemas.microsoft.com/office/drawing/2014/main" xmlns="" id="{23087E6D-69E1-4034-AE94-2D8426330AA6}"/>
               </a:ext>
             </a:extLst>
           </p:cNvPr>
@@ -11151,7 +11505,7 @@
           <p:cNvPr id="9" name="Bilde 8">
             <a:extLst>
               <a:ext uri="{FF2B5EF4-FFF2-40B4-BE49-F238E27FC236}">
-                <a16:creationId xmlns:a16="http://schemas.microsoft.com/office/drawing/2014/main" id="{9302637E-9A98-4DFB-984E-9F0F6530D0E4}"/>
+                <a16:creationId xmlns:a16="http://schemas.microsoft.com/office/drawing/2014/main" xmlns="" id="{9302637E-9A98-4DFB-984E-9F0F6530D0E4}"/>
               </a:ext>
             </a:extLst>
           </p:cNvPr>
@@ -11181,7 +11535,7 @@
           <p:cNvPr id="11" name="Bilde 10">
             <a:extLst>
               <a:ext uri="{FF2B5EF4-FFF2-40B4-BE49-F238E27FC236}">
-                <a16:creationId xmlns:a16="http://schemas.microsoft.com/office/drawing/2014/main" id="{8C27A0B8-67C7-4C63-A404-4A6B63B17781}"/>
+                <a16:creationId xmlns:a16="http://schemas.microsoft.com/office/drawing/2014/main" xmlns="" id="{8C27A0B8-67C7-4C63-A404-4A6B63B17781}"/>
               </a:ext>
             </a:extLst>
           </p:cNvPr>
@@ -11211,7 +11565,7 @@
           <p:cNvPr id="12" name="Bilde 11">
             <a:extLst>
               <a:ext uri="{FF2B5EF4-FFF2-40B4-BE49-F238E27FC236}">
-                <a16:creationId xmlns:a16="http://schemas.microsoft.com/office/drawing/2014/main" id="{786D884A-225F-4D45-BC61-6C743DDE9C57}"/>
+                <a16:creationId xmlns:a16="http://schemas.microsoft.com/office/drawing/2014/main" xmlns="" id="{786D884A-225F-4D45-BC61-6C743DDE9C57}"/>
               </a:ext>
             </a:extLst>
           </p:cNvPr>
@@ -11246,6 +11600,13 @@
   <p:clrMapOvr>
     <a:masterClrMapping/>
   </p:clrMapOvr>
+  <p:timing>
+    <p:tnLst>
+      <p:par>
+        <p:cTn id="1" dur="indefinite" restart="never" nodeType="tmRoot"/>
+      </p:par>
+    </p:tnLst>
+  </p:timing>
 </p:sld>
 </file>
 
@@ -11271,7 +11632,7 @@
           <p:cNvPr id="2" name="Tittel 1">
             <a:extLst>
               <a:ext uri="{FF2B5EF4-FFF2-40B4-BE49-F238E27FC236}">
-                <a16:creationId xmlns:a16="http://schemas.microsoft.com/office/drawing/2014/main" id="{8B63E6E9-0B18-4E2D-A437-1F7448ECE5B9}"/>
+                <a16:creationId xmlns:a16="http://schemas.microsoft.com/office/drawing/2014/main" xmlns="" id="{8B63E6E9-0B18-4E2D-A437-1F7448ECE5B9}"/>
               </a:ext>
             </a:extLst>
           </p:cNvPr>
@@ -11295,6 +11656,305 @@
             <a:pPr algn="ctr"/>
             <a:r>
               <a:rPr lang="nb-NO" dirty="0"/>
+              <a:t>Første iterasjon</a:t>
+            </a:r>
+          </a:p>
+        </p:txBody>
+      </p:sp>
+      <p:cxnSp>
+        <p:nvCxnSpPr>
+          <p:cNvPr id="4" name="Rett linje 3">
+            <a:extLst>
+              <a:ext uri="{FF2B5EF4-FFF2-40B4-BE49-F238E27FC236}">
+                <a16:creationId xmlns:a16="http://schemas.microsoft.com/office/drawing/2014/main" xmlns="" id="{287E330E-CFE9-4D10-8B28-19CF892A8C83}"/>
+              </a:ext>
+            </a:extLst>
+          </p:cNvPr>
+          <p:cNvCxnSpPr/>
+          <p:nvPr/>
+        </p:nvCxnSpPr>
+        <p:spPr>
+          <a:xfrm>
+            <a:off x="970326" y="1166069"/>
+            <a:ext cx="10234569" cy="0"/>
+          </a:xfrm>
+          <a:prstGeom prst="line">
+            <a:avLst/>
+          </a:prstGeom>
+          <a:ln>
+            <a:solidFill>
+              <a:schemeClr val="bg2"/>
+            </a:solidFill>
+          </a:ln>
+        </p:spPr>
+        <p:style>
+          <a:lnRef idx="1">
+            <a:schemeClr val="accent1"/>
+          </a:lnRef>
+          <a:fillRef idx="0">
+            <a:schemeClr val="accent1"/>
+          </a:fillRef>
+          <a:effectRef idx="0">
+            <a:schemeClr val="accent1"/>
+          </a:effectRef>
+          <a:fontRef idx="minor">
+            <a:schemeClr val="tx1"/>
+          </a:fontRef>
+        </p:style>
+      </p:cxnSp>
+      <p:sp>
+        <p:nvSpPr>
+          <p:cNvPr id="8" name="Plassholder for innhold 7">
+            <a:extLst>
+              <a:ext uri="{FF2B5EF4-FFF2-40B4-BE49-F238E27FC236}">
+                <a16:creationId xmlns:a16="http://schemas.microsoft.com/office/drawing/2014/main" xmlns="" id="{23087E6D-69E1-4034-AE94-2D8426330AA6}"/>
+              </a:ext>
+            </a:extLst>
+          </p:cNvPr>
+          <p:cNvSpPr>
+            <a:spLocks noGrp="1"/>
+          </p:cNvSpPr>
+          <p:nvPr>
+            <p:ph idx="1"/>
+          </p:nvPr>
+        </p:nvSpPr>
+        <p:spPr>
+          <a:xfrm>
+            <a:off x="2595662" y="1510748"/>
+            <a:ext cx="6983896" cy="4558748"/>
+          </a:xfrm>
+        </p:spPr>
+        <p:txBody>
+          <a:bodyPr>
+            <a:normAutofit lnSpcReduction="10000"/>
+          </a:bodyPr>
+          <a:lstStyle/>
+          <a:p>
+            <a:pPr marL="0" indent="0" fontAlgn="base">
+              <a:buNone/>
+            </a:pPr>
+            <a:r>
+              <a:rPr lang="nb-NO" sz="1800" dirty="0" smtClean="0"/>
+              <a:t>Sprint </a:t>
+            </a:r>
+            <a:r>
+              <a:rPr lang="nb-NO" sz="1800" dirty="0" err="1" smtClean="0"/>
+              <a:t>Backlog</a:t>
+            </a:r>
+            <a:r>
+              <a:rPr lang="nb-NO" sz="1800" dirty="0" smtClean="0"/>
+              <a:t>:</a:t>
+            </a:r>
+            <a:endParaRPr lang="nb-NO" sz="1800" dirty="0"/>
+          </a:p>
+          <a:p>
+            <a:pPr fontAlgn="base"/>
+            <a:r>
+              <a:rPr lang="nb-NO" sz="1600" dirty="0" smtClean="0"/>
+              <a:t>Opprette </a:t>
+            </a:r>
+            <a:r>
+              <a:rPr lang="nb-NO" sz="1600" dirty="0"/>
+              <a:t>en </a:t>
+            </a:r>
+            <a:r>
+              <a:rPr lang="nb-NO" sz="1600" dirty="0" smtClean="0"/>
+              <a:t>database</a:t>
+            </a:r>
+          </a:p>
+          <a:p>
+            <a:pPr fontAlgn="base"/>
+            <a:r>
+              <a:rPr lang="nb-NO" sz="1600" dirty="0" smtClean="0"/>
+              <a:t>GUI </a:t>
+            </a:r>
+            <a:r>
+              <a:rPr lang="nb-NO" sz="1600" dirty="0"/>
+              <a:t>for </a:t>
+            </a:r>
+            <a:r>
+              <a:rPr lang="nb-NO" sz="1600" dirty="0" err="1"/>
+              <a:t>login</a:t>
+            </a:r>
+            <a:r>
+              <a:rPr lang="nb-NO" sz="1600" dirty="0"/>
+              <a:t> og registrering</a:t>
+            </a:r>
+          </a:p>
+          <a:p>
+            <a:pPr fontAlgn="base"/>
+            <a:r>
+              <a:rPr lang="nb-NO" sz="1600" dirty="0"/>
+              <a:t>Opprette en klasse som skal håndtere funksjonaliteten til logg inn.</a:t>
+            </a:r>
+          </a:p>
+          <a:p>
+            <a:pPr fontAlgn="base"/>
+            <a:r>
+              <a:rPr lang="nb-NO" sz="1600" dirty="0"/>
+              <a:t>Opprette en klasse som skal håndtere funksjonaliteten til registrering.</a:t>
+            </a:r>
+          </a:p>
+          <a:p>
+            <a:pPr fontAlgn="base"/>
+            <a:r>
+              <a:rPr lang="nb-NO" sz="1600" dirty="0"/>
+              <a:t>GUI for </a:t>
+            </a:r>
+            <a:r>
+              <a:rPr lang="nb-NO" sz="1600" dirty="0" err="1"/>
+              <a:t>bookingansvarlig</a:t>
+            </a:r>
+            <a:endParaRPr lang="nb-NO" sz="1600" dirty="0"/>
+          </a:p>
+          <a:p>
+            <a:pPr fontAlgn="base"/>
+            <a:r>
+              <a:rPr lang="nb-NO" sz="1600" dirty="0"/>
+              <a:t>Opprette klassen som skal håndtere funksjonalitetene </a:t>
+            </a:r>
+            <a:r>
+              <a:rPr lang="nb-NO" sz="1600" dirty="0" err="1"/>
+              <a:t>bookingansvarlig</a:t>
+            </a:r>
+            <a:r>
+              <a:rPr lang="nb-NO" sz="1600" dirty="0"/>
+              <a:t>:</a:t>
+            </a:r>
+          </a:p>
+          <a:p>
+            <a:pPr lvl="1" fontAlgn="base"/>
+            <a:r>
+              <a:rPr lang="nb-NO" sz="1600" dirty="0" err="1"/>
+              <a:t>Bookingansvarlig</a:t>
+            </a:r>
+            <a:r>
+              <a:rPr lang="nb-NO" sz="1600" dirty="0"/>
+              <a:t> skal kunne se tekniske krav fra band. Hentes fra databasen. </a:t>
+            </a:r>
+          </a:p>
+          <a:p>
+            <a:pPr lvl="1" fontAlgn="base"/>
+            <a:r>
+              <a:rPr lang="nb-NO" sz="1600" dirty="0" err="1"/>
+              <a:t>Bookingansvarlig</a:t>
+            </a:r>
+            <a:r>
+              <a:rPr lang="nb-NO" sz="1600" dirty="0"/>
+              <a:t> skal kunne se informasjon og forskjellige bands tidligere konserter. Hente ut informasjon fra databasen. </a:t>
+            </a:r>
+          </a:p>
+          <a:p>
+            <a:pPr lvl="1" fontAlgn="base"/>
+            <a:r>
+              <a:rPr lang="nb-NO" sz="1600" dirty="0" err="1"/>
+              <a:t>Bookingansvarlig</a:t>
+            </a:r>
+            <a:r>
+              <a:rPr lang="nb-NO" sz="1600" dirty="0"/>
+              <a:t> skal kunne opprette booking tilbud som sendes til godkjenning til </a:t>
+            </a:r>
+            <a:r>
+              <a:rPr lang="nb-NO" sz="1600" dirty="0" err="1"/>
+              <a:t>bookingsjef</a:t>
+            </a:r>
+            <a:r>
+              <a:rPr lang="nb-NO" sz="1600" dirty="0"/>
+              <a:t>.</a:t>
+            </a:r>
+          </a:p>
+          <a:p>
+            <a:pPr fontAlgn="base"/>
+            <a:r>
+              <a:rPr lang="nb-NO" sz="1600" dirty="0"/>
+              <a:t>GUI for tekniker</a:t>
+            </a:r>
+          </a:p>
+          <a:p>
+            <a:pPr fontAlgn="base"/>
+            <a:r>
+              <a:rPr lang="nb-NO" sz="1600" dirty="0"/>
+              <a:t>Opprette klassen som skal håndtere funksjonaliteten for lyd og lysteknikeren:</a:t>
+            </a:r>
+          </a:p>
+          <a:p>
+            <a:pPr lvl="1" fontAlgn="base"/>
+            <a:r>
+              <a:rPr lang="nb-NO" sz="1600" dirty="0"/>
+              <a:t>Tekniker skal ha en oversikt over kommende oppdrag.</a:t>
+            </a:r>
+          </a:p>
+          <a:p>
+            <a:endParaRPr lang="nb-NO" sz="1400" dirty="0"/>
+          </a:p>
+        </p:txBody>
+      </p:sp>
+    </p:spTree>
+    <p:extLst>
+      <p:ext uri="{BB962C8B-B14F-4D97-AF65-F5344CB8AC3E}">
+        <p14:creationId xmlns:p14="http://schemas.microsoft.com/office/powerpoint/2010/main" val="1549317752"/>
+      </p:ext>
+    </p:extLst>
+  </p:cSld>
+  <p:clrMapOvr>
+    <a:masterClrMapping/>
+  </p:clrMapOvr>
+  <p:timing>
+    <p:tnLst>
+      <p:par>
+        <p:cTn id="1" dur="indefinite" restart="never" nodeType="tmRoot"/>
+      </p:par>
+    </p:tnLst>
+  </p:timing>
+</p:sld>
+</file>
+
+<file path=ppt/slides/slide16.xml><?xml version="1.0" encoding="utf-8"?>
+<p:sld xmlns:a="http://schemas.openxmlformats.org/drawingml/2006/main" xmlns:r="http://schemas.openxmlformats.org/officeDocument/2006/relationships" xmlns:p="http://schemas.openxmlformats.org/presentationml/2006/main">
+  <p:cSld>
+    <p:spTree>
+      <p:nvGrpSpPr>
+        <p:cNvPr id="1" name=""/>
+        <p:cNvGrpSpPr/>
+        <p:nvPr/>
+      </p:nvGrpSpPr>
+      <p:grpSpPr>
+        <a:xfrm>
+          <a:off x="0" y="0"/>
+          <a:ext cx="0" cy="0"/>
+          <a:chOff x="0" y="0"/>
+          <a:chExt cx="0" cy="0"/>
+        </a:xfrm>
+      </p:grpSpPr>
+      <p:sp>
+        <p:nvSpPr>
+          <p:cNvPr id="2" name="Tittel 1">
+            <a:extLst>
+              <a:ext uri="{FF2B5EF4-FFF2-40B4-BE49-F238E27FC236}">
+                <a16:creationId xmlns:a16="http://schemas.microsoft.com/office/drawing/2014/main" xmlns="" id="{8B63E6E9-0B18-4E2D-A437-1F7448ECE5B9}"/>
+              </a:ext>
+            </a:extLst>
+          </p:cNvPr>
+          <p:cNvSpPr>
+            <a:spLocks noGrp="1"/>
+          </p:cNvSpPr>
+          <p:nvPr>
+            <p:ph type="title"/>
+          </p:nvPr>
+        </p:nvSpPr>
+        <p:spPr>
+          <a:xfrm>
+            <a:off x="829810" y="25064"/>
+            <a:ext cx="10515600" cy="1325563"/>
+          </a:xfrm>
+        </p:spPr>
+        <p:txBody>
+          <a:bodyPr/>
+          <a:lstStyle/>
+          <a:p>
+            <a:pPr algn="ctr"/>
+            <a:r>
+              <a:rPr lang="nb-NO" dirty="0"/>
               <a:t>Testing</a:t>
             </a:r>
           </a:p>
@@ -11305,7 +11965,7 @@
           <p:cNvPr id="3" name="Plassholder for innhold 2">
             <a:extLst>
               <a:ext uri="{FF2B5EF4-FFF2-40B4-BE49-F238E27FC236}">
-                <a16:creationId xmlns:a16="http://schemas.microsoft.com/office/drawing/2014/main" id="{CAFFAF17-E482-4DCA-9BA6-82FB3386B736}"/>
+                <a16:creationId xmlns:a16="http://schemas.microsoft.com/office/drawing/2014/main" xmlns="" id="{CAFFAF17-E482-4DCA-9BA6-82FB3386B736}"/>
               </a:ext>
             </a:extLst>
           </p:cNvPr>
@@ -11398,7 +12058,7 @@
           <p:cNvPr id="4" name="Rett linje 3">
             <a:extLst>
               <a:ext uri="{FF2B5EF4-FFF2-40B4-BE49-F238E27FC236}">
-                <a16:creationId xmlns:a16="http://schemas.microsoft.com/office/drawing/2014/main" id="{287E330E-CFE9-4D10-8B28-19CF892A8C83}"/>
+                <a16:creationId xmlns:a16="http://schemas.microsoft.com/office/drawing/2014/main" xmlns="" id="{287E330E-CFE9-4D10-8B28-19CF892A8C83}"/>
               </a:ext>
             </a:extLst>
           </p:cNvPr>
@@ -11444,10 +12104,17 @@
   <p:clrMapOvr>
     <a:masterClrMapping/>
   </p:clrMapOvr>
+  <p:timing>
+    <p:tnLst>
+      <p:par>
+        <p:cTn id="1" dur="indefinite" restart="never" nodeType="tmRoot"/>
+      </p:par>
+    </p:tnLst>
+  </p:timing>
 </p:sld>
 </file>
 
-<file path=ppt/slides/slide16.xml><?xml version="1.0" encoding="utf-8"?>
+<file path=ppt/slides/slide17.xml><?xml version="1.0" encoding="utf-8"?>
 <p:sld xmlns:a="http://schemas.openxmlformats.org/drawingml/2006/main" xmlns:r="http://schemas.openxmlformats.org/officeDocument/2006/relationships" xmlns:p="http://schemas.openxmlformats.org/presentationml/2006/main">
   <p:cSld>
     <p:spTree>
@@ -11469,7 +12136,7 @@
           <p:cNvPr id="2" name="Tittel 1">
             <a:extLst>
               <a:ext uri="{FF2B5EF4-FFF2-40B4-BE49-F238E27FC236}">
-                <a16:creationId xmlns:a16="http://schemas.microsoft.com/office/drawing/2014/main" id="{8B63E6E9-0B18-4E2D-A437-1F7448ECE5B9}"/>
+                <a16:creationId xmlns:a16="http://schemas.microsoft.com/office/drawing/2014/main" xmlns="" id="{8B63E6E9-0B18-4E2D-A437-1F7448ECE5B9}"/>
               </a:ext>
             </a:extLst>
           </p:cNvPr>
@@ -11503,7 +12170,7 @@
           <p:cNvPr id="4" name="Rett linje 3">
             <a:extLst>
               <a:ext uri="{FF2B5EF4-FFF2-40B4-BE49-F238E27FC236}">
-                <a16:creationId xmlns:a16="http://schemas.microsoft.com/office/drawing/2014/main" id="{287E330E-CFE9-4D10-8B28-19CF892A8C83}"/>
+                <a16:creationId xmlns:a16="http://schemas.microsoft.com/office/drawing/2014/main" xmlns="" id="{287E330E-CFE9-4D10-8B28-19CF892A8C83}"/>
               </a:ext>
             </a:extLst>
           </p:cNvPr>
@@ -11574,7 +12241,7 @@
           <p:cNvPr id="2" name="Tittel 1">
             <a:extLst>
               <a:ext uri="{FF2B5EF4-FFF2-40B4-BE49-F238E27FC236}">
-                <a16:creationId xmlns:a16="http://schemas.microsoft.com/office/drawing/2014/main" id="{8B63E6E9-0B18-4E2D-A437-1F7448ECE5B9}"/>
+                <a16:creationId xmlns:a16="http://schemas.microsoft.com/office/drawing/2014/main" xmlns="" id="{8B63E6E9-0B18-4E2D-A437-1F7448ECE5B9}"/>
               </a:ext>
             </a:extLst>
           </p:cNvPr>
@@ -11608,7 +12275,7 @@
           <p:cNvPr id="3" name="Plassholder for innhold 2">
             <a:extLst>
               <a:ext uri="{FF2B5EF4-FFF2-40B4-BE49-F238E27FC236}">
-                <a16:creationId xmlns:a16="http://schemas.microsoft.com/office/drawing/2014/main" id="{CAFFAF17-E482-4DCA-9BA6-82FB3386B736}"/>
+                <a16:creationId xmlns:a16="http://schemas.microsoft.com/office/drawing/2014/main" xmlns="" id="{CAFFAF17-E482-4DCA-9BA6-82FB3386B736}"/>
               </a:ext>
             </a:extLst>
           </p:cNvPr>
@@ -11685,7 +12352,7 @@
           <p:cNvPr id="4" name="Rett linje 3">
             <a:extLst>
               <a:ext uri="{FF2B5EF4-FFF2-40B4-BE49-F238E27FC236}">
-                <a16:creationId xmlns:a16="http://schemas.microsoft.com/office/drawing/2014/main" id="{287E330E-CFE9-4D10-8B28-19CF892A8C83}"/>
+                <a16:creationId xmlns:a16="http://schemas.microsoft.com/office/drawing/2014/main" xmlns="" id="{287E330E-CFE9-4D10-8B28-19CF892A8C83}"/>
               </a:ext>
             </a:extLst>
           </p:cNvPr>
@@ -11756,7 +12423,7 @@
           <p:cNvPr id="2" name="Tittel 1">
             <a:extLst>
               <a:ext uri="{FF2B5EF4-FFF2-40B4-BE49-F238E27FC236}">
-                <a16:creationId xmlns:a16="http://schemas.microsoft.com/office/drawing/2014/main" id="{8B63E6E9-0B18-4E2D-A437-1F7448ECE5B9}"/>
+                <a16:creationId xmlns:a16="http://schemas.microsoft.com/office/drawing/2014/main" xmlns="" id="{8B63E6E9-0B18-4E2D-A437-1F7448ECE5B9}"/>
               </a:ext>
             </a:extLst>
           </p:cNvPr>
@@ -11790,7 +12457,7 @@
           <p:cNvPr id="3" name="Plassholder for innhold 2">
             <a:extLst>
               <a:ext uri="{FF2B5EF4-FFF2-40B4-BE49-F238E27FC236}">
-                <a16:creationId xmlns:a16="http://schemas.microsoft.com/office/drawing/2014/main" id="{CAFFAF17-E482-4DCA-9BA6-82FB3386B736}"/>
+                <a16:creationId xmlns:a16="http://schemas.microsoft.com/office/drawing/2014/main" xmlns="" id="{CAFFAF17-E482-4DCA-9BA6-82FB3386B736}"/>
               </a:ext>
             </a:extLst>
           </p:cNvPr>
@@ -11867,7 +12534,7 @@
           <p:cNvPr id="4" name="Rett linje 3">
             <a:extLst>
               <a:ext uri="{FF2B5EF4-FFF2-40B4-BE49-F238E27FC236}">
-                <a16:creationId xmlns:a16="http://schemas.microsoft.com/office/drawing/2014/main" id="{287E330E-CFE9-4D10-8B28-19CF892A8C83}"/>
+                <a16:creationId xmlns:a16="http://schemas.microsoft.com/office/drawing/2014/main" xmlns="" id="{287E330E-CFE9-4D10-8B28-19CF892A8C83}"/>
               </a:ext>
             </a:extLst>
           </p:cNvPr>
@@ -11938,7 +12605,7 @@
           <p:cNvPr id="2" name="Tittel 1">
             <a:extLst>
               <a:ext uri="{FF2B5EF4-FFF2-40B4-BE49-F238E27FC236}">
-                <a16:creationId xmlns:a16="http://schemas.microsoft.com/office/drawing/2014/main" id="{8B63E6E9-0B18-4E2D-A437-1F7448ECE5B9}"/>
+                <a16:creationId xmlns:a16="http://schemas.microsoft.com/office/drawing/2014/main" xmlns="" id="{8B63E6E9-0B18-4E2D-A437-1F7448ECE5B9}"/>
               </a:ext>
             </a:extLst>
           </p:cNvPr>
@@ -11973,7 +12640,7 @@
           <p:cNvPr id="3" name="Plassholder for innhold 2">
             <a:extLst>
               <a:ext uri="{FF2B5EF4-FFF2-40B4-BE49-F238E27FC236}">
-                <a16:creationId xmlns:a16="http://schemas.microsoft.com/office/drawing/2014/main" id="{CAFFAF17-E482-4DCA-9BA6-82FB3386B736}"/>
+                <a16:creationId xmlns:a16="http://schemas.microsoft.com/office/drawing/2014/main" xmlns="" id="{CAFFAF17-E482-4DCA-9BA6-82FB3386B736}"/>
               </a:ext>
             </a:extLst>
           </p:cNvPr>
@@ -12055,7 +12722,7 @@
           <p:cNvPr id="4" name="Rett linje 3">
             <a:extLst>
               <a:ext uri="{FF2B5EF4-FFF2-40B4-BE49-F238E27FC236}">
-                <a16:creationId xmlns:a16="http://schemas.microsoft.com/office/drawing/2014/main" id="{287E330E-CFE9-4D10-8B28-19CF892A8C83}"/>
+                <a16:creationId xmlns:a16="http://schemas.microsoft.com/office/drawing/2014/main" xmlns="" id="{287E330E-CFE9-4D10-8B28-19CF892A8C83}"/>
               </a:ext>
             </a:extLst>
           </p:cNvPr>
@@ -12126,7 +12793,7 @@
           <p:cNvPr id="2" name="Tittel 1">
             <a:extLst>
               <a:ext uri="{FF2B5EF4-FFF2-40B4-BE49-F238E27FC236}">
-                <a16:creationId xmlns:a16="http://schemas.microsoft.com/office/drawing/2014/main" id="{8B63E6E9-0B18-4E2D-A437-1F7448ECE5B9}"/>
+                <a16:creationId xmlns:a16="http://schemas.microsoft.com/office/drawing/2014/main" xmlns="" id="{8B63E6E9-0B18-4E2D-A437-1F7448ECE5B9}"/>
               </a:ext>
             </a:extLst>
           </p:cNvPr>
@@ -12160,7 +12827,7 @@
           <p:cNvPr id="4" name="Rett linje 3">
             <a:extLst>
               <a:ext uri="{FF2B5EF4-FFF2-40B4-BE49-F238E27FC236}">
-                <a16:creationId xmlns:a16="http://schemas.microsoft.com/office/drawing/2014/main" id="{287E330E-CFE9-4D10-8B28-19CF892A8C83}"/>
+                <a16:creationId xmlns:a16="http://schemas.microsoft.com/office/drawing/2014/main" xmlns="" id="{287E330E-CFE9-4D10-8B28-19CF892A8C83}"/>
               </a:ext>
             </a:extLst>
           </p:cNvPr>
@@ -12201,7 +12868,7 @@
           <p:cNvPr id="9" name="Bilde 8">
             <a:extLst>
               <a:ext uri="{FF2B5EF4-FFF2-40B4-BE49-F238E27FC236}">
-                <a16:creationId xmlns:a16="http://schemas.microsoft.com/office/drawing/2014/main" id="{3AD9AC94-B77B-40B3-BE44-C79BADAA4361}"/>
+                <a16:creationId xmlns:a16="http://schemas.microsoft.com/office/drawing/2014/main" xmlns="" id="{3AD9AC94-B77B-40B3-BE44-C79BADAA4361}"/>
               </a:ext>
             </a:extLst>
           </p:cNvPr>
@@ -12261,7 +12928,7 @@
           <p:cNvPr id="2" name="Tittel 1">
             <a:extLst>
               <a:ext uri="{FF2B5EF4-FFF2-40B4-BE49-F238E27FC236}">
-                <a16:creationId xmlns:a16="http://schemas.microsoft.com/office/drawing/2014/main" id="{8B63E6E9-0B18-4E2D-A437-1F7448ECE5B9}"/>
+                <a16:creationId xmlns:a16="http://schemas.microsoft.com/office/drawing/2014/main" xmlns="" id="{8B63E6E9-0B18-4E2D-A437-1F7448ECE5B9}"/>
               </a:ext>
             </a:extLst>
           </p:cNvPr>
@@ -12303,7 +12970,7 @@
           <p:cNvPr id="3" name="Plassholder for innhold 2">
             <a:extLst>
               <a:ext uri="{FF2B5EF4-FFF2-40B4-BE49-F238E27FC236}">
-                <a16:creationId xmlns:a16="http://schemas.microsoft.com/office/drawing/2014/main" id="{CAFFAF17-E482-4DCA-9BA6-82FB3386B736}"/>
+                <a16:creationId xmlns:a16="http://schemas.microsoft.com/office/drawing/2014/main" xmlns="" id="{CAFFAF17-E482-4DCA-9BA6-82FB3386B736}"/>
               </a:ext>
             </a:extLst>
           </p:cNvPr>
@@ -12352,7 +13019,7 @@
           <p:cNvPr id="4" name="Rett linje 3">
             <a:extLst>
               <a:ext uri="{FF2B5EF4-FFF2-40B4-BE49-F238E27FC236}">
-                <a16:creationId xmlns:a16="http://schemas.microsoft.com/office/drawing/2014/main" id="{287E330E-CFE9-4D10-8B28-19CF892A8C83}"/>
+                <a16:creationId xmlns:a16="http://schemas.microsoft.com/office/drawing/2014/main" xmlns="" id="{287E330E-CFE9-4D10-8B28-19CF892A8C83}"/>
               </a:ext>
             </a:extLst>
           </p:cNvPr>
@@ -12423,7 +13090,7 @@
           <p:cNvPr id="2" name="Tittel 1">
             <a:extLst>
               <a:ext uri="{FF2B5EF4-FFF2-40B4-BE49-F238E27FC236}">
-                <a16:creationId xmlns:a16="http://schemas.microsoft.com/office/drawing/2014/main" id="{8B63E6E9-0B18-4E2D-A437-1F7448ECE5B9}"/>
+                <a16:creationId xmlns:a16="http://schemas.microsoft.com/office/drawing/2014/main" xmlns="" id="{8B63E6E9-0B18-4E2D-A437-1F7448ECE5B9}"/>
               </a:ext>
             </a:extLst>
           </p:cNvPr>
@@ -12465,7 +13132,7 @@
           <p:cNvPr id="3" name="Plassholder for innhold 2">
             <a:extLst>
               <a:ext uri="{FF2B5EF4-FFF2-40B4-BE49-F238E27FC236}">
-                <a16:creationId xmlns:a16="http://schemas.microsoft.com/office/drawing/2014/main" id="{CAFFAF17-E482-4DCA-9BA6-82FB3386B736}"/>
+                <a16:creationId xmlns:a16="http://schemas.microsoft.com/office/drawing/2014/main" xmlns="" id="{CAFFAF17-E482-4DCA-9BA6-82FB3386B736}"/>
               </a:ext>
             </a:extLst>
           </p:cNvPr>
@@ -12549,7 +13216,7 @@
           <p:cNvPr id="4" name="Rett linje 3">
             <a:extLst>
               <a:ext uri="{FF2B5EF4-FFF2-40B4-BE49-F238E27FC236}">
-                <a16:creationId xmlns:a16="http://schemas.microsoft.com/office/drawing/2014/main" id="{287E330E-CFE9-4D10-8B28-19CF892A8C83}"/>
+                <a16:creationId xmlns:a16="http://schemas.microsoft.com/office/drawing/2014/main" xmlns="" id="{287E330E-CFE9-4D10-8B28-19CF892A8C83}"/>
               </a:ext>
             </a:extLst>
           </p:cNvPr>
@@ -12620,7 +13287,7 @@
           <p:cNvPr id="2" name="Tittel 1">
             <a:extLst>
               <a:ext uri="{FF2B5EF4-FFF2-40B4-BE49-F238E27FC236}">
-                <a16:creationId xmlns:a16="http://schemas.microsoft.com/office/drawing/2014/main" id="{8B63E6E9-0B18-4E2D-A437-1F7448ECE5B9}"/>
+                <a16:creationId xmlns:a16="http://schemas.microsoft.com/office/drawing/2014/main" xmlns="" id="{8B63E6E9-0B18-4E2D-A437-1F7448ECE5B9}"/>
               </a:ext>
             </a:extLst>
           </p:cNvPr>
@@ -12662,7 +13329,7 @@
           <p:cNvPr id="3" name="Plassholder for innhold 2">
             <a:extLst>
               <a:ext uri="{FF2B5EF4-FFF2-40B4-BE49-F238E27FC236}">
-                <a16:creationId xmlns:a16="http://schemas.microsoft.com/office/drawing/2014/main" id="{CAFFAF17-E482-4DCA-9BA6-82FB3386B736}"/>
+                <a16:creationId xmlns:a16="http://schemas.microsoft.com/office/drawing/2014/main" xmlns="" id="{CAFFAF17-E482-4DCA-9BA6-82FB3386B736}"/>
               </a:ext>
             </a:extLst>
           </p:cNvPr>
@@ -12721,7 +13388,7 @@
           <p:cNvPr id="4" name="Rett linje 3">
             <a:extLst>
               <a:ext uri="{FF2B5EF4-FFF2-40B4-BE49-F238E27FC236}">
-                <a16:creationId xmlns:a16="http://schemas.microsoft.com/office/drawing/2014/main" id="{287E330E-CFE9-4D10-8B28-19CF892A8C83}"/>
+                <a16:creationId xmlns:a16="http://schemas.microsoft.com/office/drawing/2014/main" xmlns="" id="{287E330E-CFE9-4D10-8B28-19CF892A8C83}"/>
               </a:ext>
             </a:extLst>
           </p:cNvPr>
@@ -12792,7 +13459,7 @@
           <p:cNvPr id="2" name="Tittel 1">
             <a:extLst>
               <a:ext uri="{FF2B5EF4-FFF2-40B4-BE49-F238E27FC236}">
-                <a16:creationId xmlns:a16="http://schemas.microsoft.com/office/drawing/2014/main" id="{8B63E6E9-0B18-4E2D-A437-1F7448ECE5B9}"/>
+                <a16:creationId xmlns:a16="http://schemas.microsoft.com/office/drawing/2014/main" xmlns="" id="{8B63E6E9-0B18-4E2D-A437-1F7448ECE5B9}"/>
               </a:ext>
             </a:extLst>
           </p:cNvPr>
@@ -12826,7 +13493,7 @@
           <p:cNvPr id="3" name="Plassholder for innhold 2">
             <a:extLst>
               <a:ext uri="{FF2B5EF4-FFF2-40B4-BE49-F238E27FC236}">
-                <a16:creationId xmlns:a16="http://schemas.microsoft.com/office/drawing/2014/main" id="{CAFFAF17-E482-4DCA-9BA6-82FB3386B736}"/>
+                <a16:creationId xmlns:a16="http://schemas.microsoft.com/office/drawing/2014/main" xmlns="" id="{CAFFAF17-E482-4DCA-9BA6-82FB3386B736}"/>
               </a:ext>
             </a:extLst>
           </p:cNvPr>
@@ -12899,7 +13566,7 @@
           <p:cNvPr id="4" name="Rett linje 3">
             <a:extLst>
               <a:ext uri="{FF2B5EF4-FFF2-40B4-BE49-F238E27FC236}">
-                <a16:creationId xmlns:a16="http://schemas.microsoft.com/office/drawing/2014/main" id="{287E330E-CFE9-4D10-8B28-19CF892A8C83}"/>
+                <a16:creationId xmlns:a16="http://schemas.microsoft.com/office/drawing/2014/main" xmlns="" id="{287E330E-CFE9-4D10-8B28-19CF892A8C83}"/>
               </a:ext>
             </a:extLst>
           </p:cNvPr>
@@ -13241,4 +13908,265 @@
     </a:ext>
   </a:extLst>
 </a:theme>
+</file>
+
+<file path=ppt/theme/theme2.xml><?xml version="1.0" encoding="utf-8"?>
+<a:theme xmlns:a="http://schemas.openxmlformats.org/drawingml/2006/main" name="Office-tema">
+  <a:themeElements>
+    <a:clrScheme name="Office">
+      <a:dk1>
+        <a:sysClr val="windowText" lastClr="000000"/>
+      </a:dk1>
+      <a:lt1>
+        <a:sysClr val="window" lastClr="FFFFFF"/>
+      </a:lt1>
+      <a:dk2>
+        <a:srgbClr val="44546A"/>
+      </a:dk2>
+      <a:lt2>
+        <a:srgbClr val="E7E6E6"/>
+      </a:lt2>
+      <a:accent1>
+        <a:srgbClr val="4472C4"/>
+      </a:accent1>
+      <a:accent2>
+        <a:srgbClr val="ED7D31"/>
+      </a:accent2>
+      <a:accent3>
+        <a:srgbClr val="A5A5A5"/>
+      </a:accent3>
+      <a:accent4>
+        <a:srgbClr val="FFC000"/>
+      </a:accent4>
+      <a:accent5>
+        <a:srgbClr val="5B9BD5"/>
+      </a:accent5>
+      <a:accent6>
+        <a:srgbClr val="70AD47"/>
+      </a:accent6>
+      <a:hlink>
+        <a:srgbClr val="0563C1"/>
+      </a:hlink>
+      <a:folHlink>
+        <a:srgbClr val="954F72"/>
+      </a:folHlink>
+    </a:clrScheme>
+    <a:fontScheme name="Office">
+      <a:majorFont>
+        <a:latin typeface="Calibri Light" panose="020F0302020204030204"/>
+        <a:ea typeface=""/>
+        <a:cs typeface=""/>
+        <a:font script="Jpan" typeface="Yu Gothic Light"/>
+        <a:font script="Hang" typeface="맑은 고딕"/>
+        <a:font script="Hans" typeface="DengXian Light"/>
+        <a:font script="Hant" typeface="新細明體"/>
+        <a:font script="Arab" typeface="Times New Roman"/>
+        <a:font script="Hebr" typeface="Times New Roman"/>
+        <a:font script="Thai" typeface="Angsana New"/>
+        <a:font script="Ethi" typeface="Nyala"/>
+        <a:font script="Beng" typeface="Vrinda"/>
+        <a:font script="Gujr" typeface="Shruti"/>
+        <a:font script="Khmr" typeface="MoolBoran"/>
+        <a:font script="Knda" typeface="Tunga"/>
+        <a:font script="Guru" typeface="Raavi"/>
+        <a:font script="Cans" typeface="Euphemia"/>
+        <a:font script="Cher" typeface="Plantagenet Cherokee"/>
+        <a:font script="Yiii" typeface="Microsoft Yi Baiti"/>
+        <a:font script="Tibt" typeface="Microsoft Himalaya"/>
+        <a:font script="Thaa" typeface="MV Boli"/>
+        <a:font script="Deva" typeface="Mangal"/>
+        <a:font script="Telu" typeface="Gautami"/>
+        <a:font script="Taml" typeface="Latha"/>
+        <a:font script="Syrc" typeface="Estrangelo Edessa"/>
+        <a:font script="Orya" typeface="Kalinga"/>
+        <a:font script="Mlym" typeface="Kartika"/>
+        <a:font script="Laoo" typeface="DokChampa"/>
+        <a:font script="Sinh" typeface="Iskoola Pota"/>
+        <a:font script="Mong" typeface="Mongolian Baiti"/>
+        <a:font script="Viet" typeface="Times New Roman"/>
+        <a:font script="Uigh" typeface="Microsoft Uighur"/>
+        <a:font script="Geor" typeface="Sylfaen"/>
+      </a:majorFont>
+      <a:minorFont>
+        <a:latin typeface="Calibri" panose="020F0502020204030204"/>
+        <a:ea typeface=""/>
+        <a:cs typeface=""/>
+        <a:font script="Jpan" typeface="Yu Gothic"/>
+        <a:font script="Hang" typeface="맑은 고딕"/>
+        <a:font script="Hans" typeface="DengXian"/>
+        <a:font script="Hant" typeface="新細明體"/>
+        <a:font script="Arab" typeface="Arial"/>
+        <a:font script="Hebr" typeface="Arial"/>
+        <a:font script="Thai" typeface="Cordia New"/>
+        <a:font script="Ethi" typeface="Nyala"/>
+        <a:font script="Beng" typeface="Vrinda"/>
+        <a:font script="Gujr" typeface="Shruti"/>
+        <a:font script="Khmr" typeface="DaunPenh"/>
+        <a:font script="Knda" typeface="Tunga"/>
+        <a:font script="Guru" typeface="Raavi"/>
+        <a:font script="Cans" typeface="Euphemia"/>
+        <a:font script="Cher" typeface="Plantagenet Cherokee"/>
+        <a:font script="Yiii" typeface="Microsoft Yi Baiti"/>
+        <a:font script="Tibt" typeface="Microsoft Himalaya"/>
+        <a:font script="Thaa" typeface="MV Boli"/>
+        <a:font script="Deva" typeface="Mangal"/>
+        <a:font script="Telu" typeface="Gautami"/>
+        <a:font script="Taml" typeface="Latha"/>
+        <a:font script="Syrc" typeface="Estrangelo Edessa"/>
+        <a:font script="Orya" typeface="Kalinga"/>
+        <a:font script="Mlym" typeface="Kartika"/>
+        <a:font script="Laoo" typeface="DokChampa"/>
+        <a:font script="Sinh" typeface="Iskoola Pota"/>
+        <a:font script="Mong" typeface="Mongolian Baiti"/>
+        <a:font script="Viet" typeface="Arial"/>
+        <a:font script="Uigh" typeface="Microsoft Uighur"/>
+        <a:font script="Geor" typeface="Sylfaen"/>
+      </a:minorFont>
+    </a:fontScheme>
+    <a:fmtScheme name="Office">
+      <a:fillStyleLst>
+        <a:solidFill>
+          <a:schemeClr val="phClr"/>
+        </a:solidFill>
+        <a:gradFill rotWithShape="1">
+          <a:gsLst>
+            <a:gs pos="0">
+              <a:schemeClr val="phClr">
+                <a:lumMod val="110000"/>
+                <a:satMod val="105000"/>
+                <a:tint val="67000"/>
+              </a:schemeClr>
+            </a:gs>
+            <a:gs pos="50000">
+              <a:schemeClr val="phClr">
+                <a:lumMod val="105000"/>
+                <a:satMod val="103000"/>
+                <a:tint val="73000"/>
+              </a:schemeClr>
+            </a:gs>
+            <a:gs pos="100000">
+              <a:schemeClr val="phClr">
+                <a:lumMod val="105000"/>
+                <a:satMod val="109000"/>
+                <a:tint val="81000"/>
+              </a:schemeClr>
+            </a:gs>
+          </a:gsLst>
+          <a:lin ang="5400000" scaled="0"/>
+        </a:gradFill>
+        <a:gradFill rotWithShape="1">
+          <a:gsLst>
+            <a:gs pos="0">
+              <a:schemeClr val="phClr">
+                <a:satMod val="103000"/>
+                <a:lumMod val="102000"/>
+                <a:tint val="94000"/>
+              </a:schemeClr>
+            </a:gs>
+            <a:gs pos="50000">
+              <a:schemeClr val="phClr">
+                <a:satMod val="110000"/>
+                <a:lumMod val="100000"/>
+                <a:shade val="100000"/>
+              </a:schemeClr>
+            </a:gs>
+            <a:gs pos="100000">
+              <a:schemeClr val="phClr">
+                <a:lumMod val="99000"/>
+                <a:satMod val="120000"/>
+                <a:shade val="78000"/>
+              </a:schemeClr>
+            </a:gs>
+          </a:gsLst>
+          <a:lin ang="5400000" scaled="0"/>
+        </a:gradFill>
+      </a:fillStyleLst>
+      <a:lnStyleLst>
+        <a:ln w="6350" cap="flat" cmpd="sng" algn="ctr">
+          <a:solidFill>
+            <a:schemeClr val="phClr"/>
+          </a:solidFill>
+          <a:prstDash val="solid"/>
+          <a:miter lim="800000"/>
+        </a:ln>
+        <a:ln w="12700" cap="flat" cmpd="sng" algn="ctr">
+          <a:solidFill>
+            <a:schemeClr val="phClr"/>
+          </a:solidFill>
+          <a:prstDash val="solid"/>
+          <a:miter lim="800000"/>
+        </a:ln>
+        <a:ln w="19050" cap="flat" cmpd="sng" algn="ctr">
+          <a:solidFill>
+            <a:schemeClr val="phClr"/>
+          </a:solidFill>
+          <a:prstDash val="solid"/>
+          <a:miter lim="800000"/>
+        </a:ln>
+      </a:lnStyleLst>
+      <a:effectStyleLst>
+        <a:effectStyle>
+          <a:effectLst/>
+        </a:effectStyle>
+        <a:effectStyle>
+          <a:effectLst/>
+        </a:effectStyle>
+        <a:effectStyle>
+          <a:effectLst>
+            <a:outerShdw blurRad="57150" dist="19050" dir="5400000" algn="ctr" rotWithShape="0">
+              <a:srgbClr val="000000">
+                <a:alpha val="63000"/>
+              </a:srgbClr>
+            </a:outerShdw>
+          </a:effectLst>
+        </a:effectStyle>
+      </a:effectStyleLst>
+      <a:bgFillStyleLst>
+        <a:solidFill>
+          <a:schemeClr val="phClr"/>
+        </a:solidFill>
+        <a:solidFill>
+          <a:schemeClr val="phClr">
+            <a:tint val="95000"/>
+            <a:satMod val="170000"/>
+          </a:schemeClr>
+        </a:solidFill>
+        <a:gradFill rotWithShape="1">
+          <a:gsLst>
+            <a:gs pos="0">
+              <a:schemeClr val="phClr">
+                <a:tint val="93000"/>
+                <a:satMod val="150000"/>
+                <a:shade val="98000"/>
+                <a:lumMod val="102000"/>
+              </a:schemeClr>
+            </a:gs>
+            <a:gs pos="50000">
+              <a:schemeClr val="phClr">
+                <a:tint val="98000"/>
+                <a:satMod val="130000"/>
+                <a:shade val="90000"/>
+                <a:lumMod val="103000"/>
+              </a:schemeClr>
+            </a:gs>
+            <a:gs pos="100000">
+              <a:schemeClr val="phClr">
+                <a:shade val="63000"/>
+                <a:satMod val="120000"/>
+              </a:schemeClr>
+            </a:gs>
+          </a:gsLst>
+          <a:lin ang="5400000" scaled="0"/>
+        </a:gradFill>
+      </a:bgFillStyleLst>
+    </a:fmtScheme>
+  </a:themeElements>
+  <a:objectDefaults/>
+  <a:extraClrSchemeLst/>
+  <a:extLst>
+    <a:ext uri="{05A4C25C-085E-4340-85A3-A5531E510DB2}">
+      <thm15:themeFamily xmlns:thm15="http://schemas.microsoft.com/office/thememl/2012/main" name="Office Theme" id="{62F939B6-93AF-4DB8-9C6B-D6C7DFDC589F}" vid="{4A3C46E8-61CC-4603-A589-7422A47A8E4A}"/>
+    </a:ext>
+  </a:extLst>
+</a:theme>
 </file>
--- a/Documentation/Presentation.pptx
+++ b/Documentation/Presentation.pptx
@@ -281,38 +281,37 @@
           <a:p>
             <a:pPr lvl="0"/>
             <a:r>
-              <a:rPr lang="nb-NO" smtClean="0"/>
+              <a:rPr lang="nb-NO"/>
               <a:t>Klikk for å redigere tekststiler i malen</a:t>
             </a:r>
           </a:p>
           <a:p>
             <a:pPr lvl="1"/>
             <a:r>
-              <a:rPr lang="nb-NO" smtClean="0"/>
+              <a:rPr lang="nb-NO"/>
               <a:t>Andre nivå</a:t>
             </a:r>
           </a:p>
           <a:p>
             <a:pPr lvl="2"/>
             <a:r>
-              <a:rPr lang="nb-NO" smtClean="0"/>
+              <a:rPr lang="nb-NO"/>
               <a:t>Tredje nivå</a:t>
             </a:r>
           </a:p>
           <a:p>
             <a:pPr lvl="3"/>
             <a:r>
-              <a:rPr lang="nb-NO" smtClean="0"/>
+              <a:rPr lang="nb-NO"/>
               <a:t>Fjerde nivå</a:t>
             </a:r>
           </a:p>
           <a:p>
             <a:pPr lvl="4"/>
             <a:r>
-              <a:rPr lang="nb-NO" smtClean="0"/>
+              <a:rPr lang="nb-NO"/>
               <a:t>Femte nivå</a:t>
             </a:r>
-            <a:endParaRPr lang="nb-NO"/>
           </a:p>
         </p:txBody>
       </p:sp>
@@ -507,7 +506,7 @@
           <p:cNvPr id="2" name="Tittel 1">
             <a:extLst>
               <a:ext uri="{FF2B5EF4-FFF2-40B4-BE49-F238E27FC236}">
-                <a16:creationId xmlns:a16="http://schemas.microsoft.com/office/drawing/2014/main" xmlns="" id="{65E04E43-D822-4E3A-9D1A-4FD6079D6F2A}"/>
+                <a16:creationId xmlns:a16="http://schemas.microsoft.com/office/drawing/2014/main" id="{65E04E43-D822-4E3A-9D1A-4FD6079D6F2A}"/>
               </a:ext>
             </a:extLst>
           </p:cNvPr>
@@ -544,7 +543,7 @@
           <p:cNvPr id="3" name="Undertittel 2">
             <a:extLst>
               <a:ext uri="{FF2B5EF4-FFF2-40B4-BE49-F238E27FC236}">
-                <a16:creationId xmlns:a16="http://schemas.microsoft.com/office/drawing/2014/main" xmlns="" id="{184A6A46-6467-42BE-AE47-96795C8CC97D}"/>
+                <a16:creationId xmlns:a16="http://schemas.microsoft.com/office/drawing/2014/main" id="{184A6A46-6467-42BE-AE47-96795C8CC97D}"/>
               </a:ext>
             </a:extLst>
           </p:cNvPr>
@@ -614,7 +613,7 @@
           <p:cNvPr id="4" name="Plassholder for dato 3">
             <a:extLst>
               <a:ext uri="{FF2B5EF4-FFF2-40B4-BE49-F238E27FC236}">
-                <a16:creationId xmlns:a16="http://schemas.microsoft.com/office/drawing/2014/main" xmlns="" id="{98F5850B-53C5-44D6-BAEC-2C353F1DEAED}"/>
+                <a16:creationId xmlns:a16="http://schemas.microsoft.com/office/drawing/2014/main" id="{98F5850B-53C5-44D6-BAEC-2C353F1DEAED}"/>
               </a:ext>
             </a:extLst>
           </p:cNvPr>
@@ -643,7 +642,7 @@
           <p:cNvPr id="5" name="Plassholder for bunntekst 4">
             <a:extLst>
               <a:ext uri="{FF2B5EF4-FFF2-40B4-BE49-F238E27FC236}">
-                <a16:creationId xmlns:a16="http://schemas.microsoft.com/office/drawing/2014/main" xmlns="" id="{EDB1FD40-8F8A-4DEE-A34C-38D7669A259B}"/>
+                <a16:creationId xmlns:a16="http://schemas.microsoft.com/office/drawing/2014/main" id="{EDB1FD40-8F8A-4DEE-A34C-38D7669A259B}"/>
               </a:ext>
             </a:extLst>
           </p:cNvPr>
@@ -668,7 +667,7 @@
           <p:cNvPr id="6" name="Plassholder for lysbildenummer 5">
             <a:extLst>
               <a:ext uri="{FF2B5EF4-FFF2-40B4-BE49-F238E27FC236}">
-                <a16:creationId xmlns:a16="http://schemas.microsoft.com/office/drawing/2014/main" xmlns="" id="{FCEE15FF-5E32-48A6-BF5F-D84C544A139C}"/>
+                <a16:creationId xmlns:a16="http://schemas.microsoft.com/office/drawing/2014/main" id="{FCEE15FF-5E32-48A6-BF5F-D84C544A139C}"/>
               </a:ext>
             </a:extLst>
           </p:cNvPr>
@@ -727,7 +726,7 @@
           <p:cNvPr id="2" name="Tittel 1">
             <a:extLst>
               <a:ext uri="{FF2B5EF4-FFF2-40B4-BE49-F238E27FC236}">
-                <a16:creationId xmlns:a16="http://schemas.microsoft.com/office/drawing/2014/main" xmlns="" id="{5B076658-91A1-48BB-A6B2-C6E43B63BFF8}"/>
+                <a16:creationId xmlns:a16="http://schemas.microsoft.com/office/drawing/2014/main" id="{5B076658-91A1-48BB-A6B2-C6E43B63BFF8}"/>
               </a:ext>
             </a:extLst>
           </p:cNvPr>
@@ -755,7 +754,7 @@
           <p:cNvPr id="3" name="Plassholder for loddrett tekst 2">
             <a:extLst>
               <a:ext uri="{FF2B5EF4-FFF2-40B4-BE49-F238E27FC236}">
-                <a16:creationId xmlns:a16="http://schemas.microsoft.com/office/drawing/2014/main" xmlns="" id="{379FABFA-013A-435A-BF11-1ECCBBA4B7C1}"/>
+                <a16:creationId xmlns:a16="http://schemas.microsoft.com/office/drawing/2014/main" id="{379FABFA-013A-435A-BF11-1ECCBBA4B7C1}"/>
               </a:ext>
             </a:extLst>
           </p:cNvPr>
@@ -812,7 +811,7 @@
           <p:cNvPr id="4" name="Plassholder for dato 3">
             <a:extLst>
               <a:ext uri="{FF2B5EF4-FFF2-40B4-BE49-F238E27FC236}">
-                <a16:creationId xmlns:a16="http://schemas.microsoft.com/office/drawing/2014/main" xmlns="" id="{DDC0F512-3C78-4D87-BEC7-04AE693E969B}"/>
+                <a16:creationId xmlns:a16="http://schemas.microsoft.com/office/drawing/2014/main" id="{DDC0F512-3C78-4D87-BEC7-04AE693E969B}"/>
               </a:ext>
             </a:extLst>
           </p:cNvPr>
@@ -841,7 +840,7 @@
           <p:cNvPr id="5" name="Plassholder for bunntekst 4">
             <a:extLst>
               <a:ext uri="{FF2B5EF4-FFF2-40B4-BE49-F238E27FC236}">
-                <a16:creationId xmlns:a16="http://schemas.microsoft.com/office/drawing/2014/main" xmlns="" id="{3EFD7E47-73AC-43A3-9E3F-659D82192BE4}"/>
+                <a16:creationId xmlns:a16="http://schemas.microsoft.com/office/drawing/2014/main" id="{3EFD7E47-73AC-43A3-9E3F-659D82192BE4}"/>
               </a:ext>
             </a:extLst>
           </p:cNvPr>
@@ -866,7 +865,7 @@
           <p:cNvPr id="6" name="Plassholder for lysbildenummer 5">
             <a:extLst>
               <a:ext uri="{FF2B5EF4-FFF2-40B4-BE49-F238E27FC236}">
-                <a16:creationId xmlns:a16="http://schemas.microsoft.com/office/drawing/2014/main" xmlns="" id="{52DDD6B5-AC29-44F1-9D31-63AA68FF93E6}"/>
+                <a16:creationId xmlns:a16="http://schemas.microsoft.com/office/drawing/2014/main" id="{52DDD6B5-AC29-44F1-9D31-63AA68FF93E6}"/>
               </a:ext>
             </a:extLst>
           </p:cNvPr>
@@ -925,7 +924,7 @@
           <p:cNvPr id="2" name="Loddrett tittel 1">
             <a:extLst>
               <a:ext uri="{FF2B5EF4-FFF2-40B4-BE49-F238E27FC236}">
-                <a16:creationId xmlns:a16="http://schemas.microsoft.com/office/drawing/2014/main" xmlns="" id="{8A968E19-0FDC-434A-8BEF-45B4B79458E0}"/>
+                <a16:creationId xmlns:a16="http://schemas.microsoft.com/office/drawing/2014/main" id="{8A968E19-0FDC-434A-8BEF-45B4B79458E0}"/>
               </a:ext>
             </a:extLst>
           </p:cNvPr>
@@ -958,7 +957,7 @@
           <p:cNvPr id="3" name="Plassholder for loddrett tekst 2">
             <a:extLst>
               <a:ext uri="{FF2B5EF4-FFF2-40B4-BE49-F238E27FC236}">
-                <a16:creationId xmlns:a16="http://schemas.microsoft.com/office/drawing/2014/main" xmlns="" id="{7906DB0A-C275-4E2A-AB62-E57F70BCFBE6}"/>
+                <a16:creationId xmlns:a16="http://schemas.microsoft.com/office/drawing/2014/main" id="{7906DB0A-C275-4E2A-AB62-E57F70BCFBE6}"/>
               </a:ext>
             </a:extLst>
           </p:cNvPr>
@@ -1020,7 +1019,7 @@
           <p:cNvPr id="4" name="Plassholder for dato 3">
             <a:extLst>
               <a:ext uri="{FF2B5EF4-FFF2-40B4-BE49-F238E27FC236}">
-                <a16:creationId xmlns:a16="http://schemas.microsoft.com/office/drawing/2014/main" xmlns="" id="{11EB7088-B521-4090-AB97-F9CFBB9B8C77}"/>
+                <a16:creationId xmlns:a16="http://schemas.microsoft.com/office/drawing/2014/main" id="{11EB7088-B521-4090-AB97-F9CFBB9B8C77}"/>
               </a:ext>
             </a:extLst>
           </p:cNvPr>
@@ -1049,7 +1048,7 @@
           <p:cNvPr id="5" name="Plassholder for bunntekst 4">
             <a:extLst>
               <a:ext uri="{FF2B5EF4-FFF2-40B4-BE49-F238E27FC236}">
-                <a16:creationId xmlns:a16="http://schemas.microsoft.com/office/drawing/2014/main" xmlns="" id="{EB00F072-362F-4ECF-A8CA-E73A1AF7955B}"/>
+                <a16:creationId xmlns:a16="http://schemas.microsoft.com/office/drawing/2014/main" id="{EB00F072-362F-4ECF-A8CA-E73A1AF7955B}"/>
               </a:ext>
             </a:extLst>
           </p:cNvPr>
@@ -1074,7 +1073,7 @@
           <p:cNvPr id="6" name="Plassholder for lysbildenummer 5">
             <a:extLst>
               <a:ext uri="{FF2B5EF4-FFF2-40B4-BE49-F238E27FC236}">
-                <a16:creationId xmlns:a16="http://schemas.microsoft.com/office/drawing/2014/main" xmlns="" id="{44A4F988-D691-4C8E-8E6E-8ADD8D2A7A3F}"/>
+                <a16:creationId xmlns:a16="http://schemas.microsoft.com/office/drawing/2014/main" id="{44A4F988-D691-4C8E-8E6E-8ADD8D2A7A3F}"/>
               </a:ext>
             </a:extLst>
           </p:cNvPr>
@@ -1133,7 +1132,7 @@
           <p:cNvPr id="2" name="Tittel 1">
             <a:extLst>
               <a:ext uri="{FF2B5EF4-FFF2-40B4-BE49-F238E27FC236}">
-                <a16:creationId xmlns:a16="http://schemas.microsoft.com/office/drawing/2014/main" xmlns="" id="{AECB0DD9-1124-4881-BC03-7AAEDD5F38F4}"/>
+                <a16:creationId xmlns:a16="http://schemas.microsoft.com/office/drawing/2014/main" id="{AECB0DD9-1124-4881-BC03-7AAEDD5F38F4}"/>
               </a:ext>
             </a:extLst>
           </p:cNvPr>
@@ -1161,7 +1160,7 @@
           <p:cNvPr id="3" name="Plassholder for innhold 2">
             <a:extLst>
               <a:ext uri="{FF2B5EF4-FFF2-40B4-BE49-F238E27FC236}">
-                <a16:creationId xmlns:a16="http://schemas.microsoft.com/office/drawing/2014/main" xmlns="" id="{E791F7D3-3FB4-4B05-9FC2-F440DA59438D}"/>
+                <a16:creationId xmlns:a16="http://schemas.microsoft.com/office/drawing/2014/main" id="{E791F7D3-3FB4-4B05-9FC2-F440DA59438D}"/>
               </a:ext>
             </a:extLst>
           </p:cNvPr>
@@ -1218,7 +1217,7 @@
           <p:cNvPr id="4" name="Plassholder for dato 3">
             <a:extLst>
               <a:ext uri="{FF2B5EF4-FFF2-40B4-BE49-F238E27FC236}">
-                <a16:creationId xmlns:a16="http://schemas.microsoft.com/office/drawing/2014/main" xmlns="" id="{01C71C5D-8225-48DC-8384-2DDD706CE633}"/>
+                <a16:creationId xmlns:a16="http://schemas.microsoft.com/office/drawing/2014/main" id="{01C71C5D-8225-48DC-8384-2DDD706CE633}"/>
               </a:ext>
             </a:extLst>
           </p:cNvPr>
@@ -1247,7 +1246,7 @@
           <p:cNvPr id="5" name="Plassholder for bunntekst 4">
             <a:extLst>
               <a:ext uri="{FF2B5EF4-FFF2-40B4-BE49-F238E27FC236}">
-                <a16:creationId xmlns:a16="http://schemas.microsoft.com/office/drawing/2014/main" xmlns="" id="{BE3CA221-97A9-4040-8DB6-C265EB1E6004}"/>
+                <a16:creationId xmlns:a16="http://schemas.microsoft.com/office/drawing/2014/main" id="{BE3CA221-97A9-4040-8DB6-C265EB1E6004}"/>
               </a:ext>
             </a:extLst>
           </p:cNvPr>
@@ -1272,7 +1271,7 @@
           <p:cNvPr id="6" name="Plassholder for lysbildenummer 5">
             <a:extLst>
               <a:ext uri="{FF2B5EF4-FFF2-40B4-BE49-F238E27FC236}">
-                <a16:creationId xmlns:a16="http://schemas.microsoft.com/office/drawing/2014/main" xmlns="" id="{12CEEA93-0C9A-406D-8D64-483911B2878A}"/>
+                <a16:creationId xmlns:a16="http://schemas.microsoft.com/office/drawing/2014/main" id="{12CEEA93-0C9A-406D-8D64-483911B2878A}"/>
               </a:ext>
             </a:extLst>
           </p:cNvPr>
@@ -1331,7 +1330,7 @@
           <p:cNvPr id="2" name="Tittel 1">
             <a:extLst>
               <a:ext uri="{FF2B5EF4-FFF2-40B4-BE49-F238E27FC236}">
-                <a16:creationId xmlns:a16="http://schemas.microsoft.com/office/drawing/2014/main" xmlns="" id="{C5AABAF2-15E9-442E-9841-F7A68D563AA7}"/>
+                <a16:creationId xmlns:a16="http://schemas.microsoft.com/office/drawing/2014/main" id="{C5AABAF2-15E9-442E-9841-F7A68D563AA7}"/>
               </a:ext>
             </a:extLst>
           </p:cNvPr>
@@ -1368,7 +1367,7 @@
           <p:cNvPr id="3" name="Plassholder for tekst 2">
             <a:extLst>
               <a:ext uri="{FF2B5EF4-FFF2-40B4-BE49-F238E27FC236}">
-                <a16:creationId xmlns:a16="http://schemas.microsoft.com/office/drawing/2014/main" xmlns="" id="{B1A149C8-9CDD-4D7D-A3B4-AC3B973BC7D9}"/>
+                <a16:creationId xmlns:a16="http://schemas.microsoft.com/office/drawing/2014/main" id="{B1A149C8-9CDD-4D7D-A3B4-AC3B973BC7D9}"/>
               </a:ext>
             </a:extLst>
           </p:cNvPr>
@@ -1493,7 +1492,7 @@
           <p:cNvPr id="4" name="Plassholder for dato 3">
             <a:extLst>
               <a:ext uri="{FF2B5EF4-FFF2-40B4-BE49-F238E27FC236}">
-                <a16:creationId xmlns:a16="http://schemas.microsoft.com/office/drawing/2014/main" xmlns="" id="{DCA5E3A1-DB88-4A0D-AB8F-B32100321C83}"/>
+                <a16:creationId xmlns:a16="http://schemas.microsoft.com/office/drawing/2014/main" id="{DCA5E3A1-DB88-4A0D-AB8F-B32100321C83}"/>
               </a:ext>
             </a:extLst>
           </p:cNvPr>
@@ -1522,7 +1521,7 @@
           <p:cNvPr id="5" name="Plassholder for bunntekst 4">
             <a:extLst>
               <a:ext uri="{FF2B5EF4-FFF2-40B4-BE49-F238E27FC236}">
-                <a16:creationId xmlns:a16="http://schemas.microsoft.com/office/drawing/2014/main" xmlns="" id="{725609FD-BAB5-44C2-8050-875E42AA5479}"/>
+                <a16:creationId xmlns:a16="http://schemas.microsoft.com/office/drawing/2014/main" id="{725609FD-BAB5-44C2-8050-875E42AA5479}"/>
               </a:ext>
             </a:extLst>
           </p:cNvPr>
@@ -1547,7 +1546,7 @@
           <p:cNvPr id="6" name="Plassholder for lysbildenummer 5">
             <a:extLst>
               <a:ext uri="{FF2B5EF4-FFF2-40B4-BE49-F238E27FC236}">
-                <a16:creationId xmlns:a16="http://schemas.microsoft.com/office/drawing/2014/main" xmlns="" id="{53A04E4F-CBF0-4CD5-9000-A6DBA8629FCB}"/>
+                <a16:creationId xmlns:a16="http://schemas.microsoft.com/office/drawing/2014/main" id="{53A04E4F-CBF0-4CD5-9000-A6DBA8629FCB}"/>
               </a:ext>
             </a:extLst>
           </p:cNvPr>
@@ -1606,7 +1605,7 @@
           <p:cNvPr id="2" name="Tittel 1">
             <a:extLst>
               <a:ext uri="{FF2B5EF4-FFF2-40B4-BE49-F238E27FC236}">
-                <a16:creationId xmlns:a16="http://schemas.microsoft.com/office/drawing/2014/main" xmlns="" id="{08400F7F-799F-4FC1-8B0B-9FA147E7027E}"/>
+                <a16:creationId xmlns:a16="http://schemas.microsoft.com/office/drawing/2014/main" id="{08400F7F-799F-4FC1-8B0B-9FA147E7027E}"/>
               </a:ext>
             </a:extLst>
           </p:cNvPr>
@@ -1634,7 +1633,7 @@
           <p:cNvPr id="3" name="Plassholder for innhold 2">
             <a:extLst>
               <a:ext uri="{FF2B5EF4-FFF2-40B4-BE49-F238E27FC236}">
-                <a16:creationId xmlns:a16="http://schemas.microsoft.com/office/drawing/2014/main" xmlns="" id="{7FF14E93-84E3-43F4-97C6-9E254A6449D5}"/>
+                <a16:creationId xmlns:a16="http://schemas.microsoft.com/office/drawing/2014/main" id="{7FF14E93-84E3-43F4-97C6-9E254A6449D5}"/>
               </a:ext>
             </a:extLst>
           </p:cNvPr>
@@ -1696,7 +1695,7 @@
           <p:cNvPr id="4" name="Plassholder for innhold 3">
             <a:extLst>
               <a:ext uri="{FF2B5EF4-FFF2-40B4-BE49-F238E27FC236}">
-                <a16:creationId xmlns:a16="http://schemas.microsoft.com/office/drawing/2014/main" xmlns="" id="{0CFF957E-81E7-4F72-9C32-83F0084868A4}"/>
+                <a16:creationId xmlns:a16="http://schemas.microsoft.com/office/drawing/2014/main" id="{0CFF957E-81E7-4F72-9C32-83F0084868A4}"/>
               </a:ext>
             </a:extLst>
           </p:cNvPr>
@@ -1758,7 +1757,7 @@
           <p:cNvPr id="5" name="Plassholder for dato 4">
             <a:extLst>
               <a:ext uri="{FF2B5EF4-FFF2-40B4-BE49-F238E27FC236}">
-                <a16:creationId xmlns:a16="http://schemas.microsoft.com/office/drawing/2014/main" xmlns="" id="{FED6DC1F-DFA7-4DC1-BE0F-26F6C1145A7A}"/>
+                <a16:creationId xmlns:a16="http://schemas.microsoft.com/office/drawing/2014/main" id="{FED6DC1F-DFA7-4DC1-BE0F-26F6C1145A7A}"/>
               </a:ext>
             </a:extLst>
           </p:cNvPr>
@@ -1787,7 +1786,7 @@
           <p:cNvPr id="6" name="Plassholder for bunntekst 5">
             <a:extLst>
               <a:ext uri="{FF2B5EF4-FFF2-40B4-BE49-F238E27FC236}">
-                <a16:creationId xmlns:a16="http://schemas.microsoft.com/office/drawing/2014/main" xmlns="" id="{BBB7C5EB-9381-4AB2-8580-A4CE4E83678A}"/>
+                <a16:creationId xmlns:a16="http://schemas.microsoft.com/office/drawing/2014/main" id="{BBB7C5EB-9381-4AB2-8580-A4CE4E83678A}"/>
               </a:ext>
             </a:extLst>
           </p:cNvPr>
@@ -1812,7 +1811,7 @@
           <p:cNvPr id="7" name="Plassholder for lysbildenummer 6">
             <a:extLst>
               <a:ext uri="{FF2B5EF4-FFF2-40B4-BE49-F238E27FC236}">
-                <a16:creationId xmlns:a16="http://schemas.microsoft.com/office/drawing/2014/main" xmlns="" id="{4D109D2E-5888-47FA-B791-F5195AEFC005}"/>
+                <a16:creationId xmlns:a16="http://schemas.microsoft.com/office/drawing/2014/main" id="{4D109D2E-5888-47FA-B791-F5195AEFC005}"/>
               </a:ext>
             </a:extLst>
           </p:cNvPr>
@@ -1871,7 +1870,7 @@
           <p:cNvPr id="2" name="Tittel 1">
             <a:extLst>
               <a:ext uri="{FF2B5EF4-FFF2-40B4-BE49-F238E27FC236}">
-                <a16:creationId xmlns:a16="http://schemas.microsoft.com/office/drawing/2014/main" xmlns="" id="{30884925-14FC-4133-9489-CF075FAB25DB}"/>
+                <a16:creationId xmlns:a16="http://schemas.microsoft.com/office/drawing/2014/main" id="{30884925-14FC-4133-9489-CF075FAB25DB}"/>
               </a:ext>
             </a:extLst>
           </p:cNvPr>
@@ -1904,7 +1903,7 @@
           <p:cNvPr id="3" name="Plassholder for tekst 2">
             <a:extLst>
               <a:ext uri="{FF2B5EF4-FFF2-40B4-BE49-F238E27FC236}">
-                <a16:creationId xmlns:a16="http://schemas.microsoft.com/office/drawing/2014/main" xmlns="" id="{43DFF4B9-C8B9-4B2E-82D3-49BD48AAE24E}"/>
+                <a16:creationId xmlns:a16="http://schemas.microsoft.com/office/drawing/2014/main" id="{43DFF4B9-C8B9-4B2E-82D3-49BD48AAE24E}"/>
               </a:ext>
             </a:extLst>
           </p:cNvPr>
@@ -1975,7 +1974,7 @@
           <p:cNvPr id="4" name="Plassholder for innhold 3">
             <a:extLst>
               <a:ext uri="{FF2B5EF4-FFF2-40B4-BE49-F238E27FC236}">
-                <a16:creationId xmlns:a16="http://schemas.microsoft.com/office/drawing/2014/main" xmlns="" id="{8CC25459-8956-4CD4-9249-836511EC9EBF}"/>
+                <a16:creationId xmlns:a16="http://schemas.microsoft.com/office/drawing/2014/main" id="{8CC25459-8956-4CD4-9249-836511EC9EBF}"/>
               </a:ext>
             </a:extLst>
           </p:cNvPr>
@@ -2037,7 +2036,7 @@
           <p:cNvPr id="5" name="Plassholder for tekst 4">
             <a:extLst>
               <a:ext uri="{FF2B5EF4-FFF2-40B4-BE49-F238E27FC236}">
-                <a16:creationId xmlns:a16="http://schemas.microsoft.com/office/drawing/2014/main" xmlns="" id="{675C3DE0-8FF0-4CB4-A8F1-9305FAB61E3D}"/>
+                <a16:creationId xmlns:a16="http://schemas.microsoft.com/office/drawing/2014/main" id="{675C3DE0-8FF0-4CB4-A8F1-9305FAB61E3D}"/>
               </a:ext>
             </a:extLst>
           </p:cNvPr>
@@ -2108,7 +2107,7 @@
           <p:cNvPr id="6" name="Plassholder for innhold 5">
             <a:extLst>
               <a:ext uri="{FF2B5EF4-FFF2-40B4-BE49-F238E27FC236}">
-                <a16:creationId xmlns:a16="http://schemas.microsoft.com/office/drawing/2014/main" xmlns="" id="{A3398535-AE8D-4F5A-B8D1-71B67FA60F40}"/>
+                <a16:creationId xmlns:a16="http://schemas.microsoft.com/office/drawing/2014/main" id="{A3398535-AE8D-4F5A-B8D1-71B67FA60F40}"/>
               </a:ext>
             </a:extLst>
           </p:cNvPr>
@@ -2170,7 +2169,7 @@
           <p:cNvPr id="7" name="Plassholder for dato 6">
             <a:extLst>
               <a:ext uri="{FF2B5EF4-FFF2-40B4-BE49-F238E27FC236}">
-                <a16:creationId xmlns:a16="http://schemas.microsoft.com/office/drawing/2014/main" xmlns="" id="{40235E6B-3B7B-4FBD-861D-434EED10DB35}"/>
+                <a16:creationId xmlns:a16="http://schemas.microsoft.com/office/drawing/2014/main" id="{40235E6B-3B7B-4FBD-861D-434EED10DB35}"/>
               </a:ext>
             </a:extLst>
           </p:cNvPr>
@@ -2199,7 +2198,7 @@
           <p:cNvPr id="8" name="Plassholder for bunntekst 7">
             <a:extLst>
               <a:ext uri="{FF2B5EF4-FFF2-40B4-BE49-F238E27FC236}">
-                <a16:creationId xmlns:a16="http://schemas.microsoft.com/office/drawing/2014/main" xmlns="" id="{EED94F52-9593-4A57-B89D-06E39C570B19}"/>
+                <a16:creationId xmlns:a16="http://schemas.microsoft.com/office/drawing/2014/main" id="{EED94F52-9593-4A57-B89D-06E39C570B19}"/>
               </a:ext>
             </a:extLst>
           </p:cNvPr>
@@ -2224,7 +2223,7 @@
           <p:cNvPr id="9" name="Plassholder for lysbildenummer 8">
             <a:extLst>
               <a:ext uri="{FF2B5EF4-FFF2-40B4-BE49-F238E27FC236}">
-                <a16:creationId xmlns:a16="http://schemas.microsoft.com/office/drawing/2014/main" xmlns="" id="{4822C7E3-D460-432F-A352-3061108B6E0B}"/>
+                <a16:creationId xmlns:a16="http://schemas.microsoft.com/office/drawing/2014/main" id="{4822C7E3-D460-432F-A352-3061108B6E0B}"/>
               </a:ext>
             </a:extLst>
           </p:cNvPr>
@@ -2283,7 +2282,7 @@
           <p:cNvPr id="2" name="Tittel 1">
             <a:extLst>
               <a:ext uri="{FF2B5EF4-FFF2-40B4-BE49-F238E27FC236}">
-                <a16:creationId xmlns:a16="http://schemas.microsoft.com/office/drawing/2014/main" xmlns="" id="{54809704-7025-4D3B-B282-CC03300F0662}"/>
+                <a16:creationId xmlns:a16="http://schemas.microsoft.com/office/drawing/2014/main" id="{54809704-7025-4D3B-B282-CC03300F0662}"/>
               </a:ext>
             </a:extLst>
           </p:cNvPr>
@@ -2311,7 +2310,7 @@
           <p:cNvPr id="3" name="Plassholder for dato 2">
             <a:extLst>
               <a:ext uri="{FF2B5EF4-FFF2-40B4-BE49-F238E27FC236}">
-                <a16:creationId xmlns:a16="http://schemas.microsoft.com/office/drawing/2014/main" xmlns="" id="{606AC31F-059A-44C1-BDE9-B7DD293B8318}"/>
+                <a16:creationId xmlns:a16="http://schemas.microsoft.com/office/drawing/2014/main" id="{606AC31F-059A-44C1-BDE9-B7DD293B8318}"/>
               </a:ext>
             </a:extLst>
           </p:cNvPr>
@@ -2340,7 +2339,7 @@
           <p:cNvPr id="4" name="Plassholder for bunntekst 3">
             <a:extLst>
               <a:ext uri="{FF2B5EF4-FFF2-40B4-BE49-F238E27FC236}">
-                <a16:creationId xmlns:a16="http://schemas.microsoft.com/office/drawing/2014/main" xmlns="" id="{8A5113B9-D811-4FCC-BE2B-8F2B535FE7D8}"/>
+                <a16:creationId xmlns:a16="http://schemas.microsoft.com/office/drawing/2014/main" id="{8A5113B9-D811-4FCC-BE2B-8F2B535FE7D8}"/>
               </a:ext>
             </a:extLst>
           </p:cNvPr>
@@ -2365,7 +2364,7 @@
           <p:cNvPr id="5" name="Plassholder for lysbildenummer 4">
             <a:extLst>
               <a:ext uri="{FF2B5EF4-FFF2-40B4-BE49-F238E27FC236}">
-                <a16:creationId xmlns:a16="http://schemas.microsoft.com/office/drawing/2014/main" xmlns="" id="{1218B215-7DE6-4646-AA0E-559F5F635E92}"/>
+                <a16:creationId xmlns:a16="http://schemas.microsoft.com/office/drawing/2014/main" id="{1218B215-7DE6-4646-AA0E-559F5F635E92}"/>
               </a:ext>
             </a:extLst>
           </p:cNvPr>
@@ -2424,7 +2423,7 @@
           <p:cNvPr id="2" name="Plassholder for dato 1">
             <a:extLst>
               <a:ext uri="{FF2B5EF4-FFF2-40B4-BE49-F238E27FC236}">
-                <a16:creationId xmlns:a16="http://schemas.microsoft.com/office/drawing/2014/main" xmlns="" id="{C826884C-2A6A-4067-B2C7-D8D9BEFCBC22}"/>
+                <a16:creationId xmlns:a16="http://schemas.microsoft.com/office/drawing/2014/main" id="{C826884C-2A6A-4067-B2C7-D8D9BEFCBC22}"/>
               </a:ext>
             </a:extLst>
           </p:cNvPr>
@@ -2453,7 +2452,7 @@
           <p:cNvPr id="3" name="Plassholder for bunntekst 2">
             <a:extLst>
               <a:ext uri="{FF2B5EF4-FFF2-40B4-BE49-F238E27FC236}">
-                <a16:creationId xmlns:a16="http://schemas.microsoft.com/office/drawing/2014/main" xmlns="" id="{4B7EDB32-97CC-4770-B181-6A2617459148}"/>
+                <a16:creationId xmlns:a16="http://schemas.microsoft.com/office/drawing/2014/main" id="{4B7EDB32-97CC-4770-B181-6A2617459148}"/>
               </a:ext>
             </a:extLst>
           </p:cNvPr>
@@ -2478,7 +2477,7 @@
           <p:cNvPr id="4" name="Plassholder for lysbildenummer 3">
             <a:extLst>
               <a:ext uri="{FF2B5EF4-FFF2-40B4-BE49-F238E27FC236}">
-                <a16:creationId xmlns:a16="http://schemas.microsoft.com/office/drawing/2014/main" xmlns="" id="{35FE13D9-172E-4106-ABB0-31864583B579}"/>
+                <a16:creationId xmlns:a16="http://schemas.microsoft.com/office/drawing/2014/main" id="{35FE13D9-172E-4106-ABB0-31864583B579}"/>
               </a:ext>
             </a:extLst>
           </p:cNvPr>
@@ -2537,7 +2536,7 @@
           <p:cNvPr id="2" name="Tittel 1">
             <a:extLst>
               <a:ext uri="{FF2B5EF4-FFF2-40B4-BE49-F238E27FC236}">
-                <a16:creationId xmlns:a16="http://schemas.microsoft.com/office/drawing/2014/main" xmlns="" id="{C8B4D1BF-7380-4DF6-8116-B855F97BA748}"/>
+                <a16:creationId xmlns:a16="http://schemas.microsoft.com/office/drawing/2014/main" id="{C8B4D1BF-7380-4DF6-8116-B855F97BA748}"/>
               </a:ext>
             </a:extLst>
           </p:cNvPr>
@@ -2574,7 +2573,7 @@
           <p:cNvPr id="3" name="Plassholder for innhold 2">
             <a:extLst>
               <a:ext uri="{FF2B5EF4-FFF2-40B4-BE49-F238E27FC236}">
-                <a16:creationId xmlns:a16="http://schemas.microsoft.com/office/drawing/2014/main" xmlns="" id="{2990CA2A-3C34-4214-9405-79538D77158F}"/>
+                <a16:creationId xmlns:a16="http://schemas.microsoft.com/office/drawing/2014/main" id="{2990CA2A-3C34-4214-9405-79538D77158F}"/>
               </a:ext>
             </a:extLst>
           </p:cNvPr>
@@ -2664,7 +2663,7 @@
           <p:cNvPr id="4" name="Plassholder for tekst 3">
             <a:extLst>
               <a:ext uri="{FF2B5EF4-FFF2-40B4-BE49-F238E27FC236}">
-                <a16:creationId xmlns:a16="http://schemas.microsoft.com/office/drawing/2014/main" xmlns="" id="{9C790582-3D1C-4F7C-B7E6-04EE577F78BE}"/>
+                <a16:creationId xmlns:a16="http://schemas.microsoft.com/office/drawing/2014/main" id="{9C790582-3D1C-4F7C-B7E6-04EE577F78BE}"/>
               </a:ext>
             </a:extLst>
           </p:cNvPr>
@@ -2735,7 +2734,7 @@
           <p:cNvPr id="5" name="Plassholder for dato 4">
             <a:extLst>
               <a:ext uri="{FF2B5EF4-FFF2-40B4-BE49-F238E27FC236}">
-                <a16:creationId xmlns:a16="http://schemas.microsoft.com/office/drawing/2014/main" xmlns="" id="{18DC3ABE-760C-4A17-80A1-E12F499FB5E2}"/>
+                <a16:creationId xmlns:a16="http://schemas.microsoft.com/office/drawing/2014/main" id="{18DC3ABE-760C-4A17-80A1-E12F499FB5E2}"/>
               </a:ext>
             </a:extLst>
           </p:cNvPr>
@@ -2764,7 +2763,7 @@
           <p:cNvPr id="6" name="Plassholder for bunntekst 5">
             <a:extLst>
               <a:ext uri="{FF2B5EF4-FFF2-40B4-BE49-F238E27FC236}">
-                <a16:creationId xmlns:a16="http://schemas.microsoft.com/office/drawing/2014/main" xmlns="" id="{B658A9F7-322A-4881-9F74-C90AEB54EC38}"/>
+                <a16:creationId xmlns:a16="http://schemas.microsoft.com/office/drawing/2014/main" id="{B658A9F7-322A-4881-9F74-C90AEB54EC38}"/>
               </a:ext>
             </a:extLst>
           </p:cNvPr>
@@ -2789,7 +2788,7 @@
           <p:cNvPr id="7" name="Plassholder for lysbildenummer 6">
             <a:extLst>
               <a:ext uri="{FF2B5EF4-FFF2-40B4-BE49-F238E27FC236}">
-                <a16:creationId xmlns:a16="http://schemas.microsoft.com/office/drawing/2014/main" xmlns="" id="{37CFAD20-5B63-47A6-9CE6-11F4EC4D0FFA}"/>
+                <a16:creationId xmlns:a16="http://schemas.microsoft.com/office/drawing/2014/main" id="{37CFAD20-5B63-47A6-9CE6-11F4EC4D0FFA}"/>
               </a:ext>
             </a:extLst>
           </p:cNvPr>
@@ -2848,7 +2847,7 @@
           <p:cNvPr id="2" name="Tittel 1">
             <a:extLst>
               <a:ext uri="{FF2B5EF4-FFF2-40B4-BE49-F238E27FC236}">
-                <a16:creationId xmlns:a16="http://schemas.microsoft.com/office/drawing/2014/main" xmlns="" id="{986F46FA-2318-4BA1-91BC-DDB109F9D72B}"/>
+                <a16:creationId xmlns:a16="http://schemas.microsoft.com/office/drawing/2014/main" id="{986F46FA-2318-4BA1-91BC-DDB109F9D72B}"/>
               </a:ext>
             </a:extLst>
           </p:cNvPr>
@@ -2885,7 +2884,7 @@
           <p:cNvPr id="3" name="Plassholder for bilde 2">
             <a:extLst>
               <a:ext uri="{FF2B5EF4-FFF2-40B4-BE49-F238E27FC236}">
-                <a16:creationId xmlns:a16="http://schemas.microsoft.com/office/drawing/2014/main" xmlns="" id="{F6FEC709-6DBD-46C7-80DC-A2D683D4C693}"/>
+                <a16:creationId xmlns:a16="http://schemas.microsoft.com/office/drawing/2014/main" id="{F6FEC709-6DBD-46C7-80DC-A2D683D4C693}"/>
               </a:ext>
             </a:extLst>
           </p:cNvPr>
@@ -2952,7 +2951,7 @@
           <p:cNvPr id="4" name="Plassholder for tekst 3">
             <a:extLst>
               <a:ext uri="{FF2B5EF4-FFF2-40B4-BE49-F238E27FC236}">
-                <a16:creationId xmlns:a16="http://schemas.microsoft.com/office/drawing/2014/main" xmlns="" id="{1F103062-7E21-4AEB-A42A-BD89079C4CF1}"/>
+                <a16:creationId xmlns:a16="http://schemas.microsoft.com/office/drawing/2014/main" id="{1F103062-7E21-4AEB-A42A-BD89079C4CF1}"/>
               </a:ext>
             </a:extLst>
           </p:cNvPr>
@@ -3023,7 +3022,7 @@
           <p:cNvPr id="5" name="Plassholder for dato 4">
             <a:extLst>
               <a:ext uri="{FF2B5EF4-FFF2-40B4-BE49-F238E27FC236}">
-                <a16:creationId xmlns:a16="http://schemas.microsoft.com/office/drawing/2014/main" xmlns="" id="{A7C8BEBD-4051-4FB8-9CD5-3003B836B7F0}"/>
+                <a16:creationId xmlns:a16="http://schemas.microsoft.com/office/drawing/2014/main" id="{A7C8BEBD-4051-4FB8-9CD5-3003B836B7F0}"/>
               </a:ext>
             </a:extLst>
           </p:cNvPr>
@@ -3052,7 +3051,7 @@
           <p:cNvPr id="6" name="Plassholder for bunntekst 5">
             <a:extLst>
               <a:ext uri="{FF2B5EF4-FFF2-40B4-BE49-F238E27FC236}">
-                <a16:creationId xmlns:a16="http://schemas.microsoft.com/office/drawing/2014/main" xmlns="" id="{4489FC30-A787-4EE8-A276-F0AC4FB27447}"/>
+                <a16:creationId xmlns:a16="http://schemas.microsoft.com/office/drawing/2014/main" id="{4489FC30-A787-4EE8-A276-F0AC4FB27447}"/>
               </a:ext>
             </a:extLst>
           </p:cNvPr>
@@ -3077,7 +3076,7 @@
           <p:cNvPr id="7" name="Plassholder for lysbildenummer 6">
             <a:extLst>
               <a:ext uri="{FF2B5EF4-FFF2-40B4-BE49-F238E27FC236}">
-                <a16:creationId xmlns:a16="http://schemas.microsoft.com/office/drawing/2014/main" xmlns="" id="{462EBE77-235D-4B13-A041-2A4EDD7CDC23}"/>
+                <a16:creationId xmlns:a16="http://schemas.microsoft.com/office/drawing/2014/main" id="{462EBE77-235D-4B13-A041-2A4EDD7CDC23}"/>
               </a:ext>
             </a:extLst>
           </p:cNvPr>
@@ -3141,7 +3140,7 @@
           <p:cNvPr id="2" name="Plassholder for tittel 1">
             <a:extLst>
               <a:ext uri="{FF2B5EF4-FFF2-40B4-BE49-F238E27FC236}">
-                <a16:creationId xmlns:a16="http://schemas.microsoft.com/office/drawing/2014/main" xmlns="" id="{7B6CFAE4-A2F0-4164-B138-2E04D708A941}"/>
+                <a16:creationId xmlns:a16="http://schemas.microsoft.com/office/drawing/2014/main" id="{7B6CFAE4-A2F0-4164-B138-2E04D708A941}"/>
               </a:ext>
             </a:extLst>
           </p:cNvPr>
@@ -3179,7 +3178,7 @@
           <p:cNvPr id="3" name="Plassholder for tekst 2">
             <a:extLst>
               <a:ext uri="{FF2B5EF4-FFF2-40B4-BE49-F238E27FC236}">
-                <a16:creationId xmlns:a16="http://schemas.microsoft.com/office/drawing/2014/main" xmlns="" id="{64167EDA-CB53-4A3D-80EC-76A3157EDA98}"/>
+                <a16:creationId xmlns:a16="http://schemas.microsoft.com/office/drawing/2014/main" id="{64167EDA-CB53-4A3D-80EC-76A3157EDA98}"/>
               </a:ext>
             </a:extLst>
           </p:cNvPr>
@@ -3246,7 +3245,7 @@
           <p:cNvPr id="4" name="Plassholder for dato 3">
             <a:extLst>
               <a:ext uri="{FF2B5EF4-FFF2-40B4-BE49-F238E27FC236}">
-                <a16:creationId xmlns:a16="http://schemas.microsoft.com/office/drawing/2014/main" xmlns="" id="{4B90A986-2A8E-4250-855F-51BAD39E7846}"/>
+                <a16:creationId xmlns:a16="http://schemas.microsoft.com/office/drawing/2014/main" id="{4B90A986-2A8E-4250-855F-51BAD39E7846}"/>
               </a:ext>
             </a:extLst>
           </p:cNvPr>
@@ -3293,7 +3292,7 @@
           <p:cNvPr id="5" name="Plassholder for bunntekst 4">
             <a:extLst>
               <a:ext uri="{FF2B5EF4-FFF2-40B4-BE49-F238E27FC236}">
-                <a16:creationId xmlns:a16="http://schemas.microsoft.com/office/drawing/2014/main" xmlns="" id="{C3048C5B-BA14-469B-A5F9-68E079F6DD76}"/>
+                <a16:creationId xmlns:a16="http://schemas.microsoft.com/office/drawing/2014/main" id="{C3048C5B-BA14-469B-A5F9-68E079F6DD76}"/>
               </a:ext>
             </a:extLst>
           </p:cNvPr>
@@ -3336,7 +3335,7 @@
           <p:cNvPr id="6" name="Plassholder for lysbildenummer 5">
             <a:extLst>
               <a:ext uri="{FF2B5EF4-FFF2-40B4-BE49-F238E27FC236}">
-                <a16:creationId xmlns:a16="http://schemas.microsoft.com/office/drawing/2014/main" xmlns="" id="{5516BC5D-337D-40EC-A680-50147B19ABE8}"/>
+                <a16:creationId xmlns:a16="http://schemas.microsoft.com/office/drawing/2014/main" id="{5516BC5D-337D-40EC-A680-50147B19ABE8}"/>
               </a:ext>
             </a:extLst>
           </p:cNvPr>
@@ -3704,7 +3703,7 @@
           <p:cNvPr id="2" name="Tittel 1">
             <a:extLst>
               <a:ext uri="{FF2B5EF4-FFF2-40B4-BE49-F238E27FC236}">
-                <a16:creationId xmlns:a16="http://schemas.microsoft.com/office/drawing/2014/main" xmlns="" id="{3342DE24-9BFA-415C-90F5-0925CFBDFC54}"/>
+                <a16:creationId xmlns:a16="http://schemas.microsoft.com/office/drawing/2014/main" id="{3342DE24-9BFA-415C-90F5-0925CFBDFC54}"/>
               </a:ext>
             </a:extLst>
           </p:cNvPr>
@@ -3739,7 +3738,7 @@
           <p:cNvPr id="3" name="Undertittel 2">
             <a:extLst>
               <a:ext uri="{FF2B5EF4-FFF2-40B4-BE49-F238E27FC236}">
-                <a16:creationId xmlns:a16="http://schemas.microsoft.com/office/drawing/2014/main" xmlns="" id="{B52A3D79-0E0A-4693-B97B-F3F273C2E089}"/>
+                <a16:creationId xmlns:a16="http://schemas.microsoft.com/office/drawing/2014/main" id="{B52A3D79-0E0A-4693-B97B-F3F273C2E089}"/>
               </a:ext>
             </a:extLst>
           </p:cNvPr>
@@ -3780,7 +3779,7 @@
           <p:cNvPr id="4" name="TekstSylinder 3">
             <a:extLst>
               <a:ext uri="{FF2B5EF4-FFF2-40B4-BE49-F238E27FC236}">
-                <a16:creationId xmlns:a16="http://schemas.microsoft.com/office/drawing/2014/main" xmlns="" id="{5B2A14BD-7FD1-42C8-A596-07B927E5EC84}"/>
+                <a16:creationId xmlns:a16="http://schemas.microsoft.com/office/drawing/2014/main" id="{5B2A14BD-7FD1-42C8-A596-07B927E5EC84}"/>
               </a:ext>
             </a:extLst>
           </p:cNvPr>
@@ -3821,7 +3820,7 @@
           <p:cNvPr id="6" name="Rett linje 5">
             <a:extLst>
               <a:ext uri="{FF2B5EF4-FFF2-40B4-BE49-F238E27FC236}">
-                <a16:creationId xmlns:a16="http://schemas.microsoft.com/office/drawing/2014/main" xmlns="" id="{0B2F6945-0782-412F-8470-F97516946AFD}"/>
+                <a16:creationId xmlns:a16="http://schemas.microsoft.com/office/drawing/2014/main" id="{0B2F6945-0782-412F-8470-F97516946AFD}"/>
               </a:ext>
             </a:extLst>
           </p:cNvPr>
@@ -3862,7 +3861,7 @@
           <p:cNvPr id="7" name="TekstSylinder 6">
             <a:extLst>
               <a:ext uri="{FF2B5EF4-FFF2-40B4-BE49-F238E27FC236}">
-                <a16:creationId xmlns:a16="http://schemas.microsoft.com/office/drawing/2014/main" xmlns="" id="{2AFA65E3-1DCF-40B2-AA51-A24689092CE4}"/>
+                <a16:creationId xmlns:a16="http://schemas.microsoft.com/office/drawing/2014/main" id="{2AFA65E3-1DCF-40B2-AA51-A24689092CE4}"/>
               </a:ext>
             </a:extLst>
           </p:cNvPr>
@@ -3903,25 +3902,25 @@
             </a:r>
             <a:r>
               <a:rPr lang="nb-NO" sz="1600" dirty="0"/>
-              <a:t>	123456</a:t>
+              <a:t>	??????</a:t>
             </a:r>
           </a:p>
           <a:p>
             <a:r>
               <a:rPr lang="nb-NO" sz="1600" dirty="0"/>
-              <a:t>Heidi Lohne Brække		123456</a:t>
+              <a:t>Heidi Lohne Brække		476725</a:t>
             </a:r>
           </a:p>
           <a:p>
             <a:r>
               <a:rPr lang="nb-NO" sz="1600" dirty="0"/>
-              <a:t>Magnus Gaustad Eriksson	123456</a:t>
+              <a:t>Magnus Gaustad Eriksson	259503</a:t>
             </a:r>
           </a:p>
           <a:p>
             <a:r>
               <a:rPr lang="nb-NO" sz="1600" dirty="0"/>
-              <a:t>John Gullaksen		123456</a:t>
+              <a:t>John Gullaksen		475274</a:t>
             </a:r>
           </a:p>
         </p:txBody>
@@ -3931,7 +3930,7 @@
           <p:cNvPr id="8" name="TekstSylinder 7">
             <a:extLst>
               <a:ext uri="{FF2B5EF4-FFF2-40B4-BE49-F238E27FC236}">
-                <a16:creationId xmlns:a16="http://schemas.microsoft.com/office/drawing/2014/main" xmlns="" id="{CB3821C0-F6A2-4967-A399-C2406CF771A7}"/>
+                <a16:creationId xmlns:a16="http://schemas.microsoft.com/office/drawing/2014/main" id="{CB3821C0-F6A2-4967-A399-C2406CF771A7}"/>
               </a:ext>
             </a:extLst>
           </p:cNvPr>
@@ -3964,7 +3963,7 @@
             </a:r>
             <a:r>
               <a:rPr lang="nb-NO" sz="1600" dirty="0"/>
-              <a:t>		123456</a:t>
+              <a:t>		741803</a:t>
             </a:r>
           </a:p>
           <a:p>
@@ -3992,7 +3991,7 @@
             </a:r>
             <a:r>
               <a:rPr lang="nb-NO" sz="1600" dirty="0"/>
-              <a:t> 		123456</a:t>
+              <a:t> 		476700</a:t>
             </a:r>
           </a:p>
         </p:txBody>
@@ -4032,7 +4031,7 @@
           <p:cNvPr id="2" name="Tittel 1">
             <a:extLst>
               <a:ext uri="{FF2B5EF4-FFF2-40B4-BE49-F238E27FC236}">
-                <a16:creationId xmlns:a16="http://schemas.microsoft.com/office/drawing/2014/main" xmlns="" id="{8B63E6E9-0B18-4E2D-A437-1F7448ECE5B9}"/>
+                <a16:creationId xmlns:a16="http://schemas.microsoft.com/office/drawing/2014/main" id="{8B63E6E9-0B18-4E2D-A437-1F7448ECE5B9}"/>
               </a:ext>
             </a:extLst>
           </p:cNvPr>
@@ -4066,7 +4065,7 @@
           <p:cNvPr id="3" name="Plassholder for innhold 2">
             <a:extLst>
               <a:ext uri="{FF2B5EF4-FFF2-40B4-BE49-F238E27FC236}">
-                <a16:creationId xmlns:a16="http://schemas.microsoft.com/office/drawing/2014/main" xmlns="" id="{CAFFAF17-E482-4DCA-9BA6-82FB3386B736}"/>
+                <a16:creationId xmlns:a16="http://schemas.microsoft.com/office/drawing/2014/main" id="{CAFFAF17-E482-4DCA-9BA6-82FB3386B736}"/>
               </a:ext>
             </a:extLst>
           </p:cNvPr>
@@ -4144,7 +4143,7 @@
           <p:cNvPr id="4" name="Rett linje 3">
             <a:extLst>
               <a:ext uri="{FF2B5EF4-FFF2-40B4-BE49-F238E27FC236}">
-                <a16:creationId xmlns:a16="http://schemas.microsoft.com/office/drawing/2014/main" xmlns="" id="{287E330E-CFE9-4D10-8B28-19CF892A8C83}"/>
+                <a16:creationId xmlns:a16="http://schemas.microsoft.com/office/drawing/2014/main" id="{287E330E-CFE9-4D10-8B28-19CF892A8C83}"/>
               </a:ext>
             </a:extLst>
           </p:cNvPr>
@@ -4185,7 +4184,7 @@
           <p:cNvPr id="8" name="Tabell 7">
             <a:extLst>
               <a:ext uri="{FF2B5EF4-FFF2-40B4-BE49-F238E27FC236}">
-                <a16:creationId xmlns:a16="http://schemas.microsoft.com/office/drawing/2014/main" xmlns="" id="{474B9F2F-F394-449E-B761-7F4940958A71}"/>
+                <a16:creationId xmlns:a16="http://schemas.microsoft.com/office/drawing/2014/main" id="{474B9F2F-F394-449E-B761-7F4940958A71}"/>
               </a:ext>
             </a:extLst>
           </p:cNvPr>
@@ -4212,28 +4211,28 @@
                 <a:gridCol w="952500">
                   <a:extLst>
                     <a:ext uri="{9D8B030D-6E8A-4147-A177-3AD203B41FA5}">
-                      <a16:colId xmlns:a16="http://schemas.microsoft.com/office/drawing/2014/main" xmlns="" val="2868570292"/>
+                      <a16:colId xmlns:a16="http://schemas.microsoft.com/office/drawing/2014/main" val="2868570292"/>
                     </a:ext>
                   </a:extLst>
                 </a:gridCol>
                 <a:gridCol w="1971675">
                   <a:extLst>
                     <a:ext uri="{9D8B030D-6E8A-4147-A177-3AD203B41FA5}">
-                      <a16:colId xmlns:a16="http://schemas.microsoft.com/office/drawing/2014/main" xmlns="" val="170197798"/>
+                      <a16:colId xmlns:a16="http://schemas.microsoft.com/office/drawing/2014/main" val="170197798"/>
                     </a:ext>
                   </a:extLst>
                 </a:gridCol>
                 <a:gridCol w="952500">
                   <a:extLst>
                     <a:ext uri="{9D8B030D-6E8A-4147-A177-3AD203B41FA5}">
-                      <a16:colId xmlns:a16="http://schemas.microsoft.com/office/drawing/2014/main" xmlns="" val="1096283853"/>
+                      <a16:colId xmlns:a16="http://schemas.microsoft.com/office/drawing/2014/main" val="1096283853"/>
                     </a:ext>
                   </a:extLst>
                 </a:gridCol>
                 <a:gridCol w="952500">
                   <a:extLst>
                     <a:ext uri="{9D8B030D-6E8A-4147-A177-3AD203B41FA5}">
-                      <a16:colId xmlns:a16="http://schemas.microsoft.com/office/drawing/2014/main" xmlns="" val="1676152166"/>
+                      <a16:colId xmlns:a16="http://schemas.microsoft.com/office/drawing/2014/main" val="1676152166"/>
                     </a:ext>
                   </a:extLst>
                 </a:gridCol>
@@ -4457,7 +4456,7 @@
                 </a:tc>
                 <a:extLst>
                   <a:ext uri="{0D108BD9-81ED-4DB2-BD59-A6C34878D82A}">
-                    <a16:rowId xmlns:a16="http://schemas.microsoft.com/office/drawing/2014/main" xmlns="" val="3018457811"/>
+                    <a16:rowId xmlns:a16="http://schemas.microsoft.com/office/drawing/2014/main" val="3018457811"/>
                   </a:ext>
                 </a:extLst>
               </a:tr>
@@ -4683,7 +4682,7 @@
                 </a:tc>
                 <a:extLst>
                   <a:ext uri="{0D108BD9-81ED-4DB2-BD59-A6C34878D82A}">
-                    <a16:rowId xmlns:a16="http://schemas.microsoft.com/office/drawing/2014/main" xmlns="" val="1281361339"/>
+                    <a16:rowId xmlns:a16="http://schemas.microsoft.com/office/drawing/2014/main" val="1281361339"/>
                   </a:ext>
                 </a:extLst>
               </a:tr>
@@ -4909,7 +4908,7 @@
                 </a:tc>
                 <a:extLst>
                   <a:ext uri="{0D108BD9-81ED-4DB2-BD59-A6C34878D82A}">
-                    <a16:rowId xmlns:a16="http://schemas.microsoft.com/office/drawing/2014/main" xmlns="" val="303458212"/>
+                    <a16:rowId xmlns:a16="http://schemas.microsoft.com/office/drawing/2014/main" val="303458212"/>
                   </a:ext>
                 </a:extLst>
               </a:tr>
@@ -5135,7 +5134,7 @@
                 </a:tc>
                 <a:extLst>
                   <a:ext uri="{0D108BD9-81ED-4DB2-BD59-A6C34878D82A}">
-                    <a16:rowId xmlns:a16="http://schemas.microsoft.com/office/drawing/2014/main" xmlns="" val="1083347149"/>
+                    <a16:rowId xmlns:a16="http://schemas.microsoft.com/office/drawing/2014/main" val="1083347149"/>
                   </a:ext>
                 </a:extLst>
               </a:tr>
@@ -5358,7 +5357,7 @@
                 </a:tc>
                 <a:extLst>
                   <a:ext uri="{0D108BD9-81ED-4DB2-BD59-A6C34878D82A}">
-                    <a16:rowId xmlns:a16="http://schemas.microsoft.com/office/drawing/2014/main" xmlns="" val="2842498650"/>
+                    <a16:rowId xmlns:a16="http://schemas.microsoft.com/office/drawing/2014/main" val="2842498650"/>
                   </a:ext>
                 </a:extLst>
               </a:tr>
@@ -5581,7 +5580,7 @@
                 </a:tc>
                 <a:extLst>
                   <a:ext uri="{0D108BD9-81ED-4DB2-BD59-A6C34878D82A}">
-                    <a16:rowId xmlns:a16="http://schemas.microsoft.com/office/drawing/2014/main" xmlns="" val="1103082623"/>
+                    <a16:rowId xmlns:a16="http://schemas.microsoft.com/office/drawing/2014/main" val="1103082623"/>
                   </a:ext>
                 </a:extLst>
               </a:tr>
@@ -5804,7 +5803,7 @@
                 </a:tc>
                 <a:extLst>
                   <a:ext uri="{0D108BD9-81ED-4DB2-BD59-A6C34878D82A}">
-                    <a16:rowId xmlns:a16="http://schemas.microsoft.com/office/drawing/2014/main" xmlns="" val="2326715992"/>
+                    <a16:rowId xmlns:a16="http://schemas.microsoft.com/office/drawing/2014/main" val="2326715992"/>
                   </a:ext>
                 </a:extLst>
               </a:tr>
@@ -6027,7 +6026,7 @@
                 </a:tc>
                 <a:extLst>
                   <a:ext uri="{0D108BD9-81ED-4DB2-BD59-A6C34878D82A}">
-                    <a16:rowId xmlns:a16="http://schemas.microsoft.com/office/drawing/2014/main" xmlns="" val="897359163"/>
+                    <a16:rowId xmlns:a16="http://schemas.microsoft.com/office/drawing/2014/main" val="897359163"/>
                   </a:ext>
                 </a:extLst>
               </a:tr>
@@ -6242,7 +6241,7 @@
                 </a:tc>
                 <a:extLst>
                   <a:ext uri="{0D108BD9-81ED-4DB2-BD59-A6C34878D82A}">
-                    <a16:rowId xmlns:a16="http://schemas.microsoft.com/office/drawing/2014/main" xmlns="" val="3094416502"/>
+                    <a16:rowId xmlns:a16="http://schemas.microsoft.com/office/drawing/2014/main" val="3094416502"/>
                   </a:ext>
                 </a:extLst>
               </a:tr>
@@ -6285,7 +6284,7 @@
           <p:cNvPr id="2" name="Tittel 1">
             <a:extLst>
               <a:ext uri="{FF2B5EF4-FFF2-40B4-BE49-F238E27FC236}">
-                <a16:creationId xmlns:a16="http://schemas.microsoft.com/office/drawing/2014/main" xmlns="" id="{8B63E6E9-0B18-4E2D-A437-1F7448ECE5B9}"/>
+                <a16:creationId xmlns:a16="http://schemas.microsoft.com/office/drawing/2014/main" id="{8B63E6E9-0B18-4E2D-A437-1F7448ECE5B9}"/>
               </a:ext>
             </a:extLst>
           </p:cNvPr>
@@ -6319,7 +6318,7 @@
           <p:cNvPr id="3" name="Plassholder for innhold 2">
             <a:extLst>
               <a:ext uri="{FF2B5EF4-FFF2-40B4-BE49-F238E27FC236}">
-                <a16:creationId xmlns:a16="http://schemas.microsoft.com/office/drawing/2014/main" xmlns="" id="{CAFFAF17-E482-4DCA-9BA6-82FB3386B736}"/>
+                <a16:creationId xmlns:a16="http://schemas.microsoft.com/office/drawing/2014/main" id="{CAFFAF17-E482-4DCA-9BA6-82FB3386B736}"/>
               </a:ext>
             </a:extLst>
           </p:cNvPr>
@@ -6359,7 +6358,7 @@
           <p:cNvPr id="4" name="Rett linje 3">
             <a:extLst>
               <a:ext uri="{FF2B5EF4-FFF2-40B4-BE49-F238E27FC236}">
-                <a16:creationId xmlns:a16="http://schemas.microsoft.com/office/drawing/2014/main" xmlns="" id="{287E330E-CFE9-4D10-8B28-19CF892A8C83}"/>
+                <a16:creationId xmlns:a16="http://schemas.microsoft.com/office/drawing/2014/main" id="{287E330E-CFE9-4D10-8B28-19CF892A8C83}"/>
               </a:ext>
             </a:extLst>
           </p:cNvPr>
@@ -6400,7 +6399,7 @@
           <p:cNvPr id="6" name="Tabell 5">
             <a:extLst>
               <a:ext uri="{FF2B5EF4-FFF2-40B4-BE49-F238E27FC236}">
-                <a16:creationId xmlns:a16="http://schemas.microsoft.com/office/drawing/2014/main" xmlns="" id="{FCA0F356-1E46-400B-8887-0E0AAED1CB00}"/>
+                <a16:creationId xmlns:a16="http://schemas.microsoft.com/office/drawing/2014/main" id="{FCA0F356-1E46-400B-8887-0E0AAED1CB00}"/>
               </a:ext>
             </a:extLst>
           </p:cNvPr>
@@ -6427,28 +6426,28 @@
                 <a:gridCol w="952500">
                   <a:extLst>
                     <a:ext uri="{9D8B030D-6E8A-4147-A177-3AD203B41FA5}">
-                      <a16:colId xmlns:a16="http://schemas.microsoft.com/office/drawing/2014/main" xmlns="" val="2278551448"/>
+                      <a16:colId xmlns:a16="http://schemas.microsoft.com/office/drawing/2014/main" val="2278551448"/>
                     </a:ext>
                   </a:extLst>
                 </a:gridCol>
                 <a:gridCol w="1971675">
                   <a:extLst>
                     <a:ext uri="{9D8B030D-6E8A-4147-A177-3AD203B41FA5}">
-                      <a16:colId xmlns:a16="http://schemas.microsoft.com/office/drawing/2014/main" xmlns="" val="3348160202"/>
+                      <a16:colId xmlns:a16="http://schemas.microsoft.com/office/drawing/2014/main" val="3348160202"/>
                     </a:ext>
                   </a:extLst>
                 </a:gridCol>
                 <a:gridCol w="952500">
                   <a:extLst>
                     <a:ext uri="{9D8B030D-6E8A-4147-A177-3AD203B41FA5}">
-                      <a16:colId xmlns:a16="http://schemas.microsoft.com/office/drawing/2014/main" xmlns="" val="2833487220"/>
+                      <a16:colId xmlns:a16="http://schemas.microsoft.com/office/drawing/2014/main" val="2833487220"/>
                     </a:ext>
                   </a:extLst>
                 </a:gridCol>
                 <a:gridCol w="952500">
                   <a:extLst>
                     <a:ext uri="{9D8B030D-6E8A-4147-A177-3AD203B41FA5}">
-                      <a16:colId xmlns:a16="http://schemas.microsoft.com/office/drawing/2014/main" xmlns="" val="2411898287"/>
+                      <a16:colId xmlns:a16="http://schemas.microsoft.com/office/drawing/2014/main" val="2411898287"/>
                     </a:ext>
                   </a:extLst>
                 </a:gridCol>
@@ -6672,7 +6671,7 @@
                 </a:tc>
                 <a:extLst>
                   <a:ext uri="{0D108BD9-81ED-4DB2-BD59-A6C34878D82A}">
-                    <a16:rowId xmlns:a16="http://schemas.microsoft.com/office/drawing/2014/main" xmlns="" val="2694945206"/>
+                    <a16:rowId xmlns:a16="http://schemas.microsoft.com/office/drawing/2014/main" val="2694945206"/>
                   </a:ext>
                 </a:extLst>
               </a:tr>
@@ -6898,7 +6897,7 @@
                 </a:tc>
                 <a:extLst>
                   <a:ext uri="{0D108BD9-81ED-4DB2-BD59-A6C34878D82A}">
-                    <a16:rowId xmlns:a16="http://schemas.microsoft.com/office/drawing/2014/main" xmlns="" val="374755202"/>
+                    <a16:rowId xmlns:a16="http://schemas.microsoft.com/office/drawing/2014/main" val="374755202"/>
                   </a:ext>
                 </a:extLst>
               </a:tr>
@@ -7121,7 +7120,7 @@
                 </a:tc>
                 <a:extLst>
                   <a:ext uri="{0D108BD9-81ED-4DB2-BD59-A6C34878D82A}">
-                    <a16:rowId xmlns:a16="http://schemas.microsoft.com/office/drawing/2014/main" xmlns="" val="3053262217"/>
+                    <a16:rowId xmlns:a16="http://schemas.microsoft.com/office/drawing/2014/main" val="3053262217"/>
                   </a:ext>
                 </a:extLst>
               </a:tr>
@@ -7344,7 +7343,7 @@
                 </a:tc>
                 <a:extLst>
                   <a:ext uri="{0D108BD9-81ED-4DB2-BD59-A6C34878D82A}">
-                    <a16:rowId xmlns:a16="http://schemas.microsoft.com/office/drawing/2014/main" xmlns="" val="3225059687"/>
+                    <a16:rowId xmlns:a16="http://schemas.microsoft.com/office/drawing/2014/main" val="3225059687"/>
                   </a:ext>
                 </a:extLst>
               </a:tr>
@@ -7567,7 +7566,7 @@
                 </a:tc>
                 <a:extLst>
                   <a:ext uri="{0D108BD9-81ED-4DB2-BD59-A6C34878D82A}">
-                    <a16:rowId xmlns:a16="http://schemas.microsoft.com/office/drawing/2014/main" xmlns="" val="1980769087"/>
+                    <a16:rowId xmlns:a16="http://schemas.microsoft.com/office/drawing/2014/main" val="1980769087"/>
                   </a:ext>
                 </a:extLst>
               </a:tr>
@@ -7790,7 +7789,7 @@
                 </a:tc>
                 <a:extLst>
                   <a:ext uri="{0D108BD9-81ED-4DB2-BD59-A6C34878D82A}">
-                    <a16:rowId xmlns:a16="http://schemas.microsoft.com/office/drawing/2014/main" xmlns="" val="1009844658"/>
+                    <a16:rowId xmlns:a16="http://schemas.microsoft.com/office/drawing/2014/main" val="1009844658"/>
                   </a:ext>
                 </a:extLst>
               </a:tr>
@@ -8005,7 +8004,7 @@
                 </a:tc>
                 <a:extLst>
                   <a:ext uri="{0D108BD9-81ED-4DB2-BD59-A6C34878D82A}">
-                    <a16:rowId xmlns:a16="http://schemas.microsoft.com/office/drawing/2014/main" xmlns="" val="1376546797"/>
+                    <a16:rowId xmlns:a16="http://schemas.microsoft.com/office/drawing/2014/main" val="1376546797"/>
                   </a:ext>
                 </a:extLst>
               </a:tr>
@@ -8048,7 +8047,7 @@
           <p:cNvPr id="2" name="Tittel 1">
             <a:extLst>
               <a:ext uri="{FF2B5EF4-FFF2-40B4-BE49-F238E27FC236}">
-                <a16:creationId xmlns:a16="http://schemas.microsoft.com/office/drawing/2014/main" xmlns="" id="{8B63E6E9-0B18-4E2D-A437-1F7448ECE5B9}"/>
+                <a16:creationId xmlns:a16="http://schemas.microsoft.com/office/drawing/2014/main" id="{8B63E6E9-0B18-4E2D-A437-1F7448ECE5B9}"/>
               </a:ext>
             </a:extLst>
           </p:cNvPr>
@@ -8082,7 +8081,7 @@
           <p:cNvPr id="3" name="Plassholder for innhold 2">
             <a:extLst>
               <a:ext uri="{FF2B5EF4-FFF2-40B4-BE49-F238E27FC236}">
-                <a16:creationId xmlns:a16="http://schemas.microsoft.com/office/drawing/2014/main" xmlns="" id="{CAFFAF17-E482-4DCA-9BA6-82FB3386B736}"/>
+                <a16:creationId xmlns:a16="http://schemas.microsoft.com/office/drawing/2014/main" id="{CAFFAF17-E482-4DCA-9BA6-82FB3386B736}"/>
               </a:ext>
             </a:extLst>
           </p:cNvPr>
@@ -8141,7 +8140,7 @@
           <p:cNvPr id="4" name="Rett linje 3">
             <a:extLst>
               <a:ext uri="{FF2B5EF4-FFF2-40B4-BE49-F238E27FC236}">
-                <a16:creationId xmlns:a16="http://schemas.microsoft.com/office/drawing/2014/main" xmlns="" id="{287E330E-CFE9-4D10-8B28-19CF892A8C83}"/>
+                <a16:creationId xmlns:a16="http://schemas.microsoft.com/office/drawing/2014/main" id="{287E330E-CFE9-4D10-8B28-19CF892A8C83}"/>
               </a:ext>
             </a:extLst>
           </p:cNvPr>
@@ -8182,7 +8181,7 @@
           <p:cNvPr id="6" name="Tabell 5">
             <a:extLst>
               <a:ext uri="{FF2B5EF4-FFF2-40B4-BE49-F238E27FC236}">
-                <a16:creationId xmlns:a16="http://schemas.microsoft.com/office/drawing/2014/main" xmlns="" id="{A9E0F5EB-B430-45A6-B70B-CC39BB1461E5}"/>
+                <a16:creationId xmlns:a16="http://schemas.microsoft.com/office/drawing/2014/main" id="{A9E0F5EB-B430-45A6-B70B-CC39BB1461E5}"/>
               </a:ext>
             </a:extLst>
           </p:cNvPr>
@@ -8209,28 +8208,28 @@
                 <a:gridCol w="952500">
                   <a:extLst>
                     <a:ext uri="{9D8B030D-6E8A-4147-A177-3AD203B41FA5}">
-                      <a16:colId xmlns:a16="http://schemas.microsoft.com/office/drawing/2014/main" xmlns="" val="2338442054"/>
+                      <a16:colId xmlns:a16="http://schemas.microsoft.com/office/drawing/2014/main" val="2338442054"/>
                     </a:ext>
                   </a:extLst>
                 </a:gridCol>
                 <a:gridCol w="1971675">
                   <a:extLst>
                     <a:ext uri="{9D8B030D-6E8A-4147-A177-3AD203B41FA5}">
-                      <a16:colId xmlns:a16="http://schemas.microsoft.com/office/drawing/2014/main" xmlns="" val="790729723"/>
+                      <a16:colId xmlns:a16="http://schemas.microsoft.com/office/drawing/2014/main" val="790729723"/>
                     </a:ext>
                   </a:extLst>
                 </a:gridCol>
                 <a:gridCol w="952500">
                   <a:extLst>
                     <a:ext uri="{9D8B030D-6E8A-4147-A177-3AD203B41FA5}">
-                      <a16:colId xmlns:a16="http://schemas.microsoft.com/office/drawing/2014/main" xmlns="" val="1918720503"/>
+                      <a16:colId xmlns:a16="http://schemas.microsoft.com/office/drawing/2014/main" val="1918720503"/>
                     </a:ext>
                   </a:extLst>
                 </a:gridCol>
                 <a:gridCol w="952500">
                   <a:extLst>
                     <a:ext uri="{9D8B030D-6E8A-4147-A177-3AD203B41FA5}">
-                      <a16:colId xmlns:a16="http://schemas.microsoft.com/office/drawing/2014/main" xmlns="" val="322517161"/>
+                      <a16:colId xmlns:a16="http://schemas.microsoft.com/office/drawing/2014/main" val="322517161"/>
                     </a:ext>
                   </a:extLst>
                 </a:gridCol>
@@ -8454,7 +8453,7 @@
                 </a:tc>
                 <a:extLst>
                   <a:ext uri="{0D108BD9-81ED-4DB2-BD59-A6C34878D82A}">
-                    <a16:rowId xmlns:a16="http://schemas.microsoft.com/office/drawing/2014/main" xmlns="" val="2614197844"/>
+                    <a16:rowId xmlns:a16="http://schemas.microsoft.com/office/drawing/2014/main" val="2614197844"/>
                   </a:ext>
                 </a:extLst>
               </a:tr>
@@ -8677,7 +8676,7 @@
                 </a:tc>
                 <a:extLst>
                   <a:ext uri="{0D108BD9-81ED-4DB2-BD59-A6C34878D82A}">
-                    <a16:rowId xmlns:a16="http://schemas.microsoft.com/office/drawing/2014/main" xmlns="" val="983838592"/>
+                    <a16:rowId xmlns:a16="http://schemas.microsoft.com/office/drawing/2014/main" val="983838592"/>
                   </a:ext>
                 </a:extLst>
               </a:tr>
@@ -8900,7 +8899,7 @@
                 </a:tc>
                 <a:extLst>
                   <a:ext uri="{0D108BD9-81ED-4DB2-BD59-A6C34878D82A}">
-                    <a16:rowId xmlns:a16="http://schemas.microsoft.com/office/drawing/2014/main" xmlns="" val="3253911212"/>
+                    <a16:rowId xmlns:a16="http://schemas.microsoft.com/office/drawing/2014/main" val="3253911212"/>
                   </a:ext>
                 </a:extLst>
               </a:tr>
@@ -9123,7 +9122,7 @@
                 </a:tc>
                 <a:extLst>
                   <a:ext uri="{0D108BD9-81ED-4DB2-BD59-A6C34878D82A}">
-                    <a16:rowId xmlns:a16="http://schemas.microsoft.com/office/drawing/2014/main" xmlns="" val="2007757984"/>
+                    <a16:rowId xmlns:a16="http://schemas.microsoft.com/office/drawing/2014/main" val="2007757984"/>
                   </a:ext>
                 </a:extLst>
               </a:tr>
@@ -9346,7 +9345,7 @@
                 </a:tc>
                 <a:extLst>
                   <a:ext uri="{0D108BD9-81ED-4DB2-BD59-A6C34878D82A}">
-                    <a16:rowId xmlns:a16="http://schemas.microsoft.com/office/drawing/2014/main" xmlns="" val="3867600205"/>
+                    <a16:rowId xmlns:a16="http://schemas.microsoft.com/office/drawing/2014/main" val="3867600205"/>
                   </a:ext>
                 </a:extLst>
               </a:tr>
@@ -9561,7 +9560,7 @@
                 </a:tc>
                 <a:extLst>
                   <a:ext uri="{0D108BD9-81ED-4DB2-BD59-A6C34878D82A}">
-                    <a16:rowId xmlns:a16="http://schemas.microsoft.com/office/drawing/2014/main" xmlns="" val="446721787"/>
+                    <a16:rowId xmlns:a16="http://schemas.microsoft.com/office/drawing/2014/main" val="446721787"/>
                   </a:ext>
                 </a:extLst>
               </a:tr>
@@ -9604,7 +9603,7 @@
           <p:cNvPr id="2" name="Tittel 1">
             <a:extLst>
               <a:ext uri="{FF2B5EF4-FFF2-40B4-BE49-F238E27FC236}">
-                <a16:creationId xmlns:a16="http://schemas.microsoft.com/office/drawing/2014/main" xmlns="" id="{8B63E6E9-0B18-4E2D-A437-1F7448ECE5B9}"/>
+                <a16:creationId xmlns:a16="http://schemas.microsoft.com/office/drawing/2014/main" id="{8B63E6E9-0B18-4E2D-A437-1F7448ECE5B9}"/>
               </a:ext>
             </a:extLst>
           </p:cNvPr>
@@ -9638,7 +9637,7 @@
           <p:cNvPr id="3" name="Plassholder for innhold 2">
             <a:extLst>
               <a:ext uri="{FF2B5EF4-FFF2-40B4-BE49-F238E27FC236}">
-                <a16:creationId xmlns:a16="http://schemas.microsoft.com/office/drawing/2014/main" xmlns="" id="{CAFFAF17-E482-4DCA-9BA6-82FB3386B736}"/>
+                <a16:creationId xmlns:a16="http://schemas.microsoft.com/office/drawing/2014/main" id="{CAFFAF17-E482-4DCA-9BA6-82FB3386B736}"/>
               </a:ext>
             </a:extLst>
           </p:cNvPr>
@@ -9705,7 +9704,7 @@
           <p:cNvPr id="4" name="Rett linje 3">
             <a:extLst>
               <a:ext uri="{FF2B5EF4-FFF2-40B4-BE49-F238E27FC236}">
-                <a16:creationId xmlns:a16="http://schemas.microsoft.com/office/drawing/2014/main" xmlns="" id="{287E330E-CFE9-4D10-8B28-19CF892A8C83}"/>
+                <a16:creationId xmlns:a16="http://schemas.microsoft.com/office/drawing/2014/main" id="{287E330E-CFE9-4D10-8B28-19CF892A8C83}"/>
               </a:ext>
             </a:extLst>
           </p:cNvPr>
@@ -9746,7 +9745,7 @@
           <p:cNvPr id="6" name="Tabell 5">
             <a:extLst>
               <a:ext uri="{FF2B5EF4-FFF2-40B4-BE49-F238E27FC236}">
-                <a16:creationId xmlns:a16="http://schemas.microsoft.com/office/drawing/2014/main" xmlns="" id="{605788A2-798A-4BE8-9AA5-EC1A1731A368}"/>
+                <a16:creationId xmlns:a16="http://schemas.microsoft.com/office/drawing/2014/main" id="{605788A2-798A-4BE8-9AA5-EC1A1731A368}"/>
               </a:ext>
             </a:extLst>
           </p:cNvPr>
@@ -9773,28 +9772,28 @@
                 <a:gridCol w="952500">
                   <a:extLst>
                     <a:ext uri="{9D8B030D-6E8A-4147-A177-3AD203B41FA5}">
-                      <a16:colId xmlns:a16="http://schemas.microsoft.com/office/drawing/2014/main" xmlns="" val="1440381944"/>
+                      <a16:colId xmlns:a16="http://schemas.microsoft.com/office/drawing/2014/main" val="1440381944"/>
                     </a:ext>
                   </a:extLst>
                 </a:gridCol>
                 <a:gridCol w="1971675">
                   <a:extLst>
                     <a:ext uri="{9D8B030D-6E8A-4147-A177-3AD203B41FA5}">
-                      <a16:colId xmlns:a16="http://schemas.microsoft.com/office/drawing/2014/main" xmlns="" val="3650635909"/>
+                      <a16:colId xmlns:a16="http://schemas.microsoft.com/office/drawing/2014/main" val="3650635909"/>
                     </a:ext>
                   </a:extLst>
                 </a:gridCol>
                 <a:gridCol w="952500">
                   <a:extLst>
                     <a:ext uri="{9D8B030D-6E8A-4147-A177-3AD203B41FA5}">
-                      <a16:colId xmlns:a16="http://schemas.microsoft.com/office/drawing/2014/main" xmlns="" val="3111880008"/>
+                      <a16:colId xmlns:a16="http://schemas.microsoft.com/office/drawing/2014/main" val="3111880008"/>
                     </a:ext>
                   </a:extLst>
                 </a:gridCol>
                 <a:gridCol w="952500">
                   <a:extLst>
                     <a:ext uri="{9D8B030D-6E8A-4147-A177-3AD203B41FA5}">
-                      <a16:colId xmlns:a16="http://schemas.microsoft.com/office/drawing/2014/main" xmlns="" val="3443992274"/>
+                      <a16:colId xmlns:a16="http://schemas.microsoft.com/office/drawing/2014/main" val="3443992274"/>
                     </a:ext>
                   </a:extLst>
                 </a:gridCol>
@@ -10018,7 +10017,7 @@
                 </a:tc>
                 <a:extLst>
                   <a:ext uri="{0D108BD9-81ED-4DB2-BD59-A6C34878D82A}">
-                    <a16:rowId xmlns:a16="http://schemas.microsoft.com/office/drawing/2014/main" xmlns="" val="2967043804"/>
+                    <a16:rowId xmlns:a16="http://schemas.microsoft.com/office/drawing/2014/main" val="2967043804"/>
                   </a:ext>
                 </a:extLst>
               </a:tr>
@@ -10241,7 +10240,7 @@
                 </a:tc>
                 <a:extLst>
                   <a:ext uri="{0D108BD9-81ED-4DB2-BD59-A6C34878D82A}">
-                    <a16:rowId xmlns:a16="http://schemas.microsoft.com/office/drawing/2014/main" xmlns="" val="3766021577"/>
+                    <a16:rowId xmlns:a16="http://schemas.microsoft.com/office/drawing/2014/main" val="3766021577"/>
                   </a:ext>
                 </a:extLst>
               </a:tr>
@@ -10464,7 +10463,7 @@
                 </a:tc>
                 <a:extLst>
                   <a:ext uri="{0D108BD9-81ED-4DB2-BD59-A6C34878D82A}">
-                    <a16:rowId xmlns:a16="http://schemas.microsoft.com/office/drawing/2014/main" xmlns="" val="1399951700"/>
+                    <a16:rowId xmlns:a16="http://schemas.microsoft.com/office/drawing/2014/main" val="1399951700"/>
                   </a:ext>
                 </a:extLst>
               </a:tr>
@@ -10687,7 +10686,7 @@
                 </a:tc>
                 <a:extLst>
                   <a:ext uri="{0D108BD9-81ED-4DB2-BD59-A6C34878D82A}">
-                    <a16:rowId xmlns:a16="http://schemas.microsoft.com/office/drawing/2014/main" xmlns="" val="4062247041"/>
+                    <a16:rowId xmlns:a16="http://schemas.microsoft.com/office/drawing/2014/main" val="4062247041"/>
                   </a:ext>
                 </a:extLst>
               </a:tr>
@@ -10910,7 +10909,7 @@
                 </a:tc>
                 <a:extLst>
                   <a:ext uri="{0D108BD9-81ED-4DB2-BD59-A6C34878D82A}">
-                    <a16:rowId xmlns:a16="http://schemas.microsoft.com/office/drawing/2014/main" xmlns="" val="256636957"/>
+                    <a16:rowId xmlns:a16="http://schemas.microsoft.com/office/drawing/2014/main" val="256636957"/>
                   </a:ext>
                 </a:extLst>
               </a:tr>
@@ -11133,7 +11132,7 @@
                 </a:tc>
                 <a:extLst>
                   <a:ext uri="{0D108BD9-81ED-4DB2-BD59-A6C34878D82A}">
-                    <a16:rowId xmlns:a16="http://schemas.microsoft.com/office/drawing/2014/main" xmlns="" val="1777264386"/>
+                    <a16:rowId xmlns:a16="http://schemas.microsoft.com/office/drawing/2014/main" val="1777264386"/>
                   </a:ext>
                 </a:extLst>
               </a:tr>
@@ -11348,7 +11347,7 @@
                 </a:tc>
                 <a:extLst>
                   <a:ext uri="{0D108BD9-81ED-4DB2-BD59-A6C34878D82A}">
-                    <a16:rowId xmlns:a16="http://schemas.microsoft.com/office/drawing/2014/main" xmlns="" val="2339621088"/>
+                    <a16:rowId xmlns:a16="http://schemas.microsoft.com/office/drawing/2014/main" val="2339621088"/>
                   </a:ext>
                 </a:extLst>
               </a:tr>
@@ -11391,7 +11390,7 @@
           <p:cNvPr id="2" name="Tittel 1">
             <a:extLst>
               <a:ext uri="{FF2B5EF4-FFF2-40B4-BE49-F238E27FC236}">
-                <a16:creationId xmlns:a16="http://schemas.microsoft.com/office/drawing/2014/main" xmlns="" id="{8B63E6E9-0B18-4E2D-A437-1F7448ECE5B9}"/>
+                <a16:creationId xmlns:a16="http://schemas.microsoft.com/office/drawing/2014/main" id="{8B63E6E9-0B18-4E2D-A437-1F7448ECE5B9}"/>
               </a:ext>
             </a:extLst>
           </p:cNvPr>
@@ -11425,7 +11424,7 @@
           <p:cNvPr id="4" name="Rett linje 3">
             <a:extLst>
               <a:ext uri="{FF2B5EF4-FFF2-40B4-BE49-F238E27FC236}">
-                <a16:creationId xmlns:a16="http://schemas.microsoft.com/office/drawing/2014/main" xmlns="" id="{287E330E-CFE9-4D10-8B28-19CF892A8C83}"/>
+                <a16:creationId xmlns:a16="http://schemas.microsoft.com/office/drawing/2014/main" id="{287E330E-CFE9-4D10-8B28-19CF892A8C83}"/>
               </a:ext>
             </a:extLst>
           </p:cNvPr>
@@ -11466,7 +11465,7 @@
           <p:cNvPr id="8" name="Plassholder for innhold 7">
             <a:extLst>
               <a:ext uri="{FF2B5EF4-FFF2-40B4-BE49-F238E27FC236}">
-                <a16:creationId xmlns:a16="http://schemas.microsoft.com/office/drawing/2014/main" xmlns="" id="{23087E6D-69E1-4034-AE94-2D8426330AA6}"/>
+                <a16:creationId xmlns:a16="http://schemas.microsoft.com/office/drawing/2014/main" id="{23087E6D-69E1-4034-AE94-2D8426330AA6}"/>
               </a:ext>
             </a:extLst>
           </p:cNvPr>
@@ -11505,7 +11504,7 @@
           <p:cNvPr id="9" name="Bilde 8">
             <a:extLst>
               <a:ext uri="{FF2B5EF4-FFF2-40B4-BE49-F238E27FC236}">
-                <a16:creationId xmlns:a16="http://schemas.microsoft.com/office/drawing/2014/main" xmlns="" id="{9302637E-9A98-4DFB-984E-9F0F6530D0E4}"/>
+                <a16:creationId xmlns:a16="http://schemas.microsoft.com/office/drawing/2014/main" id="{9302637E-9A98-4DFB-984E-9F0F6530D0E4}"/>
               </a:ext>
             </a:extLst>
           </p:cNvPr>
@@ -11535,7 +11534,7 @@
           <p:cNvPr id="11" name="Bilde 10">
             <a:extLst>
               <a:ext uri="{FF2B5EF4-FFF2-40B4-BE49-F238E27FC236}">
-                <a16:creationId xmlns:a16="http://schemas.microsoft.com/office/drawing/2014/main" xmlns="" id="{8C27A0B8-67C7-4C63-A404-4A6B63B17781}"/>
+                <a16:creationId xmlns:a16="http://schemas.microsoft.com/office/drawing/2014/main" id="{8C27A0B8-67C7-4C63-A404-4A6B63B17781}"/>
               </a:ext>
             </a:extLst>
           </p:cNvPr>
@@ -11565,7 +11564,7 @@
           <p:cNvPr id="12" name="Bilde 11">
             <a:extLst>
               <a:ext uri="{FF2B5EF4-FFF2-40B4-BE49-F238E27FC236}">
-                <a16:creationId xmlns:a16="http://schemas.microsoft.com/office/drawing/2014/main" xmlns="" id="{786D884A-225F-4D45-BC61-6C743DDE9C57}"/>
+                <a16:creationId xmlns:a16="http://schemas.microsoft.com/office/drawing/2014/main" id="{786D884A-225F-4D45-BC61-6C743DDE9C57}"/>
               </a:ext>
             </a:extLst>
           </p:cNvPr>
@@ -11600,13 +11599,6 @@
   <p:clrMapOvr>
     <a:masterClrMapping/>
   </p:clrMapOvr>
-  <p:timing>
-    <p:tnLst>
-      <p:par>
-        <p:cTn id="1" dur="indefinite" restart="never" nodeType="tmRoot"/>
-      </p:par>
-    </p:tnLst>
-  </p:timing>
 </p:sld>
 </file>
 
@@ -11632,7 +11624,7 @@
           <p:cNvPr id="2" name="Tittel 1">
             <a:extLst>
               <a:ext uri="{FF2B5EF4-FFF2-40B4-BE49-F238E27FC236}">
-                <a16:creationId xmlns:a16="http://schemas.microsoft.com/office/drawing/2014/main" xmlns="" id="{8B63E6E9-0B18-4E2D-A437-1F7448ECE5B9}"/>
+                <a16:creationId xmlns:a16="http://schemas.microsoft.com/office/drawing/2014/main" id="{8B63E6E9-0B18-4E2D-A437-1F7448ECE5B9}"/>
               </a:ext>
             </a:extLst>
           </p:cNvPr>
@@ -11666,7 +11658,7 @@
           <p:cNvPr id="4" name="Rett linje 3">
             <a:extLst>
               <a:ext uri="{FF2B5EF4-FFF2-40B4-BE49-F238E27FC236}">
-                <a16:creationId xmlns:a16="http://schemas.microsoft.com/office/drawing/2014/main" xmlns="" id="{287E330E-CFE9-4D10-8B28-19CF892A8C83}"/>
+                <a16:creationId xmlns:a16="http://schemas.microsoft.com/office/drawing/2014/main" id="{287E330E-CFE9-4D10-8B28-19CF892A8C83}"/>
               </a:ext>
             </a:extLst>
           </p:cNvPr>
@@ -11707,7 +11699,7 @@
           <p:cNvPr id="8" name="Plassholder for innhold 7">
             <a:extLst>
               <a:ext uri="{FF2B5EF4-FFF2-40B4-BE49-F238E27FC236}">
-                <a16:creationId xmlns:a16="http://schemas.microsoft.com/office/drawing/2014/main" xmlns="" id="{23087E6D-69E1-4034-AE94-2D8426330AA6}"/>
+                <a16:creationId xmlns:a16="http://schemas.microsoft.com/office/drawing/2014/main" id="{23087E6D-69E1-4034-AE94-2D8426330AA6}"/>
               </a:ext>
             </a:extLst>
           </p:cNvPr>
@@ -11734,43 +11726,30 @@
               <a:buNone/>
             </a:pPr>
             <a:r>
-              <a:rPr lang="nb-NO" sz="1800" dirty="0" smtClean="0"/>
+              <a:rPr lang="nb-NO" sz="1800" dirty="0"/>
               <a:t>Sprint </a:t>
             </a:r>
             <a:r>
-              <a:rPr lang="nb-NO" sz="1800" dirty="0" err="1" smtClean="0"/>
+              <a:rPr lang="nb-NO" sz="1800" dirty="0" err="1"/>
               <a:t>Backlog</a:t>
             </a:r>
             <a:r>
-              <a:rPr lang="nb-NO" sz="1800" dirty="0" smtClean="0"/>
+              <a:rPr lang="nb-NO" sz="1800" dirty="0"/>
               <a:t>:</a:t>
             </a:r>
-            <a:endParaRPr lang="nb-NO" sz="1800" dirty="0"/>
           </a:p>
           <a:p>
             <a:pPr fontAlgn="base"/>
             <a:r>
-              <a:rPr lang="nb-NO" sz="1600" dirty="0" smtClean="0"/>
-              <a:t>Opprette </a:t>
-            </a:r>
-            <a:r>
               <a:rPr lang="nb-NO" sz="1600" dirty="0"/>
-              <a:t>en </a:t>
-            </a:r>
-            <a:r>
-              <a:rPr lang="nb-NO" sz="1600" dirty="0" smtClean="0"/>
-              <a:t>database</a:t>
+              <a:t>Opprette en database</a:t>
             </a:r>
           </a:p>
           <a:p>
             <a:pPr fontAlgn="base"/>
             <a:r>
-              <a:rPr lang="nb-NO" sz="1600" dirty="0" smtClean="0"/>
-              <a:t>GUI </a:t>
-            </a:r>
-            <a:r>
               <a:rPr lang="nb-NO" sz="1600" dirty="0"/>
-              <a:t>for </a:t>
+              <a:t>GUI for </a:t>
             </a:r>
             <a:r>
               <a:rPr lang="nb-NO" sz="1600" dirty="0" err="1"/>
@@ -11899,13 +11878,6 @@
   <p:clrMapOvr>
     <a:masterClrMapping/>
   </p:clrMapOvr>
-  <p:timing>
-    <p:tnLst>
-      <p:par>
-        <p:cTn id="1" dur="indefinite" restart="never" nodeType="tmRoot"/>
-      </p:par>
-    </p:tnLst>
-  </p:timing>
 </p:sld>
 </file>
 
@@ -11931,7 +11903,7 @@
           <p:cNvPr id="2" name="Tittel 1">
             <a:extLst>
               <a:ext uri="{FF2B5EF4-FFF2-40B4-BE49-F238E27FC236}">
-                <a16:creationId xmlns:a16="http://schemas.microsoft.com/office/drawing/2014/main" xmlns="" id="{8B63E6E9-0B18-4E2D-A437-1F7448ECE5B9}"/>
+                <a16:creationId xmlns:a16="http://schemas.microsoft.com/office/drawing/2014/main" id="{8B63E6E9-0B18-4E2D-A437-1F7448ECE5B9}"/>
               </a:ext>
             </a:extLst>
           </p:cNvPr>
@@ -11965,7 +11937,7 @@
           <p:cNvPr id="3" name="Plassholder for innhold 2">
             <a:extLst>
               <a:ext uri="{FF2B5EF4-FFF2-40B4-BE49-F238E27FC236}">
-                <a16:creationId xmlns:a16="http://schemas.microsoft.com/office/drawing/2014/main" xmlns="" id="{CAFFAF17-E482-4DCA-9BA6-82FB3386B736}"/>
+                <a16:creationId xmlns:a16="http://schemas.microsoft.com/office/drawing/2014/main" id="{CAFFAF17-E482-4DCA-9BA6-82FB3386B736}"/>
               </a:ext>
             </a:extLst>
           </p:cNvPr>
@@ -12058,7 +12030,7 @@
           <p:cNvPr id="4" name="Rett linje 3">
             <a:extLst>
               <a:ext uri="{FF2B5EF4-FFF2-40B4-BE49-F238E27FC236}">
-                <a16:creationId xmlns:a16="http://schemas.microsoft.com/office/drawing/2014/main" xmlns="" id="{287E330E-CFE9-4D10-8B28-19CF892A8C83}"/>
+                <a16:creationId xmlns:a16="http://schemas.microsoft.com/office/drawing/2014/main" id="{287E330E-CFE9-4D10-8B28-19CF892A8C83}"/>
               </a:ext>
             </a:extLst>
           </p:cNvPr>
@@ -12104,13 +12076,6 @@
   <p:clrMapOvr>
     <a:masterClrMapping/>
   </p:clrMapOvr>
-  <p:timing>
-    <p:tnLst>
-      <p:par>
-        <p:cTn id="1" dur="indefinite" restart="never" nodeType="tmRoot"/>
-      </p:par>
-    </p:tnLst>
-  </p:timing>
 </p:sld>
 </file>
 
@@ -12136,7 +12101,7 @@
           <p:cNvPr id="2" name="Tittel 1">
             <a:extLst>
               <a:ext uri="{FF2B5EF4-FFF2-40B4-BE49-F238E27FC236}">
-                <a16:creationId xmlns:a16="http://schemas.microsoft.com/office/drawing/2014/main" xmlns="" id="{8B63E6E9-0B18-4E2D-A437-1F7448ECE5B9}"/>
+                <a16:creationId xmlns:a16="http://schemas.microsoft.com/office/drawing/2014/main" id="{8B63E6E9-0B18-4E2D-A437-1F7448ECE5B9}"/>
               </a:ext>
             </a:extLst>
           </p:cNvPr>
@@ -12170,7 +12135,7 @@
           <p:cNvPr id="4" name="Rett linje 3">
             <a:extLst>
               <a:ext uri="{FF2B5EF4-FFF2-40B4-BE49-F238E27FC236}">
-                <a16:creationId xmlns:a16="http://schemas.microsoft.com/office/drawing/2014/main" xmlns="" id="{287E330E-CFE9-4D10-8B28-19CF892A8C83}"/>
+                <a16:creationId xmlns:a16="http://schemas.microsoft.com/office/drawing/2014/main" id="{287E330E-CFE9-4D10-8B28-19CF892A8C83}"/>
               </a:ext>
             </a:extLst>
           </p:cNvPr>
@@ -12241,7 +12206,7 @@
           <p:cNvPr id="2" name="Tittel 1">
             <a:extLst>
               <a:ext uri="{FF2B5EF4-FFF2-40B4-BE49-F238E27FC236}">
-                <a16:creationId xmlns:a16="http://schemas.microsoft.com/office/drawing/2014/main" xmlns="" id="{8B63E6E9-0B18-4E2D-A437-1F7448ECE5B9}"/>
+                <a16:creationId xmlns:a16="http://schemas.microsoft.com/office/drawing/2014/main" id="{8B63E6E9-0B18-4E2D-A437-1F7448ECE5B9}"/>
               </a:ext>
             </a:extLst>
           </p:cNvPr>
@@ -12275,7 +12240,7 @@
           <p:cNvPr id="3" name="Plassholder for innhold 2">
             <a:extLst>
               <a:ext uri="{FF2B5EF4-FFF2-40B4-BE49-F238E27FC236}">
-                <a16:creationId xmlns:a16="http://schemas.microsoft.com/office/drawing/2014/main" xmlns="" id="{CAFFAF17-E482-4DCA-9BA6-82FB3386B736}"/>
+                <a16:creationId xmlns:a16="http://schemas.microsoft.com/office/drawing/2014/main" id="{CAFFAF17-E482-4DCA-9BA6-82FB3386B736}"/>
               </a:ext>
             </a:extLst>
           </p:cNvPr>
@@ -12352,7 +12317,7 @@
           <p:cNvPr id="4" name="Rett linje 3">
             <a:extLst>
               <a:ext uri="{FF2B5EF4-FFF2-40B4-BE49-F238E27FC236}">
-                <a16:creationId xmlns:a16="http://schemas.microsoft.com/office/drawing/2014/main" xmlns="" id="{287E330E-CFE9-4D10-8B28-19CF892A8C83}"/>
+                <a16:creationId xmlns:a16="http://schemas.microsoft.com/office/drawing/2014/main" id="{287E330E-CFE9-4D10-8B28-19CF892A8C83}"/>
               </a:ext>
             </a:extLst>
           </p:cNvPr>
@@ -12423,7 +12388,7 @@
           <p:cNvPr id="2" name="Tittel 1">
             <a:extLst>
               <a:ext uri="{FF2B5EF4-FFF2-40B4-BE49-F238E27FC236}">
-                <a16:creationId xmlns:a16="http://schemas.microsoft.com/office/drawing/2014/main" xmlns="" id="{8B63E6E9-0B18-4E2D-A437-1F7448ECE5B9}"/>
+                <a16:creationId xmlns:a16="http://schemas.microsoft.com/office/drawing/2014/main" id="{8B63E6E9-0B18-4E2D-A437-1F7448ECE5B9}"/>
               </a:ext>
             </a:extLst>
           </p:cNvPr>
@@ -12457,7 +12422,7 @@
           <p:cNvPr id="3" name="Plassholder for innhold 2">
             <a:extLst>
               <a:ext uri="{FF2B5EF4-FFF2-40B4-BE49-F238E27FC236}">
-                <a16:creationId xmlns:a16="http://schemas.microsoft.com/office/drawing/2014/main" xmlns="" id="{CAFFAF17-E482-4DCA-9BA6-82FB3386B736}"/>
+                <a16:creationId xmlns:a16="http://schemas.microsoft.com/office/drawing/2014/main" id="{CAFFAF17-E482-4DCA-9BA6-82FB3386B736}"/>
               </a:ext>
             </a:extLst>
           </p:cNvPr>
@@ -12534,7 +12499,7 @@
           <p:cNvPr id="4" name="Rett linje 3">
             <a:extLst>
               <a:ext uri="{FF2B5EF4-FFF2-40B4-BE49-F238E27FC236}">
-                <a16:creationId xmlns:a16="http://schemas.microsoft.com/office/drawing/2014/main" xmlns="" id="{287E330E-CFE9-4D10-8B28-19CF892A8C83}"/>
+                <a16:creationId xmlns:a16="http://schemas.microsoft.com/office/drawing/2014/main" id="{287E330E-CFE9-4D10-8B28-19CF892A8C83}"/>
               </a:ext>
             </a:extLst>
           </p:cNvPr>
@@ -12605,7 +12570,7 @@
           <p:cNvPr id="2" name="Tittel 1">
             <a:extLst>
               <a:ext uri="{FF2B5EF4-FFF2-40B4-BE49-F238E27FC236}">
-                <a16:creationId xmlns:a16="http://schemas.microsoft.com/office/drawing/2014/main" xmlns="" id="{8B63E6E9-0B18-4E2D-A437-1F7448ECE5B9}"/>
+                <a16:creationId xmlns:a16="http://schemas.microsoft.com/office/drawing/2014/main" id="{8B63E6E9-0B18-4E2D-A437-1F7448ECE5B9}"/>
               </a:ext>
             </a:extLst>
           </p:cNvPr>
@@ -12640,7 +12605,7 @@
           <p:cNvPr id="3" name="Plassholder for innhold 2">
             <a:extLst>
               <a:ext uri="{FF2B5EF4-FFF2-40B4-BE49-F238E27FC236}">
-                <a16:creationId xmlns:a16="http://schemas.microsoft.com/office/drawing/2014/main" xmlns="" id="{CAFFAF17-E482-4DCA-9BA6-82FB3386B736}"/>
+                <a16:creationId xmlns:a16="http://schemas.microsoft.com/office/drawing/2014/main" id="{CAFFAF17-E482-4DCA-9BA6-82FB3386B736}"/>
               </a:ext>
             </a:extLst>
           </p:cNvPr>
@@ -12653,7 +12618,7 @@
         </p:nvSpPr>
         <p:spPr>
           <a:xfrm>
-            <a:off x="5067997" y="2013462"/>
+            <a:off x="970326" y="1795348"/>
             <a:ext cx="4520619" cy="3124593"/>
           </a:xfrm>
         </p:spPr>
@@ -12722,7 +12687,7 @@
           <p:cNvPr id="4" name="Rett linje 3">
             <a:extLst>
               <a:ext uri="{FF2B5EF4-FFF2-40B4-BE49-F238E27FC236}">
-                <a16:creationId xmlns:a16="http://schemas.microsoft.com/office/drawing/2014/main" xmlns="" id="{287E330E-CFE9-4D10-8B28-19CF892A8C83}"/>
+                <a16:creationId xmlns:a16="http://schemas.microsoft.com/office/drawing/2014/main" id="{287E330E-CFE9-4D10-8B28-19CF892A8C83}"/>
               </a:ext>
             </a:extLst>
           </p:cNvPr>
@@ -12758,6 +12723,42 @@
           </a:fontRef>
         </p:style>
       </p:cxnSp>
+      <p:pic>
+        <p:nvPicPr>
+          <p:cNvPr id="6" name="Bilde 5">
+            <a:extLst>
+              <a:ext uri="{FF2B5EF4-FFF2-40B4-BE49-F238E27FC236}">
+                <a16:creationId xmlns:a16="http://schemas.microsoft.com/office/drawing/2014/main" id="{90221760-E6D2-419B-96B6-7FF0D9B9E052}"/>
+              </a:ext>
+            </a:extLst>
+          </p:cNvPr>
+          <p:cNvPicPr>
+            <a:picLocks noChangeAspect="1"/>
+          </p:cNvPicPr>
+          <p:nvPr/>
+        </p:nvPicPr>
+        <p:blipFill>
+          <a:blip r:embed="rId2">
+            <a:extLst>
+              <a:ext uri="{28A0092B-C50C-407E-A947-70E740481C1C}">
+                <a14:useLocalDpi xmlns:a14="http://schemas.microsoft.com/office/drawing/2010/main" val="0"/>
+              </a:ext>
+            </a:extLst>
+          </a:blip>
+          <a:stretch>
+            <a:fillRect/>
+          </a:stretch>
+        </p:blipFill>
+        <p:spPr>
+          <a:xfrm>
+            <a:off x="4854386" y="1795348"/>
+            <a:ext cx="7075166" cy="3939243"/>
+          </a:xfrm>
+          <a:prstGeom prst="rect">
+            <a:avLst/>
+          </a:prstGeom>
+        </p:spPr>
+      </p:pic>
     </p:spTree>
     <p:extLst>
       <p:ext uri="{BB962C8B-B14F-4D97-AF65-F5344CB8AC3E}">
@@ -12793,7 +12794,7 @@
           <p:cNvPr id="2" name="Tittel 1">
             <a:extLst>
               <a:ext uri="{FF2B5EF4-FFF2-40B4-BE49-F238E27FC236}">
-                <a16:creationId xmlns:a16="http://schemas.microsoft.com/office/drawing/2014/main" xmlns="" id="{8B63E6E9-0B18-4E2D-A437-1F7448ECE5B9}"/>
+                <a16:creationId xmlns:a16="http://schemas.microsoft.com/office/drawing/2014/main" id="{8B63E6E9-0B18-4E2D-A437-1F7448ECE5B9}"/>
               </a:ext>
             </a:extLst>
           </p:cNvPr>
@@ -12827,7 +12828,7 @@
           <p:cNvPr id="4" name="Rett linje 3">
             <a:extLst>
               <a:ext uri="{FF2B5EF4-FFF2-40B4-BE49-F238E27FC236}">
-                <a16:creationId xmlns:a16="http://schemas.microsoft.com/office/drawing/2014/main" xmlns="" id="{287E330E-CFE9-4D10-8B28-19CF892A8C83}"/>
+                <a16:creationId xmlns:a16="http://schemas.microsoft.com/office/drawing/2014/main" id="{287E330E-CFE9-4D10-8B28-19CF892A8C83}"/>
               </a:ext>
             </a:extLst>
           </p:cNvPr>
@@ -12868,7 +12869,7 @@
           <p:cNvPr id="9" name="Bilde 8">
             <a:extLst>
               <a:ext uri="{FF2B5EF4-FFF2-40B4-BE49-F238E27FC236}">
-                <a16:creationId xmlns:a16="http://schemas.microsoft.com/office/drawing/2014/main" xmlns="" id="{3AD9AC94-B77B-40B3-BE44-C79BADAA4361}"/>
+                <a16:creationId xmlns:a16="http://schemas.microsoft.com/office/drawing/2014/main" id="{3AD9AC94-B77B-40B3-BE44-C79BADAA4361}"/>
               </a:ext>
             </a:extLst>
           </p:cNvPr>
@@ -12928,7 +12929,7 @@
           <p:cNvPr id="2" name="Tittel 1">
             <a:extLst>
               <a:ext uri="{FF2B5EF4-FFF2-40B4-BE49-F238E27FC236}">
-                <a16:creationId xmlns:a16="http://schemas.microsoft.com/office/drawing/2014/main" xmlns="" id="{8B63E6E9-0B18-4E2D-A437-1F7448ECE5B9}"/>
+                <a16:creationId xmlns:a16="http://schemas.microsoft.com/office/drawing/2014/main" id="{8B63E6E9-0B18-4E2D-A437-1F7448ECE5B9}"/>
               </a:ext>
             </a:extLst>
           </p:cNvPr>
@@ -12970,7 +12971,7 @@
           <p:cNvPr id="3" name="Plassholder for innhold 2">
             <a:extLst>
               <a:ext uri="{FF2B5EF4-FFF2-40B4-BE49-F238E27FC236}">
-                <a16:creationId xmlns:a16="http://schemas.microsoft.com/office/drawing/2014/main" xmlns="" id="{CAFFAF17-E482-4DCA-9BA6-82FB3386B736}"/>
+                <a16:creationId xmlns:a16="http://schemas.microsoft.com/office/drawing/2014/main" id="{CAFFAF17-E482-4DCA-9BA6-82FB3386B736}"/>
               </a:ext>
             </a:extLst>
           </p:cNvPr>
@@ -13019,7 +13020,7 @@
           <p:cNvPr id="4" name="Rett linje 3">
             <a:extLst>
               <a:ext uri="{FF2B5EF4-FFF2-40B4-BE49-F238E27FC236}">
-                <a16:creationId xmlns:a16="http://schemas.microsoft.com/office/drawing/2014/main" xmlns="" id="{287E330E-CFE9-4D10-8B28-19CF892A8C83}"/>
+                <a16:creationId xmlns:a16="http://schemas.microsoft.com/office/drawing/2014/main" id="{287E330E-CFE9-4D10-8B28-19CF892A8C83}"/>
               </a:ext>
             </a:extLst>
           </p:cNvPr>
@@ -13090,7 +13091,7 @@
           <p:cNvPr id="2" name="Tittel 1">
             <a:extLst>
               <a:ext uri="{FF2B5EF4-FFF2-40B4-BE49-F238E27FC236}">
-                <a16:creationId xmlns:a16="http://schemas.microsoft.com/office/drawing/2014/main" xmlns="" id="{8B63E6E9-0B18-4E2D-A437-1F7448ECE5B9}"/>
+                <a16:creationId xmlns:a16="http://schemas.microsoft.com/office/drawing/2014/main" id="{8B63E6E9-0B18-4E2D-A437-1F7448ECE5B9}"/>
               </a:ext>
             </a:extLst>
           </p:cNvPr>
@@ -13132,7 +13133,7 @@
           <p:cNvPr id="3" name="Plassholder for innhold 2">
             <a:extLst>
               <a:ext uri="{FF2B5EF4-FFF2-40B4-BE49-F238E27FC236}">
-                <a16:creationId xmlns:a16="http://schemas.microsoft.com/office/drawing/2014/main" xmlns="" id="{CAFFAF17-E482-4DCA-9BA6-82FB3386B736}"/>
+                <a16:creationId xmlns:a16="http://schemas.microsoft.com/office/drawing/2014/main" id="{CAFFAF17-E482-4DCA-9BA6-82FB3386B736}"/>
               </a:ext>
             </a:extLst>
           </p:cNvPr>
@@ -13216,7 +13217,7 @@
           <p:cNvPr id="4" name="Rett linje 3">
             <a:extLst>
               <a:ext uri="{FF2B5EF4-FFF2-40B4-BE49-F238E27FC236}">
-                <a16:creationId xmlns:a16="http://schemas.microsoft.com/office/drawing/2014/main" xmlns="" id="{287E330E-CFE9-4D10-8B28-19CF892A8C83}"/>
+                <a16:creationId xmlns:a16="http://schemas.microsoft.com/office/drawing/2014/main" id="{287E330E-CFE9-4D10-8B28-19CF892A8C83}"/>
               </a:ext>
             </a:extLst>
           </p:cNvPr>
@@ -13287,7 +13288,7 @@
           <p:cNvPr id="2" name="Tittel 1">
             <a:extLst>
               <a:ext uri="{FF2B5EF4-FFF2-40B4-BE49-F238E27FC236}">
-                <a16:creationId xmlns:a16="http://schemas.microsoft.com/office/drawing/2014/main" xmlns="" id="{8B63E6E9-0B18-4E2D-A437-1F7448ECE5B9}"/>
+                <a16:creationId xmlns:a16="http://schemas.microsoft.com/office/drawing/2014/main" id="{8B63E6E9-0B18-4E2D-A437-1F7448ECE5B9}"/>
               </a:ext>
             </a:extLst>
           </p:cNvPr>
@@ -13329,7 +13330,7 @@
           <p:cNvPr id="3" name="Plassholder for innhold 2">
             <a:extLst>
               <a:ext uri="{FF2B5EF4-FFF2-40B4-BE49-F238E27FC236}">
-                <a16:creationId xmlns:a16="http://schemas.microsoft.com/office/drawing/2014/main" xmlns="" id="{CAFFAF17-E482-4DCA-9BA6-82FB3386B736}"/>
+                <a16:creationId xmlns:a16="http://schemas.microsoft.com/office/drawing/2014/main" id="{CAFFAF17-E482-4DCA-9BA6-82FB3386B736}"/>
               </a:ext>
             </a:extLst>
           </p:cNvPr>
@@ -13388,7 +13389,7 @@
           <p:cNvPr id="4" name="Rett linje 3">
             <a:extLst>
               <a:ext uri="{FF2B5EF4-FFF2-40B4-BE49-F238E27FC236}">
-                <a16:creationId xmlns:a16="http://schemas.microsoft.com/office/drawing/2014/main" xmlns="" id="{287E330E-CFE9-4D10-8B28-19CF892A8C83}"/>
+                <a16:creationId xmlns:a16="http://schemas.microsoft.com/office/drawing/2014/main" id="{287E330E-CFE9-4D10-8B28-19CF892A8C83}"/>
               </a:ext>
             </a:extLst>
           </p:cNvPr>
@@ -13459,7 +13460,7 @@
           <p:cNvPr id="2" name="Tittel 1">
             <a:extLst>
               <a:ext uri="{FF2B5EF4-FFF2-40B4-BE49-F238E27FC236}">
-                <a16:creationId xmlns:a16="http://schemas.microsoft.com/office/drawing/2014/main" xmlns="" id="{8B63E6E9-0B18-4E2D-A437-1F7448ECE5B9}"/>
+                <a16:creationId xmlns:a16="http://schemas.microsoft.com/office/drawing/2014/main" id="{8B63E6E9-0B18-4E2D-A437-1F7448ECE5B9}"/>
               </a:ext>
             </a:extLst>
           </p:cNvPr>
@@ -13493,7 +13494,7 @@
           <p:cNvPr id="3" name="Plassholder for innhold 2">
             <a:extLst>
               <a:ext uri="{FF2B5EF4-FFF2-40B4-BE49-F238E27FC236}">
-                <a16:creationId xmlns:a16="http://schemas.microsoft.com/office/drawing/2014/main" xmlns="" id="{CAFFAF17-E482-4DCA-9BA6-82FB3386B736}"/>
+                <a16:creationId xmlns:a16="http://schemas.microsoft.com/office/drawing/2014/main" id="{CAFFAF17-E482-4DCA-9BA6-82FB3386B736}"/>
               </a:ext>
             </a:extLst>
           </p:cNvPr>
@@ -13566,7 +13567,7 @@
           <p:cNvPr id="4" name="Rett linje 3">
             <a:extLst>
               <a:ext uri="{FF2B5EF4-FFF2-40B4-BE49-F238E27FC236}">
-                <a16:creationId xmlns:a16="http://schemas.microsoft.com/office/drawing/2014/main" xmlns="" id="{287E330E-CFE9-4D10-8B28-19CF892A8C83}"/>
+                <a16:creationId xmlns:a16="http://schemas.microsoft.com/office/drawing/2014/main" id="{287E330E-CFE9-4D10-8B28-19CF892A8C83}"/>
               </a:ext>
             </a:extLst>
           </p:cNvPr>

--- a/Documentation/Presentation.pptx
+++ b/Documentation/Presentation.pptx
@@ -11497,6 +11497,15 @@
               <a:t>Klasser</a:t>
             </a:r>
           </a:p>
+          <a:p>
+            <a:r>
+              <a:rPr lang="nb-NO" dirty="0"/>
+              <a:t>Db</a:t>
+            </a:r>
+          </a:p>
+          <a:p>
+            <a:endParaRPr lang="nb-NO" dirty="0"/>
+          </a:p>
         </p:txBody>
       </p:sp>
       <p:pic>
@@ -12643,15 +12652,11 @@
               </a:lnSpc>
             </a:pPr>
             <a:r>
-              <a:rPr lang="nb-NO" dirty="0" err="1"/>
-              <a:t>Daily</a:t>
-            </a:r>
-            <a:r>
               <a:rPr lang="nb-NO" dirty="0"/>
-              <a:t> </a:t>
-            </a:r>
-            <a:r>
-              <a:rPr lang="nb-NO" dirty="0" err="1"/>
+              <a:t>Stand-up </a:t>
+            </a:r>
+            <a:r>
+              <a:rPr lang="nb-NO"/>
               <a:t>meetings</a:t>
             </a:r>
             <a:endParaRPr lang="nb-NO" dirty="0"/>

--- a/Documentation/Presentation.pptx
+++ b/Documentation/Presentation.pptx
@@ -217,7 +217,7 @@
           <a:p>
             <a:fld id="{04A86478-5479-FE4E-BB09-7028D6F0565C}" type="datetimeFigureOut">
               <a:rPr lang="nb-NO" smtClean="0"/>
-              <a:t>13.09.2017</a:t>
+              <a:t>14.09.2017</a:t>
             </a:fld>
             <a:endParaRPr lang="nb-NO"/>
           </a:p>
@@ -631,7 +631,7 @@
           <a:p>
             <a:fld id="{EE92B428-2E8E-4888-91F2-EBD4B7AC95A5}" type="datetimeFigureOut">
               <a:rPr lang="nb-NO" smtClean="0"/>
-              <a:t>13.09.2017</a:t>
+              <a:t>14.09.2017</a:t>
             </a:fld>
             <a:endParaRPr lang="nb-NO"/>
           </a:p>
@@ -829,7 +829,7 @@
           <a:p>
             <a:fld id="{EE92B428-2E8E-4888-91F2-EBD4B7AC95A5}" type="datetimeFigureOut">
               <a:rPr lang="nb-NO" smtClean="0"/>
-              <a:t>13.09.2017</a:t>
+              <a:t>14.09.2017</a:t>
             </a:fld>
             <a:endParaRPr lang="nb-NO"/>
           </a:p>
@@ -1037,7 +1037,7 @@
           <a:p>
             <a:fld id="{EE92B428-2E8E-4888-91F2-EBD4B7AC95A5}" type="datetimeFigureOut">
               <a:rPr lang="nb-NO" smtClean="0"/>
-              <a:t>13.09.2017</a:t>
+              <a:t>14.09.2017</a:t>
             </a:fld>
             <a:endParaRPr lang="nb-NO"/>
           </a:p>
@@ -1235,7 +1235,7 @@
           <a:p>
             <a:fld id="{EE92B428-2E8E-4888-91F2-EBD4B7AC95A5}" type="datetimeFigureOut">
               <a:rPr lang="nb-NO" smtClean="0"/>
-              <a:t>13.09.2017</a:t>
+              <a:t>14.09.2017</a:t>
             </a:fld>
             <a:endParaRPr lang="nb-NO"/>
           </a:p>
@@ -1510,7 +1510,7 @@
           <a:p>
             <a:fld id="{EE92B428-2E8E-4888-91F2-EBD4B7AC95A5}" type="datetimeFigureOut">
               <a:rPr lang="nb-NO" smtClean="0"/>
-              <a:t>13.09.2017</a:t>
+              <a:t>14.09.2017</a:t>
             </a:fld>
             <a:endParaRPr lang="nb-NO"/>
           </a:p>
@@ -1775,7 +1775,7 @@
           <a:p>
             <a:fld id="{EE92B428-2E8E-4888-91F2-EBD4B7AC95A5}" type="datetimeFigureOut">
               <a:rPr lang="nb-NO" smtClean="0"/>
-              <a:t>13.09.2017</a:t>
+              <a:t>14.09.2017</a:t>
             </a:fld>
             <a:endParaRPr lang="nb-NO"/>
           </a:p>
@@ -2187,7 +2187,7 @@
           <a:p>
             <a:fld id="{EE92B428-2E8E-4888-91F2-EBD4B7AC95A5}" type="datetimeFigureOut">
               <a:rPr lang="nb-NO" smtClean="0"/>
-              <a:t>13.09.2017</a:t>
+              <a:t>14.09.2017</a:t>
             </a:fld>
             <a:endParaRPr lang="nb-NO"/>
           </a:p>
@@ -2328,7 +2328,7 @@
           <a:p>
             <a:fld id="{EE92B428-2E8E-4888-91F2-EBD4B7AC95A5}" type="datetimeFigureOut">
               <a:rPr lang="nb-NO" smtClean="0"/>
-              <a:t>13.09.2017</a:t>
+              <a:t>14.09.2017</a:t>
             </a:fld>
             <a:endParaRPr lang="nb-NO"/>
           </a:p>
@@ -2441,7 +2441,7 @@
           <a:p>
             <a:fld id="{EE92B428-2E8E-4888-91F2-EBD4B7AC95A5}" type="datetimeFigureOut">
               <a:rPr lang="nb-NO" smtClean="0"/>
-              <a:t>13.09.2017</a:t>
+              <a:t>14.09.2017</a:t>
             </a:fld>
             <a:endParaRPr lang="nb-NO"/>
           </a:p>
@@ -2752,7 +2752,7 @@
           <a:p>
             <a:fld id="{EE92B428-2E8E-4888-91F2-EBD4B7AC95A5}" type="datetimeFigureOut">
               <a:rPr lang="nb-NO" smtClean="0"/>
-              <a:t>13.09.2017</a:t>
+              <a:t>14.09.2017</a:t>
             </a:fld>
             <a:endParaRPr lang="nb-NO"/>
           </a:p>
@@ -3040,7 +3040,7 @@
           <a:p>
             <a:fld id="{EE92B428-2E8E-4888-91F2-EBD4B7AC95A5}" type="datetimeFigureOut">
               <a:rPr lang="nb-NO" smtClean="0"/>
-              <a:t>13.09.2017</a:t>
+              <a:t>14.09.2017</a:t>
             </a:fld>
             <a:endParaRPr lang="nb-NO"/>
           </a:p>
@@ -3281,7 +3281,7 @@
           <a:p>
             <a:fld id="{EE92B428-2E8E-4888-91F2-EBD4B7AC95A5}" type="datetimeFigureOut">
               <a:rPr lang="nb-NO" smtClean="0"/>
-              <a:t>13.09.2017</a:t>
+              <a:t>14.09.2017</a:t>
             </a:fld>
             <a:endParaRPr lang="nb-NO"/>
           </a:p>
@@ -3902,7 +3902,7 @@
             </a:r>
             <a:r>
               <a:rPr lang="nb-NO" sz="1600" dirty="0"/>
-              <a:t>	??????</a:t>
+              <a:t>	718721</a:t>
             </a:r>
           </a:p>
           <a:p>
